--- a/doc/studyer_project.pptx
+++ b/doc/studyer_project.pptx
@@ -9,6 +9,8 @@
     <p:sldId id="259" r:id="rId3"/>
     <p:sldId id="258" r:id="rId4"/>
     <p:sldId id="260" r:id="rId5"/>
+    <p:sldId id="262" r:id="rId6"/>
+    <p:sldId id="261" r:id="rId7"/>
   </p:sldIdLst>
   <p:sldSz cx="9144000" cy="6858000" type="screen4x3"/>
   <p:notesSz cx="6858000" cy="9144000"/>
@@ -4842,18 +4844,7 @@
                 <a:ea typeface="Arial Unicode MS" pitchFamily="50" charset="-127"/>
                 <a:cs typeface="Arial Unicode MS" pitchFamily="50" charset="-127"/>
               </a:rPr>
-              <a:t>1</a:t>
-            </a:r>
-            <a:r>
-              <a:rPr lang="en-US" altLang="ko-KR" sz="1050" dirty="0" smtClean="0">
-                <a:solidFill>
-                  <a:schemeClr val="tx1"/>
-                </a:solidFill>
-                <a:latin typeface="Arial Unicode MS" pitchFamily="50" charset="-127"/>
-                <a:ea typeface="Arial Unicode MS" pitchFamily="50" charset="-127"/>
-                <a:cs typeface="Arial Unicode MS" pitchFamily="50" charset="-127"/>
-              </a:rPr>
-              <a:t>. </a:t>
+              <a:t>1. </a:t>
             </a:r>
             <a:r>
               <a:rPr lang="ko-KR" altLang="en-US" sz="1050" dirty="0" smtClean="0">
@@ -5237,18 +5228,7 @@
                 <a:ea typeface="Arial Unicode MS" pitchFamily="50" charset="-127"/>
                 <a:cs typeface="Arial Unicode MS" pitchFamily="50" charset="-127"/>
               </a:rPr>
-              <a:t>회원 </a:t>
-            </a:r>
-            <a:r>
-              <a:rPr lang="ko-KR" altLang="en-US" sz="1050" dirty="0" smtClean="0">
-                <a:solidFill>
-                  <a:schemeClr val="tx1"/>
-                </a:solidFill>
-                <a:latin typeface="Arial Unicode MS" pitchFamily="50" charset="-127"/>
-                <a:ea typeface="Arial Unicode MS" pitchFamily="50" charset="-127"/>
-                <a:cs typeface="Arial Unicode MS" pitchFamily="50" charset="-127"/>
-              </a:rPr>
-              <a:t>탈퇴를 한다</a:t>
+              <a:t>회원 탈퇴를 한다</a:t>
             </a:r>
             <a:endParaRPr lang="ko-KR" altLang="en-US" sz="1050" dirty="0">
               <a:solidFill>
@@ -5340,18 +5320,7 @@
                 <a:ea typeface="Arial Unicode MS" pitchFamily="50" charset="-127"/>
                 <a:cs typeface="Arial Unicode MS" pitchFamily="50" charset="-127"/>
               </a:rPr>
-              <a:t>4</a:t>
-            </a:r>
-            <a:r>
-              <a:rPr lang="en-US" altLang="ko-KR" sz="1050" dirty="0" smtClean="0">
-                <a:solidFill>
-                  <a:schemeClr val="tx1"/>
-                </a:solidFill>
-                <a:latin typeface="Arial Unicode MS" pitchFamily="50" charset="-127"/>
-                <a:ea typeface="Arial Unicode MS" pitchFamily="50" charset="-127"/>
-                <a:cs typeface="Arial Unicode MS" pitchFamily="50" charset="-127"/>
-              </a:rPr>
-              <a:t>. </a:t>
+              <a:t>4. </a:t>
             </a:r>
             <a:r>
               <a:rPr lang="ko-KR" altLang="en-US" sz="1050" dirty="0" smtClean="0">
@@ -6256,6 +6225,2711 @@
           </a:p>
         </p:txBody>
       </p:sp>
+    </p:spTree>
+  </p:cSld>
+  <p:clrMapOvr>
+    <a:masterClrMapping/>
+  </p:clrMapOvr>
+  <p:timing>
+    <p:tnLst>
+      <p:par>
+        <p:cTn id="1" dur="indefinite" restart="never" nodeType="tmRoot"/>
+      </p:par>
+    </p:tnLst>
+  </p:timing>
+</p:sld>
+</file>
+
+<file path=ppt/slides/slide5.xml><?xml version="1.0" encoding="utf-8"?>
+<p:sld xmlns:a="http://schemas.openxmlformats.org/drawingml/2006/main" xmlns:r="http://schemas.openxmlformats.org/officeDocument/2006/relationships" xmlns:p="http://schemas.openxmlformats.org/presentationml/2006/main">
+  <p:cSld>
+    <p:spTree>
+      <p:nvGrpSpPr>
+        <p:cNvPr id="1" name=""/>
+        <p:cNvGrpSpPr/>
+        <p:nvPr/>
+      </p:nvGrpSpPr>
+      <p:grpSpPr>
+        <a:xfrm>
+          <a:off x="0" y="0"/>
+          <a:ext cx="0" cy="0"/>
+          <a:chOff x="0" y="0"/>
+          <a:chExt cx="0" cy="0"/>
+        </a:xfrm>
+      </p:grpSpPr>
+      <p:sp>
+        <p:nvSpPr>
+          <p:cNvPr id="6" name="직사각형 5"/>
+          <p:cNvSpPr/>
+          <p:nvPr/>
+        </p:nvSpPr>
+        <p:spPr>
+          <a:xfrm>
+            <a:off x="2123728" y="908720"/>
+            <a:ext cx="4896544" cy="540000"/>
+          </a:xfrm>
+          <a:prstGeom prst="rect">
+            <a:avLst/>
+          </a:prstGeom>
+          <a:noFill/>
+          <a:ln>
+            <a:noFill/>
+          </a:ln>
+        </p:spPr>
+        <p:style>
+          <a:lnRef idx="2">
+            <a:schemeClr val="accent1">
+              <a:shade val="50000"/>
+            </a:schemeClr>
+          </a:lnRef>
+          <a:fillRef idx="1">
+            <a:schemeClr val="accent1"/>
+          </a:fillRef>
+          <a:effectRef idx="0">
+            <a:schemeClr val="accent1"/>
+          </a:effectRef>
+          <a:fontRef idx="minor">
+            <a:schemeClr val="lt1"/>
+          </a:fontRef>
+        </p:style>
+        <p:txBody>
+          <a:bodyPr rtlCol="0" anchor="ctr"/>
+          <a:lstStyle/>
+          <a:p>
+            <a:pPr algn="ctr"/>
+            <a:r>
+              <a:rPr lang="en-US" altLang="ko-KR" sz="2000" dirty="0" smtClean="0">
+                <a:solidFill>
+                  <a:schemeClr val="tx1"/>
+                </a:solidFill>
+                <a:latin typeface="Arial Unicode MS" pitchFamily="50" charset="-127"/>
+                <a:ea typeface="Arial Unicode MS" pitchFamily="50" charset="-127"/>
+                <a:cs typeface="Arial Unicode MS" pitchFamily="50" charset="-127"/>
+              </a:rPr>
+              <a:t>STUDYER _ Use Case</a:t>
+            </a:r>
+            <a:endParaRPr lang="ko-KR" altLang="en-US" sz="2000" dirty="0">
+              <a:solidFill>
+                <a:schemeClr val="tx1"/>
+              </a:solidFill>
+              <a:latin typeface="Arial Unicode MS" pitchFamily="50" charset="-127"/>
+              <a:ea typeface="Arial Unicode MS" pitchFamily="50" charset="-127"/>
+              <a:cs typeface="Arial Unicode MS" pitchFamily="50" charset="-127"/>
+            </a:endParaRPr>
+          </a:p>
+        </p:txBody>
+      </p:sp>
+      <p:cxnSp>
+        <p:nvCxnSpPr>
+          <p:cNvPr id="8" name="직선 연결선 7"/>
+          <p:cNvCxnSpPr/>
+          <p:nvPr/>
+        </p:nvCxnSpPr>
+        <p:spPr>
+          <a:xfrm>
+            <a:off x="791580" y="1556792"/>
+            <a:ext cx="7560840" cy="0"/>
+          </a:xfrm>
+          <a:prstGeom prst="line">
+            <a:avLst/>
+          </a:prstGeom>
+          <a:ln>
+            <a:solidFill>
+              <a:schemeClr val="tx1">
+                <a:lumMod val="65000"/>
+                <a:lumOff val="35000"/>
+              </a:schemeClr>
+            </a:solidFill>
+          </a:ln>
+        </p:spPr>
+        <p:style>
+          <a:lnRef idx="1">
+            <a:schemeClr val="accent1"/>
+          </a:lnRef>
+          <a:fillRef idx="0">
+            <a:schemeClr val="accent1"/>
+          </a:fillRef>
+          <a:effectRef idx="0">
+            <a:schemeClr val="accent1"/>
+          </a:effectRef>
+          <a:fontRef idx="minor">
+            <a:schemeClr val="tx1"/>
+          </a:fontRef>
+        </p:style>
+      </p:cxnSp>
+      <p:sp>
+        <p:nvSpPr>
+          <p:cNvPr id="7" name="직사각형 6"/>
+          <p:cNvSpPr/>
+          <p:nvPr/>
+        </p:nvSpPr>
+        <p:spPr>
+          <a:xfrm>
+            <a:off x="827584" y="2204864"/>
+            <a:ext cx="1728192" cy="1107996"/>
+          </a:xfrm>
+          <a:prstGeom prst="rect">
+            <a:avLst/>
+          </a:prstGeom>
+          <a:noFill/>
+          <a:ln w="3175">
+            <a:solidFill>
+              <a:schemeClr val="tx1"/>
+            </a:solidFill>
+          </a:ln>
+        </p:spPr>
+        <p:style>
+          <a:lnRef idx="2">
+            <a:schemeClr val="accent1">
+              <a:shade val="50000"/>
+            </a:schemeClr>
+          </a:lnRef>
+          <a:fillRef idx="1">
+            <a:schemeClr val="accent1"/>
+          </a:fillRef>
+          <a:effectRef idx="0">
+            <a:schemeClr val="accent1"/>
+          </a:effectRef>
+          <a:fontRef idx="minor">
+            <a:schemeClr val="lt1"/>
+          </a:fontRef>
+        </p:style>
+        <p:txBody>
+          <a:bodyPr wrap="square" rtlCol="0" anchor="t">
+            <a:spAutoFit/>
+          </a:bodyPr>
+          <a:lstStyle/>
+          <a:p>
+            <a:r>
+              <a:rPr lang="en-US" altLang="ko-KR" sz="1100" b="1" dirty="0" smtClean="0">
+                <a:solidFill>
+                  <a:sysClr val="windowText" lastClr="000000"/>
+                </a:solidFill>
+                <a:latin typeface="Arial Unicode MS" pitchFamily="50" charset="-127"/>
+                <a:ea typeface="Arial Unicode MS" pitchFamily="50" charset="-127"/>
+                <a:cs typeface="Arial Unicode MS" pitchFamily="50" charset="-127"/>
+              </a:rPr>
+              <a:t>member</a:t>
+            </a:r>
+          </a:p>
+          <a:p>
+            <a:pPr>
+              <a:buFontTx/>
+              <a:buChar char="-"/>
+            </a:pPr>
+            <a:r>
+              <a:rPr lang="en-US" altLang="ko-KR" sz="1100" dirty="0" smtClean="0">
+                <a:solidFill>
+                  <a:sysClr val="windowText" lastClr="000000"/>
+                </a:solidFill>
+                <a:latin typeface="Arial Unicode MS" pitchFamily="50" charset="-127"/>
+                <a:ea typeface="Arial Unicode MS" pitchFamily="50" charset="-127"/>
+                <a:cs typeface="Arial Unicode MS" pitchFamily="50" charset="-127"/>
+              </a:rPr>
+              <a:t>no </a:t>
+            </a:r>
+            <a:r>
+              <a:rPr lang="en-US" altLang="ko-KR" sz="1100" dirty="0" err="1" smtClean="0">
+                <a:solidFill>
+                  <a:sysClr val="windowText" lastClr="000000"/>
+                </a:solidFill>
+                <a:latin typeface="Arial Unicode MS" pitchFamily="50" charset="-127"/>
+                <a:ea typeface="Arial Unicode MS" pitchFamily="50" charset="-127"/>
+                <a:cs typeface="Arial Unicode MS" pitchFamily="50" charset="-127"/>
+              </a:rPr>
+              <a:t>int</a:t>
+            </a:r>
+            <a:r>
+              <a:rPr lang="en-US" altLang="ko-KR" sz="1100" dirty="0" smtClean="0">
+                <a:solidFill>
+                  <a:sysClr val="windowText" lastClr="000000"/>
+                </a:solidFill>
+                <a:latin typeface="Arial Unicode MS" pitchFamily="50" charset="-127"/>
+                <a:ea typeface="Arial Unicode MS" pitchFamily="50" charset="-127"/>
+                <a:cs typeface="Arial Unicode MS" pitchFamily="50" charset="-127"/>
+              </a:rPr>
+              <a:t> primary</a:t>
+            </a:r>
+          </a:p>
+          <a:p>
+            <a:pPr>
+              <a:buFontTx/>
+              <a:buChar char="-"/>
+            </a:pPr>
+            <a:r>
+              <a:rPr lang="en-US" altLang="ko-KR" sz="1100" dirty="0" smtClean="0">
+                <a:solidFill>
+                  <a:sysClr val="windowText" lastClr="000000"/>
+                </a:solidFill>
+                <a:latin typeface="Arial Unicode MS" pitchFamily="50" charset="-127"/>
+                <a:ea typeface="Arial Unicode MS" pitchFamily="50" charset="-127"/>
+                <a:cs typeface="Arial Unicode MS" pitchFamily="50" charset="-127"/>
+              </a:rPr>
+              <a:t>email String unique</a:t>
+            </a:r>
+          </a:p>
+          <a:p>
+            <a:pPr>
+              <a:buFontTx/>
+              <a:buChar char="-"/>
+            </a:pPr>
+            <a:r>
+              <a:rPr lang="en-US" altLang="ko-KR" sz="1100" dirty="0" smtClean="0">
+                <a:solidFill>
+                  <a:sysClr val="windowText" lastClr="000000"/>
+                </a:solidFill>
+                <a:latin typeface="Arial Unicode MS" pitchFamily="50" charset="-127"/>
+                <a:ea typeface="Arial Unicode MS" pitchFamily="50" charset="-127"/>
+                <a:cs typeface="Arial Unicode MS" pitchFamily="50" charset="-127"/>
+              </a:rPr>
+              <a:t>password String</a:t>
+            </a:r>
+          </a:p>
+          <a:p>
+            <a:pPr>
+              <a:buFontTx/>
+              <a:buChar char="-"/>
+            </a:pPr>
+            <a:r>
+              <a:rPr lang="en-US" altLang="ko-KR" sz="1100" dirty="0" smtClean="0">
+                <a:solidFill>
+                  <a:sysClr val="windowText" lastClr="000000"/>
+                </a:solidFill>
+                <a:latin typeface="Arial Unicode MS" pitchFamily="50" charset="-127"/>
+                <a:ea typeface="Arial Unicode MS" pitchFamily="50" charset="-127"/>
+                <a:cs typeface="Arial Unicode MS" pitchFamily="50" charset="-127"/>
+              </a:rPr>
+              <a:t>name String</a:t>
+            </a:r>
+          </a:p>
+          <a:p>
+            <a:pPr>
+              <a:buFontTx/>
+              <a:buChar char="-"/>
+            </a:pPr>
+            <a:r>
+              <a:rPr lang="en-US" altLang="ko-KR" sz="1100" dirty="0" smtClean="0">
+                <a:solidFill>
+                  <a:sysClr val="windowText" lastClr="000000"/>
+                </a:solidFill>
+                <a:latin typeface="Arial Unicode MS" pitchFamily="50" charset="-127"/>
+                <a:ea typeface="Arial Unicode MS" pitchFamily="50" charset="-127"/>
+                <a:cs typeface="Arial Unicode MS" pitchFamily="50" charset="-127"/>
+              </a:rPr>
+              <a:t>photo String</a:t>
+            </a:r>
+            <a:endParaRPr lang="ko-KR" altLang="en-US" sz="1100" dirty="0">
+              <a:solidFill>
+                <a:sysClr val="windowText" lastClr="000000"/>
+              </a:solidFill>
+              <a:latin typeface="Arial Unicode MS" pitchFamily="50" charset="-127"/>
+              <a:ea typeface="Arial Unicode MS" pitchFamily="50" charset="-127"/>
+              <a:cs typeface="Arial Unicode MS" pitchFamily="50" charset="-127"/>
+            </a:endParaRPr>
+          </a:p>
+        </p:txBody>
+      </p:sp>
+      <p:sp>
+        <p:nvSpPr>
+          <p:cNvPr id="9" name="직사각형 8"/>
+          <p:cNvSpPr/>
+          <p:nvPr/>
+        </p:nvSpPr>
+        <p:spPr>
+          <a:xfrm>
+            <a:off x="4239655" y="2204864"/>
+            <a:ext cx="2060537" cy="1954381"/>
+          </a:xfrm>
+          <a:prstGeom prst="rect">
+            <a:avLst/>
+          </a:prstGeom>
+          <a:noFill/>
+          <a:ln w="3175">
+            <a:solidFill>
+              <a:schemeClr val="tx1"/>
+            </a:solidFill>
+          </a:ln>
+        </p:spPr>
+        <p:style>
+          <a:lnRef idx="2">
+            <a:schemeClr val="accent1">
+              <a:shade val="50000"/>
+            </a:schemeClr>
+          </a:lnRef>
+          <a:fillRef idx="1">
+            <a:schemeClr val="accent1"/>
+          </a:fillRef>
+          <a:effectRef idx="0">
+            <a:schemeClr val="accent1"/>
+          </a:effectRef>
+          <a:fontRef idx="minor">
+            <a:schemeClr val="lt1"/>
+          </a:fontRef>
+        </p:style>
+        <p:txBody>
+          <a:bodyPr wrap="square" rtlCol="0" anchor="t">
+            <a:spAutoFit/>
+          </a:bodyPr>
+          <a:lstStyle/>
+          <a:p>
+            <a:r>
+              <a:rPr lang="en-US" altLang="ko-KR" sz="1100" b="1" dirty="0" err="1" smtClean="0">
+                <a:solidFill>
+                  <a:sysClr val="windowText" lastClr="000000"/>
+                </a:solidFill>
+                <a:latin typeface="Arial Unicode MS" pitchFamily="50" charset="-127"/>
+                <a:ea typeface="Arial Unicode MS" pitchFamily="50" charset="-127"/>
+                <a:cs typeface="Arial Unicode MS" pitchFamily="50" charset="-127"/>
+              </a:rPr>
+              <a:t>share_board</a:t>
+            </a:r>
+            <a:endParaRPr lang="en-US" altLang="ko-KR" sz="1100" b="1" dirty="0" smtClean="0">
+              <a:solidFill>
+                <a:sysClr val="windowText" lastClr="000000"/>
+              </a:solidFill>
+              <a:latin typeface="Arial Unicode MS" pitchFamily="50" charset="-127"/>
+              <a:ea typeface="Arial Unicode MS" pitchFamily="50" charset="-127"/>
+              <a:cs typeface="Arial Unicode MS" pitchFamily="50" charset="-127"/>
+            </a:endParaRPr>
+          </a:p>
+          <a:p>
+            <a:pPr>
+              <a:buFontTx/>
+              <a:buChar char="-"/>
+            </a:pPr>
+            <a:r>
+              <a:rPr lang="en-US" altLang="ko-KR" sz="1100" dirty="0" smtClean="0">
+                <a:solidFill>
+                  <a:schemeClr val="accent4">
+                    <a:lumMod val="75000"/>
+                  </a:schemeClr>
+                </a:solidFill>
+                <a:latin typeface="Arial Unicode MS" pitchFamily="50" charset="-127"/>
+                <a:ea typeface="Arial Unicode MS" pitchFamily="50" charset="-127"/>
+                <a:cs typeface="Arial Unicode MS" pitchFamily="50" charset="-127"/>
+              </a:rPr>
+              <a:t>no </a:t>
+            </a:r>
+            <a:r>
+              <a:rPr lang="en-US" altLang="ko-KR" sz="1100" dirty="0" err="1" smtClean="0">
+                <a:solidFill>
+                  <a:schemeClr val="accent4">
+                    <a:lumMod val="75000"/>
+                  </a:schemeClr>
+                </a:solidFill>
+                <a:latin typeface="Arial Unicode MS" pitchFamily="50" charset="-127"/>
+                <a:ea typeface="Arial Unicode MS" pitchFamily="50" charset="-127"/>
+                <a:cs typeface="Arial Unicode MS" pitchFamily="50" charset="-127"/>
+              </a:rPr>
+              <a:t>int</a:t>
+            </a:r>
+            <a:r>
+              <a:rPr lang="en-US" altLang="ko-KR" sz="1100" dirty="0" smtClean="0">
+                <a:solidFill>
+                  <a:schemeClr val="accent4">
+                    <a:lumMod val="75000"/>
+                  </a:schemeClr>
+                </a:solidFill>
+                <a:latin typeface="Arial Unicode MS" pitchFamily="50" charset="-127"/>
+                <a:ea typeface="Arial Unicode MS" pitchFamily="50" charset="-127"/>
+                <a:cs typeface="Arial Unicode MS" pitchFamily="50" charset="-127"/>
+              </a:rPr>
+              <a:t> </a:t>
+            </a:r>
+            <a:r>
+              <a:rPr lang="en-US" altLang="ko-KR" sz="1100" dirty="0" smtClean="0">
+                <a:solidFill>
+                  <a:schemeClr val="accent4">
+                    <a:lumMod val="75000"/>
+                  </a:schemeClr>
+                </a:solidFill>
+                <a:latin typeface="Arial Unicode MS" pitchFamily="50" charset="-127"/>
+                <a:ea typeface="Arial Unicode MS" pitchFamily="50" charset="-127"/>
+                <a:cs typeface="Arial Unicode MS" pitchFamily="50" charset="-127"/>
+              </a:rPr>
+              <a:t>primary</a:t>
+            </a:r>
+          </a:p>
+          <a:p>
+            <a:pPr>
+              <a:buFontTx/>
+              <a:buChar char="-"/>
+            </a:pPr>
+            <a:r>
+              <a:rPr lang="en-US" altLang="ko-KR" sz="1100" dirty="0" err="1" smtClean="0">
+                <a:solidFill>
+                  <a:srgbClr val="C00000"/>
+                </a:solidFill>
+                <a:latin typeface="Arial Unicode MS" pitchFamily="50" charset="-127"/>
+                <a:ea typeface="Arial Unicode MS" pitchFamily="50" charset="-127"/>
+                <a:cs typeface="Arial Unicode MS" pitchFamily="50" charset="-127"/>
+              </a:rPr>
+              <a:t>class_subject_no</a:t>
+            </a:r>
+            <a:r>
+              <a:rPr lang="en-US" altLang="ko-KR" sz="1100" dirty="0" smtClean="0">
+                <a:solidFill>
+                  <a:srgbClr val="C00000"/>
+                </a:solidFill>
+                <a:latin typeface="Arial Unicode MS" pitchFamily="50" charset="-127"/>
+                <a:ea typeface="Arial Unicode MS" pitchFamily="50" charset="-127"/>
+                <a:cs typeface="Arial Unicode MS" pitchFamily="50" charset="-127"/>
+              </a:rPr>
+              <a:t> </a:t>
+            </a:r>
+            <a:r>
+              <a:rPr lang="en-US" altLang="ko-KR" sz="1100" dirty="0" err="1" smtClean="0">
+                <a:solidFill>
+                  <a:srgbClr val="C00000"/>
+                </a:solidFill>
+                <a:latin typeface="Arial Unicode MS" pitchFamily="50" charset="-127"/>
+                <a:ea typeface="Arial Unicode MS" pitchFamily="50" charset="-127"/>
+                <a:cs typeface="Arial Unicode MS" pitchFamily="50" charset="-127"/>
+              </a:rPr>
+              <a:t>int</a:t>
+            </a:r>
+            <a:r>
+              <a:rPr lang="en-US" altLang="ko-KR" sz="1100" dirty="0" smtClean="0">
+                <a:solidFill>
+                  <a:srgbClr val="C00000"/>
+                </a:solidFill>
+                <a:latin typeface="Arial Unicode MS" pitchFamily="50" charset="-127"/>
+                <a:ea typeface="Arial Unicode MS" pitchFamily="50" charset="-127"/>
+                <a:cs typeface="Arial Unicode MS" pitchFamily="50" charset="-127"/>
+              </a:rPr>
+              <a:t> foreign</a:t>
+            </a:r>
+          </a:p>
+          <a:p>
+            <a:pPr>
+              <a:buFontTx/>
+              <a:buChar char="-"/>
+            </a:pPr>
+            <a:r>
+              <a:rPr lang="en-US" altLang="ko-KR" sz="1100" dirty="0" err="1" smtClean="0">
+                <a:solidFill>
+                  <a:srgbClr val="0070C0"/>
+                </a:solidFill>
+                <a:latin typeface="Arial Unicode MS" pitchFamily="50" charset="-127"/>
+                <a:ea typeface="Arial Unicode MS" pitchFamily="50" charset="-127"/>
+                <a:cs typeface="Arial Unicode MS" pitchFamily="50" charset="-127"/>
+              </a:rPr>
+              <a:t>class_teacher_no</a:t>
+            </a:r>
+            <a:r>
+              <a:rPr lang="en-US" altLang="ko-KR" sz="1100" dirty="0" smtClean="0">
+                <a:solidFill>
+                  <a:srgbClr val="0070C0"/>
+                </a:solidFill>
+                <a:latin typeface="Arial Unicode MS" pitchFamily="50" charset="-127"/>
+                <a:ea typeface="Arial Unicode MS" pitchFamily="50" charset="-127"/>
+                <a:cs typeface="Arial Unicode MS" pitchFamily="50" charset="-127"/>
+              </a:rPr>
+              <a:t> </a:t>
+            </a:r>
+            <a:r>
+              <a:rPr lang="en-US" altLang="ko-KR" sz="1100" dirty="0" err="1" smtClean="0">
+                <a:solidFill>
+                  <a:srgbClr val="0070C0"/>
+                </a:solidFill>
+                <a:latin typeface="Arial Unicode MS" pitchFamily="50" charset="-127"/>
+                <a:ea typeface="Arial Unicode MS" pitchFamily="50" charset="-127"/>
+                <a:cs typeface="Arial Unicode MS" pitchFamily="50" charset="-127"/>
+              </a:rPr>
+              <a:t>int</a:t>
+            </a:r>
+            <a:r>
+              <a:rPr lang="en-US" altLang="ko-KR" sz="1100" dirty="0" smtClean="0">
+                <a:solidFill>
+                  <a:srgbClr val="0070C0"/>
+                </a:solidFill>
+                <a:latin typeface="Arial Unicode MS" pitchFamily="50" charset="-127"/>
+                <a:ea typeface="Arial Unicode MS" pitchFamily="50" charset="-127"/>
+                <a:cs typeface="Arial Unicode MS" pitchFamily="50" charset="-127"/>
+              </a:rPr>
+              <a:t> </a:t>
+            </a:r>
+            <a:r>
+              <a:rPr lang="en-US" altLang="ko-KR" sz="1100" dirty="0" smtClean="0">
+                <a:solidFill>
+                  <a:srgbClr val="0070C0"/>
+                </a:solidFill>
+                <a:latin typeface="Arial Unicode MS" pitchFamily="50" charset="-127"/>
+                <a:ea typeface="Arial Unicode MS" pitchFamily="50" charset="-127"/>
+                <a:cs typeface="Arial Unicode MS" pitchFamily="50" charset="-127"/>
+              </a:rPr>
+              <a:t>foreign</a:t>
+            </a:r>
+          </a:p>
+          <a:p>
+            <a:pPr>
+              <a:buFontTx/>
+              <a:buChar char="-"/>
+            </a:pPr>
+            <a:r>
+              <a:rPr lang="en-US" altLang="ko-KR" sz="1100" dirty="0" err="1" smtClean="0">
+                <a:solidFill>
+                  <a:schemeClr val="accent3">
+                    <a:lumMod val="75000"/>
+                  </a:schemeClr>
+                </a:solidFill>
+                <a:latin typeface="Arial Unicode MS" pitchFamily="50" charset="-127"/>
+                <a:ea typeface="Arial Unicode MS" pitchFamily="50" charset="-127"/>
+                <a:cs typeface="Arial Unicode MS" pitchFamily="50" charset="-127"/>
+              </a:rPr>
+              <a:t>class_place_no</a:t>
+            </a:r>
+            <a:r>
+              <a:rPr lang="en-US" altLang="ko-KR" sz="1100" dirty="0" smtClean="0">
+                <a:solidFill>
+                  <a:schemeClr val="accent3">
+                    <a:lumMod val="75000"/>
+                  </a:schemeClr>
+                </a:solidFill>
+                <a:latin typeface="Arial Unicode MS" pitchFamily="50" charset="-127"/>
+                <a:ea typeface="Arial Unicode MS" pitchFamily="50" charset="-127"/>
+                <a:cs typeface="Arial Unicode MS" pitchFamily="50" charset="-127"/>
+              </a:rPr>
+              <a:t> </a:t>
+            </a:r>
+            <a:r>
+              <a:rPr lang="en-US" altLang="ko-KR" sz="1100" dirty="0" err="1" smtClean="0">
+                <a:solidFill>
+                  <a:schemeClr val="accent3">
+                    <a:lumMod val="75000"/>
+                  </a:schemeClr>
+                </a:solidFill>
+                <a:latin typeface="Arial Unicode MS" pitchFamily="50" charset="-127"/>
+                <a:ea typeface="Arial Unicode MS" pitchFamily="50" charset="-127"/>
+                <a:cs typeface="Arial Unicode MS" pitchFamily="50" charset="-127"/>
+              </a:rPr>
+              <a:t>int</a:t>
+            </a:r>
+            <a:r>
+              <a:rPr lang="en-US" altLang="ko-KR" sz="1100" dirty="0" smtClean="0">
+                <a:solidFill>
+                  <a:schemeClr val="accent3">
+                    <a:lumMod val="75000"/>
+                  </a:schemeClr>
+                </a:solidFill>
+                <a:latin typeface="Arial Unicode MS" pitchFamily="50" charset="-127"/>
+                <a:ea typeface="Arial Unicode MS" pitchFamily="50" charset="-127"/>
+                <a:cs typeface="Arial Unicode MS" pitchFamily="50" charset="-127"/>
+              </a:rPr>
+              <a:t> </a:t>
+            </a:r>
+            <a:r>
+              <a:rPr lang="en-US" altLang="ko-KR" sz="1100" dirty="0" smtClean="0">
+                <a:solidFill>
+                  <a:schemeClr val="accent3">
+                    <a:lumMod val="75000"/>
+                  </a:schemeClr>
+                </a:solidFill>
+                <a:latin typeface="Arial Unicode MS" pitchFamily="50" charset="-127"/>
+                <a:ea typeface="Arial Unicode MS" pitchFamily="50" charset="-127"/>
+                <a:cs typeface="Arial Unicode MS" pitchFamily="50" charset="-127"/>
+              </a:rPr>
+              <a:t>foreign</a:t>
+            </a:r>
+            <a:endParaRPr lang="en-US" altLang="ko-KR" sz="1100" dirty="0" smtClean="0">
+              <a:solidFill>
+                <a:schemeClr val="accent3">
+                  <a:lumMod val="75000"/>
+                </a:schemeClr>
+              </a:solidFill>
+              <a:latin typeface="Arial Unicode MS" pitchFamily="50" charset="-127"/>
+              <a:ea typeface="Arial Unicode MS" pitchFamily="50" charset="-127"/>
+              <a:cs typeface="Arial Unicode MS" pitchFamily="50" charset="-127"/>
+            </a:endParaRPr>
+          </a:p>
+          <a:p>
+            <a:pPr>
+              <a:buFontTx/>
+              <a:buChar char="-"/>
+            </a:pPr>
+            <a:r>
+              <a:rPr lang="en-US" altLang="ko-KR" sz="1100" dirty="0" err="1" smtClean="0">
+                <a:solidFill>
+                  <a:schemeClr val="accent6">
+                    <a:lumMod val="75000"/>
+                  </a:schemeClr>
+                </a:solidFill>
+                <a:latin typeface="Arial Unicode MS" pitchFamily="50" charset="-127"/>
+                <a:ea typeface="Arial Unicode MS" pitchFamily="50" charset="-127"/>
+                <a:cs typeface="Arial Unicode MS" pitchFamily="50" charset="-127"/>
+              </a:rPr>
+              <a:t>class_name_no</a:t>
+            </a:r>
+            <a:r>
+              <a:rPr lang="en-US" altLang="ko-KR" sz="1100" dirty="0" smtClean="0">
+                <a:solidFill>
+                  <a:schemeClr val="accent6">
+                    <a:lumMod val="75000"/>
+                  </a:schemeClr>
+                </a:solidFill>
+                <a:latin typeface="Arial Unicode MS" pitchFamily="50" charset="-127"/>
+                <a:ea typeface="Arial Unicode MS" pitchFamily="50" charset="-127"/>
+                <a:cs typeface="Arial Unicode MS" pitchFamily="50" charset="-127"/>
+              </a:rPr>
+              <a:t> </a:t>
+            </a:r>
+            <a:r>
+              <a:rPr lang="en-US" altLang="ko-KR" sz="1100" dirty="0" err="1" smtClean="0">
+                <a:solidFill>
+                  <a:schemeClr val="accent6">
+                    <a:lumMod val="75000"/>
+                  </a:schemeClr>
+                </a:solidFill>
+                <a:latin typeface="Arial Unicode MS" pitchFamily="50" charset="-127"/>
+                <a:ea typeface="Arial Unicode MS" pitchFamily="50" charset="-127"/>
+                <a:cs typeface="Arial Unicode MS" pitchFamily="50" charset="-127"/>
+              </a:rPr>
+              <a:t>int</a:t>
+            </a:r>
+            <a:r>
+              <a:rPr lang="en-US" altLang="ko-KR" sz="1100" dirty="0" smtClean="0">
+                <a:solidFill>
+                  <a:schemeClr val="accent6">
+                    <a:lumMod val="75000"/>
+                  </a:schemeClr>
+                </a:solidFill>
+                <a:latin typeface="Arial Unicode MS" pitchFamily="50" charset="-127"/>
+                <a:ea typeface="Arial Unicode MS" pitchFamily="50" charset="-127"/>
+                <a:cs typeface="Arial Unicode MS" pitchFamily="50" charset="-127"/>
+              </a:rPr>
+              <a:t> </a:t>
+            </a:r>
+            <a:r>
+              <a:rPr lang="en-US" altLang="ko-KR" sz="1100" dirty="0" smtClean="0">
+                <a:solidFill>
+                  <a:schemeClr val="accent6">
+                    <a:lumMod val="75000"/>
+                  </a:schemeClr>
+                </a:solidFill>
+                <a:latin typeface="Arial Unicode MS" pitchFamily="50" charset="-127"/>
+                <a:ea typeface="Arial Unicode MS" pitchFamily="50" charset="-127"/>
+                <a:cs typeface="Arial Unicode MS" pitchFamily="50" charset="-127"/>
+              </a:rPr>
+              <a:t>foreign</a:t>
+            </a:r>
+            <a:endParaRPr lang="en-US" altLang="ko-KR" sz="1100" dirty="0" smtClean="0">
+              <a:solidFill>
+                <a:schemeClr val="accent6">
+                  <a:lumMod val="75000"/>
+                </a:schemeClr>
+              </a:solidFill>
+              <a:latin typeface="Arial Unicode MS" pitchFamily="50" charset="-127"/>
+              <a:ea typeface="Arial Unicode MS" pitchFamily="50" charset="-127"/>
+              <a:cs typeface="Arial Unicode MS" pitchFamily="50" charset="-127"/>
+            </a:endParaRPr>
+          </a:p>
+          <a:p>
+            <a:pPr>
+              <a:buFontTx/>
+              <a:buChar char="-"/>
+            </a:pPr>
+            <a:r>
+              <a:rPr lang="en-US" altLang="ko-KR" sz="1100" dirty="0" smtClean="0">
+                <a:solidFill>
+                  <a:sysClr val="windowText" lastClr="000000"/>
+                </a:solidFill>
+                <a:latin typeface="Arial Unicode MS" pitchFamily="50" charset="-127"/>
+                <a:ea typeface="Arial Unicode MS" pitchFamily="50" charset="-127"/>
+                <a:cs typeface="Arial Unicode MS" pitchFamily="50" charset="-127"/>
+              </a:rPr>
+              <a:t>title String</a:t>
+            </a:r>
+          </a:p>
+          <a:p>
+            <a:pPr>
+              <a:buFontTx/>
+              <a:buChar char="-"/>
+            </a:pPr>
+            <a:r>
+              <a:rPr lang="en-US" altLang="ko-KR" sz="1100" dirty="0" smtClean="0">
+                <a:solidFill>
+                  <a:sysClr val="windowText" lastClr="000000"/>
+                </a:solidFill>
+                <a:latin typeface="Arial Unicode MS" pitchFamily="50" charset="-127"/>
+                <a:ea typeface="Arial Unicode MS" pitchFamily="50" charset="-127"/>
+                <a:cs typeface="Arial Unicode MS" pitchFamily="50" charset="-127"/>
+              </a:rPr>
+              <a:t>content String</a:t>
+            </a:r>
+          </a:p>
+          <a:p>
+            <a:pPr>
+              <a:buFontTx/>
+              <a:buChar char="-"/>
+            </a:pPr>
+            <a:r>
+              <a:rPr lang="en-US" altLang="ko-KR" sz="1100" dirty="0" err="1" smtClean="0">
+                <a:solidFill>
+                  <a:sysClr val="windowText" lastClr="000000"/>
+                </a:solidFill>
+                <a:latin typeface="Arial Unicode MS" pitchFamily="50" charset="-127"/>
+                <a:ea typeface="Arial Unicode MS" pitchFamily="50" charset="-127"/>
+                <a:cs typeface="Arial Unicode MS" pitchFamily="50" charset="-127"/>
+              </a:rPr>
+              <a:t>file_url</a:t>
+            </a:r>
+            <a:r>
+              <a:rPr lang="en-US" altLang="ko-KR" sz="1100" dirty="0" smtClean="0">
+                <a:solidFill>
+                  <a:sysClr val="windowText" lastClr="000000"/>
+                </a:solidFill>
+                <a:latin typeface="Arial Unicode MS" pitchFamily="50" charset="-127"/>
+                <a:ea typeface="Arial Unicode MS" pitchFamily="50" charset="-127"/>
+                <a:cs typeface="Arial Unicode MS" pitchFamily="50" charset="-127"/>
+              </a:rPr>
+              <a:t> String</a:t>
+            </a:r>
+          </a:p>
+          <a:p>
+            <a:pPr>
+              <a:buFontTx/>
+              <a:buChar char="-"/>
+            </a:pPr>
+            <a:r>
+              <a:rPr lang="en-US" altLang="ko-KR" sz="1100" dirty="0" smtClean="0">
+                <a:solidFill>
+                  <a:sysClr val="windowText" lastClr="000000"/>
+                </a:solidFill>
+                <a:latin typeface="Arial Unicode MS" pitchFamily="50" charset="-127"/>
+                <a:ea typeface="Arial Unicode MS" pitchFamily="50" charset="-127"/>
+                <a:cs typeface="Arial Unicode MS" pitchFamily="50" charset="-127"/>
+              </a:rPr>
+              <a:t>good </a:t>
+            </a:r>
+            <a:r>
+              <a:rPr lang="en-US" altLang="ko-KR" sz="1100" dirty="0" err="1" smtClean="0">
+                <a:solidFill>
+                  <a:sysClr val="windowText" lastClr="000000"/>
+                </a:solidFill>
+                <a:latin typeface="Arial Unicode MS" pitchFamily="50" charset="-127"/>
+                <a:ea typeface="Arial Unicode MS" pitchFamily="50" charset="-127"/>
+                <a:cs typeface="Arial Unicode MS" pitchFamily="50" charset="-127"/>
+              </a:rPr>
+              <a:t>int</a:t>
+            </a:r>
+            <a:endParaRPr lang="en-US" altLang="ko-KR" sz="1100" dirty="0" smtClean="0">
+              <a:solidFill>
+                <a:sysClr val="windowText" lastClr="000000"/>
+              </a:solidFill>
+              <a:latin typeface="Arial Unicode MS" pitchFamily="50" charset="-127"/>
+              <a:ea typeface="Arial Unicode MS" pitchFamily="50" charset="-127"/>
+              <a:cs typeface="Arial Unicode MS" pitchFamily="50" charset="-127"/>
+            </a:endParaRPr>
+          </a:p>
+          <a:p>
+            <a:pPr>
+              <a:buFontTx/>
+              <a:buChar char="-"/>
+            </a:pPr>
+            <a:r>
+              <a:rPr lang="en-US" altLang="ko-KR" sz="1100" dirty="0" err="1" smtClean="0">
+                <a:solidFill>
+                  <a:sysClr val="windowText" lastClr="000000"/>
+                </a:solidFill>
+                <a:latin typeface="Arial Unicode MS" pitchFamily="50" charset="-127"/>
+                <a:ea typeface="Arial Unicode MS" pitchFamily="50" charset="-127"/>
+                <a:cs typeface="Arial Unicode MS" pitchFamily="50" charset="-127"/>
+              </a:rPr>
+              <a:t>reg_date</a:t>
+            </a:r>
+            <a:r>
+              <a:rPr lang="en-US" altLang="ko-KR" sz="1100" dirty="0" smtClean="0">
+                <a:solidFill>
+                  <a:sysClr val="windowText" lastClr="000000"/>
+                </a:solidFill>
+                <a:latin typeface="Arial Unicode MS" pitchFamily="50" charset="-127"/>
+                <a:ea typeface="Arial Unicode MS" pitchFamily="50" charset="-127"/>
+                <a:cs typeface="Arial Unicode MS" pitchFamily="50" charset="-127"/>
+              </a:rPr>
+              <a:t> date </a:t>
+            </a:r>
+            <a:r>
+              <a:rPr lang="en-US" altLang="ko-KR" sz="1100" dirty="0" err="1" smtClean="0">
+                <a:solidFill>
+                  <a:sysClr val="windowText" lastClr="000000"/>
+                </a:solidFill>
+                <a:latin typeface="Arial Unicode MS" pitchFamily="50" charset="-127"/>
+                <a:ea typeface="Arial Unicode MS" pitchFamily="50" charset="-127"/>
+                <a:cs typeface="Arial Unicode MS" pitchFamily="50" charset="-127"/>
+              </a:rPr>
+              <a:t>sysdate</a:t>
+            </a:r>
+            <a:endParaRPr lang="en-US" altLang="ko-KR" sz="1100" dirty="0" smtClean="0">
+              <a:solidFill>
+                <a:sysClr val="windowText" lastClr="000000"/>
+              </a:solidFill>
+              <a:latin typeface="Arial Unicode MS" pitchFamily="50" charset="-127"/>
+              <a:ea typeface="Arial Unicode MS" pitchFamily="50" charset="-127"/>
+              <a:cs typeface="Arial Unicode MS" pitchFamily="50" charset="-127"/>
+            </a:endParaRPr>
+          </a:p>
+        </p:txBody>
+      </p:sp>
+      <p:sp>
+        <p:nvSpPr>
+          <p:cNvPr id="10" name="직사각형 9"/>
+          <p:cNvSpPr/>
+          <p:nvPr/>
+        </p:nvSpPr>
+        <p:spPr>
+          <a:xfrm>
+            <a:off x="2771800" y="2211829"/>
+            <a:ext cx="1395847" cy="769441"/>
+          </a:xfrm>
+          <a:prstGeom prst="rect">
+            <a:avLst/>
+          </a:prstGeom>
+          <a:noFill/>
+          <a:ln w="3175">
+            <a:solidFill>
+              <a:schemeClr val="tx1"/>
+            </a:solidFill>
+          </a:ln>
+        </p:spPr>
+        <p:style>
+          <a:lnRef idx="2">
+            <a:schemeClr val="accent1">
+              <a:shade val="50000"/>
+            </a:schemeClr>
+          </a:lnRef>
+          <a:fillRef idx="1">
+            <a:schemeClr val="accent1"/>
+          </a:fillRef>
+          <a:effectRef idx="0">
+            <a:schemeClr val="accent1"/>
+          </a:effectRef>
+          <a:fontRef idx="minor">
+            <a:schemeClr val="lt1"/>
+          </a:fontRef>
+        </p:style>
+        <p:txBody>
+          <a:bodyPr wrap="square" rtlCol="0" anchor="t">
+            <a:spAutoFit/>
+          </a:bodyPr>
+          <a:lstStyle/>
+          <a:p>
+            <a:r>
+              <a:rPr lang="en-US" altLang="ko-KR" sz="1100" b="1" dirty="0" err="1" smtClean="0">
+                <a:solidFill>
+                  <a:sysClr val="windowText" lastClr="000000"/>
+                </a:solidFill>
+                <a:latin typeface="Arial Unicode MS" pitchFamily="50" charset="-127"/>
+                <a:ea typeface="Arial Unicode MS" pitchFamily="50" charset="-127"/>
+                <a:cs typeface="Arial Unicode MS" pitchFamily="50" charset="-127"/>
+              </a:rPr>
+              <a:t>class_subject</a:t>
+            </a:r>
+            <a:endParaRPr lang="en-US" altLang="ko-KR" sz="1100" b="1" dirty="0" smtClean="0">
+              <a:solidFill>
+                <a:sysClr val="windowText" lastClr="000000"/>
+              </a:solidFill>
+              <a:latin typeface="Arial Unicode MS" pitchFamily="50" charset="-127"/>
+              <a:ea typeface="Arial Unicode MS" pitchFamily="50" charset="-127"/>
+              <a:cs typeface="Arial Unicode MS" pitchFamily="50" charset="-127"/>
+            </a:endParaRPr>
+          </a:p>
+          <a:p>
+            <a:pPr>
+              <a:buFontTx/>
+              <a:buChar char="-"/>
+            </a:pPr>
+            <a:r>
+              <a:rPr lang="en-US" altLang="ko-KR" sz="1100" dirty="0" smtClean="0">
+                <a:solidFill>
+                  <a:srgbClr val="C00000"/>
+                </a:solidFill>
+                <a:latin typeface="Arial Unicode MS" pitchFamily="50" charset="-127"/>
+                <a:ea typeface="Arial Unicode MS" pitchFamily="50" charset="-127"/>
+                <a:cs typeface="Arial Unicode MS" pitchFamily="50" charset="-127"/>
+              </a:rPr>
+              <a:t>no </a:t>
+            </a:r>
+            <a:r>
+              <a:rPr lang="en-US" altLang="ko-KR" sz="1100" dirty="0" err="1" smtClean="0">
+                <a:solidFill>
+                  <a:srgbClr val="C00000"/>
+                </a:solidFill>
+                <a:latin typeface="Arial Unicode MS" pitchFamily="50" charset="-127"/>
+                <a:ea typeface="Arial Unicode MS" pitchFamily="50" charset="-127"/>
+                <a:cs typeface="Arial Unicode MS" pitchFamily="50" charset="-127"/>
+              </a:rPr>
+              <a:t>int</a:t>
+            </a:r>
+            <a:r>
+              <a:rPr lang="en-US" altLang="ko-KR" sz="1100" dirty="0" smtClean="0">
+                <a:solidFill>
+                  <a:srgbClr val="C00000"/>
+                </a:solidFill>
+                <a:latin typeface="Arial Unicode MS" pitchFamily="50" charset="-127"/>
+                <a:ea typeface="Arial Unicode MS" pitchFamily="50" charset="-127"/>
+                <a:cs typeface="Arial Unicode MS" pitchFamily="50" charset="-127"/>
+              </a:rPr>
+              <a:t> primary</a:t>
+            </a:r>
+          </a:p>
+          <a:p>
+            <a:pPr>
+              <a:buFontTx/>
+              <a:buChar char="-"/>
+            </a:pPr>
+            <a:r>
+              <a:rPr lang="en-US" altLang="ko-KR" sz="1100" dirty="0" smtClean="0">
+                <a:solidFill>
+                  <a:sysClr val="windowText" lastClr="000000"/>
+                </a:solidFill>
+                <a:latin typeface="Arial Unicode MS" pitchFamily="50" charset="-127"/>
+                <a:ea typeface="Arial Unicode MS" pitchFamily="50" charset="-127"/>
+                <a:cs typeface="Arial Unicode MS" pitchFamily="50" charset="-127"/>
+              </a:rPr>
+              <a:t>name String</a:t>
+            </a:r>
+          </a:p>
+          <a:p>
+            <a:pPr>
+              <a:buFontTx/>
+              <a:buChar char="-"/>
+            </a:pPr>
+            <a:r>
+              <a:rPr lang="en-US" altLang="ko-KR" sz="1100" dirty="0" smtClean="0">
+                <a:solidFill>
+                  <a:sysClr val="windowText" lastClr="000000"/>
+                </a:solidFill>
+                <a:latin typeface="Arial Unicode MS" pitchFamily="50" charset="-127"/>
+                <a:ea typeface="Arial Unicode MS" pitchFamily="50" charset="-127"/>
+                <a:cs typeface="Arial Unicode MS" pitchFamily="50" charset="-127"/>
+              </a:rPr>
+              <a:t>count </a:t>
+            </a:r>
+            <a:r>
+              <a:rPr lang="en-US" altLang="ko-KR" sz="1100" dirty="0" err="1" smtClean="0">
+                <a:solidFill>
+                  <a:sysClr val="windowText" lastClr="000000"/>
+                </a:solidFill>
+                <a:latin typeface="Arial Unicode MS" pitchFamily="50" charset="-127"/>
+                <a:ea typeface="Arial Unicode MS" pitchFamily="50" charset="-127"/>
+                <a:cs typeface="Arial Unicode MS" pitchFamily="50" charset="-127"/>
+              </a:rPr>
+              <a:t>int</a:t>
+            </a:r>
+            <a:endParaRPr lang="en-US" altLang="ko-KR" sz="1100" dirty="0" smtClean="0">
+              <a:solidFill>
+                <a:sysClr val="windowText" lastClr="000000"/>
+              </a:solidFill>
+              <a:latin typeface="Arial Unicode MS" pitchFamily="50" charset="-127"/>
+              <a:ea typeface="Arial Unicode MS" pitchFamily="50" charset="-127"/>
+              <a:cs typeface="Arial Unicode MS" pitchFamily="50" charset="-127"/>
+            </a:endParaRPr>
+          </a:p>
+        </p:txBody>
+      </p:sp>
+      <p:sp>
+        <p:nvSpPr>
+          <p:cNvPr id="11" name="직사각형 10"/>
+          <p:cNvSpPr/>
+          <p:nvPr/>
+        </p:nvSpPr>
+        <p:spPr>
+          <a:xfrm>
+            <a:off x="2771800" y="3114834"/>
+            <a:ext cx="1395847" cy="769441"/>
+          </a:xfrm>
+          <a:prstGeom prst="rect">
+            <a:avLst/>
+          </a:prstGeom>
+          <a:noFill/>
+          <a:ln w="3175">
+            <a:solidFill>
+              <a:schemeClr val="tx1"/>
+            </a:solidFill>
+          </a:ln>
+        </p:spPr>
+        <p:style>
+          <a:lnRef idx="2">
+            <a:schemeClr val="accent1">
+              <a:shade val="50000"/>
+            </a:schemeClr>
+          </a:lnRef>
+          <a:fillRef idx="1">
+            <a:schemeClr val="accent1"/>
+          </a:fillRef>
+          <a:effectRef idx="0">
+            <a:schemeClr val="accent1"/>
+          </a:effectRef>
+          <a:fontRef idx="minor">
+            <a:schemeClr val="lt1"/>
+          </a:fontRef>
+        </p:style>
+        <p:txBody>
+          <a:bodyPr wrap="square" rtlCol="0" anchor="t">
+            <a:spAutoFit/>
+          </a:bodyPr>
+          <a:lstStyle/>
+          <a:p>
+            <a:r>
+              <a:rPr lang="en-US" altLang="ko-KR" sz="1100" b="1" dirty="0" err="1" smtClean="0">
+                <a:solidFill>
+                  <a:sysClr val="windowText" lastClr="000000"/>
+                </a:solidFill>
+                <a:latin typeface="Arial Unicode MS" pitchFamily="50" charset="-127"/>
+                <a:ea typeface="Arial Unicode MS" pitchFamily="50" charset="-127"/>
+                <a:cs typeface="Arial Unicode MS" pitchFamily="50" charset="-127"/>
+              </a:rPr>
+              <a:t>class_teacher</a:t>
+            </a:r>
+            <a:endParaRPr lang="en-US" altLang="ko-KR" sz="1100" b="1" dirty="0" smtClean="0">
+              <a:solidFill>
+                <a:sysClr val="windowText" lastClr="000000"/>
+              </a:solidFill>
+              <a:latin typeface="Arial Unicode MS" pitchFamily="50" charset="-127"/>
+              <a:ea typeface="Arial Unicode MS" pitchFamily="50" charset="-127"/>
+              <a:cs typeface="Arial Unicode MS" pitchFamily="50" charset="-127"/>
+            </a:endParaRPr>
+          </a:p>
+          <a:p>
+            <a:pPr>
+              <a:buFontTx/>
+              <a:buChar char="-"/>
+            </a:pPr>
+            <a:r>
+              <a:rPr lang="en-US" altLang="ko-KR" sz="1100" dirty="0" smtClean="0">
+                <a:solidFill>
+                  <a:srgbClr val="0070C0"/>
+                </a:solidFill>
+                <a:latin typeface="Arial Unicode MS" pitchFamily="50" charset="-127"/>
+                <a:ea typeface="Arial Unicode MS" pitchFamily="50" charset="-127"/>
+                <a:cs typeface="Arial Unicode MS" pitchFamily="50" charset="-127"/>
+              </a:rPr>
+              <a:t>no </a:t>
+            </a:r>
+            <a:r>
+              <a:rPr lang="en-US" altLang="ko-KR" sz="1100" dirty="0" err="1" smtClean="0">
+                <a:solidFill>
+                  <a:srgbClr val="0070C0"/>
+                </a:solidFill>
+                <a:latin typeface="Arial Unicode MS" pitchFamily="50" charset="-127"/>
+                <a:ea typeface="Arial Unicode MS" pitchFamily="50" charset="-127"/>
+                <a:cs typeface="Arial Unicode MS" pitchFamily="50" charset="-127"/>
+              </a:rPr>
+              <a:t>int</a:t>
+            </a:r>
+            <a:r>
+              <a:rPr lang="en-US" altLang="ko-KR" sz="1100" dirty="0" smtClean="0">
+                <a:solidFill>
+                  <a:srgbClr val="0070C0"/>
+                </a:solidFill>
+                <a:latin typeface="Arial Unicode MS" pitchFamily="50" charset="-127"/>
+                <a:ea typeface="Arial Unicode MS" pitchFamily="50" charset="-127"/>
+                <a:cs typeface="Arial Unicode MS" pitchFamily="50" charset="-127"/>
+              </a:rPr>
+              <a:t> primary</a:t>
+            </a:r>
+          </a:p>
+          <a:p>
+            <a:pPr>
+              <a:buFontTx/>
+              <a:buChar char="-"/>
+            </a:pPr>
+            <a:r>
+              <a:rPr lang="en-US" altLang="ko-KR" sz="1100" dirty="0" smtClean="0">
+                <a:solidFill>
+                  <a:sysClr val="windowText" lastClr="000000"/>
+                </a:solidFill>
+                <a:latin typeface="Arial Unicode MS" pitchFamily="50" charset="-127"/>
+                <a:ea typeface="Arial Unicode MS" pitchFamily="50" charset="-127"/>
+                <a:cs typeface="Arial Unicode MS" pitchFamily="50" charset="-127"/>
+              </a:rPr>
+              <a:t>name </a:t>
+            </a:r>
+            <a:r>
+              <a:rPr lang="en-US" altLang="ko-KR" sz="1100" dirty="0" smtClean="0">
+                <a:solidFill>
+                  <a:sysClr val="windowText" lastClr="000000"/>
+                </a:solidFill>
+                <a:latin typeface="Arial Unicode MS" pitchFamily="50" charset="-127"/>
+                <a:ea typeface="Arial Unicode MS" pitchFamily="50" charset="-127"/>
+                <a:cs typeface="Arial Unicode MS" pitchFamily="50" charset="-127"/>
+              </a:rPr>
+              <a:t>String</a:t>
+            </a:r>
+          </a:p>
+          <a:p>
+            <a:pPr>
+              <a:buFontTx/>
+              <a:buChar char="-"/>
+            </a:pPr>
+            <a:r>
+              <a:rPr lang="en-US" altLang="ko-KR" sz="1100" dirty="0" smtClean="0">
+                <a:solidFill>
+                  <a:sysClr val="windowText" lastClr="000000"/>
+                </a:solidFill>
+                <a:latin typeface="Arial Unicode MS" pitchFamily="50" charset="-127"/>
+                <a:ea typeface="Arial Unicode MS" pitchFamily="50" charset="-127"/>
+                <a:cs typeface="Arial Unicode MS" pitchFamily="50" charset="-127"/>
+              </a:rPr>
+              <a:t>count </a:t>
+            </a:r>
+            <a:r>
+              <a:rPr lang="en-US" altLang="ko-KR" sz="1100" dirty="0" err="1" smtClean="0">
+                <a:solidFill>
+                  <a:sysClr val="windowText" lastClr="000000"/>
+                </a:solidFill>
+                <a:latin typeface="Arial Unicode MS" pitchFamily="50" charset="-127"/>
+                <a:ea typeface="Arial Unicode MS" pitchFamily="50" charset="-127"/>
+                <a:cs typeface="Arial Unicode MS" pitchFamily="50" charset="-127"/>
+              </a:rPr>
+              <a:t>int</a:t>
+            </a:r>
+            <a:endParaRPr lang="en-US" altLang="ko-KR" sz="1100" dirty="0" smtClean="0">
+              <a:solidFill>
+                <a:sysClr val="windowText" lastClr="000000"/>
+              </a:solidFill>
+              <a:latin typeface="Arial Unicode MS" pitchFamily="50" charset="-127"/>
+              <a:ea typeface="Arial Unicode MS" pitchFamily="50" charset="-127"/>
+              <a:cs typeface="Arial Unicode MS" pitchFamily="50" charset="-127"/>
+            </a:endParaRPr>
+          </a:p>
+        </p:txBody>
+      </p:sp>
+      <p:sp>
+        <p:nvSpPr>
+          <p:cNvPr id="12" name="직사각형 11"/>
+          <p:cNvSpPr/>
+          <p:nvPr/>
+        </p:nvSpPr>
+        <p:spPr>
+          <a:xfrm>
+            <a:off x="2771800" y="4005064"/>
+            <a:ext cx="1395847" cy="769441"/>
+          </a:xfrm>
+          <a:prstGeom prst="rect">
+            <a:avLst/>
+          </a:prstGeom>
+          <a:noFill/>
+          <a:ln w="3175">
+            <a:solidFill>
+              <a:schemeClr val="tx1"/>
+            </a:solidFill>
+          </a:ln>
+        </p:spPr>
+        <p:style>
+          <a:lnRef idx="2">
+            <a:schemeClr val="accent1">
+              <a:shade val="50000"/>
+            </a:schemeClr>
+          </a:lnRef>
+          <a:fillRef idx="1">
+            <a:schemeClr val="accent1"/>
+          </a:fillRef>
+          <a:effectRef idx="0">
+            <a:schemeClr val="accent1"/>
+          </a:effectRef>
+          <a:fontRef idx="minor">
+            <a:schemeClr val="lt1"/>
+          </a:fontRef>
+        </p:style>
+        <p:txBody>
+          <a:bodyPr wrap="square" rtlCol="0" anchor="t">
+            <a:spAutoFit/>
+          </a:bodyPr>
+          <a:lstStyle/>
+          <a:p>
+            <a:r>
+              <a:rPr lang="en-US" altLang="ko-KR" sz="1100" b="1" dirty="0" err="1" smtClean="0">
+                <a:solidFill>
+                  <a:sysClr val="windowText" lastClr="000000"/>
+                </a:solidFill>
+                <a:latin typeface="Arial Unicode MS" pitchFamily="50" charset="-127"/>
+                <a:ea typeface="Arial Unicode MS" pitchFamily="50" charset="-127"/>
+                <a:cs typeface="Arial Unicode MS" pitchFamily="50" charset="-127"/>
+              </a:rPr>
+              <a:t>class_place</a:t>
+            </a:r>
+            <a:endParaRPr lang="en-US" altLang="ko-KR" sz="1100" b="1" dirty="0" smtClean="0">
+              <a:solidFill>
+                <a:sysClr val="windowText" lastClr="000000"/>
+              </a:solidFill>
+              <a:latin typeface="Arial Unicode MS" pitchFamily="50" charset="-127"/>
+              <a:ea typeface="Arial Unicode MS" pitchFamily="50" charset="-127"/>
+              <a:cs typeface="Arial Unicode MS" pitchFamily="50" charset="-127"/>
+            </a:endParaRPr>
+          </a:p>
+          <a:p>
+            <a:pPr>
+              <a:buFontTx/>
+              <a:buChar char="-"/>
+            </a:pPr>
+            <a:r>
+              <a:rPr lang="en-US" altLang="ko-KR" sz="1100" dirty="0" smtClean="0">
+                <a:solidFill>
+                  <a:schemeClr val="accent3">
+                    <a:lumMod val="75000"/>
+                  </a:schemeClr>
+                </a:solidFill>
+                <a:latin typeface="Arial Unicode MS" pitchFamily="50" charset="-127"/>
+                <a:ea typeface="Arial Unicode MS" pitchFamily="50" charset="-127"/>
+                <a:cs typeface="Arial Unicode MS" pitchFamily="50" charset="-127"/>
+              </a:rPr>
+              <a:t>no </a:t>
+            </a:r>
+            <a:r>
+              <a:rPr lang="en-US" altLang="ko-KR" sz="1100" dirty="0" err="1" smtClean="0">
+                <a:solidFill>
+                  <a:schemeClr val="accent3">
+                    <a:lumMod val="75000"/>
+                  </a:schemeClr>
+                </a:solidFill>
+                <a:latin typeface="Arial Unicode MS" pitchFamily="50" charset="-127"/>
+                <a:ea typeface="Arial Unicode MS" pitchFamily="50" charset="-127"/>
+                <a:cs typeface="Arial Unicode MS" pitchFamily="50" charset="-127"/>
+              </a:rPr>
+              <a:t>int</a:t>
+            </a:r>
+            <a:r>
+              <a:rPr lang="en-US" altLang="ko-KR" sz="1100" dirty="0" smtClean="0">
+                <a:solidFill>
+                  <a:schemeClr val="accent3">
+                    <a:lumMod val="75000"/>
+                  </a:schemeClr>
+                </a:solidFill>
+                <a:latin typeface="Arial Unicode MS" pitchFamily="50" charset="-127"/>
+                <a:ea typeface="Arial Unicode MS" pitchFamily="50" charset="-127"/>
+                <a:cs typeface="Arial Unicode MS" pitchFamily="50" charset="-127"/>
+              </a:rPr>
+              <a:t> primary</a:t>
+            </a:r>
+          </a:p>
+          <a:p>
+            <a:pPr>
+              <a:buFontTx/>
+              <a:buChar char="-"/>
+            </a:pPr>
+            <a:r>
+              <a:rPr lang="en-US" altLang="ko-KR" sz="1100" dirty="0" smtClean="0">
+                <a:solidFill>
+                  <a:sysClr val="windowText" lastClr="000000"/>
+                </a:solidFill>
+                <a:latin typeface="Arial Unicode MS" pitchFamily="50" charset="-127"/>
+                <a:ea typeface="Arial Unicode MS" pitchFamily="50" charset="-127"/>
+                <a:cs typeface="Arial Unicode MS" pitchFamily="50" charset="-127"/>
+              </a:rPr>
+              <a:t>name </a:t>
+            </a:r>
+            <a:r>
+              <a:rPr lang="en-US" altLang="ko-KR" sz="1100" dirty="0" smtClean="0">
+                <a:solidFill>
+                  <a:sysClr val="windowText" lastClr="000000"/>
+                </a:solidFill>
+                <a:latin typeface="Arial Unicode MS" pitchFamily="50" charset="-127"/>
+                <a:ea typeface="Arial Unicode MS" pitchFamily="50" charset="-127"/>
+                <a:cs typeface="Arial Unicode MS" pitchFamily="50" charset="-127"/>
+              </a:rPr>
+              <a:t>String</a:t>
+            </a:r>
+          </a:p>
+          <a:p>
+            <a:pPr>
+              <a:buFontTx/>
+              <a:buChar char="-"/>
+            </a:pPr>
+            <a:r>
+              <a:rPr lang="en-US" altLang="ko-KR" sz="1100" dirty="0" smtClean="0">
+                <a:solidFill>
+                  <a:sysClr val="windowText" lastClr="000000"/>
+                </a:solidFill>
+                <a:latin typeface="Arial Unicode MS" pitchFamily="50" charset="-127"/>
+                <a:ea typeface="Arial Unicode MS" pitchFamily="50" charset="-127"/>
+                <a:cs typeface="Arial Unicode MS" pitchFamily="50" charset="-127"/>
+              </a:rPr>
+              <a:t>count </a:t>
+            </a:r>
+            <a:r>
+              <a:rPr lang="en-US" altLang="ko-KR" sz="1100" dirty="0" err="1" smtClean="0">
+                <a:solidFill>
+                  <a:sysClr val="windowText" lastClr="000000"/>
+                </a:solidFill>
+                <a:latin typeface="Arial Unicode MS" pitchFamily="50" charset="-127"/>
+                <a:ea typeface="Arial Unicode MS" pitchFamily="50" charset="-127"/>
+                <a:cs typeface="Arial Unicode MS" pitchFamily="50" charset="-127"/>
+              </a:rPr>
+              <a:t>int</a:t>
+            </a:r>
+            <a:endParaRPr lang="en-US" altLang="ko-KR" sz="1100" dirty="0" smtClean="0">
+              <a:solidFill>
+                <a:sysClr val="windowText" lastClr="000000"/>
+              </a:solidFill>
+              <a:latin typeface="Arial Unicode MS" pitchFamily="50" charset="-127"/>
+              <a:ea typeface="Arial Unicode MS" pitchFamily="50" charset="-127"/>
+              <a:cs typeface="Arial Unicode MS" pitchFamily="50" charset="-127"/>
+            </a:endParaRPr>
+          </a:p>
+        </p:txBody>
+      </p:sp>
+      <p:sp>
+        <p:nvSpPr>
+          <p:cNvPr id="16" name="직사각형 15"/>
+          <p:cNvSpPr/>
+          <p:nvPr/>
+        </p:nvSpPr>
+        <p:spPr>
+          <a:xfrm>
+            <a:off x="2771800" y="4902259"/>
+            <a:ext cx="1395847" cy="769441"/>
+          </a:xfrm>
+          <a:prstGeom prst="rect">
+            <a:avLst/>
+          </a:prstGeom>
+          <a:noFill/>
+          <a:ln w="3175">
+            <a:solidFill>
+              <a:schemeClr val="tx1"/>
+            </a:solidFill>
+          </a:ln>
+        </p:spPr>
+        <p:style>
+          <a:lnRef idx="2">
+            <a:schemeClr val="accent1">
+              <a:shade val="50000"/>
+            </a:schemeClr>
+          </a:lnRef>
+          <a:fillRef idx="1">
+            <a:schemeClr val="accent1"/>
+          </a:fillRef>
+          <a:effectRef idx="0">
+            <a:schemeClr val="accent1"/>
+          </a:effectRef>
+          <a:fontRef idx="minor">
+            <a:schemeClr val="lt1"/>
+          </a:fontRef>
+        </p:style>
+        <p:txBody>
+          <a:bodyPr wrap="square" rtlCol="0" anchor="t">
+            <a:spAutoFit/>
+          </a:bodyPr>
+          <a:lstStyle/>
+          <a:p>
+            <a:r>
+              <a:rPr lang="en-US" altLang="ko-KR" sz="1100" b="1" dirty="0" err="1" smtClean="0">
+                <a:solidFill>
+                  <a:sysClr val="windowText" lastClr="000000"/>
+                </a:solidFill>
+                <a:latin typeface="Arial Unicode MS" pitchFamily="50" charset="-127"/>
+                <a:ea typeface="Arial Unicode MS" pitchFamily="50" charset="-127"/>
+                <a:cs typeface="Arial Unicode MS" pitchFamily="50" charset="-127"/>
+              </a:rPr>
+              <a:t>class_name</a:t>
+            </a:r>
+            <a:endParaRPr lang="en-US" altLang="ko-KR" sz="1100" b="1" dirty="0" smtClean="0">
+              <a:solidFill>
+                <a:sysClr val="windowText" lastClr="000000"/>
+              </a:solidFill>
+              <a:latin typeface="Arial Unicode MS" pitchFamily="50" charset="-127"/>
+              <a:ea typeface="Arial Unicode MS" pitchFamily="50" charset="-127"/>
+              <a:cs typeface="Arial Unicode MS" pitchFamily="50" charset="-127"/>
+            </a:endParaRPr>
+          </a:p>
+          <a:p>
+            <a:pPr>
+              <a:buFontTx/>
+              <a:buChar char="-"/>
+            </a:pPr>
+            <a:r>
+              <a:rPr lang="en-US" altLang="ko-KR" sz="1100" dirty="0" smtClean="0">
+                <a:solidFill>
+                  <a:schemeClr val="accent6">
+                    <a:lumMod val="75000"/>
+                  </a:schemeClr>
+                </a:solidFill>
+                <a:latin typeface="Arial Unicode MS" pitchFamily="50" charset="-127"/>
+                <a:ea typeface="Arial Unicode MS" pitchFamily="50" charset="-127"/>
+                <a:cs typeface="Arial Unicode MS" pitchFamily="50" charset="-127"/>
+              </a:rPr>
+              <a:t>no </a:t>
+            </a:r>
+            <a:r>
+              <a:rPr lang="en-US" altLang="ko-KR" sz="1100" dirty="0" err="1" smtClean="0">
+                <a:solidFill>
+                  <a:schemeClr val="accent6">
+                    <a:lumMod val="75000"/>
+                  </a:schemeClr>
+                </a:solidFill>
+                <a:latin typeface="Arial Unicode MS" pitchFamily="50" charset="-127"/>
+                <a:ea typeface="Arial Unicode MS" pitchFamily="50" charset="-127"/>
+                <a:cs typeface="Arial Unicode MS" pitchFamily="50" charset="-127"/>
+              </a:rPr>
+              <a:t>int</a:t>
+            </a:r>
+            <a:r>
+              <a:rPr lang="en-US" altLang="ko-KR" sz="1100" dirty="0" smtClean="0">
+                <a:solidFill>
+                  <a:schemeClr val="accent6">
+                    <a:lumMod val="75000"/>
+                  </a:schemeClr>
+                </a:solidFill>
+                <a:latin typeface="Arial Unicode MS" pitchFamily="50" charset="-127"/>
+                <a:ea typeface="Arial Unicode MS" pitchFamily="50" charset="-127"/>
+                <a:cs typeface="Arial Unicode MS" pitchFamily="50" charset="-127"/>
+              </a:rPr>
+              <a:t> primary</a:t>
+            </a:r>
+          </a:p>
+          <a:p>
+            <a:pPr>
+              <a:buFontTx/>
+              <a:buChar char="-"/>
+            </a:pPr>
+            <a:r>
+              <a:rPr lang="en-US" altLang="ko-KR" sz="1100" dirty="0" smtClean="0">
+                <a:solidFill>
+                  <a:sysClr val="windowText" lastClr="000000"/>
+                </a:solidFill>
+                <a:latin typeface="Arial Unicode MS" pitchFamily="50" charset="-127"/>
+                <a:ea typeface="Arial Unicode MS" pitchFamily="50" charset="-127"/>
+                <a:cs typeface="Arial Unicode MS" pitchFamily="50" charset="-127"/>
+              </a:rPr>
+              <a:t>name </a:t>
+            </a:r>
+            <a:r>
+              <a:rPr lang="en-US" altLang="ko-KR" sz="1100" dirty="0" smtClean="0">
+                <a:solidFill>
+                  <a:sysClr val="windowText" lastClr="000000"/>
+                </a:solidFill>
+                <a:latin typeface="Arial Unicode MS" pitchFamily="50" charset="-127"/>
+                <a:ea typeface="Arial Unicode MS" pitchFamily="50" charset="-127"/>
+                <a:cs typeface="Arial Unicode MS" pitchFamily="50" charset="-127"/>
+              </a:rPr>
+              <a:t>String</a:t>
+            </a:r>
+          </a:p>
+          <a:p>
+            <a:pPr>
+              <a:buFontTx/>
+              <a:buChar char="-"/>
+            </a:pPr>
+            <a:r>
+              <a:rPr lang="en-US" altLang="ko-KR" sz="1100" dirty="0" smtClean="0">
+                <a:solidFill>
+                  <a:sysClr val="windowText" lastClr="000000"/>
+                </a:solidFill>
+                <a:latin typeface="Arial Unicode MS" pitchFamily="50" charset="-127"/>
+                <a:ea typeface="Arial Unicode MS" pitchFamily="50" charset="-127"/>
+                <a:cs typeface="Arial Unicode MS" pitchFamily="50" charset="-127"/>
+              </a:rPr>
+              <a:t>count </a:t>
+            </a:r>
+            <a:r>
+              <a:rPr lang="en-US" altLang="ko-KR" sz="1100" dirty="0" err="1" smtClean="0">
+                <a:solidFill>
+                  <a:sysClr val="windowText" lastClr="000000"/>
+                </a:solidFill>
+                <a:latin typeface="Arial Unicode MS" pitchFamily="50" charset="-127"/>
+                <a:ea typeface="Arial Unicode MS" pitchFamily="50" charset="-127"/>
+                <a:cs typeface="Arial Unicode MS" pitchFamily="50" charset="-127"/>
+              </a:rPr>
+              <a:t>int</a:t>
+            </a:r>
+            <a:endParaRPr lang="en-US" altLang="ko-KR" sz="1100" dirty="0" smtClean="0">
+              <a:solidFill>
+                <a:sysClr val="windowText" lastClr="000000"/>
+              </a:solidFill>
+              <a:latin typeface="Arial Unicode MS" pitchFamily="50" charset="-127"/>
+              <a:ea typeface="Arial Unicode MS" pitchFamily="50" charset="-127"/>
+              <a:cs typeface="Arial Unicode MS" pitchFamily="50" charset="-127"/>
+            </a:endParaRPr>
+          </a:p>
+        </p:txBody>
+      </p:sp>
+      <p:sp>
+        <p:nvSpPr>
+          <p:cNvPr id="17" name="직사각형 16"/>
+          <p:cNvSpPr/>
+          <p:nvPr/>
+        </p:nvSpPr>
+        <p:spPr>
+          <a:xfrm>
+            <a:off x="4239655" y="4261445"/>
+            <a:ext cx="2060537" cy="1615827"/>
+          </a:xfrm>
+          <a:prstGeom prst="rect">
+            <a:avLst/>
+          </a:prstGeom>
+          <a:noFill/>
+          <a:ln w="3175">
+            <a:solidFill>
+              <a:schemeClr val="tx1"/>
+            </a:solidFill>
+          </a:ln>
+        </p:spPr>
+        <p:style>
+          <a:lnRef idx="2">
+            <a:schemeClr val="accent1">
+              <a:shade val="50000"/>
+            </a:schemeClr>
+          </a:lnRef>
+          <a:fillRef idx="1">
+            <a:schemeClr val="accent1"/>
+          </a:fillRef>
+          <a:effectRef idx="0">
+            <a:schemeClr val="accent1"/>
+          </a:effectRef>
+          <a:fontRef idx="minor">
+            <a:schemeClr val="lt1"/>
+          </a:fontRef>
+        </p:style>
+        <p:txBody>
+          <a:bodyPr wrap="square" rtlCol="0" anchor="t">
+            <a:spAutoFit/>
+          </a:bodyPr>
+          <a:lstStyle/>
+          <a:p>
+            <a:r>
+              <a:rPr lang="en-US" altLang="ko-KR" sz="1100" b="1" dirty="0" smtClean="0">
+                <a:solidFill>
+                  <a:sysClr val="windowText" lastClr="000000"/>
+                </a:solidFill>
+                <a:latin typeface="Arial Unicode MS" pitchFamily="50" charset="-127"/>
+                <a:ea typeface="Arial Unicode MS" pitchFamily="50" charset="-127"/>
+                <a:cs typeface="Arial Unicode MS" pitchFamily="50" charset="-127"/>
+              </a:rPr>
+              <a:t>edit</a:t>
+            </a:r>
+            <a:endParaRPr lang="en-US" altLang="ko-KR" sz="1100" b="1" dirty="0" smtClean="0">
+              <a:solidFill>
+                <a:sysClr val="windowText" lastClr="000000"/>
+              </a:solidFill>
+              <a:latin typeface="Arial Unicode MS" pitchFamily="50" charset="-127"/>
+              <a:ea typeface="Arial Unicode MS" pitchFamily="50" charset="-127"/>
+              <a:cs typeface="Arial Unicode MS" pitchFamily="50" charset="-127"/>
+            </a:endParaRPr>
+          </a:p>
+          <a:p>
+            <a:pPr>
+              <a:buFontTx/>
+              <a:buChar char="-"/>
+            </a:pPr>
+            <a:r>
+              <a:rPr lang="en-US" altLang="ko-KR" sz="1100" dirty="0" smtClean="0">
+                <a:solidFill>
+                  <a:sysClr val="windowText" lastClr="000000"/>
+                </a:solidFill>
+                <a:latin typeface="Arial Unicode MS" pitchFamily="50" charset="-127"/>
+                <a:ea typeface="Arial Unicode MS" pitchFamily="50" charset="-127"/>
+                <a:cs typeface="Arial Unicode MS" pitchFamily="50" charset="-127"/>
+              </a:rPr>
+              <a:t>no </a:t>
+            </a:r>
+            <a:r>
+              <a:rPr lang="en-US" altLang="ko-KR" sz="1100" dirty="0" err="1" smtClean="0">
+                <a:solidFill>
+                  <a:sysClr val="windowText" lastClr="000000"/>
+                </a:solidFill>
+                <a:latin typeface="Arial Unicode MS" pitchFamily="50" charset="-127"/>
+                <a:ea typeface="Arial Unicode MS" pitchFamily="50" charset="-127"/>
+                <a:cs typeface="Arial Unicode MS" pitchFamily="50" charset="-127"/>
+              </a:rPr>
+              <a:t>int</a:t>
+            </a:r>
+            <a:r>
+              <a:rPr lang="en-US" altLang="ko-KR" sz="1100" dirty="0" smtClean="0">
+                <a:solidFill>
+                  <a:sysClr val="windowText" lastClr="000000"/>
+                </a:solidFill>
+                <a:latin typeface="Arial Unicode MS" pitchFamily="50" charset="-127"/>
+                <a:ea typeface="Arial Unicode MS" pitchFamily="50" charset="-127"/>
+                <a:cs typeface="Arial Unicode MS" pitchFamily="50" charset="-127"/>
+              </a:rPr>
+              <a:t> </a:t>
+            </a:r>
+            <a:r>
+              <a:rPr lang="en-US" altLang="ko-KR" sz="1100" dirty="0" smtClean="0">
+                <a:solidFill>
+                  <a:sysClr val="windowText" lastClr="000000"/>
+                </a:solidFill>
+                <a:latin typeface="Arial Unicode MS" pitchFamily="50" charset="-127"/>
+                <a:ea typeface="Arial Unicode MS" pitchFamily="50" charset="-127"/>
+                <a:cs typeface="Arial Unicode MS" pitchFamily="50" charset="-127"/>
+              </a:rPr>
+              <a:t>primary</a:t>
+            </a:r>
+          </a:p>
+          <a:p>
+            <a:pPr>
+              <a:buFontTx/>
+              <a:buChar char="-"/>
+            </a:pPr>
+            <a:r>
+              <a:rPr lang="en-US" altLang="ko-KR" sz="1100" dirty="0" err="1" smtClean="0">
+                <a:solidFill>
+                  <a:schemeClr val="accent4">
+                    <a:lumMod val="75000"/>
+                  </a:schemeClr>
+                </a:solidFill>
+                <a:latin typeface="Arial Unicode MS" pitchFamily="50" charset="-127"/>
+                <a:ea typeface="Arial Unicode MS" pitchFamily="50" charset="-127"/>
+                <a:cs typeface="Arial Unicode MS" pitchFamily="50" charset="-127"/>
+              </a:rPr>
+              <a:t>share_board_no</a:t>
+            </a:r>
+            <a:r>
+              <a:rPr lang="en-US" altLang="ko-KR" sz="1100" dirty="0" smtClean="0">
+                <a:solidFill>
+                  <a:schemeClr val="accent4">
+                    <a:lumMod val="75000"/>
+                  </a:schemeClr>
+                </a:solidFill>
+                <a:latin typeface="Arial Unicode MS" pitchFamily="50" charset="-127"/>
+                <a:ea typeface="Arial Unicode MS" pitchFamily="50" charset="-127"/>
+                <a:cs typeface="Arial Unicode MS" pitchFamily="50" charset="-127"/>
+              </a:rPr>
+              <a:t> </a:t>
+            </a:r>
+            <a:r>
+              <a:rPr lang="en-US" altLang="ko-KR" sz="1100" dirty="0" err="1" smtClean="0">
+                <a:solidFill>
+                  <a:schemeClr val="accent4">
+                    <a:lumMod val="75000"/>
+                  </a:schemeClr>
+                </a:solidFill>
+                <a:latin typeface="Arial Unicode MS" pitchFamily="50" charset="-127"/>
+                <a:ea typeface="Arial Unicode MS" pitchFamily="50" charset="-127"/>
+                <a:cs typeface="Arial Unicode MS" pitchFamily="50" charset="-127"/>
+              </a:rPr>
+              <a:t>int</a:t>
+            </a:r>
+            <a:r>
+              <a:rPr lang="en-US" altLang="ko-KR" sz="1100" dirty="0" smtClean="0">
+                <a:solidFill>
+                  <a:schemeClr val="accent4">
+                    <a:lumMod val="75000"/>
+                  </a:schemeClr>
+                </a:solidFill>
+                <a:latin typeface="Arial Unicode MS" pitchFamily="50" charset="-127"/>
+                <a:ea typeface="Arial Unicode MS" pitchFamily="50" charset="-127"/>
+                <a:cs typeface="Arial Unicode MS" pitchFamily="50" charset="-127"/>
+              </a:rPr>
+              <a:t> foreign</a:t>
+            </a:r>
+            <a:endParaRPr lang="en-US" altLang="ko-KR" sz="1100" dirty="0" smtClean="0">
+              <a:solidFill>
+                <a:schemeClr val="accent4">
+                  <a:lumMod val="75000"/>
+                </a:schemeClr>
+              </a:solidFill>
+              <a:latin typeface="Arial Unicode MS" pitchFamily="50" charset="-127"/>
+              <a:ea typeface="Arial Unicode MS" pitchFamily="50" charset="-127"/>
+              <a:cs typeface="Arial Unicode MS" pitchFamily="50" charset="-127"/>
+            </a:endParaRPr>
+          </a:p>
+          <a:p>
+            <a:pPr>
+              <a:buFontTx/>
+              <a:buChar char="-"/>
+            </a:pPr>
+            <a:r>
+              <a:rPr lang="en-US" altLang="ko-KR" sz="1100" dirty="0" err="1" smtClean="0">
+                <a:solidFill>
+                  <a:sysClr val="windowText" lastClr="000000"/>
+                </a:solidFill>
+                <a:latin typeface="Arial Unicode MS" pitchFamily="50" charset="-127"/>
+                <a:ea typeface="Arial Unicode MS" pitchFamily="50" charset="-127"/>
+                <a:cs typeface="Arial Unicode MS" pitchFamily="50" charset="-127"/>
+              </a:rPr>
+              <a:t>start_index</a:t>
+            </a:r>
+            <a:r>
+              <a:rPr lang="en-US" altLang="ko-KR" sz="1100" dirty="0" smtClean="0">
+                <a:solidFill>
+                  <a:sysClr val="windowText" lastClr="000000"/>
+                </a:solidFill>
+                <a:latin typeface="Arial Unicode MS" pitchFamily="50" charset="-127"/>
+                <a:ea typeface="Arial Unicode MS" pitchFamily="50" charset="-127"/>
+                <a:cs typeface="Arial Unicode MS" pitchFamily="50" charset="-127"/>
+              </a:rPr>
+              <a:t> </a:t>
+            </a:r>
+            <a:r>
+              <a:rPr lang="en-US" altLang="ko-KR" sz="1100" dirty="0" err="1" smtClean="0">
+                <a:solidFill>
+                  <a:sysClr val="windowText" lastClr="000000"/>
+                </a:solidFill>
+                <a:latin typeface="Arial Unicode MS" pitchFamily="50" charset="-127"/>
+                <a:ea typeface="Arial Unicode MS" pitchFamily="50" charset="-127"/>
+                <a:cs typeface="Arial Unicode MS" pitchFamily="50" charset="-127"/>
+              </a:rPr>
+              <a:t>int</a:t>
+            </a:r>
+            <a:endParaRPr lang="en-US" altLang="ko-KR" sz="1100" dirty="0" smtClean="0">
+              <a:solidFill>
+                <a:sysClr val="windowText" lastClr="000000"/>
+              </a:solidFill>
+              <a:latin typeface="Arial Unicode MS" pitchFamily="50" charset="-127"/>
+              <a:ea typeface="Arial Unicode MS" pitchFamily="50" charset="-127"/>
+              <a:cs typeface="Arial Unicode MS" pitchFamily="50" charset="-127"/>
+            </a:endParaRPr>
+          </a:p>
+          <a:p>
+            <a:pPr>
+              <a:buFontTx/>
+              <a:buChar char="-"/>
+            </a:pPr>
+            <a:r>
+              <a:rPr lang="en-US" altLang="ko-KR" sz="1100" dirty="0" err="1" smtClean="0">
+                <a:solidFill>
+                  <a:sysClr val="windowText" lastClr="000000"/>
+                </a:solidFill>
+                <a:latin typeface="Arial Unicode MS" pitchFamily="50" charset="-127"/>
+                <a:ea typeface="Arial Unicode MS" pitchFamily="50" charset="-127"/>
+                <a:cs typeface="Arial Unicode MS" pitchFamily="50" charset="-127"/>
+              </a:rPr>
+              <a:t>end_index</a:t>
+            </a:r>
+            <a:r>
+              <a:rPr lang="en-US" altLang="ko-KR" sz="1100" dirty="0" smtClean="0">
+                <a:solidFill>
+                  <a:sysClr val="windowText" lastClr="000000"/>
+                </a:solidFill>
+                <a:latin typeface="Arial Unicode MS" pitchFamily="50" charset="-127"/>
+                <a:ea typeface="Arial Unicode MS" pitchFamily="50" charset="-127"/>
+                <a:cs typeface="Arial Unicode MS" pitchFamily="50" charset="-127"/>
+              </a:rPr>
+              <a:t> </a:t>
+            </a:r>
+            <a:r>
+              <a:rPr lang="en-US" altLang="ko-KR" sz="1100" dirty="0" err="1" smtClean="0">
+                <a:solidFill>
+                  <a:sysClr val="windowText" lastClr="000000"/>
+                </a:solidFill>
+                <a:latin typeface="Arial Unicode MS" pitchFamily="50" charset="-127"/>
+                <a:ea typeface="Arial Unicode MS" pitchFamily="50" charset="-127"/>
+                <a:cs typeface="Arial Unicode MS" pitchFamily="50" charset="-127"/>
+              </a:rPr>
+              <a:t>int</a:t>
+            </a:r>
+            <a:r>
+              <a:rPr lang="en-US" altLang="ko-KR" sz="1100" dirty="0" smtClean="0">
+                <a:solidFill>
+                  <a:sysClr val="windowText" lastClr="000000"/>
+                </a:solidFill>
+                <a:latin typeface="Arial Unicode MS" pitchFamily="50" charset="-127"/>
+                <a:ea typeface="Arial Unicode MS" pitchFamily="50" charset="-127"/>
+                <a:cs typeface="Arial Unicode MS" pitchFamily="50" charset="-127"/>
+              </a:rPr>
+              <a:t> </a:t>
+            </a:r>
+            <a:endParaRPr lang="en-US" altLang="ko-KR" sz="1100" dirty="0" smtClean="0">
+              <a:solidFill>
+                <a:sysClr val="windowText" lastClr="000000"/>
+              </a:solidFill>
+              <a:latin typeface="Arial Unicode MS" pitchFamily="50" charset="-127"/>
+              <a:ea typeface="Arial Unicode MS" pitchFamily="50" charset="-127"/>
+              <a:cs typeface="Arial Unicode MS" pitchFamily="50" charset="-127"/>
+            </a:endParaRPr>
+          </a:p>
+          <a:p>
+            <a:pPr>
+              <a:buFontTx/>
+              <a:buChar char="-"/>
+            </a:pPr>
+            <a:r>
+              <a:rPr lang="en-US" altLang="ko-KR" sz="1100" dirty="0" err="1" smtClean="0">
+                <a:solidFill>
+                  <a:sysClr val="windowText" lastClr="000000"/>
+                </a:solidFill>
+                <a:latin typeface="Arial Unicode MS" pitchFamily="50" charset="-127"/>
+                <a:ea typeface="Arial Unicode MS" pitchFamily="50" charset="-127"/>
+                <a:cs typeface="Arial Unicode MS" pitchFamily="50" charset="-127"/>
+              </a:rPr>
+              <a:t>before_content</a:t>
+            </a:r>
+            <a:r>
+              <a:rPr lang="en-US" altLang="ko-KR" sz="1100" dirty="0" smtClean="0">
+                <a:solidFill>
+                  <a:sysClr val="windowText" lastClr="000000"/>
+                </a:solidFill>
+                <a:latin typeface="Arial Unicode MS" pitchFamily="50" charset="-127"/>
+                <a:ea typeface="Arial Unicode MS" pitchFamily="50" charset="-127"/>
+                <a:cs typeface="Arial Unicode MS" pitchFamily="50" charset="-127"/>
+              </a:rPr>
+              <a:t> String</a:t>
+            </a:r>
+          </a:p>
+          <a:p>
+            <a:pPr>
+              <a:buFontTx/>
+              <a:buChar char="-"/>
+            </a:pPr>
+            <a:r>
+              <a:rPr lang="en-US" altLang="ko-KR" sz="1100" dirty="0" smtClean="0">
+                <a:solidFill>
+                  <a:sysClr val="windowText" lastClr="000000"/>
+                </a:solidFill>
+                <a:latin typeface="Arial Unicode MS" pitchFamily="50" charset="-127"/>
+                <a:ea typeface="Arial Unicode MS" pitchFamily="50" charset="-127"/>
+                <a:cs typeface="Arial Unicode MS" pitchFamily="50" charset="-127"/>
+              </a:rPr>
+              <a:t>bad </a:t>
+            </a:r>
+            <a:r>
+              <a:rPr lang="en-US" altLang="ko-KR" sz="1100" dirty="0" err="1" smtClean="0">
+                <a:solidFill>
+                  <a:sysClr val="windowText" lastClr="000000"/>
+                </a:solidFill>
+                <a:latin typeface="Arial Unicode MS" pitchFamily="50" charset="-127"/>
+                <a:ea typeface="Arial Unicode MS" pitchFamily="50" charset="-127"/>
+                <a:cs typeface="Arial Unicode MS" pitchFamily="50" charset="-127"/>
+              </a:rPr>
+              <a:t>int</a:t>
+            </a:r>
+            <a:endParaRPr lang="en-US" altLang="ko-KR" sz="1100" dirty="0" smtClean="0">
+              <a:solidFill>
+                <a:sysClr val="windowText" lastClr="000000"/>
+              </a:solidFill>
+              <a:latin typeface="Arial Unicode MS" pitchFamily="50" charset="-127"/>
+              <a:ea typeface="Arial Unicode MS" pitchFamily="50" charset="-127"/>
+              <a:cs typeface="Arial Unicode MS" pitchFamily="50" charset="-127"/>
+            </a:endParaRPr>
+          </a:p>
+          <a:p>
+            <a:pPr>
+              <a:buFontTx/>
+              <a:buChar char="-"/>
+            </a:pPr>
+            <a:r>
+              <a:rPr lang="en-US" altLang="ko-KR" sz="1100" dirty="0" err="1" smtClean="0">
+                <a:solidFill>
+                  <a:sysClr val="windowText" lastClr="000000"/>
+                </a:solidFill>
+                <a:latin typeface="Arial Unicode MS" pitchFamily="50" charset="-127"/>
+                <a:ea typeface="Arial Unicode MS" pitchFamily="50" charset="-127"/>
+                <a:cs typeface="Arial Unicode MS" pitchFamily="50" charset="-127"/>
+              </a:rPr>
+              <a:t>member_name</a:t>
+            </a:r>
+            <a:r>
+              <a:rPr lang="en-US" altLang="ko-KR" sz="1100" dirty="0" smtClean="0">
+                <a:solidFill>
+                  <a:sysClr val="windowText" lastClr="000000"/>
+                </a:solidFill>
+                <a:latin typeface="Arial Unicode MS" pitchFamily="50" charset="-127"/>
+                <a:ea typeface="Arial Unicode MS" pitchFamily="50" charset="-127"/>
+                <a:cs typeface="Arial Unicode MS" pitchFamily="50" charset="-127"/>
+              </a:rPr>
+              <a:t> String</a:t>
+            </a:r>
+          </a:p>
+          <a:p>
+            <a:pPr>
+              <a:buFontTx/>
+              <a:buChar char="-"/>
+            </a:pPr>
+            <a:r>
+              <a:rPr lang="en-US" altLang="ko-KR" sz="1100" dirty="0" err="1" smtClean="0">
+                <a:solidFill>
+                  <a:sysClr val="windowText" lastClr="000000"/>
+                </a:solidFill>
+                <a:latin typeface="Arial Unicode MS" pitchFamily="50" charset="-127"/>
+                <a:ea typeface="Arial Unicode MS" pitchFamily="50" charset="-127"/>
+                <a:cs typeface="Arial Unicode MS" pitchFamily="50" charset="-127"/>
+              </a:rPr>
+              <a:t>reg_date</a:t>
+            </a:r>
+            <a:r>
+              <a:rPr lang="en-US" altLang="ko-KR" sz="1100" dirty="0" smtClean="0">
+                <a:solidFill>
+                  <a:sysClr val="windowText" lastClr="000000"/>
+                </a:solidFill>
+                <a:latin typeface="Arial Unicode MS" pitchFamily="50" charset="-127"/>
+                <a:ea typeface="Arial Unicode MS" pitchFamily="50" charset="-127"/>
+                <a:cs typeface="Arial Unicode MS" pitchFamily="50" charset="-127"/>
+              </a:rPr>
+              <a:t> date </a:t>
+            </a:r>
+            <a:r>
+              <a:rPr lang="en-US" altLang="ko-KR" sz="1100" dirty="0" err="1" smtClean="0">
+                <a:solidFill>
+                  <a:sysClr val="windowText" lastClr="000000"/>
+                </a:solidFill>
+                <a:latin typeface="Arial Unicode MS" pitchFamily="50" charset="-127"/>
+                <a:ea typeface="Arial Unicode MS" pitchFamily="50" charset="-127"/>
+                <a:cs typeface="Arial Unicode MS" pitchFamily="50" charset="-127"/>
+              </a:rPr>
+              <a:t>sysdate</a:t>
+            </a:r>
+            <a:endParaRPr lang="en-US" altLang="ko-KR" sz="1100" dirty="0" smtClean="0">
+              <a:solidFill>
+                <a:sysClr val="windowText" lastClr="000000"/>
+              </a:solidFill>
+              <a:latin typeface="Arial Unicode MS" pitchFamily="50" charset="-127"/>
+              <a:ea typeface="Arial Unicode MS" pitchFamily="50" charset="-127"/>
+              <a:cs typeface="Arial Unicode MS" pitchFamily="50" charset="-127"/>
+            </a:endParaRPr>
+          </a:p>
+        </p:txBody>
+      </p:sp>
+      <p:sp>
+        <p:nvSpPr>
+          <p:cNvPr id="18" name="직사각형 17"/>
+          <p:cNvSpPr/>
+          <p:nvPr/>
+        </p:nvSpPr>
+        <p:spPr>
+          <a:xfrm>
+            <a:off x="6516216" y="2204864"/>
+            <a:ext cx="1861130" cy="1277273"/>
+          </a:xfrm>
+          <a:prstGeom prst="rect">
+            <a:avLst/>
+          </a:prstGeom>
+          <a:noFill/>
+          <a:ln w="3175">
+            <a:solidFill>
+              <a:schemeClr val="tx1"/>
+            </a:solidFill>
+          </a:ln>
+        </p:spPr>
+        <p:style>
+          <a:lnRef idx="2">
+            <a:schemeClr val="accent1">
+              <a:shade val="50000"/>
+            </a:schemeClr>
+          </a:lnRef>
+          <a:fillRef idx="1">
+            <a:schemeClr val="accent1"/>
+          </a:fillRef>
+          <a:effectRef idx="0">
+            <a:schemeClr val="accent1"/>
+          </a:effectRef>
+          <a:fontRef idx="minor">
+            <a:schemeClr val="lt1"/>
+          </a:fontRef>
+        </p:style>
+        <p:txBody>
+          <a:bodyPr wrap="square" rtlCol="0" anchor="t">
+            <a:spAutoFit/>
+          </a:bodyPr>
+          <a:lstStyle/>
+          <a:p>
+            <a:r>
+              <a:rPr lang="en-US" altLang="ko-KR" sz="1100" b="1" dirty="0" err="1" smtClean="0">
+                <a:solidFill>
+                  <a:sysClr val="windowText" lastClr="000000"/>
+                </a:solidFill>
+                <a:latin typeface="Arial Unicode MS" pitchFamily="50" charset="-127"/>
+                <a:ea typeface="Arial Unicode MS" pitchFamily="50" charset="-127"/>
+                <a:cs typeface="Arial Unicode MS" pitchFamily="50" charset="-127"/>
+              </a:rPr>
+              <a:t>my_board</a:t>
+            </a:r>
+            <a:endParaRPr lang="en-US" altLang="ko-KR" sz="1100" b="1" dirty="0" smtClean="0">
+              <a:solidFill>
+                <a:sysClr val="windowText" lastClr="000000"/>
+              </a:solidFill>
+              <a:latin typeface="Arial Unicode MS" pitchFamily="50" charset="-127"/>
+              <a:ea typeface="Arial Unicode MS" pitchFamily="50" charset="-127"/>
+              <a:cs typeface="Arial Unicode MS" pitchFamily="50" charset="-127"/>
+            </a:endParaRPr>
+          </a:p>
+          <a:p>
+            <a:pPr>
+              <a:buFontTx/>
+              <a:buChar char="-"/>
+            </a:pPr>
+            <a:r>
+              <a:rPr lang="en-US" altLang="ko-KR" sz="1100" dirty="0" smtClean="0">
+                <a:solidFill>
+                  <a:sysClr val="windowText" lastClr="000000"/>
+                </a:solidFill>
+                <a:latin typeface="Arial Unicode MS" pitchFamily="50" charset="-127"/>
+                <a:ea typeface="Arial Unicode MS" pitchFamily="50" charset="-127"/>
+                <a:cs typeface="Arial Unicode MS" pitchFamily="50" charset="-127"/>
+              </a:rPr>
+              <a:t>no </a:t>
+            </a:r>
+            <a:r>
+              <a:rPr lang="en-US" altLang="ko-KR" sz="1100" dirty="0" err="1" smtClean="0">
+                <a:solidFill>
+                  <a:sysClr val="windowText" lastClr="000000"/>
+                </a:solidFill>
+                <a:latin typeface="Arial Unicode MS" pitchFamily="50" charset="-127"/>
+                <a:ea typeface="Arial Unicode MS" pitchFamily="50" charset="-127"/>
+                <a:cs typeface="Arial Unicode MS" pitchFamily="50" charset="-127"/>
+              </a:rPr>
+              <a:t>int</a:t>
+            </a:r>
+            <a:r>
+              <a:rPr lang="en-US" altLang="ko-KR" sz="1100" dirty="0" smtClean="0">
+                <a:solidFill>
+                  <a:sysClr val="windowText" lastClr="000000"/>
+                </a:solidFill>
+                <a:latin typeface="Arial Unicode MS" pitchFamily="50" charset="-127"/>
+                <a:ea typeface="Arial Unicode MS" pitchFamily="50" charset="-127"/>
+                <a:cs typeface="Arial Unicode MS" pitchFamily="50" charset="-127"/>
+              </a:rPr>
+              <a:t> </a:t>
+            </a:r>
+            <a:r>
+              <a:rPr lang="en-US" altLang="ko-KR" sz="1100" dirty="0" smtClean="0">
+                <a:solidFill>
+                  <a:sysClr val="windowText" lastClr="000000"/>
+                </a:solidFill>
+                <a:latin typeface="Arial Unicode MS" pitchFamily="50" charset="-127"/>
+                <a:ea typeface="Arial Unicode MS" pitchFamily="50" charset="-127"/>
+                <a:cs typeface="Arial Unicode MS" pitchFamily="50" charset="-127"/>
+              </a:rPr>
+              <a:t>primary</a:t>
+            </a:r>
+          </a:p>
+          <a:p>
+            <a:pPr>
+              <a:buFontTx/>
+              <a:buChar char="-"/>
+            </a:pPr>
+            <a:r>
+              <a:rPr lang="en-US" altLang="ko-KR" sz="1100" dirty="0" err="1" smtClean="0">
+                <a:solidFill>
+                  <a:sysClr val="windowText" lastClr="000000"/>
+                </a:solidFill>
+                <a:latin typeface="Arial Unicode MS" pitchFamily="50" charset="-127"/>
+                <a:ea typeface="Arial Unicode MS" pitchFamily="50" charset="-127"/>
+                <a:cs typeface="Arial Unicode MS" pitchFamily="50" charset="-127"/>
+              </a:rPr>
+              <a:t>class_info</a:t>
+            </a:r>
+            <a:r>
+              <a:rPr lang="en-US" altLang="ko-KR" sz="1100" dirty="0" smtClean="0">
+                <a:solidFill>
+                  <a:sysClr val="windowText" lastClr="000000"/>
+                </a:solidFill>
+                <a:latin typeface="Arial Unicode MS" pitchFamily="50" charset="-127"/>
+                <a:ea typeface="Arial Unicode MS" pitchFamily="50" charset="-127"/>
+                <a:cs typeface="Arial Unicode MS" pitchFamily="50" charset="-127"/>
+              </a:rPr>
+              <a:t> String</a:t>
+            </a:r>
+            <a:endParaRPr lang="en-US" altLang="ko-KR" sz="1100" dirty="0" smtClean="0">
+              <a:solidFill>
+                <a:sysClr val="windowText" lastClr="000000"/>
+              </a:solidFill>
+              <a:latin typeface="Arial Unicode MS" pitchFamily="50" charset="-127"/>
+              <a:ea typeface="Arial Unicode MS" pitchFamily="50" charset="-127"/>
+              <a:cs typeface="Arial Unicode MS" pitchFamily="50" charset="-127"/>
+            </a:endParaRPr>
+          </a:p>
+          <a:p>
+            <a:pPr>
+              <a:buFontTx/>
+              <a:buChar char="-"/>
+            </a:pPr>
+            <a:r>
+              <a:rPr lang="en-US" altLang="ko-KR" sz="1100" dirty="0" smtClean="0">
+                <a:solidFill>
+                  <a:sysClr val="windowText" lastClr="000000"/>
+                </a:solidFill>
+                <a:latin typeface="Arial Unicode MS" pitchFamily="50" charset="-127"/>
+                <a:ea typeface="Arial Unicode MS" pitchFamily="50" charset="-127"/>
+                <a:cs typeface="Arial Unicode MS" pitchFamily="50" charset="-127"/>
+              </a:rPr>
+              <a:t>title String</a:t>
+            </a:r>
+          </a:p>
+          <a:p>
+            <a:pPr>
+              <a:buFontTx/>
+              <a:buChar char="-"/>
+            </a:pPr>
+            <a:r>
+              <a:rPr lang="en-US" altLang="ko-KR" sz="1100" dirty="0" smtClean="0">
+                <a:solidFill>
+                  <a:sysClr val="windowText" lastClr="000000"/>
+                </a:solidFill>
+                <a:latin typeface="Arial Unicode MS" pitchFamily="50" charset="-127"/>
+                <a:ea typeface="Arial Unicode MS" pitchFamily="50" charset="-127"/>
+                <a:cs typeface="Arial Unicode MS" pitchFamily="50" charset="-127"/>
+              </a:rPr>
+              <a:t>content String</a:t>
+            </a:r>
+          </a:p>
+          <a:p>
+            <a:pPr>
+              <a:buFontTx/>
+              <a:buChar char="-"/>
+            </a:pPr>
+            <a:r>
+              <a:rPr lang="en-US" altLang="ko-KR" sz="1100" dirty="0" err="1" smtClean="0">
+                <a:solidFill>
+                  <a:sysClr val="windowText" lastClr="000000"/>
+                </a:solidFill>
+                <a:latin typeface="Arial Unicode MS" pitchFamily="50" charset="-127"/>
+                <a:ea typeface="Arial Unicode MS" pitchFamily="50" charset="-127"/>
+                <a:cs typeface="Arial Unicode MS" pitchFamily="50" charset="-127"/>
+              </a:rPr>
+              <a:t>file_url</a:t>
+            </a:r>
+            <a:r>
+              <a:rPr lang="en-US" altLang="ko-KR" sz="1100" dirty="0" smtClean="0">
+                <a:solidFill>
+                  <a:sysClr val="windowText" lastClr="000000"/>
+                </a:solidFill>
+                <a:latin typeface="Arial Unicode MS" pitchFamily="50" charset="-127"/>
+                <a:ea typeface="Arial Unicode MS" pitchFamily="50" charset="-127"/>
+                <a:cs typeface="Arial Unicode MS" pitchFamily="50" charset="-127"/>
+              </a:rPr>
+              <a:t> </a:t>
+            </a:r>
+            <a:r>
+              <a:rPr lang="en-US" altLang="ko-KR" sz="1100" dirty="0" smtClean="0">
+                <a:solidFill>
+                  <a:sysClr val="windowText" lastClr="000000"/>
+                </a:solidFill>
+                <a:latin typeface="Arial Unicode MS" pitchFamily="50" charset="-127"/>
+                <a:ea typeface="Arial Unicode MS" pitchFamily="50" charset="-127"/>
+                <a:cs typeface="Arial Unicode MS" pitchFamily="50" charset="-127"/>
+              </a:rPr>
+              <a:t>String</a:t>
+            </a:r>
+          </a:p>
+          <a:p>
+            <a:pPr>
+              <a:buFontTx/>
+              <a:buChar char="-"/>
+            </a:pPr>
+            <a:r>
+              <a:rPr lang="en-US" altLang="ko-KR" sz="1100" dirty="0" err="1" smtClean="0">
+                <a:solidFill>
+                  <a:sysClr val="windowText" lastClr="000000"/>
+                </a:solidFill>
+                <a:latin typeface="Arial Unicode MS" pitchFamily="50" charset="-127"/>
+                <a:ea typeface="Arial Unicode MS" pitchFamily="50" charset="-127"/>
+                <a:cs typeface="Arial Unicode MS" pitchFamily="50" charset="-127"/>
+              </a:rPr>
+              <a:t>reg_date</a:t>
+            </a:r>
+            <a:r>
+              <a:rPr lang="en-US" altLang="ko-KR" sz="1100" dirty="0" smtClean="0">
+                <a:solidFill>
+                  <a:sysClr val="windowText" lastClr="000000"/>
+                </a:solidFill>
+                <a:latin typeface="Arial Unicode MS" pitchFamily="50" charset="-127"/>
+                <a:ea typeface="Arial Unicode MS" pitchFamily="50" charset="-127"/>
+                <a:cs typeface="Arial Unicode MS" pitchFamily="50" charset="-127"/>
+              </a:rPr>
+              <a:t> date </a:t>
+            </a:r>
+            <a:r>
+              <a:rPr lang="en-US" altLang="ko-KR" sz="1100" dirty="0" err="1" smtClean="0">
+                <a:solidFill>
+                  <a:sysClr val="windowText" lastClr="000000"/>
+                </a:solidFill>
+                <a:latin typeface="Arial Unicode MS" pitchFamily="50" charset="-127"/>
+                <a:ea typeface="Arial Unicode MS" pitchFamily="50" charset="-127"/>
+                <a:cs typeface="Arial Unicode MS" pitchFamily="50" charset="-127"/>
+              </a:rPr>
+              <a:t>sysdate</a:t>
+            </a:r>
+            <a:endParaRPr lang="en-US" altLang="ko-KR" sz="1100" dirty="0" smtClean="0">
+              <a:solidFill>
+                <a:sysClr val="windowText" lastClr="000000"/>
+              </a:solidFill>
+              <a:latin typeface="Arial Unicode MS" pitchFamily="50" charset="-127"/>
+              <a:ea typeface="Arial Unicode MS" pitchFamily="50" charset="-127"/>
+              <a:cs typeface="Arial Unicode MS" pitchFamily="50" charset="-127"/>
+            </a:endParaRPr>
+          </a:p>
+        </p:txBody>
+      </p:sp>
+      <p:sp>
+        <p:nvSpPr>
+          <p:cNvPr id="19" name="직사각형 18"/>
+          <p:cNvSpPr/>
+          <p:nvPr/>
+        </p:nvSpPr>
+        <p:spPr>
+          <a:xfrm>
+            <a:off x="5580112" y="162798"/>
+            <a:ext cx="3384376" cy="738664"/>
+          </a:xfrm>
+          <a:prstGeom prst="rect">
+            <a:avLst/>
+          </a:prstGeom>
+          <a:noFill/>
+          <a:ln>
+            <a:solidFill>
+              <a:srgbClr val="C00000"/>
+            </a:solidFill>
+          </a:ln>
+        </p:spPr>
+        <p:style>
+          <a:lnRef idx="2">
+            <a:schemeClr val="accent1">
+              <a:shade val="50000"/>
+            </a:schemeClr>
+          </a:lnRef>
+          <a:fillRef idx="1">
+            <a:schemeClr val="accent1"/>
+          </a:fillRef>
+          <a:effectRef idx="0">
+            <a:schemeClr val="accent1"/>
+          </a:effectRef>
+          <a:fontRef idx="minor">
+            <a:schemeClr val="lt1"/>
+          </a:fontRef>
+        </p:style>
+        <p:txBody>
+          <a:bodyPr wrap="square" rtlCol="0" anchor="ctr">
+            <a:spAutoFit/>
+          </a:bodyPr>
+          <a:lstStyle/>
+          <a:p>
+            <a:pPr>
+              <a:buFont typeface="Arial" charset="0"/>
+              <a:buChar char="•"/>
+            </a:pPr>
+            <a:r>
+              <a:rPr lang="ko-KR" altLang="en-US" sz="1050" b="1" dirty="0" smtClean="0">
+                <a:solidFill>
+                  <a:srgbClr val="C00000"/>
+                </a:solidFill>
+              </a:rPr>
+              <a:t> 주의</a:t>
+            </a:r>
+            <a:endParaRPr lang="en-US" altLang="ko-KR" sz="1050" b="1" dirty="0" smtClean="0">
+              <a:solidFill>
+                <a:srgbClr val="C00000"/>
+              </a:solidFill>
+            </a:endParaRPr>
+          </a:p>
+          <a:p>
+            <a:endParaRPr lang="en-US" altLang="ko-KR" sz="1050" b="1" dirty="0" smtClean="0">
+              <a:solidFill>
+                <a:srgbClr val="C00000"/>
+              </a:solidFill>
+            </a:endParaRPr>
+          </a:p>
+          <a:p>
+            <a:r>
+              <a:rPr lang="ko-KR" altLang="en-US" sz="1050" b="1" dirty="0" smtClean="0">
+                <a:solidFill>
+                  <a:srgbClr val="C00000"/>
+                </a:solidFill>
+              </a:rPr>
+              <a:t>동시편집문제</a:t>
+            </a:r>
+            <a:endParaRPr lang="en-US" altLang="ko-KR" sz="1050" b="1" dirty="0" smtClean="0">
+              <a:solidFill>
+                <a:srgbClr val="C00000"/>
+              </a:solidFill>
+            </a:endParaRPr>
+          </a:p>
+          <a:p>
+            <a:r>
+              <a:rPr lang="ko-KR" altLang="en-US" sz="1050" b="1" dirty="0" smtClean="0">
+                <a:solidFill>
+                  <a:srgbClr val="C00000"/>
+                </a:solidFill>
+              </a:rPr>
+              <a:t>카테고리에 포함되는 글이 없으면 카테고리를 삭제함</a:t>
+            </a:r>
+            <a:endParaRPr lang="ko-KR" altLang="en-US" sz="1050" dirty="0">
+              <a:solidFill>
+                <a:srgbClr val="C00000"/>
+              </a:solidFill>
+            </a:endParaRPr>
+          </a:p>
+        </p:txBody>
+      </p:sp>
+      <p:cxnSp>
+        <p:nvCxnSpPr>
+          <p:cNvPr id="20" name="직선 연결선 19"/>
+          <p:cNvCxnSpPr/>
+          <p:nvPr/>
+        </p:nvCxnSpPr>
+        <p:spPr>
+          <a:xfrm>
+            <a:off x="791580" y="1556792"/>
+            <a:ext cx="7560840" cy="0"/>
+          </a:xfrm>
+          <a:prstGeom prst="line">
+            <a:avLst/>
+          </a:prstGeom>
+          <a:ln>
+            <a:solidFill>
+              <a:schemeClr val="tx1">
+                <a:lumMod val="65000"/>
+                <a:lumOff val="35000"/>
+              </a:schemeClr>
+            </a:solidFill>
+          </a:ln>
+        </p:spPr>
+        <p:style>
+          <a:lnRef idx="1">
+            <a:schemeClr val="accent1"/>
+          </a:lnRef>
+          <a:fillRef idx="0">
+            <a:schemeClr val="accent1"/>
+          </a:fillRef>
+          <a:effectRef idx="0">
+            <a:schemeClr val="accent1"/>
+          </a:effectRef>
+          <a:fontRef idx="minor">
+            <a:schemeClr val="tx1"/>
+          </a:fontRef>
+        </p:style>
+      </p:cxnSp>
+      <p:sp>
+        <p:nvSpPr>
+          <p:cNvPr id="21" name="직사각형 20"/>
+          <p:cNvSpPr/>
+          <p:nvPr/>
+        </p:nvSpPr>
+        <p:spPr>
+          <a:xfrm>
+            <a:off x="683568" y="1772856"/>
+            <a:ext cx="2340000" cy="360000"/>
+          </a:xfrm>
+          <a:prstGeom prst="rect">
+            <a:avLst/>
+          </a:prstGeom>
+          <a:noFill/>
+          <a:ln>
+            <a:noFill/>
+          </a:ln>
+        </p:spPr>
+        <p:style>
+          <a:lnRef idx="2">
+            <a:schemeClr val="accent1">
+              <a:shade val="50000"/>
+            </a:schemeClr>
+          </a:lnRef>
+          <a:fillRef idx="1">
+            <a:schemeClr val="accent1"/>
+          </a:fillRef>
+          <a:effectRef idx="0">
+            <a:schemeClr val="accent1"/>
+          </a:effectRef>
+          <a:fontRef idx="minor">
+            <a:schemeClr val="lt1"/>
+          </a:fontRef>
+        </p:style>
+        <p:txBody>
+          <a:bodyPr rtlCol="0" anchor="ctr"/>
+          <a:lstStyle/>
+          <a:p>
+            <a:pPr algn="ctr"/>
+            <a:r>
+              <a:rPr lang="ko-KR" altLang="en-US" sz="1400" b="1" dirty="0" smtClean="0">
+                <a:solidFill>
+                  <a:schemeClr val="tx1"/>
+                </a:solidFill>
+                <a:latin typeface="Arial Unicode MS" pitchFamily="50" charset="-127"/>
+                <a:ea typeface="Arial Unicode MS" pitchFamily="50" charset="-127"/>
+                <a:cs typeface="Arial Unicode MS" pitchFamily="50" charset="-127"/>
+              </a:rPr>
+              <a:t>회원 관리 기능</a:t>
+            </a:r>
+            <a:endParaRPr lang="ko-KR" altLang="en-US" sz="1400" b="1" dirty="0">
+              <a:solidFill>
+                <a:schemeClr val="tx1"/>
+              </a:solidFill>
+              <a:latin typeface="Arial Unicode MS" pitchFamily="50" charset="-127"/>
+              <a:ea typeface="Arial Unicode MS" pitchFamily="50" charset="-127"/>
+              <a:cs typeface="Arial Unicode MS" pitchFamily="50" charset="-127"/>
+            </a:endParaRPr>
+          </a:p>
+        </p:txBody>
+      </p:sp>
+      <p:sp>
+        <p:nvSpPr>
+          <p:cNvPr id="22" name="직사각형 21"/>
+          <p:cNvSpPr/>
+          <p:nvPr/>
+        </p:nvSpPr>
+        <p:spPr>
+          <a:xfrm>
+            <a:off x="3402000" y="1772856"/>
+            <a:ext cx="2340000" cy="360000"/>
+          </a:xfrm>
+          <a:prstGeom prst="rect">
+            <a:avLst/>
+          </a:prstGeom>
+          <a:noFill/>
+          <a:ln>
+            <a:noFill/>
+          </a:ln>
+        </p:spPr>
+        <p:style>
+          <a:lnRef idx="2">
+            <a:schemeClr val="accent1">
+              <a:shade val="50000"/>
+            </a:schemeClr>
+          </a:lnRef>
+          <a:fillRef idx="1">
+            <a:schemeClr val="accent1"/>
+          </a:fillRef>
+          <a:effectRef idx="0">
+            <a:schemeClr val="accent1"/>
+          </a:effectRef>
+          <a:fontRef idx="minor">
+            <a:schemeClr val="lt1"/>
+          </a:fontRef>
+        </p:style>
+        <p:txBody>
+          <a:bodyPr rtlCol="0" anchor="ctr"/>
+          <a:lstStyle/>
+          <a:p>
+            <a:pPr algn="ctr"/>
+            <a:r>
+              <a:rPr lang="ko-KR" altLang="en-US" sz="1400" b="1" dirty="0" smtClean="0">
+                <a:solidFill>
+                  <a:schemeClr val="tx1"/>
+                </a:solidFill>
+                <a:latin typeface="Arial Unicode MS" pitchFamily="50" charset="-127"/>
+                <a:ea typeface="Arial Unicode MS" pitchFamily="50" charset="-127"/>
+                <a:cs typeface="Arial Unicode MS" pitchFamily="50" charset="-127"/>
+              </a:rPr>
+              <a:t>공유 강의노트 관리</a:t>
+            </a:r>
+            <a:endParaRPr lang="ko-KR" altLang="en-US" sz="1400" b="1" dirty="0">
+              <a:solidFill>
+                <a:schemeClr val="tx1"/>
+              </a:solidFill>
+              <a:latin typeface="Arial Unicode MS" pitchFamily="50" charset="-127"/>
+              <a:ea typeface="Arial Unicode MS" pitchFamily="50" charset="-127"/>
+              <a:cs typeface="Arial Unicode MS" pitchFamily="50" charset="-127"/>
+            </a:endParaRPr>
+          </a:p>
+        </p:txBody>
+      </p:sp>
+      <p:sp>
+        <p:nvSpPr>
+          <p:cNvPr id="23" name="직사각형 22"/>
+          <p:cNvSpPr/>
+          <p:nvPr/>
+        </p:nvSpPr>
+        <p:spPr>
+          <a:xfrm>
+            <a:off x="6120432" y="1772856"/>
+            <a:ext cx="2340000" cy="360000"/>
+          </a:xfrm>
+          <a:prstGeom prst="rect">
+            <a:avLst/>
+          </a:prstGeom>
+          <a:noFill/>
+          <a:ln>
+            <a:noFill/>
+          </a:ln>
+        </p:spPr>
+        <p:style>
+          <a:lnRef idx="2">
+            <a:schemeClr val="accent1">
+              <a:shade val="50000"/>
+            </a:schemeClr>
+          </a:lnRef>
+          <a:fillRef idx="1">
+            <a:schemeClr val="accent1"/>
+          </a:fillRef>
+          <a:effectRef idx="0">
+            <a:schemeClr val="accent1"/>
+          </a:effectRef>
+          <a:fontRef idx="minor">
+            <a:schemeClr val="lt1"/>
+          </a:fontRef>
+        </p:style>
+        <p:txBody>
+          <a:bodyPr rtlCol="0" anchor="ctr"/>
+          <a:lstStyle/>
+          <a:p>
+            <a:pPr algn="ctr"/>
+            <a:r>
+              <a:rPr lang="ko-KR" altLang="en-US" sz="1400" b="1" dirty="0" smtClean="0">
+                <a:solidFill>
+                  <a:schemeClr val="tx1"/>
+                </a:solidFill>
+                <a:latin typeface="Arial Unicode MS" pitchFamily="50" charset="-127"/>
+                <a:ea typeface="Arial Unicode MS" pitchFamily="50" charset="-127"/>
+                <a:cs typeface="Arial Unicode MS" pitchFamily="50" charset="-127"/>
+              </a:rPr>
+              <a:t>개</a:t>
+            </a:r>
+            <a:r>
+              <a:rPr lang="ko-KR" altLang="en-US" sz="1400" b="1" dirty="0">
+                <a:solidFill>
+                  <a:schemeClr val="tx1"/>
+                </a:solidFill>
+                <a:latin typeface="Arial Unicode MS" pitchFamily="50" charset="-127"/>
+                <a:ea typeface="Arial Unicode MS" pitchFamily="50" charset="-127"/>
+                <a:cs typeface="Arial Unicode MS" pitchFamily="50" charset="-127"/>
+              </a:rPr>
+              <a:t>인</a:t>
+            </a:r>
+            <a:r>
+              <a:rPr lang="ko-KR" altLang="en-US" sz="1400" b="1" dirty="0" smtClean="0">
+                <a:solidFill>
+                  <a:schemeClr val="tx1"/>
+                </a:solidFill>
+                <a:latin typeface="Arial Unicode MS" pitchFamily="50" charset="-127"/>
+                <a:ea typeface="Arial Unicode MS" pitchFamily="50" charset="-127"/>
+                <a:cs typeface="Arial Unicode MS" pitchFamily="50" charset="-127"/>
+              </a:rPr>
+              <a:t> 강의노트 관리</a:t>
+            </a:r>
+            <a:endParaRPr lang="ko-KR" altLang="en-US" sz="1400" b="1" dirty="0">
+              <a:solidFill>
+                <a:schemeClr val="tx1"/>
+              </a:solidFill>
+              <a:latin typeface="Arial Unicode MS" pitchFamily="50" charset="-127"/>
+              <a:ea typeface="Arial Unicode MS" pitchFamily="50" charset="-127"/>
+              <a:cs typeface="Arial Unicode MS" pitchFamily="50" charset="-127"/>
+            </a:endParaRPr>
+          </a:p>
+        </p:txBody>
+      </p:sp>
+    </p:spTree>
+  </p:cSld>
+  <p:clrMapOvr>
+    <a:masterClrMapping/>
+  </p:clrMapOvr>
+  <p:timing>
+    <p:tnLst>
+      <p:par>
+        <p:cTn id="1" dur="indefinite" restart="never" nodeType="tmRoot"/>
+      </p:par>
+    </p:tnLst>
+  </p:timing>
+</p:sld>
+</file>
+
+<file path=ppt/slides/slide6.xml><?xml version="1.0" encoding="utf-8"?>
+<p:sld xmlns:a="http://schemas.openxmlformats.org/drawingml/2006/main" xmlns:r="http://schemas.openxmlformats.org/officeDocument/2006/relationships" xmlns:p="http://schemas.openxmlformats.org/presentationml/2006/main">
+  <p:cSld>
+    <p:spTree>
+      <p:nvGrpSpPr>
+        <p:cNvPr id="1" name=""/>
+        <p:cNvGrpSpPr/>
+        <p:nvPr/>
+      </p:nvGrpSpPr>
+      <p:grpSpPr>
+        <a:xfrm>
+          <a:off x="0" y="0"/>
+          <a:ext cx="0" cy="0"/>
+          <a:chOff x="0" y="0"/>
+          <a:chExt cx="0" cy="0"/>
+        </a:xfrm>
+      </p:grpSpPr>
+      <p:sp>
+        <p:nvSpPr>
+          <p:cNvPr id="6" name="직사각형 5"/>
+          <p:cNvSpPr/>
+          <p:nvPr/>
+        </p:nvSpPr>
+        <p:spPr>
+          <a:xfrm>
+            <a:off x="2123728" y="908720"/>
+            <a:ext cx="4896544" cy="540000"/>
+          </a:xfrm>
+          <a:prstGeom prst="rect">
+            <a:avLst/>
+          </a:prstGeom>
+          <a:noFill/>
+          <a:ln>
+            <a:noFill/>
+          </a:ln>
+        </p:spPr>
+        <p:style>
+          <a:lnRef idx="2">
+            <a:schemeClr val="accent1">
+              <a:shade val="50000"/>
+            </a:schemeClr>
+          </a:lnRef>
+          <a:fillRef idx="1">
+            <a:schemeClr val="accent1"/>
+          </a:fillRef>
+          <a:effectRef idx="0">
+            <a:schemeClr val="accent1"/>
+          </a:effectRef>
+          <a:fontRef idx="minor">
+            <a:schemeClr val="lt1"/>
+          </a:fontRef>
+        </p:style>
+        <p:txBody>
+          <a:bodyPr rtlCol="0" anchor="ctr"/>
+          <a:lstStyle/>
+          <a:p>
+            <a:pPr algn="ctr"/>
+            <a:r>
+              <a:rPr lang="en-US" altLang="ko-KR" sz="2000" dirty="0" smtClean="0">
+                <a:solidFill>
+                  <a:schemeClr val="tx1"/>
+                </a:solidFill>
+                <a:latin typeface="Arial Unicode MS" pitchFamily="50" charset="-127"/>
+                <a:ea typeface="Arial Unicode MS" pitchFamily="50" charset="-127"/>
+                <a:cs typeface="Arial Unicode MS" pitchFamily="50" charset="-127"/>
+              </a:rPr>
+              <a:t>STUDYER _ </a:t>
+            </a:r>
+            <a:r>
+              <a:rPr lang="en-US" altLang="ko-KR" sz="2000" dirty="0" smtClean="0">
+                <a:solidFill>
+                  <a:schemeClr val="tx1"/>
+                </a:solidFill>
+                <a:latin typeface="Arial Unicode MS" pitchFamily="50" charset="-127"/>
+                <a:ea typeface="Arial Unicode MS" pitchFamily="50" charset="-127"/>
+                <a:cs typeface="Arial Unicode MS" pitchFamily="50" charset="-127"/>
+              </a:rPr>
+              <a:t>Prototype</a:t>
+            </a:r>
+            <a:endParaRPr lang="ko-KR" altLang="en-US" sz="2000" dirty="0">
+              <a:solidFill>
+                <a:schemeClr val="tx1"/>
+              </a:solidFill>
+              <a:latin typeface="Arial Unicode MS" pitchFamily="50" charset="-127"/>
+              <a:ea typeface="Arial Unicode MS" pitchFamily="50" charset="-127"/>
+              <a:cs typeface="Arial Unicode MS" pitchFamily="50" charset="-127"/>
+            </a:endParaRPr>
+          </a:p>
+        </p:txBody>
+      </p:sp>
+      <p:cxnSp>
+        <p:nvCxnSpPr>
+          <p:cNvPr id="8" name="직선 연결선 7"/>
+          <p:cNvCxnSpPr/>
+          <p:nvPr/>
+        </p:nvCxnSpPr>
+        <p:spPr>
+          <a:xfrm>
+            <a:off x="791580" y="1556792"/>
+            <a:ext cx="7560840" cy="0"/>
+          </a:xfrm>
+          <a:prstGeom prst="line">
+            <a:avLst/>
+          </a:prstGeom>
+          <a:ln>
+            <a:solidFill>
+              <a:schemeClr val="tx1">
+                <a:lumMod val="65000"/>
+                <a:lumOff val="35000"/>
+              </a:schemeClr>
+            </a:solidFill>
+          </a:ln>
+        </p:spPr>
+        <p:style>
+          <a:lnRef idx="1">
+            <a:schemeClr val="accent1"/>
+          </a:lnRef>
+          <a:fillRef idx="0">
+            <a:schemeClr val="accent1"/>
+          </a:fillRef>
+          <a:effectRef idx="0">
+            <a:schemeClr val="accent1"/>
+          </a:effectRef>
+          <a:fontRef idx="minor">
+            <a:schemeClr val="tx1"/>
+          </a:fontRef>
+        </p:style>
+      </p:cxnSp>
     </p:spTree>
   </p:cSld>
   <p:clrMapOvr>

--- a/doc/studyer_project.pptx
+++ b/doc/studyer_project.pptx
@@ -11,6 +11,11 @@
     <p:sldId id="260" r:id="rId5"/>
     <p:sldId id="262" r:id="rId6"/>
     <p:sldId id="261" r:id="rId7"/>
+    <p:sldId id="263" r:id="rId8"/>
+    <p:sldId id="264" r:id="rId9"/>
+    <p:sldId id="265" r:id="rId10"/>
+    <p:sldId id="266" r:id="rId11"/>
+    <p:sldId id="267" r:id="rId12"/>
   </p:sldIdLst>
   <p:sldSz cx="9144000" cy="6858000" type="screen4x3"/>
   <p:notesSz cx="6858000" cy="9144000"/>
@@ -294,7 +299,7 @@
             <a:fld id="{E3F10041-8F81-43B1-9F54-930BAC24D416}" type="datetimeFigureOut">
               <a:rPr lang="ko-KR" altLang="en-US" smtClean="0"/>
               <a:pPr/>
-              <a:t>2015-05-22</a:t>
+              <a:t>2015-05-28</a:t>
             </a:fld>
             <a:endParaRPr lang="ko-KR" altLang="en-US"/>
           </a:p>
@@ -461,7 +466,7 @@
             <a:fld id="{E3F10041-8F81-43B1-9F54-930BAC24D416}" type="datetimeFigureOut">
               <a:rPr lang="ko-KR" altLang="en-US" smtClean="0"/>
               <a:pPr/>
-              <a:t>2015-05-22</a:t>
+              <a:t>2015-05-28</a:t>
             </a:fld>
             <a:endParaRPr lang="ko-KR" altLang="en-US"/>
           </a:p>
@@ -638,7 +643,7 @@
             <a:fld id="{E3F10041-8F81-43B1-9F54-930BAC24D416}" type="datetimeFigureOut">
               <a:rPr lang="ko-KR" altLang="en-US" smtClean="0"/>
               <a:pPr/>
-              <a:t>2015-05-22</a:t>
+              <a:t>2015-05-28</a:t>
             </a:fld>
             <a:endParaRPr lang="ko-KR" altLang="en-US"/>
           </a:p>
@@ -805,7 +810,7 @@
             <a:fld id="{E3F10041-8F81-43B1-9F54-930BAC24D416}" type="datetimeFigureOut">
               <a:rPr lang="ko-KR" altLang="en-US" smtClean="0"/>
               <a:pPr/>
-              <a:t>2015-05-22</a:t>
+              <a:t>2015-05-28</a:t>
             </a:fld>
             <a:endParaRPr lang="ko-KR" altLang="en-US"/>
           </a:p>
@@ -1048,7 +1053,7 @@
             <a:fld id="{E3F10041-8F81-43B1-9F54-930BAC24D416}" type="datetimeFigureOut">
               <a:rPr lang="ko-KR" altLang="en-US" smtClean="0"/>
               <a:pPr/>
-              <a:t>2015-05-22</a:t>
+              <a:t>2015-05-28</a:t>
             </a:fld>
             <a:endParaRPr lang="ko-KR" altLang="en-US"/>
           </a:p>
@@ -1333,7 +1338,7 @@
             <a:fld id="{E3F10041-8F81-43B1-9F54-930BAC24D416}" type="datetimeFigureOut">
               <a:rPr lang="ko-KR" altLang="en-US" smtClean="0"/>
               <a:pPr/>
-              <a:t>2015-05-22</a:t>
+              <a:t>2015-05-28</a:t>
             </a:fld>
             <a:endParaRPr lang="ko-KR" altLang="en-US"/>
           </a:p>
@@ -1752,7 +1757,7 @@
             <a:fld id="{E3F10041-8F81-43B1-9F54-930BAC24D416}" type="datetimeFigureOut">
               <a:rPr lang="ko-KR" altLang="en-US" smtClean="0"/>
               <a:pPr/>
-              <a:t>2015-05-22</a:t>
+              <a:t>2015-05-28</a:t>
             </a:fld>
             <a:endParaRPr lang="ko-KR" altLang="en-US"/>
           </a:p>
@@ -1867,7 +1872,7 @@
             <a:fld id="{E3F10041-8F81-43B1-9F54-930BAC24D416}" type="datetimeFigureOut">
               <a:rPr lang="ko-KR" altLang="en-US" smtClean="0"/>
               <a:pPr/>
-              <a:t>2015-05-22</a:t>
+              <a:t>2015-05-28</a:t>
             </a:fld>
             <a:endParaRPr lang="ko-KR" altLang="en-US"/>
           </a:p>
@@ -1959,7 +1964,7 @@
             <a:fld id="{E3F10041-8F81-43B1-9F54-930BAC24D416}" type="datetimeFigureOut">
               <a:rPr lang="ko-KR" altLang="en-US" smtClean="0"/>
               <a:pPr/>
-              <a:t>2015-05-22</a:t>
+              <a:t>2015-05-28</a:t>
             </a:fld>
             <a:endParaRPr lang="ko-KR" altLang="en-US"/>
           </a:p>
@@ -2233,7 +2238,7 @@
             <a:fld id="{E3F10041-8F81-43B1-9F54-930BAC24D416}" type="datetimeFigureOut">
               <a:rPr lang="ko-KR" altLang="en-US" smtClean="0"/>
               <a:pPr/>
-              <a:t>2015-05-22</a:t>
+              <a:t>2015-05-28</a:t>
             </a:fld>
             <a:endParaRPr lang="ko-KR" altLang="en-US"/>
           </a:p>
@@ -2483,7 +2488,7 @@
             <a:fld id="{E3F10041-8F81-43B1-9F54-930BAC24D416}" type="datetimeFigureOut">
               <a:rPr lang="ko-KR" altLang="en-US" smtClean="0"/>
               <a:pPr/>
-              <a:t>2015-05-22</a:t>
+              <a:t>2015-05-28</a:t>
             </a:fld>
             <a:endParaRPr lang="ko-KR" altLang="en-US"/>
           </a:p>
@@ -2693,7 +2698,7 @@
             <a:fld id="{E3F10041-8F81-43B1-9F54-930BAC24D416}" type="datetimeFigureOut">
               <a:rPr lang="ko-KR" altLang="en-US" smtClean="0"/>
               <a:pPr/>
-              <a:t>2015-05-22</a:t>
+              <a:t>2015-05-28</a:t>
             </a:fld>
             <a:endParaRPr lang="ko-KR" altLang="en-US"/>
           </a:p>
@@ -3227,6 +3232,270 @@
 </p:sld>
 </file>
 
+<file path=ppt/slides/slide10.xml><?xml version="1.0" encoding="utf-8"?>
+<p:sld xmlns:a="http://schemas.openxmlformats.org/drawingml/2006/main" xmlns:r="http://schemas.openxmlformats.org/officeDocument/2006/relationships" xmlns:p="http://schemas.openxmlformats.org/presentationml/2006/main">
+  <p:cSld>
+    <p:spTree>
+      <p:nvGrpSpPr>
+        <p:cNvPr id="1" name=""/>
+        <p:cNvGrpSpPr/>
+        <p:nvPr/>
+      </p:nvGrpSpPr>
+      <p:grpSpPr>
+        <a:xfrm>
+          <a:off x="0" y="0"/>
+          <a:ext cx="0" cy="0"/>
+          <a:chOff x="0" y="0"/>
+          <a:chExt cx="0" cy="0"/>
+        </a:xfrm>
+      </p:grpSpPr>
+      <p:sp>
+        <p:nvSpPr>
+          <p:cNvPr id="6" name="직사각형 5"/>
+          <p:cNvSpPr/>
+          <p:nvPr/>
+        </p:nvSpPr>
+        <p:spPr>
+          <a:xfrm>
+            <a:off x="2123728" y="908720"/>
+            <a:ext cx="4896544" cy="540000"/>
+          </a:xfrm>
+          <a:prstGeom prst="rect">
+            <a:avLst/>
+          </a:prstGeom>
+          <a:noFill/>
+          <a:ln>
+            <a:noFill/>
+          </a:ln>
+        </p:spPr>
+        <p:style>
+          <a:lnRef idx="2">
+            <a:schemeClr val="accent1">
+              <a:shade val="50000"/>
+            </a:schemeClr>
+          </a:lnRef>
+          <a:fillRef idx="1">
+            <a:schemeClr val="accent1"/>
+          </a:fillRef>
+          <a:effectRef idx="0">
+            <a:schemeClr val="accent1"/>
+          </a:effectRef>
+          <a:fontRef idx="minor">
+            <a:schemeClr val="lt1"/>
+          </a:fontRef>
+        </p:style>
+        <p:txBody>
+          <a:bodyPr rtlCol="0" anchor="ctr"/>
+          <a:lstStyle/>
+          <a:p>
+            <a:pPr algn="ctr"/>
+            <a:r>
+              <a:rPr lang="en-US" altLang="ko-KR" sz="2000" dirty="0" smtClean="0">
+                <a:solidFill>
+                  <a:schemeClr val="tx1"/>
+                </a:solidFill>
+                <a:latin typeface="Arial Unicode MS" pitchFamily="50" charset="-127"/>
+                <a:ea typeface="Arial Unicode MS" pitchFamily="50" charset="-127"/>
+                <a:cs typeface="Arial Unicode MS" pitchFamily="50" charset="-127"/>
+              </a:rPr>
+              <a:t>STUDYER _ Prototype</a:t>
+            </a:r>
+            <a:endParaRPr lang="ko-KR" altLang="en-US" sz="2000" dirty="0">
+              <a:solidFill>
+                <a:schemeClr val="tx1"/>
+              </a:solidFill>
+              <a:latin typeface="Arial Unicode MS" pitchFamily="50" charset="-127"/>
+              <a:ea typeface="Arial Unicode MS" pitchFamily="50" charset="-127"/>
+              <a:cs typeface="Arial Unicode MS" pitchFamily="50" charset="-127"/>
+            </a:endParaRPr>
+          </a:p>
+        </p:txBody>
+      </p:sp>
+      <p:cxnSp>
+        <p:nvCxnSpPr>
+          <p:cNvPr id="8" name="직선 연결선 7"/>
+          <p:cNvCxnSpPr/>
+          <p:nvPr/>
+        </p:nvCxnSpPr>
+        <p:spPr>
+          <a:xfrm>
+            <a:off x="791580" y="1556792"/>
+            <a:ext cx="7560840" cy="0"/>
+          </a:xfrm>
+          <a:prstGeom prst="line">
+            <a:avLst/>
+          </a:prstGeom>
+          <a:ln>
+            <a:solidFill>
+              <a:schemeClr val="tx1">
+                <a:lumMod val="65000"/>
+                <a:lumOff val="35000"/>
+              </a:schemeClr>
+            </a:solidFill>
+          </a:ln>
+        </p:spPr>
+        <p:style>
+          <a:lnRef idx="1">
+            <a:schemeClr val="accent1"/>
+          </a:lnRef>
+          <a:fillRef idx="0">
+            <a:schemeClr val="accent1"/>
+          </a:fillRef>
+          <a:effectRef idx="0">
+            <a:schemeClr val="accent1"/>
+          </a:effectRef>
+          <a:fontRef idx="minor">
+            <a:schemeClr val="tx1"/>
+          </a:fontRef>
+        </p:style>
+      </p:cxnSp>
+    </p:spTree>
+  </p:cSld>
+  <p:clrMapOvr>
+    <a:masterClrMapping/>
+  </p:clrMapOvr>
+  <p:timing>
+    <p:tnLst>
+      <p:par>
+        <p:cTn id="1" dur="indefinite" restart="never" nodeType="tmRoot"/>
+      </p:par>
+    </p:tnLst>
+  </p:timing>
+</p:sld>
+</file>
+
+<file path=ppt/slides/slide11.xml><?xml version="1.0" encoding="utf-8"?>
+<p:sld xmlns:a="http://schemas.openxmlformats.org/drawingml/2006/main" xmlns:r="http://schemas.openxmlformats.org/officeDocument/2006/relationships" xmlns:p="http://schemas.openxmlformats.org/presentationml/2006/main">
+  <p:cSld>
+    <p:spTree>
+      <p:nvGrpSpPr>
+        <p:cNvPr id="1" name=""/>
+        <p:cNvGrpSpPr/>
+        <p:nvPr/>
+      </p:nvGrpSpPr>
+      <p:grpSpPr>
+        <a:xfrm>
+          <a:off x="0" y="0"/>
+          <a:ext cx="0" cy="0"/>
+          <a:chOff x="0" y="0"/>
+          <a:chExt cx="0" cy="0"/>
+        </a:xfrm>
+      </p:grpSpPr>
+      <p:sp>
+        <p:nvSpPr>
+          <p:cNvPr id="6" name="직사각형 5"/>
+          <p:cNvSpPr/>
+          <p:nvPr/>
+        </p:nvSpPr>
+        <p:spPr>
+          <a:xfrm>
+            <a:off x="2123728" y="908720"/>
+            <a:ext cx="4896544" cy="540000"/>
+          </a:xfrm>
+          <a:prstGeom prst="rect">
+            <a:avLst/>
+          </a:prstGeom>
+          <a:noFill/>
+          <a:ln>
+            <a:noFill/>
+          </a:ln>
+        </p:spPr>
+        <p:style>
+          <a:lnRef idx="2">
+            <a:schemeClr val="accent1">
+              <a:shade val="50000"/>
+            </a:schemeClr>
+          </a:lnRef>
+          <a:fillRef idx="1">
+            <a:schemeClr val="accent1"/>
+          </a:fillRef>
+          <a:effectRef idx="0">
+            <a:schemeClr val="accent1"/>
+          </a:effectRef>
+          <a:fontRef idx="minor">
+            <a:schemeClr val="lt1"/>
+          </a:fontRef>
+        </p:style>
+        <p:txBody>
+          <a:bodyPr rtlCol="0" anchor="ctr"/>
+          <a:lstStyle/>
+          <a:p>
+            <a:pPr algn="ctr"/>
+            <a:r>
+              <a:rPr lang="en-US" altLang="ko-KR" sz="2000" dirty="0" smtClean="0">
+                <a:solidFill>
+                  <a:schemeClr val="tx1"/>
+                </a:solidFill>
+                <a:latin typeface="Arial Unicode MS" pitchFamily="50" charset="-127"/>
+                <a:ea typeface="Arial Unicode MS" pitchFamily="50" charset="-127"/>
+                <a:cs typeface="Arial Unicode MS" pitchFamily="50" charset="-127"/>
+              </a:rPr>
+              <a:t>STUDYER _ Prototype</a:t>
+            </a:r>
+            <a:endParaRPr lang="ko-KR" altLang="en-US" sz="2000" dirty="0">
+              <a:solidFill>
+                <a:schemeClr val="tx1"/>
+              </a:solidFill>
+              <a:latin typeface="Arial Unicode MS" pitchFamily="50" charset="-127"/>
+              <a:ea typeface="Arial Unicode MS" pitchFamily="50" charset="-127"/>
+              <a:cs typeface="Arial Unicode MS" pitchFamily="50" charset="-127"/>
+            </a:endParaRPr>
+          </a:p>
+        </p:txBody>
+      </p:sp>
+      <p:cxnSp>
+        <p:nvCxnSpPr>
+          <p:cNvPr id="8" name="직선 연결선 7"/>
+          <p:cNvCxnSpPr/>
+          <p:nvPr/>
+        </p:nvCxnSpPr>
+        <p:spPr>
+          <a:xfrm>
+            <a:off x="791580" y="1556792"/>
+            <a:ext cx="7560840" cy="0"/>
+          </a:xfrm>
+          <a:prstGeom prst="line">
+            <a:avLst/>
+          </a:prstGeom>
+          <a:ln>
+            <a:solidFill>
+              <a:schemeClr val="tx1">
+                <a:lumMod val="65000"/>
+                <a:lumOff val="35000"/>
+              </a:schemeClr>
+            </a:solidFill>
+          </a:ln>
+        </p:spPr>
+        <p:style>
+          <a:lnRef idx="1">
+            <a:schemeClr val="accent1"/>
+          </a:lnRef>
+          <a:fillRef idx="0">
+            <a:schemeClr val="accent1"/>
+          </a:fillRef>
+          <a:effectRef idx="0">
+            <a:schemeClr val="accent1"/>
+          </a:effectRef>
+          <a:fontRef idx="minor">
+            <a:schemeClr val="tx1"/>
+          </a:fontRef>
+        </p:style>
+      </p:cxnSp>
+    </p:spTree>
+  </p:cSld>
+  <p:clrMapOvr>
+    <a:masterClrMapping/>
+  </p:clrMapOvr>
+  <p:timing>
+    <p:tnLst>
+      <p:par>
+        <p:cTn id="1" dur="indefinite" restart="never" nodeType="tmRoot"/>
+      </p:par>
+    </p:tnLst>
+  </p:timing>
+</p:sld>
+</file>
+
 <file path=ppt/slides/slide2.xml><?xml version="1.0" encoding="utf-8"?>
 <p:sld xmlns:a="http://schemas.openxmlformats.org/drawingml/2006/main" xmlns:r="http://schemas.openxmlformats.org/officeDocument/2006/relationships" xmlns:p="http://schemas.openxmlformats.org/presentationml/2006/main">
   <p:cSld>
@@ -3469,7 +3738,7 @@
           <a:bodyPr rtlCol="0" anchor="ctr"/>
           <a:lstStyle/>
           <a:p>
-            <a:pPr>
+            <a:pPr algn="ctr">
               <a:lnSpc>
                 <a:spcPct val="150000"/>
               </a:lnSpc>
@@ -3495,7 +3764,7 @@
             </a:endParaRPr>
           </a:p>
           <a:p>
-            <a:pPr>
+            <a:pPr algn="ctr">
               <a:lnSpc>
                 <a:spcPct val="150000"/>
               </a:lnSpc>
@@ -3521,7 +3790,7 @@
             </a:endParaRPr>
           </a:p>
           <a:p>
-            <a:pPr>
+            <a:pPr algn="ctr">
               <a:lnSpc>
                 <a:spcPct val="150000"/>
               </a:lnSpc>
@@ -6634,20 +6903,7 @@
                 <a:ea typeface="Arial Unicode MS" pitchFamily="50" charset="-127"/>
                 <a:cs typeface="Arial Unicode MS" pitchFamily="50" charset="-127"/>
               </a:rPr>
-              <a:t> </a:t>
-            </a:r>
-            <a:r>
-              <a:rPr lang="en-US" altLang="ko-KR" sz="1100" dirty="0" smtClean="0">
-                <a:solidFill>
-                  <a:schemeClr val="accent4">
-                    <a:lumMod val="75000"/>
-                  </a:schemeClr>
-                </a:solidFill>
-                <a:latin typeface="Arial Unicode MS" pitchFamily="50" charset="-127"/>
-                <a:ea typeface="Arial Unicode MS" pitchFamily="50" charset="-127"/>
-                <a:cs typeface="Arial Unicode MS" pitchFamily="50" charset="-127"/>
-              </a:rPr>
-              <a:t>primary</a:t>
+              <a:t> primary</a:t>
             </a:r>
           </a:p>
           <a:p>
@@ -6747,18 +7003,7 @@
                 <a:ea typeface="Arial Unicode MS" pitchFamily="50" charset="-127"/>
                 <a:cs typeface="Arial Unicode MS" pitchFamily="50" charset="-127"/>
               </a:rPr>
-              <a:t> </a:t>
-            </a:r>
-            <a:r>
-              <a:rPr lang="en-US" altLang="ko-KR" sz="1100" dirty="0" smtClean="0">
-                <a:solidFill>
-                  <a:srgbClr val="0070C0"/>
-                </a:solidFill>
-                <a:latin typeface="Arial Unicode MS" pitchFamily="50" charset="-127"/>
-                <a:ea typeface="Arial Unicode MS" pitchFamily="50" charset="-127"/>
-                <a:cs typeface="Arial Unicode MS" pitchFamily="50" charset="-127"/>
-              </a:rPr>
-              <a:t>foreign</a:t>
+              <a:t> foreign</a:t>
             </a:r>
           </a:p>
           <a:p>
@@ -6816,31 +7061,8 @@
                 <a:ea typeface="Arial Unicode MS" pitchFamily="50" charset="-127"/>
                 <a:cs typeface="Arial Unicode MS" pitchFamily="50" charset="-127"/>
               </a:rPr>
-              <a:t> </a:t>
-            </a:r>
-            <a:r>
-              <a:rPr lang="en-US" altLang="ko-KR" sz="1100" dirty="0" smtClean="0">
-                <a:solidFill>
-                  <a:schemeClr val="accent3">
-                    <a:lumMod val="75000"/>
-                  </a:schemeClr>
-                </a:solidFill>
-                <a:latin typeface="Arial Unicode MS" pitchFamily="50" charset="-127"/>
-                <a:ea typeface="Arial Unicode MS" pitchFamily="50" charset="-127"/>
-                <a:cs typeface="Arial Unicode MS" pitchFamily="50" charset="-127"/>
-              </a:rPr>
-              <a:t>foreign</a:t>
-            </a:r>
-            <a:endParaRPr lang="en-US" altLang="ko-KR" sz="1100" dirty="0" smtClean="0">
-              <a:solidFill>
-                <a:schemeClr val="accent3">
-                  <a:lumMod val="75000"/>
-                </a:schemeClr>
-              </a:solidFill>
-              <a:latin typeface="Arial Unicode MS" pitchFamily="50" charset="-127"/>
-              <a:ea typeface="Arial Unicode MS" pitchFamily="50" charset="-127"/>
-              <a:cs typeface="Arial Unicode MS" pitchFamily="50" charset="-127"/>
-            </a:endParaRPr>
+              <a:t> foreign</a:t>
+            </a:r>
           </a:p>
           <a:p>
             <a:pPr>
@@ -6897,31 +7119,8 @@
                 <a:ea typeface="Arial Unicode MS" pitchFamily="50" charset="-127"/>
                 <a:cs typeface="Arial Unicode MS" pitchFamily="50" charset="-127"/>
               </a:rPr>
-              <a:t> </a:t>
-            </a:r>
-            <a:r>
-              <a:rPr lang="en-US" altLang="ko-KR" sz="1100" dirty="0" smtClean="0">
-                <a:solidFill>
-                  <a:schemeClr val="accent6">
-                    <a:lumMod val="75000"/>
-                  </a:schemeClr>
-                </a:solidFill>
-                <a:latin typeface="Arial Unicode MS" pitchFamily="50" charset="-127"/>
-                <a:ea typeface="Arial Unicode MS" pitchFamily="50" charset="-127"/>
-                <a:cs typeface="Arial Unicode MS" pitchFamily="50" charset="-127"/>
-              </a:rPr>
-              <a:t>foreign</a:t>
-            </a:r>
-            <a:endParaRPr lang="en-US" altLang="ko-KR" sz="1100" dirty="0" smtClean="0">
-              <a:solidFill>
-                <a:schemeClr val="accent6">
-                  <a:lumMod val="75000"/>
-                </a:schemeClr>
-              </a:solidFill>
-              <a:latin typeface="Arial Unicode MS" pitchFamily="50" charset="-127"/>
-              <a:ea typeface="Arial Unicode MS" pitchFamily="50" charset="-127"/>
-              <a:cs typeface="Arial Unicode MS" pitchFamily="50" charset="-127"/>
-            </a:endParaRPr>
+              <a:t> foreign</a:t>
+            </a:r>
           </a:p>
           <a:p>
             <a:pPr>
@@ -7343,18 +7542,7 @@
                 <a:ea typeface="Arial Unicode MS" pitchFamily="50" charset="-127"/>
                 <a:cs typeface="Arial Unicode MS" pitchFamily="50" charset="-127"/>
               </a:rPr>
-              <a:t>name </a:t>
-            </a:r>
-            <a:r>
-              <a:rPr lang="en-US" altLang="ko-KR" sz="1100" dirty="0" smtClean="0">
-                <a:solidFill>
-                  <a:sysClr val="windowText" lastClr="000000"/>
-                </a:solidFill>
-                <a:latin typeface="Arial Unicode MS" pitchFamily="50" charset="-127"/>
-                <a:ea typeface="Arial Unicode MS" pitchFamily="50" charset="-127"/>
-                <a:cs typeface="Arial Unicode MS" pitchFamily="50" charset="-127"/>
-              </a:rPr>
-              <a:t>String</a:t>
+              <a:t>name String</a:t>
             </a:r>
           </a:p>
           <a:p>
@@ -7517,18 +7705,7 @@
                 <a:ea typeface="Arial Unicode MS" pitchFamily="50" charset="-127"/>
                 <a:cs typeface="Arial Unicode MS" pitchFamily="50" charset="-127"/>
               </a:rPr>
-              <a:t>name </a:t>
-            </a:r>
-            <a:r>
-              <a:rPr lang="en-US" altLang="ko-KR" sz="1100" dirty="0" smtClean="0">
-                <a:solidFill>
-                  <a:sysClr val="windowText" lastClr="000000"/>
-                </a:solidFill>
-                <a:latin typeface="Arial Unicode MS" pitchFamily="50" charset="-127"/>
-                <a:ea typeface="Arial Unicode MS" pitchFamily="50" charset="-127"/>
-                <a:cs typeface="Arial Unicode MS" pitchFamily="50" charset="-127"/>
-              </a:rPr>
-              <a:t>String</a:t>
+              <a:t>name String</a:t>
             </a:r>
           </a:p>
           <a:p>
@@ -7691,18 +7868,7 @@
                 <a:ea typeface="Arial Unicode MS" pitchFamily="50" charset="-127"/>
                 <a:cs typeface="Arial Unicode MS" pitchFamily="50" charset="-127"/>
               </a:rPr>
-              <a:t>name </a:t>
-            </a:r>
-            <a:r>
-              <a:rPr lang="en-US" altLang="ko-KR" sz="1100" dirty="0" smtClean="0">
-                <a:solidFill>
-                  <a:sysClr val="windowText" lastClr="000000"/>
-                </a:solidFill>
-                <a:latin typeface="Arial Unicode MS" pitchFamily="50" charset="-127"/>
-                <a:ea typeface="Arial Unicode MS" pitchFamily="50" charset="-127"/>
-                <a:cs typeface="Arial Unicode MS" pitchFamily="50" charset="-127"/>
-              </a:rPr>
-              <a:t>String</a:t>
+              <a:t>name String</a:t>
             </a:r>
           </a:p>
           <a:p>
@@ -7797,7 +7963,143 @@
               </a:rPr>
               <a:t>edit</a:t>
             </a:r>
-            <a:endParaRPr lang="en-US" altLang="ko-KR" sz="1100" b="1" dirty="0" smtClean="0">
+          </a:p>
+          <a:p>
+            <a:pPr>
+              <a:buFontTx/>
+              <a:buChar char="-"/>
+            </a:pPr>
+            <a:r>
+              <a:rPr lang="en-US" altLang="ko-KR" sz="1100" dirty="0" smtClean="0">
+                <a:solidFill>
+                  <a:sysClr val="windowText" lastClr="000000"/>
+                </a:solidFill>
+                <a:latin typeface="Arial Unicode MS" pitchFamily="50" charset="-127"/>
+                <a:ea typeface="Arial Unicode MS" pitchFamily="50" charset="-127"/>
+                <a:cs typeface="Arial Unicode MS" pitchFamily="50" charset="-127"/>
+              </a:rPr>
+              <a:t>no </a:t>
+            </a:r>
+            <a:r>
+              <a:rPr lang="en-US" altLang="ko-KR" sz="1100" dirty="0" err="1" smtClean="0">
+                <a:solidFill>
+                  <a:sysClr val="windowText" lastClr="000000"/>
+                </a:solidFill>
+                <a:latin typeface="Arial Unicode MS" pitchFamily="50" charset="-127"/>
+                <a:ea typeface="Arial Unicode MS" pitchFamily="50" charset="-127"/>
+                <a:cs typeface="Arial Unicode MS" pitchFamily="50" charset="-127"/>
+              </a:rPr>
+              <a:t>int</a:t>
+            </a:r>
+            <a:r>
+              <a:rPr lang="en-US" altLang="ko-KR" sz="1100" dirty="0" smtClean="0">
+                <a:solidFill>
+                  <a:sysClr val="windowText" lastClr="000000"/>
+                </a:solidFill>
+                <a:latin typeface="Arial Unicode MS" pitchFamily="50" charset="-127"/>
+                <a:ea typeface="Arial Unicode MS" pitchFamily="50" charset="-127"/>
+                <a:cs typeface="Arial Unicode MS" pitchFamily="50" charset="-127"/>
+              </a:rPr>
+              <a:t> primary</a:t>
+            </a:r>
+          </a:p>
+          <a:p>
+            <a:pPr>
+              <a:buFontTx/>
+              <a:buChar char="-"/>
+            </a:pPr>
+            <a:r>
+              <a:rPr lang="en-US" altLang="ko-KR" sz="1100" dirty="0" err="1" smtClean="0">
+                <a:solidFill>
+                  <a:schemeClr val="accent4">
+                    <a:lumMod val="75000"/>
+                  </a:schemeClr>
+                </a:solidFill>
+                <a:latin typeface="Arial Unicode MS" pitchFamily="50" charset="-127"/>
+                <a:ea typeface="Arial Unicode MS" pitchFamily="50" charset="-127"/>
+                <a:cs typeface="Arial Unicode MS" pitchFamily="50" charset="-127"/>
+              </a:rPr>
+              <a:t>share_board_no</a:t>
+            </a:r>
+            <a:r>
+              <a:rPr lang="en-US" altLang="ko-KR" sz="1100" dirty="0" smtClean="0">
+                <a:solidFill>
+                  <a:schemeClr val="accent4">
+                    <a:lumMod val="75000"/>
+                  </a:schemeClr>
+                </a:solidFill>
+                <a:latin typeface="Arial Unicode MS" pitchFamily="50" charset="-127"/>
+                <a:ea typeface="Arial Unicode MS" pitchFamily="50" charset="-127"/>
+                <a:cs typeface="Arial Unicode MS" pitchFamily="50" charset="-127"/>
+              </a:rPr>
+              <a:t> </a:t>
+            </a:r>
+            <a:r>
+              <a:rPr lang="en-US" altLang="ko-KR" sz="1100" dirty="0" err="1" smtClean="0">
+                <a:solidFill>
+                  <a:schemeClr val="accent4">
+                    <a:lumMod val="75000"/>
+                  </a:schemeClr>
+                </a:solidFill>
+                <a:latin typeface="Arial Unicode MS" pitchFamily="50" charset="-127"/>
+                <a:ea typeface="Arial Unicode MS" pitchFamily="50" charset="-127"/>
+                <a:cs typeface="Arial Unicode MS" pitchFamily="50" charset="-127"/>
+              </a:rPr>
+              <a:t>int</a:t>
+            </a:r>
+            <a:r>
+              <a:rPr lang="en-US" altLang="ko-KR" sz="1100" dirty="0" smtClean="0">
+                <a:solidFill>
+                  <a:schemeClr val="accent4">
+                    <a:lumMod val="75000"/>
+                  </a:schemeClr>
+                </a:solidFill>
+                <a:latin typeface="Arial Unicode MS" pitchFamily="50" charset="-127"/>
+                <a:ea typeface="Arial Unicode MS" pitchFamily="50" charset="-127"/>
+                <a:cs typeface="Arial Unicode MS" pitchFamily="50" charset="-127"/>
+              </a:rPr>
+              <a:t> foreign</a:t>
+            </a:r>
+          </a:p>
+          <a:p>
+            <a:pPr>
+              <a:buFontTx/>
+              <a:buChar char="-"/>
+            </a:pPr>
+            <a:r>
+              <a:rPr lang="en-US" altLang="ko-KR" sz="1100" dirty="0" err="1" smtClean="0">
+                <a:solidFill>
+                  <a:sysClr val="windowText" lastClr="000000"/>
+                </a:solidFill>
+                <a:latin typeface="Arial Unicode MS" pitchFamily="50" charset="-127"/>
+                <a:ea typeface="Arial Unicode MS" pitchFamily="50" charset="-127"/>
+                <a:cs typeface="Arial Unicode MS" pitchFamily="50" charset="-127"/>
+              </a:rPr>
+              <a:t>start_index</a:t>
+            </a:r>
+            <a:r>
+              <a:rPr lang="en-US" altLang="ko-KR" sz="1100" dirty="0" smtClean="0">
+                <a:solidFill>
+                  <a:sysClr val="windowText" lastClr="000000"/>
+                </a:solidFill>
+                <a:latin typeface="Arial Unicode MS" pitchFamily="50" charset="-127"/>
+                <a:ea typeface="Arial Unicode MS" pitchFamily="50" charset="-127"/>
+                <a:cs typeface="Arial Unicode MS" pitchFamily="50" charset="-127"/>
+              </a:rPr>
+              <a:t> </a:t>
+            </a:r>
+            <a:r>
+              <a:rPr lang="en-US" altLang="ko-KR" sz="1100" dirty="0" err="1" smtClean="0">
+                <a:solidFill>
+                  <a:sysClr val="windowText" lastClr="000000"/>
+                </a:solidFill>
+                <a:latin typeface="Arial Unicode MS" pitchFamily="50" charset="-127"/>
+                <a:ea typeface="Arial Unicode MS" pitchFamily="50" charset="-127"/>
+                <a:cs typeface="Arial Unicode MS" pitchFamily="50" charset="-127"/>
+              </a:rPr>
+              <a:t>int</a:t>
+            </a:r>
+            <a:endParaRPr lang="en-US" altLang="ko-KR" sz="1100" dirty="0" smtClean="0">
               <a:solidFill>
                 <a:sysClr val="windowText" lastClr="000000"/>
               </a:solidFill>
@@ -7812,6 +8114,17 @@
               <a:buChar char="-"/>
             </a:pPr>
             <a:r>
+              <a:rPr lang="en-US" altLang="ko-KR" sz="1100" dirty="0" err="1" smtClean="0">
+                <a:solidFill>
+                  <a:sysClr val="windowText" lastClr="000000"/>
+                </a:solidFill>
+                <a:latin typeface="Arial Unicode MS" pitchFamily="50" charset="-127"/>
+                <a:ea typeface="Arial Unicode MS" pitchFamily="50" charset="-127"/>
+                <a:cs typeface="Arial Unicode MS" pitchFamily="50" charset="-127"/>
+              </a:rPr>
+              <a:t>end_index</a:t>
+            </a:r>
+            <a:r>
               <a:rPr lang="en-US" altLang="ko-KR" sz="1100" dirty="0" smtClean="0">
                 <a:solidFill>
                   <a:sysClr val="windowText" lastClr="000000"/>
@@ -7820,7 +8133,7 @@
                 <a:ea typeface="Arial Unicode MS" pitchFamily="50" charset="-127"/>
                 <a:cs typeface="Arial Unicode MS" pitchFamily="50" charset="-127"/>
               </a:rPr>
-              <a:t>no </a:t>
+              <a:t> </a:t>
             </a:r>
             <a:r>
               <a:rPr lang="en-US" altLang="ko-KR" sz="1100" dirty="0" err="1" smtClean="0">
@@ -7844,190 +8157,6 @@
               </a:rPr>
               <a:t> </a:t>
             </a:r>
-            <a:r>
-              <a:rPr lang="en-US" altLang="ko-KR" sz="1100" dirty="0" smtClean="0">
-                <a:solidFill>
-                  <a:sysClr val="windowText" lastClr="000000"/>
-                </a:solidFill>
-                <a:latin typeface="Arial Unicode MS" pitchFamily="50" charset="-127"/>
-                <a:ea typeface="Arial Unicode MS" pitchFamily="50" charset="-127"/>
-                <a:cs typeface="Arial Unicode MS" pitchFamily="50" charset="-127"/>
-              </a:rPr>
-              <a:t>primary</a:t>
-            </a:r>
-          </a:p>
-          <a:p>
-            <a:pPr>
-              <a:buFontTx/>
-              <a:buChar char="-"/>
-            </a:pPr>
-            <a:r>
-              <a:rPr lang="en-US" altLang="ko-KR" sz="1100" dirty="0" err="1" smtClean="0">
-                <a:solidFill>
-                  <a:schemeClr val="accent4">
-                    <a:lumMod val="75000"/>
-                  </a:schemeClr>
-                </a:solidFill>
-                <a:latin typeface="Arial Unicode MS" pitchFamily="50" charset="-127"/>
-                <a:ea typeface="Arial Unicode MS" pitchFamily="50" charset="-127"/>
-                <a:cs typeface="Arial Unicode MS" pitchFamily="50" charset="-127"/>
-              </a:rPr>
-              <a:t>share_board_no</a:t>
-            </a:r>
-            <a:r>
-              <a:rPr lang="en-US" altLang="ko-KR" sz="1100" dirty="0" smtClean="0">
-                <a:solidFill>
-                  <a:schemeClr val="accent4">
-                    <a:lumMod val="75000"/>
-                  </a:schemeClr>
-                </a:solidFill>
-                <a:latin typeface="Arial Unicode MS" pitchFamily="50" charset="-127"/>
-                <a:ea typeface="Arial Unicode MS" pitchFamily="50" charset="-127"/>
-                <a:cs typeface="Arial Unicode MS" pitchFamily="50" charset="-127"/>
-              </a:rPr>
-              <a:t> </a:t>
-            </a:r>
-            <a:r>
-              <a:rPr lang="en-US" altLang="ko-KR" sz="1100" dirty="0" err="1" smtClean="0">
-                <a:solidFill>
-                  <a:schemeClr val="accent4">
-                    <a:lumMod val="75000"/>
-                  </a:schemeClr>
-                </a:solidFill>
-                <a:latin typeface="Arial Unicode MS" pitchFamily="50" charset="-127"/>
-                <a:ea typeface="Arial Unicode MS" pitchFamily="50" charset="-127"/>
-                <a:cs typeface="Arial Unicode MS" pitchFamily="50" charset="-127"/>
-              </a:rPr>
-              <a:t>int</a:t>
-            </a:r>
-            <a:r>
-              <a:rPr lang="en-US" altLang="ko-KR" sz="1100" dirty="0" smtClean="0">
-                <a:solidFill>
-                  <a:schemeClr val="accent4">
-                    <a:lumMod val="75000"/>
-                  </a:schemeClr>
-                </a:solidFill>
-                <a:latin typeface="Arial Unicode MS" pitchFamily="50" charset="-127"/>
-                <a:ea typeface="Arial Unicode MS" pitchFamily="50" charset="-127"/>
-                <a:cs typeface="Arial Unicode MS" pitchFamily="50" charset="-127"/>
-              </a:rPr>
-              <a:t> foreign</a:t>
-            </a:r>
-            <a:endParaRPr lang="en-US" altLang="ko-KR" sz="1100" dirty="0" smtClean="0">
-              <a:solidFill>
-                <a:schemeClr val="accent4">
-                  <a:lumMod val="75000"/>
-                </a:schemeClr>
-              </a:solidFill>
-              <a:latin typeface="Arial Unicode MS" pitchFamily="50" charset="-127"/>
-              <a:ea typeface="Arial Unicode MS" pitchFamily="50" charset="-127"/>
-              <a:cs typeface="Arial Unicode MS" pitchFamily="50" charset="-127"/>
-            </a:endParaRPr>
-          </a:p>
-          <a:p>
-            <a:pPr>
-              <a:buFontTx/>
-              <a:buChar char="-"/>
-            </a:pPr>
-            <a:r>
-              <a:rPr lang="en-US" altLang="ko-KR" sz="1100" dirty="0" err="1" smtClean="0">
-                <a:solidFill>
-                  <a:sysClr val="windowText" lastClr="000000"/>
-                </a:solidFill>
-                <a:latin typeface="Arial Unicode MS" pitchFamily="50" charset="-127"/>
-                <a:ea typeface="Arial Unicode MS" pitchFamily="50" charset="-127"/>
-                <a:cs typeface="Arial Unicode MS" pitchFamily="50" charset="-127"/>
-              </a:rPr>
-              <a:t>start_index</a:t>
-            </a:r>
-            <a:r>
-              <a:rPr lang="en-US" altLang="ko-KR" sz="1100" dirty="0" smtClean="0">
-                <a:solidFill>
-                  <a:sysClr val="windowText" lastClr="000000"/>
-                </a:solidFill>
-                <a:latin typeface="Arial Unicode MS" pitchFamily="50" charset="-127"/>
-                <a:ea typeface="Arial Unicode MS" pitchFamily="50" charset="-127"/>
-                <a:cs typeface="Arial Unicode MS" pitchFamily="50" charset="-127"/>
-              </a:rPr>
-              <a:t> </a:t>
-            </a:r>
-            <a:r>
-              <a:rPr lang="en-US" altLang="ko-KR" sz="1100" dirty="0" err="1" smtClean="0">
-                <a:solidFill>
-                  <a:sysClr val="windowText" lastClr="000000"/>
-                </a:solidFill>
-                <a:latin typeface="Arial Unicode MS" pitchFamily="50" charset="-127"/>
-                <a:ea typeface="Arial Unicode MS" pitchFamily="50" charset="-127"/>
-                <a:cs typeface="Arial Unicode MS" pitchFamily="50" charset="-127"/>
-              </a:rPr>
-              <a:t>int</a:t>
-            </a:r>
-            <a:endParaRPr lang="en-US" altLang="ko-KR" sz="1100" dirty="0" smtClean="0">
-              <a:solidFill>
-                <a:sysClr val="windowText" lastClr="000000"/>
-              </a:solidFill>
-              <a:latin typeface="Arial Unicode MS" pitchFamily="50" charset="-127"/>
-              <a:ea typeface="Arial Unicode MS" pitchFamily="50" charset="-127"/>
-              <a:cs typeface="Arial Unicode MS" pitchFamily="50" charset="-127"/>
-            </a:endParaRPr>
-          </a:p>
-          <a:p>
-            <a:pPr>
-              <a:buFontTx/>
-              <a:buChar char="-"/>
-            </a:pPr>
-            <a:r>
-              <a:rPr lang="en-US" altLang="ko-KR" sz="1100" dirty="0" err="1" smtClean="0">
-                <a:solidFill>
-                  <a:sysClr val="windowText" lastClr="000000"/>
-                </a:solidFill>
-                <a:latin typeface="Arial Unicode MS" pitchFamily="50" charset="-127"/>
-                <a:ea typeface="Arial Unicode MS" pitchFamily="50" charset="-127"/>
-                <a:cs typeface="Arial Unicode MS" pitchFamily="50" charset="-127"/>
-              </a:rPr>
-              <a:t>end_index</a:t>
-            </a:r>
-            <a:r>
-              <a:rPr lang="en-US" altLang="ko-KR" sz="1100" dirty="0" smtClean="0">
-                <a:solidFill>
-                  <a:sysClr val="windowText" lastClr="000000"/>
-                </a:solidFill>
-                <a:latin typeface="Arial Unicode MS" pitchFamily="50" charset="-127"/>
-                <a:ea typeface="Arial Unicode MS" pitchFamily="50" charset="-127"/>
-                <a:cs typeface="Arial Unicode MS" pitchFamily="50" charset="-127"/>
-              </a:rPr>
-              <a:t> </a:t>
-            </a:r>
-            <a:r>
-              <a:rPr lang="en-US" altLang="ko-KR" sz="1100" dirty="0" err="1" smtClean="0">
-                <a:solidFill>
-                  <a:sysClr val="windowText" lastClr="000000"/>
-                </a:solidFill>
-                <a:latin typeface="Arial Unicode MS" pitchFamily="50" charset="-127"/>
-                <a:ea typeface="Arial Unicode MS" pitchFamily="50" charset="-127"/>
-                <a:cs typeface="Arial Unicode MS" pitchFamily="50" charset="-127"/>
-              </a:rPr>
-              <a:t>int</a:t>
-            </a:r>
-            <a:r>
-              <a:rPr lang="en-US" altLang="ko-KR" sz="1100" dirty="0" smtClean="0">
-                <a:solidFill>
-                  <a:sysClr val="windowText" lastClr="000000"/>
-                </a:solidFill>
-                <a:latin typeface="Arial Unicode MS" pitchFamily="50" charset="-127"/>
-                <a:ea typeface="Arial Unicode MS" pitchFamily="50" charset="-127"/>
-                <a:cs typeface="Arial Unicode MS" pitchFamily="50" charset="-127"/>
-              </a:rPr>
-              <a:t> </a:t>
-            </a:r>
-            <a:endParaRPr lang="en-US" altLang="ko-KR" sz="1100" dirty="0" smtClean="0">
-              <a:solidFill>
-                <a:sysClr val="windowText" lastClr="000000"/>
-              </a:solidFill>
-              <a:latin typeface="Arial Unicode MS" pitchFamily="50" charset="-127"/>
-              <a:ea typeface="Arial Unicode MS" pitchFamily="50" charset="-127"/>
-              <a:cs typeface="Arial Unicode MS" pitchFamily="50" charset="-127"/>
-            </a:endParaRPr>
           </a:p>
           <a:p>
             <a:pPr>
@@ -8269,18 +8398,7 @@
                 <a:ea typeface="Arial Unicode MS" pitchFamily="50" charset="-127"/>
                 <a:cs typeface="Arial Unicode MS" pitchFamily="50" charset="-127"/>
               </a:rPr>
-              <a:t> </a:t>
-            </a:r>
-            <a:r>
-              <a:rPr lang="en-US" altLang="ko-KR" sz="1100" dirty="0" smtClean="0">
-                <a:solidFill>
-                  <a:sysClr val="windowText" lastClr="000000"/>
-                </a:solidFill>
-                <a:latin typeface="Arial Unicode MS" pitchFamily="50" charset="-127"/>
-                <a:ea typeface="Arial Unicode MS" pitchFamily="50" charset="-127"/>
-                <a:cs typeface="Arial Unicode MS" pitchFamily="50" charset="-127"/>
-              </a:rPr>
-              <a:t>primary</a:t>
+              <a:t> primary</a:t>
             </a:r>
           </a:p>
           <a:p>
@@ -8310,14 +8428,6 @@
               </a:rPr>
               <a:t> String</a:t>
             </a:r>
-            <a:endParaRPr lang="en-US" altLang="ko-KR" sz="1100" dirty="0" smtClean="0">
-              <a:solidFill>
-                <a:sysClr val="windowText" lastClr="000000"/>
-              </a:solidFill>
-              <a:latin typeface="Arial Unicode MS" pitchFamily="50" charset="-127"/>
-              <a:ea typeface="Arial Unicode MS" pitchFamily="50" charset="-127"/>
-              <a:cs typeface="Arial Unicode MS" pitchFamily="50" charset="-127"/>
-            </a:endParaRPr>
           </a:p>
           <a:p>
             <a:pPr>
@@ -8378,18 +8488,7 @@
                 <a:ea typeface="Arial Unicode MS" pitchFamily="50" charset="-127"/>
                 <a:cs typeface="Arial Unicode MS" pitchFamily="50" charset="-127"/>
               </a:rPr>
-              <a:t> </a:t>
-            </a:r>
-            <a:r>
-              <a:rPr lang="en-US" altLang="ko-KR" sz="1100" dirty="0" smtClean="0">
-                <a:solidFill>
-                  <a:sysClr val="windowText" lastClr="000000"/>
-                </a:solidFill>
-                <a:latin typeface="Arial Unicode MS" pitchFamily="50" charset="-127"/>
-                <a:ea typeface="Arial Unicode MS" pitchFamily="50" charset="-127"/>
-                <a:cs typeface="Arial Unicode MS" pitchFamily="50" charset="-127"/>
-              </a:rPr>
-              <a:t>String</a:t>
+              <a:t> String</a:t>
             </a:r>
           </a:p>
           <a:p>
@@ -8879,7 +8978,1174 @@
                 <a:ea typeface="Arial Unicode MS" pitchFamily="50" charset="-127"/>
                 <a:cs typeface="Arial Unicode MS" pitchFamily="50" charset="-127"/>
               </a:rPr>
-              <a:t>Prototype</a:t>
+              <a:t>DB </a:t>
+            </a:r>
+            <a:r>
+              <a:rPr lang="ko-KR" altLang="en-US" sz="2000" dirty="0" smtClean="0">
+                <a:solidFill>
+                  <a:schemeClr val="tx1"/>
+                </a:solidFill>
+                <a:latin typeface="Arial Unicode MS" pitchFamily="50" charset="-127"/>
+                <a:ea typeface="Arial Unicode MS" pitchFamily="50" charset="-127"/>
+                <a:cs typeface="Arial Unicode MS" pitchFamily="50" charset="-127"/>
+              </a:rPr>
+              <a:t>생성 스크립트</a:t>
+            </a:r>
+            <a:endParaRPr lang="ko-KR" altLang="en-US" sz="2000" dirty="0">
+              <a:solidFill>
+                <a:schemeClr val="tx1"/>
+              </a:solidFill>
+              <a:latin typeface="Arial Unicode MS" pitchFamily="50" charset="-127"/>
+              <a:ea typeface="Arial Unicode MS" pitchFamily="50" charset="-127"/>
+              <a:cs typeface="Arial Unicode MS" pitchFamily="50" charset="-127"/>
+            </a:endParaRPr>
+          </a:p>
+        </p:txBody>
+      </p:sp>
+      <p:cxnSp>
+        <p:nvCxnSpPr>
+          <p:cNvPr id="8" name="직선 연결선 7"/>
+          <p:cNvCxnSpPr/>
+          <p:nvPr/>
+        </p:nvCxnSpPr>
+        <p:spPr>
+          <a:xfrm>
+            <a:off x="791580" y="1556792"/>
+            <a:ext cx="7560840" cy="0"/>
+          </a:xfrm>
+          <a:prstGeom prst="line">
+            <a:avLst/>
+          </a:prstGeom>
+          <a:ln>
+            <a:solidFill>
+              <a:schemeClr val="tx1">
+                <a:lumMod val="65000"/>
+                <a:lumOff val="35000"/>
+              </a:schemeClr>
+            </a:solidFill>
+          </a:ln>
+        </p:spPr>
+        <p:style>
+          <a:lnRef idx="1">
+            <a:schemeClr val="accent1"/>
+          </a:lnRef>
+          <a:fillRef idx="0">
+            <a:schemeClr val="accent1"/>
+          </a:fillRef>
+          <a:effectRef idx="0">
+            <a:schemeClr val="accent1"/>
+          </a:effectRef>
+          <a:fontRef idx="minor">
+            <a:schemeClr val="tx1"/>
+          </a:fontRef>
+        </p:style>
+      </p:cxnSp>
+      <p:sp>
+        <p:nvSpPr>
+          <p:cNvPr id="6145" name="Rectangle 1"/>
+          <p:cNvSpPr>
+            <a:spLocks noChangeArrowheads="1"/>
+          </p:cNvSpPr>
+          <p:nvPr/>
+        </p:nvSpPr>
+        <p:spPr bwMode="auto">
+          <a:xfrm>
+            <a:off x="755576" y="2204864"/>
+            <a:ext cx="3096344" cy="2385268"/>
+          </a:xfrm>
+          <a:prstGeom prst="rect">
+            <a:avLst/>
+          </a:prstGeom>
+          <a:noFill/>
+          <a:ln w="9525">
+            <a:solidFill>
+              <a:schemeClr val="accent1"/>
+            </a:solidFill>
+            <a:miter lim="800000"/>
+            <a:headEnd/>
+            <a:tailEnd/>
+          </a:ln>
+          <a:effectLst/>
+        </p:spPr>
+        <p:txBody>
+          <a:bodyPr vert="horz" wrap="square" lIns="91440" tIns="45720" rIns="91440" bIns="45720" numCol="1" anchor="ctr" anchorCtr="0" compatLnSpc="1">
+            <a:prstTxWarp prst="textNoShape">
+              <a:avLst/>
+            </a:prstTxWarp>
+            <a:spAutoFit/>
+          </a:bodyPr>
+          <a:lstStyle/>
+          <a:p>
+            <a:pPr marL="0" marR="0" lvl="0" indent="0" algn="l" defTabSz="914400" rtl="0" eaLnBrk="1" fontAlgn="base" latinLnBrk="1" hangingPunct="1">
+              <a:lnSpc>
+                <a:spcPct val="100000"/>
+              </a:lnSpc>
+              <a:spcBef>
+                <a:spcPct val="0"/>
+              </a:spcBef>
+              <a:spcAft>
+                <a:spcPct val="0"/>
+              </a:spcAft>
+              <a:buClrTx/>
+              <a:buSzTx/>
+              <a:buFontTx/>
+              <a:buNone/>
+              <a:tabLst/>
+            </a:pPr>
+            <a:r>
+              <a:rPr kumimoji="1" lang="en-US" altLang="ko-KR" sz="1000" b="0" i="0" u="none" strike="noStrike" cap="none" normalizeH="0" baseline="0" dirty="0" smtClean="0">
+                <a:ln>
+                  <a:noFill/>
+                </a:ln>
+                <a:solidFill>
+                  <a:schemeClr val="tx1"/>
+                </a:solidFill>
+                <a:effectLst/>
+                <a:latin typeface="맑은 고딕" pitchFamily="50" charset="-127"/>
+                <a:ea typeface="맑은 고딕" pitchFamily="50" charset="-127"/>
+                <a:cs typeface="Times New Roman" pitchFamily="18" charset="0"/>
+              </a:rPr>
+              <a:t>CREATE table "MEMBER" (</a:t>
+            </a:r>
+            <a:endParaRPr kumimoji="1" lang="en-US" altLang="ko-KR" sz="900" b="0" i="0" u="none" strike="noStrike" cap="none" normalizeH="0" baseline="0" dirty="0" smtClean="0">
+              <a:ln>
+                <a:noFill/>
+              </a:ln>
+              <a:solidFill>
+                <a:schemeClr val="tx1"/>
+              </a:solidFill>
+              <a:effectLst/>
+              <a:latin typeface="굴림" pitchFamily="50" charset="-127"/>
+              <a:ea typeface="굴림" pitchFamily="50" charset="-127"/>
+              <a:cs typeface="굴림" pitchFamily="50" charset="-127"/>
+            </a:endParaRPr>
+          </a:p>
+          <a:p>
+            <a:pPr marL="0" marR="0" lvl="0" indent="0" algn="l" defTabSz="914400" rtl="0" eaLnBrk="0" fontAlgn="base" latinLnBrk="0" hangingPunct="0">
+              <a:lnSpc>
+                <a:spcPct val="100000"/>
+              </a:lnSpc>
+              <a:spcBef>
+                <a:spcPct val="0"/>
+              </a:spcBef>
+              <a:spcAft>
+                <a:spcPct val="0"/>
+              </a:spcAft>
+              <a:buClrTx/>
+              <a:buSzTx/>
+              <a:buFontTx/>
+              <a:buNone/>
+              <a:tabLst/>
+            </a:pPr>
+            <a:r>
+              <a:rPr kumimoji="1" lang="en-US" altLang="ko-KR" sz="1000" b="0" i="0" u="none" strike="noStrike" cap="none" normalizeH="0" baseline="0" dirty="0" smtClean="0">
+                <a:ln>
+                  <a:noFill/>
+                </a:ln>
+                <a:solidFill>
+                  <a:schemeClr val="tx1"/>
+                </a:solidFill>
+                <a:effectLst/>
+                <a:latin typeface="맑은 고딕" pitchFamily="50" charset="-127"/>
+                <a:ea typeface="맑은 고딕" pitchFamily="50" charset="-127"/>
+                <a:cs typeface="Times New Roman" pitchFamily="18" charset="0"/>
+              </a:rPr>
+              <a:t>    "NO"         NUMBER(8,0),</a:t>
+            </a:r>
+            <a:endParaRPr kumimoji="1" lang="en-US" altLang="ko-KR" sz="900" b="0" i="0" u="none" strike="noStrike" cap="none" normalizeH="0" baseline="0" dirty="0" smtClean="0">
+              <a:ln>
+                <a:noFill/>
+              </a:ln>
+              <a:solidFill>
+                <a:schemeClr val="tx1"/>
+              </a:solidFill>
+              <a:effectLst/>
+              <a:latin typeface="굴림" pitchFamily="50" charset="-127"/>
+              <a:ea typeface="굴림" pitchFamily="50" charset="-127"/>
+              <a:cs typeface="굴림" pitchFamily="50" charset="-127"/>
+            </a:endParaRPr>
+          </a:p>
+          <a:p>
+            <a:pPr marL="0" marR="0" lvl="0" indent="0" algn="l" defTabSz="914400" rtl="0" eaLnBrk="0" fontAlgn="base" latinLnBrk="0" hangingPunct="0">
+              <a:lnSpc>
+                <a:spcPct val="100000"/>
+              </a:lnSpc>
+              <a:spcBef>
+                <a:spcPct val="0"/>
+              </a:spcBef>
+              <a:spcAft>
+                <a:spcPct val="0"/>
+              </a:spcAft>
+              <a:buClrTx/>
+              <a:buSzTx/>
+              <a:buFontTx/>
+              <a:buNone/>
+              <a:tabLst/>
+            </a:pPr>
+            <a:r>
+              <a:rPr kumimoji="1" lang="en-US" altLang="ko-KR" sz="1000" b="0" i="0" u="none" strike="noStrike" cap="none" normalizeH="0" baseline="0" dirty="0" smtClean="0">
+                <a:ln>
+                  <a:noFill/>
+                </a:ln>
+                <a:solidFill>
+                  <a:schemeClr val="tx1"/>
+                </a:solidFill>
+                <a:effectLst/>
+                <a:latin typeface="맑은 고딕" pitchFamily="50" charset="-127"/>
+                <a:ea typeface="맑은 고딕" pitchFamily="50" charset="-127"/>
+                <a:cs typeface="Times New Roman" pitchFamily="18" charset="0"/>
+              </a:rPr>
+              <a:t>    "EMAIL"      VARCHAR2(80),</a:t>
+            </a:r>
+            <a:endParaRPr kumimoji="1" lang="en-US" altLang="ko-KR" sz="900" b="0" i="0" u="none" strike="noStrike" cap="none" normalizeH="0" baseline="0" dirty="0" smtClean="0">
+              <a:ln>
+                <a:noFill/>
+              </a:ln>
+              <a:solidFill>
+                <a:schemeClr val="tx1"/>
+              </a:solidFill>
+              <a:effectLst/>
+              <a:latin typeface="굴림" pitchFamily="50" charset="-127"/>
+              <a:ea typeface="굴림" pitchFamily="50" charset="-127"/>
+              <a:cs typeface="굴림" pitchFamily="50" charset="-127"/>
+            </a:endParaRPr>
+          </a:p>
+          <a:p>
+            <a:pPr marL="0" marR="0" lvl="0" indent="0" algn="l" defTabSz="914400" rtl="0" eaLnBrk="0" fontAlgn="base" latinLnBrk="0" hangingPunct="0">
+              <a:lnSpc>
+                <a:spcPct val="100000"/>
+              </a:lnSpc>
+              <a:spcBef>
+                <a:spcPct val="0"/>
+              </a:spcBef>
+              <a:spcAft>
+                <a:spcPct val="0"/>
+              </a:spcAft>
+              <a:buClrTx/>
+              <a:buSzTx/>
+              <a:buFontTx/>
+              <a:buNone/>
+              <a:tabLst/>
+            </a:pPr>
+            <a:r>
+              <a:rPr kumimoji="1" lang="en-US" altLang="ko-KR" sz="1000" b="0" i="0" u="none" strike="noStrike" cap="none" normalizeH="0" baseline="0" dirty="0" smtClean="0">
+                <a:ln>
+                  <a:noFill/>
+                </a:ln>
+                <a:solidFill>
+                  <a:schemeClr val="tx1"/>
+                </a:solidFill>
+                <a:effectLst/>
+                <a:latin typeface="맑은 고딕" pitchFamily="50" charset="-127"/>
+                <a:ea typeface="맑은 고딕" pitchFamily="50" charset="-127"/>
+                <a:cs typeface="Times New Roman" pitchFamily="18" charset="0"/>
+              </a:rPr>
+              <a:t>    "PASSWORD"   VARCHAR2(50),</a:t>
+            </a:r>
+            <a:endParaRPr kumimoji="1" lang="en-US" altLang="ko-KR" sz="900" b="0" i="0" u="none" strike="noStrike" cap="none" normalizeH="0" baseline="0" dirty="0" smtClean="0">
+              <a:ln>
+                <a:noFill/>
+              </a:ln>
+              <a:solidFill>
+                <a:schemeClr val="tx1"/>
+              </a:solidFill>
+              <a:effectLst/>
+              <a:latin typeface="굴림" pitchFamily="50" charset="-127"/>
+              <a:ea typeface="굴림" pitchFamily="50" charset="-127"/>
+              <a:cs typeface="굴림" pitchFamily="50" charset="-127"/>
+            </a:endParaRPr>
+          </a:p>
+          <a:p>
+            <a:pPr marL="0" marR="0" lvl="0" indent="0" algn="l" defTabSz="914400" rtl="0" eaLnBrk="0" fontAlgn="base" latinLnBrk="0" hangingPunct="0">
+              <a:lnSpc>
+                <a:spcPct val="100000"/>
+              </a:lnSpc>
+              <a:spcBef>
+                <a:spcPct val="0"/>
+              </a:spcBef>
+              <a:spcAft>
+                <a:spcPct val="0"/>
+              </a:spcAft>
+              <a:buClrTx/>
+              <a:buSzTx/>
+              <a:buFontTx/>
+              <a:buNone/>
+              <a:tabLst/>
+            </a:pPr>
+            <a:r>
+              <a:rPr kumimoji="1" lang="en-US" altLang="ko-KR" sz="1000" b="0" i="0" u="none" strike="noStrike" cap="none" normalizeH="0" baseline="0" dirty="0" smtClean="0">
+                <a:ln>
+                  <a:noFill/>
+                </a:ln>
+                <a:solidFill>
+                  <a:schemeClr val="tx1"/>
+                </a:solidFill>
+                <a:effectLst/>
+                <a:latin typeface="맑은 고딕" pitchFamily="50" charset="-127"/>
+                <a:ea typeface="맑은 고딕" pitchFamily="50" charset="-127"/>
+                <a:cs typeface="Times New Roman" pitchFamily="18" charset="0"/>
+              </a:rPr>
+              <a:t>    "NAME"       VARCHAR2(50),</a:t>
+            </a:r>
+            <a:endParaRPr kumimoji="1" lang="en-US" altLang="ko-KR" sz="900" b="0" i="0" u="none" strike="noStrike" cap="none" normalizeH="0" baseline="0" dirty="0" smtClean="0">
+              <a:ln>
+                <a:noFill/>
+              </a:ln>
+              <a:solidFill>
+                <a:schemeClr val="tx1"/>
+              </a:solidFill>
+              <a:effectLst/>
+              <a:latin typeface="굴림" pitchFamily="50" charset="-127"/>
+              <a:ea typeface="굴림" pitchFamily="50" charset="-127"/>
+              <a:cs typeface="굴림" pitchFamily="50" charset="-127"/>
+            </a:endParaRPr>
+          </a:p>
+          <a:p>
+            <a:pPr marL="0" marR="0" lvl="0" indent="0" algn="l" defTabSz="914400" rtl="0" eaLnBrk="0" fontAlgn="base" latinLnBrk="0" hangingPunct="0">
+              <a:lnSpc>
+                <a:spcPct val="100000"/>
+              </a:lnSpc>
+              <a:spcBef>
+                <a:spcPct val="0"/>
+              </a:spcBef>
+              <a:spcAft>
+                <a:spcPct val="0"/>
+              </a:spcAft>
+              <a:buClrTx/>
+              <a:buSzTx/>
+              <a:buFontTx/>
+              <a:buNone/>
+              <a:tabLst/>
+            </a:pPr>
+            <a:r>
+              <a:rPr kumimoji="1" lang="en-US" altLang="ko-KR" sz="1000" b="0" i="0" u="none" strike="noStrike" cap="none" normalizeH="0" baseline="0" dirty="0" smtClean="0">
+                <a:ln>
+                  <a:noFill/>
+                </a:ln>
+                <a:solidFill>
+                  <a:schemeClr val="tx1"/>
+                </a:solidFill>
+                <a:effectLst/>
+                <a:latin typeface="맑은 고딕" pitchFamily="50" charset="-127"/>
+                <a:ea typeface="맑은 고딕" pitchFamily="50" charset="-127"/>
+                <a:cs typeface="Times New Roman" pitchFamily="18" charset="0"/>
+              </a:rPr>
+              <a:t>    "PHOTO"      VARCHAR2(80),</a:t>
+            </a:r>
+            <a:endParaRPr kumimoji="1" lang="en-US" altLang="ko-KR" sz="900" b="0" i="0" u="none" strike="noStrike" cap="none" normalizeH="0" baseline="0" dirty="0" smtClean="0">
+              <a:ln>
+                <a:noFill/>
+              </a:ln>
+              <a:solidFill>
+                <a:schemeClr val="tx1"/>
+              </a:solidFill>
+              <a:effectLst/>
+              <a:latin typeface="굴림" pitchFamily="50" charset="-127"/>
+              <a:ea typeface="굴림" pitchFamily="50" charset="-127"/>
+              <a:cs typeface="굴림" pitchFamily="50" charset="-127"/>
+            </a:endParaRPr>
+          </a:p>
+          <a:p>
+            <a:pPr marL="0" marR="0" lvl="0" indent="0" algn="l" defTabSz="914400" rtl="0" eaLnBrk="0" fontAlgn="base" latinLnBrk="0" hangingPunct="0">
+              <a:lnSpc>
+                <a:spcPct val="100000"/>
+              </a:lnSpc>
+              <a:spcBef>
+                <a:spcPct val="0"/>
+              </a:spcBef>
+              <a:spcAft>
+                <a:spcPct val="0"/>
+              </a:spcAft>
+              <a:buClrTx/>
+              <a:buSzTx/>
+              <a:buFontTx/>
+              <a:buNone/>
+              <a:tabLst/>
+            </a:pPr>
+            <a:r>
+              <a:rPr kumimoji="1" lang="en-US" altLang="ko-KR" sz="1000" b="0" i="0" u="none" strike="noStrike" cap="none" normalizeH="0" baseline="0" dirty="0" smtClean="0">
+                <a:ln>
+                  <a:noFill/>
+                </a:ln>
+                <a:solidFill>
+                  <a:schemeClr val="tx1"/>
+                </a:solidFill>
+                <a:effectLst/>
+                <a:latin typeface="맑은 고딕" pitchFamily="50" charset="-127"/>
+                <a:ea typeface="맑은 고딕" pitchFamily="50" charset="-127"/>
+                <a:cs typeface="Times New Roman" pitchFamily="18" charset="0"/>
+              </a:rPr>
+              <a:t>    constraint  "MEMBER_PK" primary key ("NO")</a:t>
+            </a:r>
+            <a:endParaRPr kumimoji="1" lang="en-US" altLang="ko-KR" sz="900" b="0" i="0" u="none" strike="noStrike" cap="none" normalizeH="0" baseline="0" dirty="0" smtClean="0">
+              <a:ln>
+                <a:noFill/>
+              </a:ln>
+              <a:solidFill>
+                <a:schemeClr val="tx1"/>
+              </a:solidFill>
+              <a:effectLst/>
+              <a:latin typeface="굴림" pitchFamily="50" charset="-127"/>
+              <a:ea typeface="굴림" pitchFamily="50" charset="-127"/>
+              <a:cs typeface="굴림" pitchFamily="50" charset="-127"/>
+            </a:endParaRPr>
+          </a:p>
+          <a:p>
+            <a:pPr marL="0" marR="0" lvl="0" indent="0" algn="l" defTabSz="914400" rtl="0" eaLnBrk="0" fontAlgn="base" latinLnBrk="0" hangingPunct="0">
+              <a:lnSpc>
+                <a:spcPct val="100000"/>
+              </a:lnSpc>
+              <a:spcBef>
+                <a:spcPct val="0"/>
+              </a:spcBef>
+              <a:spcAft>
+                <a:spcPct val="0"/>
+              </a:spcAft>
+              <a:buClrTx/>
+              <a:buSzTx/>
+              <a:buFontTx/>
+              <a:buNone/>
+              <a:tabLst/>
+            </a:pPr>
+            <a:r>
+              <a:rPr kumimoji="1" lang="en-US" altLang="ko-KR" sz="1000" b="0" i="0" u="none" strike="noStrike" cap="none" normalizeH="0" baseline="0" dirty="0" smtClean="0">
+                <a:ln>
+                  <a:noFill/>
+                </a:ln>
+                <a:solidFill>
+                  <a:schemeClr val="tx1"/>
+                </a:solidFill>
+                <a:effectLst/>
+                <a:latin typeface="맑은 고딕" pitchFamily="50" charset="-127"/>
+                <a:ea typeface="맑은 고딕" pitchFamily="50" charset="-127"/>
+                <a:cs typeface="Times New Roman" pitchFamily="18" charset="0"/>
+              </a:rPr>
+              <a:t>);</a:t>
+            </a:r>
+          </a:p>
+          <a:p>
+            <a:pPr marL="0" marR="0" lvl="0" indent="0" algn="l" defTabSz="914400" rtl="0" eaLnBrk="0" fontAlgn="base" latinLnBrk="0" hangingPunct="0">
+              <a:lnSpc>
+                <a:spcPct val="100000"/>
+              </a:lnSpc>
+              <a:spcBef>
+                <a:spcPct val="0"/>
+              </a:spcBef>
+              <a:spcAft>
+                <a:spcPct val="0"/>
+              </a:spcAft>
+              <a:buClrTx/>
+              <a:buSzTx/>
+              <a:buFontTx/>
+              <a:buNone/>
+              <a:tabLst/>
+            </a:pPr>
+            <a:endParaRPr kumimoji="1" lang="en-US" altLang="ko-KR" sz="900" b="0" i="0" u="none" strike="noStrike" cap="none" normalizeH="0" baseline="0" dirty="0" smtClean="0">
+              <a:ln>
+                <a:noFill/>
+              </a:ln>
+              <a:solidFill>
+                <a:schemeClr val="tx1"/>
+              </a:solidFill>
+              <a:effectLst/>
+              <a:latin typeface="굴림" pitchFamily="50" charset="-127"/>
+              <a:ea typeface="굴림" pitchFamily="50" charset="-127"/>
+              <a:cs typeface="굴림" pitchFamily="50" charset="-127"/>
+            </a:endParaRPr>
+          </a:p>
+          <a:p>
+            <a:pPr marL="0" marR="0" lvl="0" indent="0" algn="l" defTabSz="914400" rtl="0" eaLnBrk="0" fontAlgn="base" latinLnBrk="0" hangingPunct="0">
+              <a:lnSpc>
+                <a:spcPct val="100000"/>
+              </a:lnSpc>
+              <a:spcBef>
+                <a:spcPct val="0"/>
+              </a:spcBef>
+              <a:spcAft>
+                <a:spcPct val="0"/>
+              </a:spcAft>
+              <a:buClrTx/>
+              <a:buSzTx/>
+              <a:buFontTx/>
+              <a:buNone/>
+              <a:tabLst/>
+            </a:pPr>
+            <a:r>
+              <a:rPr kumimoji="1" lang="en-US" altLang="ko-KR" sz="1000" b="0" i="0" u="none" strike="noStrike" cap="none" normalizeH="0" baseline="0" dirty="0" smtClean="0">
+                <a:ln>
+                  <a:noFill/>
+                </a:ln>
+                <a:solidFill>
+                  <a:schemeClr val="tx1"/>
+                </a:solidFill>
+                <a:effectLst/>
+                <a:latin typeface="맑은 고딕" pitchFamily="50" charset="-127"/>
+                <a:ea typeface="맑은 고딕" pitchFamily="50" charset="-127"/>
+                <a:cs typeface="Times New Roman" pitchFamily="18" charset="0"/>
+              </a:rPr>
+              <a:t>CREATE SEQUENCE </a:t>
+            </a:r>
+            <a:r>
+              <a:rPr kumimoji="1" lang="en-US" altLang="ko-KR" sz="1000" b="0" i="0" u="none" strike="noStrike" cap="none" normalizeH="0" baseline="0" dirty="0" err="1" smtClean="0">
+                <a:ln>
+                  <a:noFill/>
+                </a:ln>
+                <a:solidFill>
+                  <a:schemeClr val="tx1"/>
+                </a:solidFill>
+                <a:effectLst/>
+                <a:latin typeface="맑은 고딕" pitchFamily="50" charset="-127"/>
+                <a:ea typeface="맑은 고딕" pitchFamily="50" charset="-127"/>
+                <a:cs typeface="Times New Roman" pitchFamily="18" charset="0"/>
+              </a:rPr>
+              <a:t>member_no_seq</a:t>
+            </a:r>
+            <a:endParaRPr kumimoji="1" lang="en-US" altLang="ko-KR" sz="900" b="0" i="0" u="none" strike="noStrike" cap="none" normalizeH="0" baseline="0" dirty="0" smtClean="0">
+              <a:ln>
+                <a:noFill/>
+              </a:ln>
+              <a:solidFill>
+                <a:schemeClr val="tx1"/>
+              </a:solidFill>
+              <a:effectLst/>
+              <a:latin typeface="굴림" pitchFamily="50" charset="-127"/>
+              <a:ea typeface="굴림" pitchFamily="50" charset="-127"/>
+              <a:cs typeface="굴림" pitchFamily="50" charset="-127"/>
+            </a:endParaRPr>
+          </a:p>
+          <a:p>
+            <a:pPr marL="0" marR="0" lvl="0" indent="0" algn="l" defTabSz="914400" rtl="0" eaLnBrk="0" fontAlgn="base" latinLnBrk="0" hangingPunct="0">
+              <a:lnSpc>
+                <a:spcPct val="100000"/>
+              </a:lnSpc>
+              <a:spcBef>
+                <a:spcPct val="0"/>
+              </a:spcBef>
+              <a:spcAft>
+                <a:spcPct val="0"/>
+              </a:spcAft>
+              <a:buClrTx/>
+              <a:buSzTx/>
+              <a:buFontTx/>
+              <a:buNone/>
+              <a:tabLst/>
+            </a:pPr>
+            <a:r>
+              <a:rPr kumimoji="1" lang="en-US" altLang="ko-KR" sz="1000" b="0" i="0" u="none" strike="noStrike" cap="none" normalizeH="0" baseline="0" dirty="0" smtClean="0">
+                <a:ln>
+                  <a:noFill/>
+                </a:ln>
+                <a:solidFill>
+                  <a:schemeClr val="tx1"/>
+                </a:solidFill>
+                <a:effectLst/>
+                <a:latin typeface="맑은 고딕" pitchFamily="50" charset="-127"/>
+                <a:ea typeface="맑은 고딕" pitchFamily="50" charset="-127"/>
+                <a:cs typeface="Times New Roman" pitchFamily="18" charset="0"/>
+              </a:rPr>
+              <a:t> START WITH     1</a:t>
+            </a:r>
+            <a:endParaRPr kumimoji="1" lang="en-US" altLang="ko-KR" sz="900" b="0" i="0" u="none" strike="noStrike" cap="none" normalizeH="0" baseline="0" dirty="0" smtClean="0">
+              <a:ln>
+                <a:noFill/>
+              </a:ln>
+              <a:solidFill>
+                <a:schemeClr val="tx1"/>
+              </a:solidFill>
+              <a:effectLst/>
+              <a:latin typeface="굴림" pitchFamily="50" charset="-127"/>
+              <a:ea typeface="굴림" pitchFamily="50" charset="-127"/>
+              <a:cs typeface="굴림" pitchFamily="50" charset="-127"/>
+            </a:endParaRPr>
+          </a:p>
+          <a:p>
+            <a:pPr marL="0" marR="0" lvl="0" indent="0" algn="l" defTabSz="914400" rtl="0" eaLnBrk="0" fontAlgn="base" latinLnBrk="0" hangingPunct="0">
+              <a:lnSpc>
+                <a:spcPct val="100000"/>
+              </a:lnSpc>
+              <a:spcBef>
+                <a:spcPct val="0"/>
+              </a:spcBef>
+              <a:spcAft>
+                <a:spcPct val="0"/>
+              </a:spcAft>
+              <a:buClrTx/>
+              <a:buSzTx/>
+              <a:buFontTx/>
+              <a:buNone/>
+              <a:tabLst/>
+            </a:pPr>
+            <a:r>
+              <a:rPr kumimoji="1" lang="en-US" altLang="ko-KR" sz="1000" b="0" i="0" u="none" strike="noStrike" cap="none" normalizeH="0" baseline="0" dirty="0" smtClean="0">
+                <a:ln>
+                  <a:noFill/>
+                </a:ln>
+                <a:solidFill>
+                  <a:schemeClr val="tx1"/>
+                </a:solidFill>
+                <a:effectLst/>
+                <a:latin typeface="맑은 고딕" pitchFamily="50" charset="-127"/>
+                <a:ea typeface="맑은 고딕" pitchFamily="50" charset="-127"/>
+                <a:cs typeface="Times New Roman" pitchFamily="18" charset="0"/>
+              </a:rPr>
+              <a:t> INCREMENT BY   1</a:t>
+            </a:r>
+            <a:endParaRPr kumimoji="1" lang="en-US" altLang="ko-KR" sz="900" b="0" i="0" u="none" strike="noStrike" cap="none" normalizeH="0" baseline="0" dirty="0" smtClean="0">
+              <a:ln>
+                <a:noFill/>
+              </a:ln>
+              <a:solidFill>
+                <a:schemeClr val="tx1"/>
+              </a:solidFill>
+              <a:effectLst/>
+              <a:latin typeface="굴림" pitchFamily="50" charset="-127"/>
+              <a:ea typeface="굴림" pitchFamily="50" charset="-127"/>
+              <a:cs typeface="굴림" pitchFamily="50" charset="-127"/>
+            </a:endParaRPr>
+          </a:p>
+          <a:p>
+            <a:pPr marL="0" marR="0" lvl="0" indent="0" algn="l" defTabSz="914400" rtl="0" eaLnBrk="0" fontAlgn="base" latinLnBrk="0" hangingPunct="0">
+              <a:lnSpc>
+                <a:spcPct val="100000"/>
+              </a:lnSpc>
+              <a:spcBef>
+                <a:spcPct val="0"/>
+              </a:spcBef>
+              <a:spcAft>
+                <a:spcPct val="0"/>
+              </a:spcAft>
+              <a:buClrTx/>
+              <a:buSzTx/>
+              <a:buFontTx/>
+              <a:buNone/>
+              <a:tabLst/>
+            </a:pPr>
+            <a:r>
+              <a:rPr kumimoji="1" lang="en-US" altLang="ko-KR" sz="1000" b="0" i="0" u="none" strike="noStrike" cap="none" normalizeH="0" baseline="0" dirty="0" smtClean="0">
+                <a:ln>
+                  <a:noFill/>
+                </a:ln>
+                <a:solidFill>
+                  <a:schemeClr val="tx1"/>
+                </a:solidFill>
+                <a:effectLst/>
+                <a:latin typeface="맑은 고딕" pitchFamily="50" charset="-127"/>
+                <a:ea typeface="맑은 고딕" pitchFamily="50" charset="-127"/>
+                <a:cs typeface="Times New Roman" pitchFamily="18" charset="0"/>
+              </a:rPr>
+              <a:t> MAXVALUE       99999999</a:t>
+            </a:r>
+            <a:endParaRPr kumimoji="1" lang="en-US" altLang="ko-KR" sz="900" b="0" i="0" u="none" strike="noStrike" cap="none" normalizeH="0" baseline="0" dirty="0" smtClean="0">
+              <a:ln>
+                <a:noFill/>
+              </a:ln>
+              <a:solidFill>
+                <a:schemeClr val="tx1"/>
+              </a:solidFill>
+              <a:effectLst/>
+              <a:latin typeface="굴림" pitchFamily="50" charset="-127"/>
+              <a:ea typeface="굴림" pitchFamily="50" charset="-127"/>
+              <a:cs typeface="굴림" pitchFamily="50" charset="-127"/>
+            </a:endParaRPr>
+          </a:p>
+          <a:p>
+            <a:pPr marL="0" marR="0" lvl="0" indent="0" algn="l" defTabSz="914400" rtl="0" eaLnBrk="0" fontAlgn="base" latinLnBrk="0" hangingPunct="0">
+              <a:lnSpc>
+                <a:spcPct val="100000"/>
+              </a:lnSpc>
+              <a:spcBef>
+                <a:spcPct val="0"/>
+              </a:spcBef>
+              <a:spcAft>
+                <a:spcPct val="0"/>
+              </a:spcAft>
+              <a:buClrTx/>
+              <a:buSzTx/>
+              <a:buFontTx/>
+              <a:buNone/>
+              <a:tabLst/>
+            </a:pPr>
+            <a:r>
+              <a:rPr kumimoji="1" lang="en-US" altLang="ko-KR" sz="1000" b="0" i="0" u="none" strike="noStrike" cap="none" normalizeH="0" baseline="0" dirty="0" smtClean="0">
+                <a:ln>
+                  <a:noFill/>
+                </a:ln>
+                <a:solidFill>
+                  <a:schemeClr val="tx1"/>
+                </a:solidFill>
+                <a:effectLst/>
+                <a:latin typeface="맑은 고딕" pitchFamily="50" charset="-127"/>
+                <a:ea typeface="맑은 고딕" pitchFamily="50" charset="-127"/>
+                <a:cs typeface="Times New Roman" pitchFamily="18" charset="0"/>
+              </a:rPr>
+              <a:t> NOCACHE</a:t>
+            </a:r>
+            <a:endParaRPr kumimoji="1" lang="en-US" altLang="ko-KR" sz="900" b="0" i="0" u="none" strike="noStrike" cap="none" normalizeH="0" baseline="0" dirty="0" smtClean="0">
+              <a:ln>
+                <a:noFill/>
+              </a:ln>
+              <a:solidFill>
+                <a:schemeClr val="tx1"/>
+              </a:solidFill>
+              <a:effectLst/>
+              <a:latin typeface="굴림" pitchFamily="50" charset="-127"/>
+              <a:ea typeface="굴림" pitchFamily="50" charset="-127"/>
+              <a:cs typeface="굴림" pitchFamily="50" charset="-127"/>
+            </a:endParaRPr>
+          </a:p>
+          <a:p>
+            <a:pPr marL="0" marR="0" lvl="0" indent="0" algn="l" defTabSz="914400" rtl="0" eaLnBrk="0" fontAlgn="base" latinLnBrk="0" hangingPunct="0">
+              <a:lnSpc>
+                <a:spcPct val="100000"/>
+              </a:lnSpc>
+              <a:spcBef>
+                <a:spcPct val="0"/>
+              </a:spcBef>
+              <a:spcAft>
+                <a:spcPct val="0"/>
+              </a:spcAft>
+              <a:buClrTx/>
+              <a:buSzTx/>
+              <a:buFontTx/>
+              <a:buNone/>
+              <a:tabLst/>
+            </a:pPr>
+            <a:r>
+              <a:rPr kumimoji="1" lang="en-US" altLang="ko-KR" sz="1000" b="0" i="0" u="none" strike="noStrike" cap="none" normalizeH="0" baseline="0" dirty="0" smtClean="0">
+                <a:ln>
+                  <a:noFill/>
+                </a:ln>
+                <a:solidFill>
+                  <a:schemeClr val="tx1"/>
+                </a:solidFill>
+                <a:effectLst/>
+                <a:latin typeface="맑은 고딕" pitchFamily="50" charset="-127"/>
+                <a:ea typeface="맑은 고딕" pitchFamily="50" charset="-127"/>
+                <a:cs typeface="Times New Roman" pitchFamily="18" charset="0"/>
+              </a:rPr>
+              <a:t> NOCYCLE;</a:t>
+            </a:r>
+            <a:endParaRPr kumimoji="1" lang="en-US" altLang="ko-KR" sz="1800" b="0" i="0" u="none" strike="noStrike" cap="none" normalizeH="0" baseline="0" dirty="0" smtClean="0">
+              <a:ln>
+                <a:noFill/>
+              </a:ln>
+              <a:solidFill>
+                <a:schemeClr val="tx1"/>
+              </a:solidFill>
+              <a:effectLst/>
+              <a:latin typeface="굴림" pitchFamily="50" charset="-127"/>
+              <a:ea typeface="굴림" pitchFamily="50" charset="-127"/>
+              <a:cs typeface="굴림" pitchFamily="50" charset="-127"/>
+            </a:endParaRPr>
+          </a:p>
+        </p:txBody>
+      </p:sp>
+      <p:sp>
+        <p:nvSpPr>
+          <p:cNvPr id="5" name="TextBox 4"/>
+          <p:cNvSpPr txBox="1"/>
+          <p:nvPr/>
+        </p:nvSpPr>
+        <p:spPr>
+          <a:xfrm>
+            <a:off x="683568" y="1700808"/>
+            <a:ext cx="1682768" cy="369332"/>
+          </a:xfrm>
+          <a:prstGeom prst="rect">
+            <a:avLst/>
+          </a:prstGeom>
+          <a:noFill/>
+        </p:spPr>
+        <p:txBody>
+          <a:bodyPr wrap="none" rtlCol="0">
+            <a:spAutoFit/>
+          </a:bodyPr>
+          <a:lstStyle/>
+          <a:p>
+            <a:r>
+              <a:rPr lang="en-US" altLang="ko-KR" dirty="0" smtClean="0"/>
+              <a:t>Member Table</a:t>
+            </a:r>
+            <a:endParaRPr lang="ko-KR" altLang="en-US" dirty="0"/>
+          </a:p>
+        </p:txBody>
+      </p:sp>
+      <p:sp>
+        <p:nvSpPr>
+          <p:cNvPr id="7" name="TextBox 6"/>
+          <p:cNvSpPr txBox="1"/>
+          <p:nvPr/>
+        </p:nvSpPr>
+        <p:spPr>
+          <a:xfrm>
+            <a:off x="4860032" y="1700808"/>
+            <a:ext cx="1682768" cy="369332"/>
+          </a:xfrm>
+          <a:prstGeom prst="rect">
+            <a:avLst/>
+          </a:prstGeom>
+          <a:noFill/>
+        </p:spPr>
+        <p:txBody>
+          <a:bodyPr wrap="none" rtlCol="0">
+            <a:spAutoFit/>
+          </a:bodyPr>
+          <a:lstStyle/>
+          <a:p>
+            <a:r>
+              <a:rPr lang="en-US" altLang="ko-KR" dirty="0" smtClean="0"/>
+              <a:t>Member Table</a:t>
+            </a:r>
+            <a:endParaRPr lang="ko-KR" altLang="en-US" dirty="0"/>
+          </a:p>
+        </p:txBody>
+      </p:sp>
+    </p:spTree>
+  </p:cSld>
+  <p:clrMapOvr>
+    <a:masterClrMapping/>
+  </p:clrMapOvr>
+  <p:timing>
+    <p:tnLst>
+      <p:par>
+        <p:cTn id="1" dur="indefinite" restart="never" nodeType="tmRoot"/>
+      </p:par>
+    </p:tnLst>
+  </p:timing>
+</p:sld>
+</file>
+
+<file path=ppt/slides/slide7.xml><?xml version="1.0" encoding="utf-8"?>
+<p:sld xmlns:a="http://schemas.openxmlformats.org/drawingml/2006/main" xmlns:r="http://schemas.openxmlformats.org/officeDocument/2006/relationships" xmlns:p="http://schemas.openxmlformats.org/presentationml/2006/main">
+  <p:cSld>
+    <p:spTree>
+      <p:nvGrpSpPr>
+        <p:cNvPr id="1" name=""/>
+        <p:cNvGrpSpPr/>
+        <p:nvPr/>
+      </p:nvGrpSpPr>
+      <p:grpSpPr>
+        <a:xfrm>
+          <a:off x="0" y="0"/>
+          <a:ext cx="0" cy="0"/>
+          <a:chOff x="0" y="0"/>
+          <a:chExt cx="0" cy="0"/>
+        </a:xfrm>
+      </p:grpSpPr>
+      <p:sp>
+        <p:nvSpPr>
+          <p:cNvPr id="6" name="직사각형 5"/>
+          <p:cNvSpPr/>
+          <p:nvPr/>
+        </p:nvSpPr>
+        <p:spPr>
+          <a:xfrm>
+            <a:off x="2123728" y="908720"/>
+            <a:ext cx="4896544" cy="540000"/>
+          </a:xfrm>
+          <a:prstGeom prst="rect">
+            <a:avLst/>
+          </a:prstGeom>
+          <a:noFill/>
+          <a:ln>
+            <a:noFill/>
+          </a:ln>
+        </p:spPr>
+        <p:style>
+          <a:lnRef idx="2">
+            <a:schemeClr val="accent1">
+              <a:shade val="50000"/>
+            </a:schemeClr>
+          </a:lnRef>
+          <a:fillRef idx="1">
+            <a:schemeClr val="accent1"/>
+          </a:fillRef>
+          <a:effectRef idx="0">
+            <a:schemeClr val="accent1"/>
+          </a:effectRef>
+          <a:fontRef idx="minor">
+            <a:schemeClr val="lt1"/>
+          </a:fontRef>
+        </p:style>
+        <p:txBody>
+          <a:bodyPr rtlCol="0" anchor="ctr"/>
+          <a:lstStyle/>
+          <a:p>
+            <a:pPr algn="ctr"/>
+            <a:r>
+              <a:rPr lang="en-US" altLang="ko-KR" sz="2000" dirty="0" smtClean="0">
+                <a:solidFill>
+                  <a:schemeClr val="tx1"/>
+                </a:solidFill>
+                <a:latin typeface="Arial Unicode MS" pitchFamily="50" charset="-127"/>
+                <a:ea typeface="Arial Unicode MS" pitchFamily="50" charset="-127"/>
+                <a:cs typeface="Arial Unicode MS" pitchFamily="50" charset="-127"/>
+              </a:rPr>
+              <a:t>STUDYER _ Prototype</a:t>
+            </a:r>
+            <a:endParaRPr lang="ko-KR" altLang="en-US" sz="2000" dirty="0">
+              <a:solidFill>
+                <a:schemeClr val="tx1"/>
+              </a:solidFill>
+              <a:latin typeface="Arial Unicode MS" pitchFamily="50" charset="-127"/>
+              <a:ea typeface="Arial Unicode MS" pitchFamily="50" charset="-127"/>
+              <a:cs typeface="Arial Unicode MS" pitchFamily="50" charset="-127"/>
+            </a:endParaRPr>
+          </a:p>
+        </p:txBody>
+      </p:sp>
+      <p:cxnSp>
+        <p:nvCxnSpPr>
+          <p:cNvPr id="8" name="직선 연결선 7"/>
+          <p:cNvCxnSpPr/>
+          <p:nvPr/>
+        </p:nvCxnSpPr>
+        <p:spPr>
+          <a:xfrm>
+            <a:off x="791580" y="1556792"/>
+            <a:ext cx="7560840" cy="0"/>
+          </a:xfrm>
+          <a:prstGeom prst="line">
+            <a:avLst/>
+          </a:prstGeom>
+          <a:ln>
+            <a:solidFill>
+              <a:schemeClr val="tx1">
+                <a:lumMod val="65000"/>
+                <a:lumOff val="35000"/>
+              </a:schemeClr>
+            </a:solidFill>
+          </a:ln>
+        </p:spPr>
+        <p:style>
+          <a:lnRef idx="1">
+            <a:schemeClr val="accent1"/>
+          </a:lnRef>
+          <a:fillRef idx="0">
+            <a:schemeClr val="accent1"/>
+          </a:fillRef>
+          <a:effectRef idx="0">
+            <a:schemeClr val="accent1"/>
+          </a:effectRef>
+          <a:fontRef idx="minor">
+            <a:schemeClr val="tx1"/>
+          </a:fontRef>
+        </p:style>
+      </p:cxnSp>
+    </p:spTree>
+  </p:cSld>
+  <p:clrMapOvr>
+    <a:masterClrMapping/>
+  </p:clrMapOvr>
+  <p:timing>
+    <p:tnLst>
+      <p:par>
+        <p:cTn id="1" dur="indefinite" restart="never" nodeType="tmRoot"/>
+      </p:par>
+    </p:tnLst>
+  </p:timing>
+</p:sld>
+</file>
+
+<file path=ppt/slides/slide8.xml><?xml version="1.0" encoding="utf-8"?>
+<p:sld xmlns:a="http://schemas.openxmlformats.org/drawingml/2006/main" xmlns:r="http://schemas.openxmlformats.org/officeDocument/2006/relationships" xmlns:p="http://schemas.openxmlformats.org/presentationml/2006/main">
+  <p:cSld>
+    <p:spTree>
+      <p:nvGrpSpPr>
+        <p:cNvPr id="1" name=""/>
+        <p:cNvGrpSpPr/>
+        <p:nvPr/>
+      </p:nvGrpSpPr>
+      <p:grpSpPr>
+        <a:xfrm>
+          <a:off x="0" y="0"/>
+          <a:ext cx="0" cy="0"/>
+          <a:chOff x="0" y="0"/>
+          <a:chExt cx="0" cy="0"/>
+        </a:xfrm>
+      </p:grpSpPr>
+      <p:sp>
+        <p:nvSpPr>
+          <p:cNvPr id="6" name="직사각형 5"/>
+          <p:cNvSpPr/>
+          <p:nvPr/>
+        </p:nvSpPr>
+        <p:spPr>
+          <a:xfrm>
+            <a:off x="2123728" y="908720"/>
+            <a:ext cx="4896544" cy="540000"/>
+          </a:xfrm>
+          <a:prstGeom prst="rect">
+            <a:avLst/>
+          </a:prstGeom>
+          <a:noFill/>
+          <a:ln>
+            <a:noFill/>
+          </a:ln>
+        </p:spPr>
+        <p:style>
+          <a:lnRef idx="2">
+            <a:schemeClr val="accent1">
+              <a:shade val="50000"/>
+            </a:schemeClr>
+          </a:lnRef>
+          <a:fillRef idx="1">
+            <a:schemeClr val="accent1"/>
+          </a:fillRef>
+          <a:effectRef idx="0">
+            <a:schemeClr val="accent1"/>
+          </a:effectRef>
+          <a:fontRef idx="minor">
+            <a:schemeClr val="lt1"/>
+          </a:fontRef>
+        </p:style>
+        <p:txBody>
+          <a:bodyPr rtlCol="0" anchor="ctr"/>
+          <a:lstStyle/>
+          <a:p>
+            <a:pPr algn="ctr"/>
+            <a:r>
+              <a:rPr lang="en-US" altLang="ko-KR" sz="2000" dirty="0" smtClean="0">
+                <a:solidFill>
+                  <a:schemeClr val="tx1"/>
+                </a:solidFill>
+                <a:latin typeface="Arial Unicode MS" pitchFamily="50" charset="-127"/>
+                <a:ea typeface="Arial Unicode MS" pitchFamily="50" charset="-127"/>
+                <a:cs typeface="Arial Unicode MS" pitchFamily="50" charset="-127"/>
+              </a:rPr>
+              <a:t>STUDYER _ Prototype</a:t>
+            </a:r>
+            <a:endParaRPr lang="ko-KR" altLang="en-US" sz="2000" dirty="0">
+              <a:solidFill>
+                <a:schemeClr val="tx1"/>
+              </a:solidFill>
+              <a:latin typeface="Arial Unicode MS" pitchFamily="50" charset="-127"/>
+              <a:ea typeface="Arial Unicode MS" pitchFamily="50" charset="-127"/>
+              <a:cs typeface="Arial Unicode MS" pitchFamily="50" charset="-127"/>
+            </a:endParaRPr>
+          </a:p>
+        </p:txBody>
+      </p:sp>
+      <p:cxnSp>
+        <p:nvCxnSpPr>
+          <p:cNvPr id="8" name="직선 연결선 7"/>
+          <p:cNvCxnSpPr/>
+          <p:nvPr/>
+        </p:nvCxnSpPr>
+        <p:spPr>
+          <a:xfrm>
+            <a:off x="791580" y="1556792"/>
+            <a:ext cx="7560840" cy="0"/>
+          </a:xfrm>
+          <a:prstGeom prst="line">
+            <a:avLst/>
+          </a:prstGeom>
+          <a:ln>
+            <a:solidFill>
+              <a:schemeClr val="tx1">
+                <a:lumMod val="65000"/>
+                <a:lumOff val="35000"/>
+              </a:schemeClr>
+            </a:solidFill>
+          </a:ln>
+        </p:spPr>
+        <p:style>
+          <a:lnRef idx="1">
+            <a:schemeClr val="accent1"/>
+          </a:lnRef>
+          <a:fillRef idx="0">
+            <a:schemeClr val="accent1"/>
+          </a:fillRef>
+          <a:effectRef idx="0">
+            <a:schemeClr val="accent1"/>
+          </a:effectRef>
+          <a:fontRef idx="minor">
+            <a:schemeClr val="tx1"/>
+          </a:fontRef>
+        </p:style>
+      </p:cxnSp>
+    </p:spTree>
+  </p:cSld>
+  <p:clrMapOvr>
+    <a:masterClrMapping/>
+  </p:clrMapOvr>
+  <p:timing>
+    <p:tnLst>
+      <p:par>
+        <p:cTn id="1" dur="indefinite" restart="never" nodeType="tmRoot"/>
+      </p:par>
+    </p:tnLst>
+  </p:timing>
+</p:sld>
+</file>
+
+<file path=ppt/slides/slide9.xml><?xml version="1.0" encoding="utf-8"?>
+<p:sld xmlns:a="http://schemas.openxmlformats.org/drawingml/2006/main" xmlns:r="http://schemas.openxmlformats.org/officeDocument/2006/relationships" xmlns:p="http://schemas.openxmlformats.org/presentationml/2006/main">
+  <p:cSld>
+    <p:spTree>
+      <p:nvGrpSpPr>
+        <p:cNvPr id="1" name=""/>
+        <p:cNvGrpSpPr/>
+        <p:nvPr/>
+      </p:nvGrpSpPr>
+      <p:grpSpPr>
+        <a:xfrm>
+          <a:off x="0" y="0"/>
+          <a:ext cx="0" cy="0"/>
+          <a:chOff x="0" y="0"/>
+          <a:chExt cx="0" cy="0"/>
+        </a:xfrm>
+      </p:grpSpPr>
+      <p:sp>
+        <p:nvSpPr>
+          <p:cNvPr id="6" name="직사각형 5"/>
+          <p:cNvSpPr/>
+          <p:nvPr/>
+        </p:nvSpPr>
+        <p:spPr>
+          <a:xfrm>
+            <a:off x="2123728" y="908720"/>
+            <a:ext cx="4896544" cy="540000"/>
+          </a:xfrm>
+          <a:prstGeom prst="rect">
+            <a:avLst/>
+          </a:prstGeom>
+          <a:noFill/>
+          <a:ln>
+            <a:noFill/>
+          </a:ln>
+        </p:spPr>
+        <p:style>
+          <a:lnRef idx="2">
+            <a:schemeClr val="accent1">
+              <a:shade val="50000"/>
+            </a:schemeClr>
+          </a:lnRef>
+          <a:fillRef idx="1">
+            <a:schemeClr val="accent1"/>
+          </a:fillRef>
+          <a:effectRef idx="0">
+            <a:schemeClr val="accent1"/>
+          </a:effectRef>
+          <a:fontRef idx="minor">
+            <a:schemeClr val="lt1"/>
+          </a:fontRef>
+        </p:style>
+        <p:txBody>
+          <a:bodyPr rtlCol="0" anchor="ctr"/>
+          <a:lstStyle/>
+          <a:p>
+            <a:pPr algn="ctr"/>
+            <a:r>
+              <a:rPr lang="en-US" altLang="ko-KR" sz="2000" dirty="0" smtClean="0">
+                <a:solidFill>
+                  <a:schemeClr val="tx1"/>
+                </a:solidFill>
+                <a:latin typeface="Arial Unicode MS" pitchFamily="50" charset="-127"/>
+                <a:ea typeface="Arial Unicode MS" pitchFamily="50" charset="-127"/>
+                <a:cs typeface="Arial Unicode MS" pitchFamily="50" charset="-127"/>
+              </a:rPr>
+              <a:t>STUDYER _ Prototype</a:t>
             </a:r>
             <a:endParaRPr lang="ko-KR" altLang="en-US" sz="2000" dirty="0">
               <a:solidFill>

--- a/doc/studyer_project.pptx
+++ b/doc/studyer_project.pptx
@@ -12,10 +12,10 @@
     <p:sldId id="262" r:id="rId6"/>
     <p:sldId id="261" r:id="rId7"/>
     <p:sldId id="263" r:id="rId8"/>
-    <p:sldId id="264" r:id="rId9"/>
-    <p:sldId id="265" r:id="rId10"/>
-    <p:sldId id="266" r:id="rId11"/>
-    <p:sldId id="267" r:id="rId12"/>
+    <p:sldId id="267" r:id="rId9"/>
+    <p:sldId id="264" r:id="rId10"/>
+    <p:sldId id="265" r:id="rId11"/>
+    <p:sldId id="266" r:id="rId12"/>
   </p:sldIdLst>
   <p:sldSz cx="9144000" cy="6858000" type="screen4x3"/>
   <p:notesSz cx="6858000" cy="9144000"/>
@@ -3249,68 +3249,6 @@
           <a:chExt cx="0" cy="0"/>
         </a:xfrm>
       </p:grpSpPr>
-      <p:sp>
-        <p:nvSpPr>
-          <p:cNvPr id="6" name="직사각형 5"/>
-          <p:cNvSpPr/>
-          <p:nvPr/>
-        </p:nvSpPr>
-        <p:spPr>
-          <a:xfrm>
-            <a:off x="2123728" y="908720"/>
-            <a:ext cx="4896544" cy="540000"/>
-          </a:xfrm>
-          <a:prstGeom prst="rect">
-            <a:avLst/>
-          </a:prstGeom>
-          <a:noFill/>
-          <a:ln>
-            <a:noFill/>
-          </a:ln>
-        </p:spPr>
-        <p:style>
-          <a:lnRef idx="2">
-            <a:schemeClr val="accent1">
-              <a:shade val="50000"/>
-            </a:schemeClr>
-          </a:lnRef>
-          <a:fillRef idx="1">
-            <a:schemeClr val="accent1"/>
-          </a:fillRef>
-          <a:effectRef idx="0">
-            <a:schemeClr val="accent1"/>
-          </a:effectRef>
-          <a:fontRef idx="minor">
-            <a:schemeClr val="lt1"/>
-          </a:fontRef>
-        </p:style>
-        <p:txBody>
-          <a:bodyPr rtlCol="0" anchor="ctr"/>
-          <a:lstStyle/>
-          <a:p>
-            <a:pPr algn="ctr"/>
-            <a:r>
-              <a:rPr lang="en-US" altLang="ko-KR" sz="2000" dirty="0" smtClean="0">
-                <a:solidFill>
-                  <a:schemeClr val="tx1"/>
-                </a:solidFill>
-                <a:latin typeface="Arial Unicode MS" pitchFamily="50" charset="-127"/>
-                <a:ea typeface="Arial Unicode MS" pitchFamily="50" charset="-127"/>
-                <a:cs typeface="Arial Unicode MS" pitchFamily="50" charset="-127"/>
-              </a:rPr>
-              <a:t>STUDYER _ Prototype</a:t>
-            </a:r>
-            <a:endParaRPr lang="ko-KR" altLang="en-US" sz="2000" dirty="0">
-              <a:solidFill>
-                <a:schemeClr val="tx1"/>
-              </a:solidFill>
-              <a:latin typeface="Arial Unicode MS" pitchFamily="50" charset="-127"/>
-              <a:ea typeface="Arial Unicode MS" pitchFamily="50" charset="-127"/>
-              <a:cs typeface="Arial Unicode MS" pitchFamily="50" charset="-127"/>
-            </a:endParaRPr>
-          </a:p>
-        </p:txBody>
-      </p:sp>
       <p:cxnSp>
         <p:nvCxnSpPr>
           <p:cNvPr id="8" name="직선 연결선 7"/>
@@ -3332,6 +3270,1244 @@
                 <a:lumOff val="35000"/>
               </a:schemeClr>
             </a:solidFill>
+          </a:ln>
+        </p:spPr>
+        <p:style>
+          <a:lnRef idx="1">
+            <a:schemeClr val="accent1"/>
+          </a:lnRef>
+          <a:fillRef idx="0">
+            <a:schemeClr val="accent1"/>
+          </a:fillRef>
+          <a:effectRef idx="0">
+            <a:schemeClr val="accent1"/>
+          </a:effectRef>
+          <a:fontRef idx="minor">
+            <a:schemeClr val="tx1"/>
+          </a:fontRef>
+        </p:style>
+      </p:cxnSp>
+      <p:sp>
+        <p:nvSpPr>
+          <p:cNvPr id="3" name="직사각형 2"/>
+          <p:cNvSpPr/>
+          <p:nvPr/>
+        </p:nvSpPr>
+        <p:spPr>
+          <a:xfrm>
+            <a:off x="2123728" y="908720"/>
+            <a:ext cx="4896544" cy="540000"/>
+          </a:xfrm>
+          <a:prstGeom prst="rect">
+            <a:avLst/>
+          </a:prstGeom>
+          <a:noFill/>
+          <a:ln>
+            <a:noFill/>
+          </a:ln>
+        </p:spPr>
+        <p:style>
+          <a:lnRef idx="2">
+            <a:schemeClr val="accent1">
+              <a:shade val="50000"/>
+            </a:schemeClr>
+          </a:lnRef>
+          <a:fillRef idx="1">
+            <a:schemeClr val="accent1"/>
+          </a:fillRef>
+          <a:effectRef idx="0">
+            <a:schemeClr val="accent1"/>
+          </a:effectRef>
+          <a:fontRef idx="minor">
+            <a:schemeClr val="lt1"/>
+          </a:fontRef>
+        </p:style>
+        <p:txBody>
+          <a:bodyPr rtlCol="0" anchor="ctr"/>
+          <a:lstStyle/>
+          <a:p>
+            <a:pPr algn="ctr"/>
+            <a:r>
+              <a:rPr lang="en-US" altLang="ko-KR" sz="2000" dirty="0" smtClean="0">
+                <a:solidFill>
+                  <a:schemeClr val="tx1"/>
+                </a:solidFill>
+                <a:latin typeface="Arial Unicode MS" pitchFamily="50" charset="-127"/>
+                <a:ea typeface="Arial Unicode MS" pitchFamily="50" charset="-127"/>
+                <a:cs typeface="Arial Unicode MS" pitchFamily="50" charset="-127"/>
+              </a:rPr>
+              <a:t>STUDYER _ </a:t>
+            </a:r>
+            <a:r>
+              <a:rPr lang="ko-KR" altLang="en-US" sz="2000" dirty="0" smtClean="0">
+                <a:solidFill>
+                  <a:schemeClr val="tx1"/>
+                </a:solidFill>
+                <a:latin typeface="Arial Unicode MS" pitchFamily="50" charset="-127"/>
+                <a:ea typeface="Arial Unicode MS" pitchFamily="50" charset="-127"/>
+                <a:cs typeface="Arial Unicode MS" pitchFamily="50" charset="-127"/>
+              </a:rPr>
+              <a:t>클래스 다이어그램</a:t>
+            </a:r>
+            <a:endParaRPr lang="ko-KR" altLang="en-US" sz="2000" dirty="0">
+              <a:solidFill>
+                <a:schemeClr val="tx1"/>
+              </a:solidFill>
+              <a:latin typeface="Arial Unicode MS" pitchFamily="50" charset="-127"/>
+              <a:ea typeface="Arial Unicode MS" pitchFamily="50" charset="-127"/>
+              <a:cs typeface="Arial Unicode MS" pitchFamily="50" charset="-127"/>
+            </a:endParaRPr>
+          </a:p>
+        </p:txBody>
+      </p:sp>
+      <p:cxnSp>
+        <p:nvCxnSpPr>
+          <p:cNvPr id="5" name="직선 연결선 4"/>
+          <p:cNvCxnSpPr/>
+          <p:nvPr/>
+        </p:nvCxnSpPr>
+        <p:spPr>
+          <a:xfrm>
+            <a:off x="2339752" y="1628800"/>
+            <a:ext cx="0" cy="4896544"/>
+          </a:xfrm>
+          <a:prstGeom prst="line">
+            <a:avLst/>
+          </a:prstGeom>
+        </p:spPr>
+        <p:style>
+          <a:lnRef idx="1">
+            <a:schemeClr val="accent1"/>
+          </a:lnRef>
+          <a:fillRef idx="0">
+            <a:schemeClr val="accent1"/>
+          </a:fillRef>
+          <a:effectRef idx="0">
+            <a:schemeClr val="accent1"/>
+          </a:effectRef>
+          <a:fontRef idx="minor">
+            <a:schemeClr val="tx1"/>
+          </a:fontRef>
+        </p:style>
+      </p:cxnSp>
+      <p:cxnSp>
+        <p:nvCxnSpPr>
+          <p:cNvPr id="6" name="직선 연결선 5"/>
+          <p:cNvCxnSpPr/>
+          <p:nvPr/>
+        </p:nvCxnSpPr>
+        <p:spPr>
+          <a:xfrm>
+            <a:off x="4499992" y="1628800"/>
+            <a:ext cx="0" cy="4896544"/>
+          </a:xfrm>
+          <a:prstGeom prst="line">
+            <a:avLst/>
+          </a:prstGeom>
+        </p:spPr>
+        <p:style>
+          <a:lnRef idx="1">
+            <a:schemeClr val="accent1"/>
+          </a:lnRef>
+          <a:fillRef idx="0">
+            <a:schemeClr val="accent1"/>
+          </a:fillRef>
+          <a:effectRef idx="0">
+            <a:schemeClr val="accent1"/>
+          </a:effectRef>
+          <a:fontRef idx="minor">
+            <a:schemeClr val="tx1"/>
+          </a:fontRef>
+        </p:style>
+      </p:cxnSp>
+      <p:cxnSp>
+        <p:nvCxnSpPr>
+          <p:cNvPr id="7" name="직선 연결선 6"/>
+          <p:cNvCxnSpPr/>
+          <p:nvPr/>
+        </p:nvCxnSpPr>
+        <p:spPr>
+          <a:xfrm>
+            <a:off x="6660232" y="1628800"/>
+            <a:ext cx="0" cy="4896544"/>
+          </a:xfrm>
+          <a:prstGeom prst="line">
+            <a:avLst/>
+          </a:prstGeom>
+        </p:spPr>
+        <p:style>
+          <a:lnRef idx="1">
+            <a:schemeClr val="accent1"/>
+          </a:lnRef>
+          <a:fillRef idx="0">
+            <a:schemeClr val="accent1"/>
+          </a:fillRef>
+          <a:effectRef idx="0">
+            <a:schemeClr val="accent1"/>
+          </a:effectRef>
+          <a:fontRef idx="minor">
+            <a:schemeClr val="tx1"/>
+          </a:fontRef>
+        </p:style>
+      </p:cxnSp>
+      <p:sp>
+        <p:nvSpPr>
+          <p:cNvPr id="9" name="직사각형 8"/>
+          <p:cNvSpPr/>
+          <p:nvPr/>
+        </p:nvSpPr>
+        <p:spPr>
+          <a:xfrm>
+            <a:off x="2555776" y="2132856"/>
+            <a:ext cx="1656184" cy="504056"/>
+          </a:xfrm>
+          <a:prstGeom prst="rect">
+            <a:avLst/>
+          </a:prstGeom>
+          <a:noFill/>
+          <a:ln>
+            <a:solidFill>
+              <a:schemeClr val="tx1">
+                <a:lumMod val="50000"/>
+                <a:lumOff val="50000"/>
+              </a:schemeClr>
+            </a:solidFill>
+          </a:ln>
+        </p:spPr>
+        <p:style>
+          <a:lnRef idx="2">
+            <a:schemeClr val="accent1">
+              <a:shade val="50000"/>
+            </a:schemeClr>
+          </a:lnRef>
+          <a:fillRef idx="1">
+            <a:schemeClr val="accent1"/>
+          </a:fillRef>
+          <a:effectRef idx="0">
+            <a:schemeClr val="accent1"/>
+          </a:effectRef>
+          <a:fontRef idx="minor">
+            <a:schemeClr val="lt1"/>
+          </a:fontRef>
+        </p:style>
+        <p:txBody>
+          <a:bodyPr rtlCol="0" anchor="ctr"/>
+          <a:lstStyle/>
+          <a:p>
+            <a:pPr algn="ctr"/>
+            <a:r>
+              <a:rPr lang="en-US" altLang="ko-KR" sz="1600" dirty="0" err="1" smtClean="0">
+                <a:solidFill>
+                  <a:schemeClr val="tx1"/>
+                </a:solidFill>
+              </a:rPr>
+              <a:t>IndexController</a:t>
+            </a:r>
+            <a:endParaRPr lang="ko-KR" altLang="en-US" sz="1600" dirty="0">
+              <a:solidFill>
+                <a:schemeClr val="tx1"/>
+              </a:solidFill>
+            </a:endParaRPr>
+          </a:p>
+        </p:txBody>
+      </p:sp>
+      <p:sp>
+        <p:nvSpPr>
+          <p:cNvPr id="10" name="직사각형 9"/>
+          <p:cNvSpPr/>
+          <p:nvPr/>
+        </p:nvSpPr>
+        <p:spPr>
+          <a:xfrm>
+            <a:off x="2411760" y="3140968"/>
+            <a:ext cx="1944216" cy="504056"/>
+          </a:xfrm>
+          <a:prstGeom prst="rect">
+            <a:avLst/>
+          </a:prstGeom>
+          <a:noFill/>
+          <a:ln>
+            <a:solidFill>
+              <a:schemeClr val="tx1">
+                <a:lumMod val="50000"/>
+                <a:lumOff val="50000"/>
+              </a:schemeClr>
+            </a:solidFill>
+          </a:ln>
+        </p:spPr>
+        <p:style>
+          <a:lnRef idx="2">
+            <a:schemeClr val="accent1">
+              <a:shade val="50000"/>
+            </a:schemeClr>
+          </a:lnRef>
+          <a:fillRef idx="1">
+            <a:schemeClr val="accent1"/>
+          </a:fillRef>
+          <a:effectRef idx="0">
+            <a:schemeClr val="accent1"/>
+          </a:effectRef>
+          <a:fontRef idx="minor">
+            <a:schemeClr val="lt1"/>
+          </a:fontRef>
+        </p:style>
+        <p:txBody>
+          <a:bodyPr rtlCol="0" anchor="ctr"/>
+          <a:lstStyle/>
+          <a:p>
+            <a:pPr algn="ctr"/>
+            <a:r>
+              <a:rPr lang="en-US" altLang="ko-KR" sz="1600" dirty="0" err="1" smtClean="0">
+                <a:solidFill>
+                  <a:schemeClr val="tx1"/>
+                </a:solidFill>
+              </a:rPr>
+              <a:t>MemberController</a:t>
+            </a:r>
+            <a:endParaRPr lang="ko-KR" altLang="en-US" sz="1600" dirty="0">
+              <a:solidFill>
+                <a:schemeClr val="tx1"/>
+              </a:solidFill>
+            </a:endParaRPr>
+          </a:p>
+        </p:txBody>
+      </p:sp>
+      <p:sp>
+        <p:nvSpPr>
+          <p:cNvPr id="11" name="직사각형 10"/>
+          <p:cNvSpPr/>
+          <p:nvPr/>
+        </p:nvSpPr>
+        <p:spPr>
+          <a:xfrm>
+            <a:off x="2555776" y="4149080"/>
+            <a:ext cx="1656184" cy="504056"/>
+          </a:xfrm>
+          <a:prstGeom prst="rect">
+            <a:avLst/>
+          </a:prstGeom>
+          <a:noFill/>
+          <a:ln>
+            <a:solidFill>
+              <a:schemeClr val="tx1">
+                <a:lumMod val="50000"/>
+                <a:lumOff val="50000"/>
+              </a:schemeClr>
+            </a:solidFill>
+          </a:ln>
+        </p:spPr>
+        <p:style>
+          <a:lnRef idx="2">
+            <a:schemeClr val="accent1">
+              <a:shade val="50000"/>
+            </a:schemeClr>
+          </a:lnRef>
+          <a:fillRef idx="1">
+            <a:schemeClr val="accent1"/>
+          </a:fillRef>
+          <a:effectRef idx="0">
+            <a:schemeClr val="accent1"/>
+          </a:effectRef>
+          <a:fontRef idx="minor">
+            <a:schemeClr val="lt1"/>
+          </a:fontRef>
+        </p:style>
+        <p:txBody>
+          <a:bodyPr rtlCol="0" anchor="ctr"/>
+          <a:lstStyle/>
+          <a:p>
+            <a:pPr algn="ctr"/>
+            <a:r>
+              <a:rPr lang="en-US" altLang="ko-KR" sz="1600" dirty="0" err="1" smtClean="0">
+                <a:solidFill>
+                  <a:schemeClr val="tx1"/>
+                </a:solidFill>
+              </a:rPr>
+              <a:t>BoardController</a:t>
+            </a:r>
+            <a:endParaRPr lang="ko-KR" altLang="en-US" sz="1600" dirty="0">
+              <a:solidFill>
+                <a:schemeClr val="tx1"/>
+              </a:solidFill>
+            </a:endParaRPr>
+          </a:p>
+        </p:txBody>
+      </p:sp>
+      <p:sp>
+        <p:nvSpPr>
+          <p:cNvPr id="12" name="직사각형 11"/>
+          <p:cNvSpPr/>
+          <p:nvPr/>
+        </p:nvSpPr>
+        <p:spPr>
+          <a:xfrm>
+            <a:off x="2555776" y="5157192"/>
+            <a:ext cx="1656184" cy="504056"/>
+          </a:xfrm>
+          <a:prstGeom prst="rect">
+            <a:avLst/>
+          </a:prstGeom>
+          <a:noFill/>
+          <a:ln>
+            <a:solidFill>
+              <a:schemeClr val="tx1">
+                <a:lumMod val="50000"/>
+                <a:lumOff val="50000"/>
+              </a:schemeClr>
+            </a:solidFill>
+          </a:ln>
+        </p:spPr>
+        <p:style>
+          <a:lnRef idx="2">
+            <a:schemeClr val="accent1">
+              <a:shade val="50000"/>
+            </a:schemeClr>
+          </a:lnRef>
+          <a:fillRef idx="1">
+            <a:schemeClr val="accent1"/>
+          </a:fillRef>
+          <a:effectRef idx="0">
+            <a:schemeClr val="accent1"/>
+          </a:effectRef>
+          <a:fontRef idx="minor">
+            <a:schemeClr val="lt1"/>
+          </a:fontRef>
+        </p:style>
+        <p:txBody>
+          <a:bodyPr rtlCol="0" anchor="ctr"/>
+          <a:lstStyle/>
+          <a:p>
+            <a:pPr algn="ctr"/>
+            <a:r>
+              <a:rPr lang="en-US" altLang="ko-KR" sz="1600" dirty="0" err="1" smtClean="0">
+                <a:solidFill>
+                  <a:schemeClr val="tx1"/>
+                </a:solidFill>
+              </a:rPr>
+              <a:t>ClassController</a:t>
+            </a:r>
+            <a:endParaRPr lang="ko-KR" altLang="en-US" sz="1600" dirty="0">
+              <a:solidFill>
+                <a:schemeClr val="tx1"/>
+              </a:solidFill>
+            </a:endParaRPr>
+          </a:p>
+        </p:txBody>
+      </p:sp>
+      <p:sp>
+        <p:nvSpPr>
+          <p:cNvPr id="13" name="직사각형 12"/>
+          <p:cNvSpPr/>
+          <p:nvPr/>
+        </p:nvSpPr>
+        <p:spPr>
+          <a:xfrm>
+            <a:off x="4760031" y="2132856"/>
+            <a:ext cx="1656184" cy="504056"/>
+          </a:xfrm>
+          <a:prstGeom prst="rect">
+            <a:avLst/>
+          </a:prstGeom>
+          <a:noFill/>
+          <a:ln>
+            <a:solidFill>
+              <a:schemeClr val="tx1">
+                <a:lumMod val="50000"/>
+                <a:lumOff val="50000"/>
+              </a:schemeClr>
+            </a:solidFill>
+          </a:ln>
+        </p:spPr>
+        <p:style>
+          <a:lnRef idx="2">
+            <a:schemeClr val="accent1">
+              <a:shade val="50000"/>
+            </a:schemeClr>
+          </a:lnRef>
+          <a:fillRef idx="1">
+            <a:schemeClr val="accent1"/>
+          </a:fillRef>
+          <a:effectRef idx="0">
+            <a:schemeClr val="accent1"/>
+          </a:effectRef>
+          <a:fontRef idx="minor">
+            <a:schemeClr val="lt1"/>
+          </a:fontRef>
+        </p:style>
+        <p:txBody>
+          <a:bodyPr rtlCol="0" anchor="ctr"/>
+          <a:lstStyle/>
+          <a:p>
+            <a:pPr algn="ctr"/>
+            <a:endParaRPr lang="ko-KR" altLang="en-US" dirty="0">
+              <a:solidFill>
+                <a:schemeClr val="tx1"/>
+              </a:solidFill>
+            </a:endParaRPr>
+          </a:p>
+        </p:txBody>
+      </p:sp>
+      <p:sp>
+        <p:nvSpPr>
+          <p:cNvPr id="14" name="직사각형 13"/>
+          <p:cNvSpPr/>
+          <p:nvPr/>
+        </p:nvSpPr>
+        <p:spPr>
+          <a:xfrm>
+            <a:off x="4760031" y="3140968"/>
+            <a:ext cx="1656184" cy="504056"/>
+          </a:xfrm>
+          <a:prstGeom prst="rect">
+            <a:avLst/>
+          </a:prstGeom>
+          <a:noFill/>
+          <a:ln>
+            <a:solidFill>
+              <a:schemeClr val="tx1">
+                <a:lumMod val="50000"/>
+                <a:lumOff val="50000"/>
+              </a:schemeClr>
+            </a:solidFill>
+          </a:ln>
+        </p:spPr>
+        <p:style>
+          <a:lnRef idx="2">
+            <a:schemeClr val="accent1">
+              <a:shade val="50000"/>
+            </a:schemeClr>
+          </a:lnRef>
+          <a:fillRef idx="1">
+            <a:schemeClr val="accent1"/>
+          </a:fillRef>
+          <a:effectRef idx="0">
+            <a:schemeClr val="accent1"/>
+          </a:effectRef>
+          <a:fontRef idx="minor">
+            <a:schemeClr val="lt1"/>
+          </a:fontRef>
+        </p:style>
+        <p:txBody>
+          <a:bodyPr rtlCol="0" anchor="ctr"/>
+          <a:lstStyle/>
+          <a:p>
+            <a:pPr algn="ctr"/>
+            <a:r>
+              <a:rPr lang="en-US" altLang="ko-KR" sz="1600" dirty="0" err="1" smtClean="0">
+                <a:solidFill>
+                  <a:schemeClr val="tx1"/>
+                </a:solidFill>
+              </a:rPr>
+              <a:t>MemberService</a:t>
+            </a:r>
+            <a:endParaRPr lang="ko-KR" altLang="en-US" sz="1600" dirty="0">
+              <a:solidFill>
+                <a:schemeClr val="tx1"/>
+              </a:solidFill>
+            </a:endParaRPr>
+          </a:p>
+        </p:txBody>
+      </p:sp>
+      <p:sp>
+        <p:nvSpPr>
+          <p:cNvPr id="15" name="직사각형 14"/>
+          <p:cNvSpPr/>
+          <p:nvPr/>
+        </p:nvSpPr>
+        <p:spPr>
+          <a:xfrm>
+            <a:off x="4760031" y="4149080"/>
+            <a:ext cx="1656184" cy="504056"/>
+          </a:xfrm>
+          <a:prstGeom prst="rect">
+            <a:avLst/>
+          </a:prstGeom>
+          <a:noFill/>
+          <a:ln>
+            <a:solidFill>
+              <a:schemeClr val="tx1">
+                <a:lumMod val="50000"/>
+                <a:lumOff val="50000"/>
+              </a:schemeClr>
+            </a:solidFill>
+          </a:ln>
+        </p:spPr>
+        <p:style>
+          <a:lnRef idx="2">
+            <a:schemeClr val="accent1">
+              <a:shade val="50000"/>
+            </a:schemeClr>
+          </a:lnRef>
+          <a:fillRef idx="1">
+            <a:schemeClr val="accent1"/>
+          </a:fillRef>
+          <a:effectRef idx="0">
+            <a:schemeClr val="accent1"/>
+          </a:effectRef>
+          <a:fontRef idx="minor">
+            <a:schemeClr val="lt1"/>
+          </a:fontRef>
+        </p:style>
+        <p:txBody>
+          <a:bodyPr rtlCol="0" anchor="ctr"/>
+          <a:lstStyle/>
+          <a:p>
+            <a:pPr algn="ctr"/>
+            <a:r>
+              <a:rPr lang="en-US" altLang="ko-KR" sz="1600" dirty="0" err="1" smtClean="0">
+                <a:solidFill>
+                  <a:schemeClr val="tx1"/>
+                </a:solidFill>
+              </a:rPr>
+              <a:t>BoardService</a:t>
+            </a:r>
+            <a:endParaRPr lang="ko-KR" altLang="en-US" sz="1600" dirty="0">
+              <a:solidFill>
+                <a:schemeClr val="tx1"/>
+              </a:solidFill>
+            </a:endParaRPr>
+          </a:p>
+        </p:txBody>
+      </p:sp>
+      <p:sp>
+        <p:nvSpPr>
+          <p:cNvPr id="16" name="직사각형 15"/>
+          <p:cNvSpPr/>
+          <p:nvPr/>
+        </p:nvSpPr>
+        <p:spPr>
+          <a:xfrm>
+            <a:off x="4760031" y="5157192"/>
+            <a:ext cx="1656184" cy="504056"/>
+          </a:xfrm>
+          <a:prstGeom prst="rect">
+            <a:avLst/>
+          </a:prstGeom>
+          <a:noFill/>
+          <a:ln>
+            <a:solidFill>
+              <a:schemeClr val="tx1">
+                <a:lumMod val="50000"/>
+                <a:lumOff val="50000"/>
+              </a:schemeClr>
+            </a:solidFill>
+          </a:ln>
+        </p:spPr>
+        <p:style>
+          <a:lnRef idx="2">
+            <a:schemeClr val="accent1">
+              <a:shade val="50000"/>
+            </a:schemeClr>
+          </a:lnRef>
+          <a:fillRef idx="1">
+            <a:schemeClr val="accent1"/>
+          </a:fillRef>
+          <a:effectRef idx="0">
+            <a:schemeClr val="accent1"/>
+          </a:effectRef>
+          <a:fontRef idx="minor">
+            <a:schemeClr val="lt1"/>
+          </a:fontRef>
+        </p:style>
+        <p:txBody>
+          <a:bodyPr rtlCol="0" anchor="ctr"/>
+          <a:lstStyle/>
+          <a:p>
+            <a:pPr algn="ctr"/>
+            <a:r>
+              <a:rPr lang="en-US" altLang="ko-KR" sz="1600" dirty="0" err="1" smtClean="0">
+                <a:solidFill>
+                  <a:schemeClr val="tx1"/>
+                </a:solidFill>
+              </a:rPr>
+              <a:t>ClassService</a:t>
+            </a:r>
+            <a:endParaRPr lang="ko-KR" altLang="en-US" sz="1600" dirty="0">
+              <a:solidFill>
+                <a:schemeClr val="tx1"/>
+              </a:solidFill>
+            </a:endParaRPr>
+          </a:p>
+        </p:txBody>
+      </p:sp>
+      <p:sp>
+        <p:nvSpPr>
+          <p:cNvPr id="17" name="직사각형 16"/>
+          <p:cNvSpPr/>
+          <p:nvPr/>
+        </p:nvSpPr>
+        <p:spPr>
+          <a:xfrm>
+            <a:off x="6876256" y="2132856"/>
+            <a:ext cx="1656184" cy="504056"/>
+          </a:xfrm>
+          <a:prstGeom prst="rect">
+            <a:avLst/>
+          </a:prstGeom>
+          <a:noFill/>
+          <a:ln>
+            <a:solidFill>
+              <a:schemeClr val="tx1">
+                <a:lumMod val="50000"/>
+                <a:lumOff val="50000"/>
+              </a:schemeClr>
+            </a:solidFill>
+          </a:ln>
+        </p:spPr>
+        <p:style>
+          <a:lnRef idx="2">
+            <a:schemeClr val="accent1">
+              <a:shade val="50000"/>
+            </a:schemeClr>
+          </a:lnRef>
+          <a:fillRef idx="1">
+            <a:schemeClr val="accent1"/>
+          </a:fillRef>
+          <a:effectRef idx="0">
+            <a:schemeClr val="accent1"/>
+          </a:effectRef>
+          <a:fontRef idx="minor">
+            <a:schemeClr val="lt1"/>
+          </a:fontRef>
+        </p:style>
+        <p:txBody>
+          <a:bodyPr rtlCol="0" anchor="ctr"/>
+          <a:lstStyle/>
+          <a:p>
+            <a:pPr algn="ctr"/>
+            <a:endParaRPr lang="ko-KR" altLang="en-US"/>
+          </a:p>
+        </p:txBody>
+      </p:sp>
+      <p:sp>
+        <p:nvSpPr>
+          <p:cNvPr id="18" name="직사각형 17"/>
+          <p:cNvSpPr/>
+          <p:nvPr/>
+        </p:nvSpPr>
+        <p:spPr>
+          <a:xfrm>
+            <a:off x="6876256" y="3140968"/>
+            <a:ext cx="1656184" cy="504056"/>
+          </a:xfrm>
+          <a:prstGeom prst="rect">
+            <a:avLst/>
+          </a:prstGeom>
+          <a:noFill/>
+          <a:ln>
+            <a:solidFill>
+              <a:schemeClr val="tx1">
+                <a:lumMod val="50000"/>
+                <a:lumOff val="50000"/>
+              </a:schemeClr>
+            </a:solidFill>
+          </a:ln>
+        </p:spPr>
+        <p:style>
+          <a:lnRef idx="2">
+            <a:schemeClr val="accent1">
+              <a:shade val="50000"/>
+            </a:schemeClr>
+          </a:lnRef>
+          <a:fillRef idx="1">
+            <a:schemeClr val="accent1"/>
+          </a:fillRef>
+          <a:effectRef idx="0">
+            <a:schemeClr val="accent1"/>
+          </a:effectRef>
+          <a:fontRef idx="minor">
+            <a:schemeClr val="lt1"/>
+          </a:fontRef>
+        </p:style>
+        <p:txBody>
+          <a:bodyPr rtlCol="0" anchor="ctr"/>
+          <a:lstStyle/>
+          <a:p>
+            <a:pPr algn="ctr"/>
+            <a:r>
+              <a:rPr lang="en-US" altLang="ko-KR" sz="1600" dirty="0" err="1" smtClean="0">
+                <a:solidFill>
+                  <a:schemeClr val="tx1"/>
+                </a:solidFill>
+              </a:rPr>
+              <a:t>MemberDao</a:t>
+            </a:r>
+            <a:endParaRPr lang="ko-KR" altLang="en-US" sz="1600" dirty="0">
+              <a:solidFill>
+                <a:schemeClr val="tx1"/>
+              </a:solidFill>
+            </a:endParaRPr>
+          </a:p>
+        </p:txBody>
+      </p:sp>
+      <p:sp>
+        <p:nvSpPr>
+          <p:cNvPr id="19" name="직사각형 18"/>
+          <p:cNvSpPr/>
+          <p:nvPr/>
+        </p:nvSpPr>
+        <p:spPr>
+          <a:xfrm>
+            <a:off x="6876256" y="4149080"/>
+            <a:ext cx="1656184" cy="504056"/>
+          </a:xfrm>
+          <a:prstGeom prst="rect">
+            <a:avLst/>
+          </a:prstGeom>
+          <a:noFill/>
+          <a:ln>
+            <a:solidFill>
+              <a:schemeClr val="tx1">
+                <a:lumMod val="50000"/>
+                <a:lumOff val="50000"/>
+              </a:schemeClr>
+            </a:solidFill>
+          </a:ln>
+        </p:spPr>
+        <p:style>
+          <a:lnRef idx="2">
+            <a:schemeClr val="accent1">
+              <a:shade val="50000"/>
+            </a:schemeClr>
+          </a:lnRef>
+          <a:fillRef idx="1">
+            <a:schemeClr val="accent1"/>
+          </a:fillRef>
+          <a:effectRef idx="0">
+            <a:schemeClr val="accent1"/>
+          </a:effectRef>
+          <a:fontRef idx="minor">
+            <a:schemeClr val="lt1"/>
+          </a:fontRef>
+        </p:style>
+        <p:txBody>
+          <a:bodyPr rtlCol="0" anchor="ctr"/>
+          <a:lstStyle/>
+          <a:p>
+            <a:pPr algn="ctr"/>
+            <a:r>
+              <a:rPr lang="en-US" altLang="ko-KR" sz="1600" dirty="0" err="1" smtClean="0">
+                <a:solidFill>
+                  <a:schemeClr val="tx1"/>
+                </a:solidFill>
+              </a:rPr>
+              <a:t>BoardDao</a:t>
+            </a:r>
+            <a:endParaRPr lang="ko-KR" altLang="en-US" sz="1600" dirty="0">
+              <a:solidFill>
+                <a:schemeClr val="tx1"/>
+              </a:solidFill>
+            </a:endParaRPr>
+          </a:p>
+        </p:txBody>
+      </p:sp>
+      <p:sp>
+        <p:nvSpPr>
+          <p:cNvPr id="20" name="직사각형 19"/>
+          <p:cNvSpPr/>
+          <p:nvPr/>
+        </p:nvSpPr>
+        <p:spPr>
+          <a:xfrm>
+            <a:off x="6876256" y="5157192"/>
+            <a:ext cx="1656184" cy="504056"/>
+          </a:xfrm>
+          <a:prstGeom prst="rect">
+            <a:avLst/>
+          </a:prstGeom>
+          <a:noFill/>
+          <a:ln>
+            <a:solidFill>
+              <a:schemeClr val="tx1">
+                <a:lumMod val="50000"/>
+                <a:lumOff val="50000"/>
+              </a:schemeClr>
+            </a:solidFill>
+          </a:ln>
+        </p:spPr>
+        <p:style>
+          <a:lnRef idx="2">
+            <a:schemeClr val="accent1">
+              <a:shade val="50000"/>
+            </a:schemeClr>
+          </a:lnRef>
+          <a:fillRef idx="1">
+            <a:schemeClr val="accent1"/>
+          </a:fillRef>
+          <a:effectRef idx="0">
+            <a:schemeClr val="accent1"/>
+          </a:effectRef>
+          <a:fontRef idx="minor">
+            <a:schemeClr val="lt1"/>
+          </a:fontRef>
+        </p:style>
+        <p:txBody>
+          <a:bodyPr rtlCol="0" anchor="ctr"/>
+          <a:lstStyle/>
+          <a:p>
+            <a:pPr algn="ctr"/>
+            <a:r>
+              <a:rPr lang="en-US" altLang="ko-KR" sz="1600" dirty="0" err="1" smtClean="0">
+                <a:solidFill>
+                  <a:schemeClr val="tx1"/>
+                </a:solidFill>
+              </a:rPr>
+              <a:t>ClassDao</a:t>
+            </a:r>
+            <a:endParaRPr lang="ko-KR" altLang="en-US" sz="1600" dirty="0">
+              <a:solidFill>
+                <a:schemeClr val="tx1"/>
+              </a:solidFill>
+            </a:endParaRPr>
+          </a:p>
+        </p:txBody>
+      </p:sp>
+      <p:sp>
+        <p:nvSpPr>
+          <p:cNvPr id="21" name="TextBox 20"/>
+          <p:cNvSpPr txBox="1"/>
+          <p:nvPr/>
+        </p:nvSpPr>
+        <p:spPr>
+          <a:xfrm>
+            <a:off x="2825146" y="1628800"/>
+            <a:ext cx="1215333" cy="369332"/>
+          </a:xfrm>
+          <a:prstGeom prst="rect">
+            <a:avLst/>
+          </a:prstGeom>
+          <a:noFill/>
+        </p:spPr>
+        <p:txBody>
+          <a:bodyPr wrap="none" rtlCol="0">
+            <a:spAutoFit/>
+          </a:bodyPr>
+          <a:lstStyle/>
+          <a:p>
+            <a:r>
+              <a:rPr lang="en-US" altLang="ko-KR" dirty="0" smtClean="0"/>
+              <a:t>Controller</a:t>
+            </a:r>
+            <a:endParaRPr lang="ko-KR" altLang="en-US" dirty="0"/>
+          </a:p>
+        </p:txBody>
+      </p:sp>
+      <p:sp>
+        <p:nvSpPr>
+          <p:cNvPr id="22" name="TextBox 21"/>
+          <p:cNvSpPr txBox="1"/>
+          <p:nvPr/>
+        </p:nvSpPr>
+        <p:spPr>
+          <a:xfrm>
+            <a:off x="5076056" y="1628800"/>
+            <a:ext cx="925638" cy="369332"/>
+          </a:xfrm>
+          <a:prstGeom prst="rect">
+            <a:avLst/>
+          </a:prstGeom>
+          <a:noFill/>
+        </p:spPr>
+        <p:txBody>
+          <a:bodyPr wrap="none" rtlCol="0">
+            <a:spAutoFit/>
+          </a:bodyPr>
+          <a:lstStyle/>
+          <a:p>
+            <a:r>
+              <a:rPr lang="en-US" altLang="ko-KR" dirty="0" smtClean="0"/>
+              <a:t>Service</a:t>
+            </a:r>
+            <a:endParaRPr lang="ko-KR" altLang="en-US" dirty="0"/>
+          </a:p>
+        </p:txBody>
+      </p:sp>
+      <p:sp>
+        <p:nvSpPr>
+          <p:cNvPr id="23" name="TextBox 22"/>
+          <p:cNvSpPr txBox="1"/>
+          <p:nvPr/>
+        </p:nvSpPr>
+        <p:spPr>
+          <a:xfrm>
+            <a:off x="7020272" y="1628800"/>
+            <a:ext cx="1295035" cy="369332"/>
+          </a:xfrm>
+          <a:prstGeom prst="rect">
+            <a:avLst/>
+          </a:prstGeom>
+          <a:noFill/>
+        </p:spPr>
+        <p:txBody>
+          <a:bodyPr wrap="none" rtlCol="0">
+            <a:spAutoFit/>
+          </a:bodyPr>
+          <a:lstStyle/>
+          <a:p>
+            <a:r>
+              <a:rPr lang="en-US" altLang="ko-KR" dirty="0" smtClean="0"/>
+              <a:t>Repository</a:t>
+            </a:r>
+            <a:endParaRPr lang="ko-KR" altLang="en-US" dirty="0"/>
+          </a:p>
+        </p:txBody>
+      </p:sp>
+      <p:cxnSp>
+        <p:nvCxnSpPr>
+          <p:cNvPr id="25" name="직선 화살표 연결선 24"/>
+          <p:cNvCxnSpPr>
+            <a:stCxn id="10" idx="3"/>
+            <a:endCxn id="14" idx="1"/>
+          </p:cNvCxnSpPr>
+          <p:nvPr/>
+        </p:nvCxnSpPr>
+        <p:spPr>
+          <a:xfrm>
+            <a:off x="4355976" y="3392996"/>
+            <a:ext cx="404055" cy="0"/>
+          </a:xfrm>
+          <a:prstGeom prst="straightConnector1">
+            <a:avLst/>
+          </a:prstGeom>
+          <a:ln w="28575">
+            <a:solidFill>
+              <a:srgbClr val="FF0000"/>
+            </a:solidFill>
+            <a:tailEnd type="arrow"/>
+          </a:ln>
+        </p:spPr>
+        <p:style>
+          <a:lnRef idx="1">
+            <a:schemeClr val="accent1"/>
+          </a:lnRef>
+          <a:fillRef idx="0">
+            <a:schemeClr val="accent1"/>
+          </a:fillRef>
+          <a:effectRef idx="0">
+            <a:schemeClr val="accent1"/>
+          </a:effectRef>
+          <a:fontRef idx="minor">
+            <a:schemeClr val="tx1"/>
+          </a:fontRef>
+        </p:style>
+      </p:cxnSp>
+      <p:cxnSp>
+        <p:nvCxnSpPr>
+          <p:cNvPr id="26" name="직선 화살표 연결선 25"/>
+          <p:cNvCxnSpPr>
+            <a:stCxn id="11" idx="3"/>
+            <a:endCxn id="15" idx="1"/>
+          </p:cNvCxnSpPr>
+          <p:nvPr/>
+        </p:nvCxnSpPr>
+        <p:spPr>
+          <a:xfrm>
+            <a:off x="4211960" y="4401108"/>
+            <a:ext cx="548071" cy="0"/>
+          </a:xfrm>
+          <a:prstGeom prst="straightConnector1">
+            <a:avLst/>
+          </a:prstGeom>
+          <a:ln w="28575">
+            <a:solidFill>
+              <a:srgbClr val="FF0000"/>
+            </a:solidFill>
+            <a:tailEnd type="arrow"/>
+          </a:ln>
+        </p:spPr>
+        <p:style>
+          <a:lnRef idx="1">
+            <a:schemeClr val="accent1"/>
+          </a:lnRef>
+          <a:fillRef idx="0">
+            <a:schemeClr val="accent1"/>
+          </a:fillRef>
+          <a:effectRef idx="0">
+            <a:schemeClr val="accent1"/>
+          </a:effectRef>
+          <a:fontRef idx="minor">
+            <a:schemeClr val="tx1"/>
+          </a:fontRef>
+        </p:style>
+      </p:cxnSp>
+      <p:cxnSp>
+        <p:nvCxnSpPr>
+          <p:cNvPr id="27" name="직선 화살표 연결선 26"/>
+          <p:cNvCxnSpPr>
+            <a:stCxn id="12" idx="3"/>
+            <a:endCxn id="16" idx="1"/>
+          </p:cNvCxnSpPr>
+          <p:nvPr/>
+        </p:nvCxnSpPr>
+        <p:spPr>
+          <a:xfrm>
+            <a:off x="4211960" y="5409220"/>
+            <a:ext cx="548071" cy="0"/>
+          </a:xfrm>
+          <a:prstGeom prst="straightConnector1">
+            <a:avLst/>
+          </a:prstGeom>
+          <a:ln w="28575">
+            <a:solidFill>
+              <a:srgbClr val="FF0000"/>
+            </a:solidFill>
+            <a:tailEnd type="arrow"/>
+          </a:ln>
+        </p:spPr>
+        <p:style>
+          <a:lnRef idx="1">
+            <a:schemeClr val="accent1"/>
+          </a:lnRef>
+          <a:fillRef idx="0">
+            <a:schemeClr val="accent1"/>
+          </a:fillRef>
+          <a:effectRef idx="0">
+            <a:schemeClr val="accent1"/>
+          </a:effectRef>
+          <a:fontRef idx="minor">
+            <a:schemeClr val="tx1"/>
+          </a:fontRef>
+        </p:style>
+      </p:cxnSp>
+      <p:cxnSp>
+        <p:nvCxnSpPr>
+          <p:cNvPr id="28" name="직선 화살표 연결선 27"/>
+          <p:cNvCxnSpPr>
+            <a:stCxn id="14" idx="3"/>
+            <a:endCxn id="18" idx="1"/>
+          </p:cNvCxnSpPr>
+          <p:nvPr/>
+        </p:nvCxnSpPr>
+        <p:spPr>
+          <a:xfrm>
+            <a:off x="6416215" y="3392996"/>
+            <a:ext cx="460041" cy="0"/>
+          </a:xfrm>
+          <a:prstGeom prst="straightConnector1">
+            <a:avLst/>
+          </a:prstGeom>
+          <a:ln w="28575">
+            <a:solidFill>
+              <a:srgbClr val="FF0000"/>
+            </a:solidFill>
+            <a:tailEnd type="arrow"/>
+          </a:ln>
+        </p:spPr>
+        <p:style>
+          <a:lnRef idx="1">
+            <a:schemeClr val="accent1"/>
+          </a:lnRef>
+          <a:fillRef idx="0">
+            <a:schemeClr val="accent1"/>
+          </a:fillRef>
+          <a:effectRef idx="0">
+            <a:schemeClr val="accent1"/>
+          </a:effectRef>
+          <a:fontRef idx="minor">
+            <a:schemeClr val="tx1"/>
+          </a:fontRef>
+        </p:style>
+      </p:cxnSp>
+      <p:cxnSp>
+        <p:nvCxnSpPr>
+          <p:cNvPr id="29" name="직선 화살표 연결선 28"/>
+          <p:cNvCxnSpPr>
+            <a:stCxn id="15" idx="3"/>
+            <a:endCxn id="19" idx="1"/>
+          </p:cNvCxnSpPr>
+          <p:nvPr/>
+        </p:nvCxnSpPr>
+        <p:spPr>
+          <a:xfrm>
+            <a:off x="6416215" y="4401108"/>
+            <a:ext cx="460041" cy="0"/>
+          </a:xfrm>
+          <a:prstGeom prst="straightConnector1">
+            <a:avLst/>
+          </a:prstGeom>
+          <a:ln w="28575">
+            <a:solidFill>
+              <a:srgbClr val="FF0000"/>
+            </a:solidFill>
+            <a:tailEnd type="arrow"/>
+          </a:ln>
+        </p:spPr>
+        <p:style>
+          <a:lnRef idx="1">
+            <a:schemeClr val="accent1"/>
+          </a:lnRef>
+          <a:fillRef idx="0">
+            <a:schemeClr val="accent1"/>
+          </a:fillRef>
+          <a:effectRef idx="0">
+            <a:schemeClr val="accent1"/>
+          </a:effectRef>
+          <a:fontRef idx="minor">
+            <a:schemeClr val="tx1"/>
+          </a:fontRef>
+        </p:style>
+      </p:cxnSp>
+      <p:cxnSp>
+        <p:nvCxnSpPr>
+          <p:cNvPr id="30" name="직선 화살표 연결선 29"/>
+          <p:cNvCxnSpPr>
+            <a:stCxn id="15" idx="3"/>
+            <a:endCxn id="20" idx="1"/>
+          </p:cNvCxnSpPr>
+          <p:nvPr/>
+        </p:nvCxnSpPr>
+        <p:spPr>
+          <a:xfrm>
+            <a:off x="6416215" y="4401108"/>
+            <a:ext cx="460041" cy="1008112"/>
+          </a:xfrm>
+          <a:prstGeom prst="straightConnector1">
+            <a:avLst/>
+          </a:prstGeom>
+          <a:ln w="28575">
+            <a:solidFill>
+              <a:srgbClr val="FF0000"/>
+            </a:solidFill>
+            <a:tailEnd type="arrow"/>
+          </a:ln>
+        </p:spPr>
+        <p:style>
+          <a:lnRef idx="1">
+            <a:schemeClr val="accent1"/>
+          </a:lnRef>
+          <a:fillRef idx="0">
+            <a:schemeClr val="accent1"/>
+          </a:fillRef>
+          <a:effectRef idx="0">
+            <a:schemeClr val="accent1"/>
+          </a:effectRef>
+          <a:fontRef idx="minor">
+            <a:schemeClr val="tx1"/>
+          </a:fontRef>
+        </p:style>
+      </p:cxnSp>
+      <p:cxnSp>
+        <p:nvCxnSpPr>
+          <p:cNvPr id="42" name="직선 화살표 연결선 41"/>
+          <p:cNvCxnSpPr>
+            <a:stCxn id="16" idx="3"/>
+            <a:endCxn id="20" idx="1"/>
+          </p:cNvCxnSpPr>
+          <p:nvPr/>
+        </p:nvCxnSpPr>
+        <p:spPr>
+          <a:xfrm>
+            <a:off x="6416215" y="5409220"/>
+            <a:ext cx="460041" cy="0"/>
+          </a:xfrm>
+          <a:prstGeom prst="straightConnector1">
+            <a:avLst/>
+          </a:prstGeom>
+          <a:ln w="28575">
+            <a:solidFill>
+              <a:srgbClr val="FF0000"/>
+            </a:solidFill>
+            <a:tailEnd type="arrow"/>
           </a:ln>
         </p:spPr>
         <p:style>
@@ -3381,68 +4557,6 @@
           <a:chExt cx="0" cy="0"/>
         </a:xfrm>
       </p:grpSpPr>
-      <p:sp>
-        <p:nvSpPr>
-          <p:cNvPr id="6" name="직사각형 5"/>
-          <p:cNvSpPr/>
-          <p:nvPr/>
-        </p:nvSpPr>
-        <p:spPr>
-          <a:xfrm>
-            <a:off x="2123728" y="908720"/>
-            <a:ext cx="4896544" cy="540000"/>
-          </a:xfrm>
-          <a:prstGeom prst="rect">
-            <a:avLst/>
-          </a:prstGeom>
-          <a:noFill/>
-          <a:ln>
-            <a:noFill/>
-          </a:ln>
-        </p:spPr>
-        <p:style>
-          <a:lnRef idx="2">
-            <a:schemeClr val="accent1">
-              <a:shade val="50000"/>
-            </a:schemeClr>
-          </a:lnRef>
-          <a:fillRef idx="1">
-            <a:schemeClr val="accent1"/>
-          </a:fillRef>
-          <a:effectRef idx="0">
-            <a:schemeClr val="accent1"/>
-          </a:effectRef>
-          <a:fontRef idx="minor">
-            <a:schemeClr val="lt1"/>
-          </a:fontRef>
-        </p:style>
-        <p:txBody>
-          <a:bodyPr rtlCol="0" anchor="ctr"/>
-          <a:lstStyle/>
-          <a:p>
-            <a:pPr algn="ctr"/>
-            <a:r>
-              <a:rPr lang="en-US" altLang="ko-KR" sz="2000" dirty="0" smtClean="0">
-                <a:solidFill>
-                  <a:schemeClr val="tx1"/>
-                </a:solidFill>
-                <a:latin typeface="Arial Unicode MS" pitchFamily="50" charset="-127"/>
-                <a:ea typeface="Arial Unicode MS" pitchFamily="50" charset="-127"/>
-                <a:cs typeface="Arial Unicode MS" pitchFamily="50" charset="-127"/>
-              </a:rPr>
-              <a:t>STUDYER _ Prototype</a:t>
-            </a:r>
-            <a:endParaRPr lang="ko-KR" altLang="en-US" sz="2000" dirty="0">
-              <a:solidFill>
-                <a:schemeClr val="tx1"/>
-              </a:solidFill>
-              <a:latin typeface="Arial Unicode MS" pitchFamily="50" charset="-127"/>
-              <a:ea typeface="Arial Unicode MS" pitchFamily="50" charset="-127"/>
-              <a:cs typeface="Arial Unicode MS" pitchFamily="50" charset="-127"/>
-            </a:endParaRPr>
-          </a:p>
-        </p:txBody>
-      </p:sp>
       <p:cxnSp>
         <p:nvCxnSpPr>
           <p:cNvPr id="8" name="직선 연결선 7"/>
@@ -9050,8 +10164,8 @@
         </p:nvSpPr>
         <p:spPr bwMode="auto">
           <a:xfrm>
-            <a:off x="755576" y="2204864"/>
-            <a:ext cx="3096344" cy="2385268"/>
+            <a:off x="755576" y="2197167"/>
+            <a:ext cx="3096344" cy="2400657"/>
           </a:xfrm>
           <a:prstGeom prst="rect">
             <a:avLst/>
@@ -9076,653 +10190,103 @@
           </a:bodyPr>
           <a:lstStyle/>
           <a:p>
-            <a:pPr marL="0" marR="0" lvl="0" indent="0" algn="l" defTabSz="914400" rtl="0" eaLnBrk="1" fontAlgn="base" latinLnBrk="1" hangingPunct="1">
-              <a:lnSpc>
-                <a:spcPct val="100000"/>
-              </a:lnSpc>
-              <a:spcBef>
-                <a:spcPct val="0"/>
-              </a:spcBef>
-              <a:spcAft>
-                <a:spcPct val="0"/>
-              </a:spcAft>
-              <a:buClrTx/>
-              <a:buSzTx/>
-              <a:buFontTx/>
-              <a:buNone/>
-              <a:tabLst/>
-            </a:pPr>
-            <a:r>
-              <a:rPr kumimoji="1" lang="en-US" altLang="ko-KR" sz="1000" b="0" i="0" u="none" strike="noStrike" cap="none" normalizeH="0" baseline="0" dirty="0" smtClean="0">
-                <a:ln>
-                  <a:noFill/>
-                </a:ln>
-                <a:solidFill>
-                  <a:schemeClr val="tx1"/>
-                </a:solidFill>
-                <a:effectLst/>
-                <a:latin typeface="맑은 고딕" pitchFamily="50" charset="-127"/>
-                <a:ea typeface="맑은 고딕" pitchFamily="50" charset="-127"/>
-                <a:cs typeface="Times New Roman" pitchFamily="18" charset="0"/>
-              </a:rPr>
+            <a:r>
+              <a:rPr lang="en-US" altLang="ko-KR" sz="1000" b="1" dirty="0" smtClean="0"/>
               <a:t>CREATE table "MEMBER" (</a:t>
             </a:r>
-            <a:endParaRPr kumimoji="1" lang="en-US" altLang="ko-KR" sz="900" b="0" i="0" u="none" strike="noStrike" cap="none" normalizeH="0" baseline="0" dirty="0" smtClean="0">
-              <a:ln>
-                <a:noFill/>
-              </a:ln>
-              <a:solidFill>
-                <a:schemeClr val="tx1"/>
-              </a:solidFill>
-              <a:effectLst/>
-              <a:latin typeface="굴림" pitchFamily="50" charset="-127"/>
-              <a:ea typeface="굴림" pitchFamily="50" charset="-127"/>
-              <a:cs typeface="굴림" pitchFamily="50" charset="-127"/>
-            </a:endParaRPr>
-          </a:p>
-          <a:p>
-            <a:pPr marL="0" marR="0" lvl="0" indent="0" algn="l" defTabSz="914400" rtl="0" eaLnBrk="0" fontAlgn="base" latinLnBrk="0" hangingPunct="0">
-              <a:lnSpc>
-                <a:spcPct val="100000"/>
-              </a:lnSpc>
-              <a:spcBef>
-                <a:spcPct val="0"/>
-              </a:spcBef>
-              <a:spcAft>
-                <a:spcPct val="0"/>
-              </a:spcAft>
-              <a:buClrTx/>
-              <a:buSzTx/>
-              <a:buFontTx/>
-              <a:buNone/>
-              <a:tabLst/>
-            </a:pPr>
-            <a:r>
-              <a:rPr kumimoji="1" lang="en-US" altLang="ko-KR" sz="1000" b="0" i="0" u="none" strike="noStrike" cap="none" normalizeH="0" baseline="0" dirty="0" smtClean="0">
-                <a:ln>
-                  <a:noFill/>
-                </a:ln>
-                <a:solidFill>
-                  <a:schemeClr val="tx1"/>
-                </a:solidFill>
-                <a:effectLst/>
-                <a:latin typeface="맑은 고딕" pitchFamily="50" charset="-127"/>
-                <a:ea typeface="맑은 고딕" pitchFamily="50" charset="-127"/>
-                <a:cs typeface="Times New Roman" pitchFamily="18" charset="0"/>
-              </a:rPr>
+          </a:p>
+          <a:p>
+            <a:r>
+              <a:rPr lang="en-US" altLang="ko-KR" sz="1000" dirty="0" smtClean="0"/>
               <a:t>    "NO"         NUMBER(8,0),</a:t>
             </a:r>
-            <a:endParaRPr kumimoji="1" lang="en-US" altLang="ko-KR" sz="900" b="0" i="0" u="none" strike="noStrike" cap="none" normalizeH="0" baseline="0" dirty="0" smtClean="0">
-              <a:ln>
-                <a:noFill/>
-              </a:ln>
-              <a:solidFill>
-                <a:schemeClr val="tx1"/>
-              </a:solidFill>
-              <a:effectLst/>
-              <a:latin typeface="굴림" pitchFamily="50" charset="-127"/>
-              <a:ea typeface="굴림" pitchFamily="50" charset="-127"/>
-              <a:cs typeface="굴림" pitchFamily="50" charset="-127"/>
-            </a:endParaRPr>
-          </a:p>
-          <a:p>
-            <a:pPr marL="0" marR="0" lvl="0" indent="0" algn="l" defTabSz="914400" rtl="0" eaLnBrk="0" fontAlgn="base" latinLnBrk="0" hangingPunct="0">
-              <a:lnSpc>
-                <a:spcPct val="100000"/>
-              </a:lnSpc>
-              <a:spcBef>
-                <a:spcPct val="0"/>
-              </a:spcBef>
-              <a:spcAft>
-                <a:spcPct val="0"/>
-              </a:spcAft>
-              <a:buClrTx/>
-              <a:buSzTx/>
-              <a:buFontTx/>
-              <a:buNone/>
-              <a:tabLst/>
-            </a:pPr>
-            <a:r>
-              <a:rPr kumimoji="1" lang="en-US" altLang="ko-KR" sz="1000" b="0" i="0" u="none" strike="noStrike" cap="none" normalizeH="0" baseline="0" dirty="0" smtClean="0">
-                <a:ln>
-                  <a:noFill/>
-                </a:ln>
-                <a:solidFill>
-                  <a:schemeClr val="tx1"/>
-                </a:solidFill>
-                <a:effectLst/>
-                <a:latin typeface="맑은 고딕" pitchFamily="50" charset="-127"/>
-                <a:ea typeface="맑은 고딕" pitchFamily="50" charset="-127"/>
-                <a:cs typeface="Times New Roman" pitchFamily="18" charset="0"/>
-              </a:rPr>
+          </a:p>
+          <a:p>
+            <a:r>
+              <a:rPr lang="en-US" altLang="ko-KR" sz="1000" dirty="0" smtClean="0"/>
               <a:t>    "EMAIL"      VARCHAR2(80),</a:t>
             </a:r>
-            <a:endParaRPr kumimoji="1" lang="en-US" altLang="ko-KR" sz="900" b="0" i="0" u="none" strike="noStrike" cap="none" normalizeH="0" baseline="0" dirty="0" smtClean="0">
-              <a:ln>
-                <a:noFill/>
-              </a:ln>
-              <a:solidFill>
-                <a:schemeClr val="tx1"/>
-              </a:solidFill>
-              <a:effectLst/>
-              <a:latin typeface="굴림" pitchFamily="50" charset="-127"/>
-              <a:ea typeface="굴림" pitchFamily="50" charset="-127"/>
-              <a:cs typeface="굴림" pitchFamily="50" charset="-127"/>
-            </a:endParaRPr>
-          </a:p>
-          <a:p>
-            <a:pPr marL="0" marR="0" lvl="0" indent="0" algn="l" defTabSz="914400" rtl="0" eaLnBrk="0" fontAlgn="base" latinLnBrk="0" hangingPunct="0">
-              <a:lnSpc>
-                <a:spcPct val="100000"/>
-              </a:lnSpc>
-              <a:spcBef>
-                <a:spcPct val="0"/>
-              </a:spcBef>
-              <a:spcAft>
-                <a:spcPct val="0"/>
-              </a:spcAft>
-              <a:buClrTx/>
-              <a:buSzTx/>
-              <a:buFontTx/>
-              <a:buNone/>
-              <a:tabLst/>
-            </a:pPr>
-            <a:r>
-              <a:rPr kumimoji="1" lang="en-US" altLang="ko-KR" sz="1000" b="0" i="0" u="none" strike="noStrike" cap="none" normalizeH="0" baseline="0" dirty="0" smtClean="0">
-                <a:ln>
-                  <a:noFill/>
-                </a:ln>
-                <a:solidFill>
-                  <a:schemeClr val="tx1"/>
-                </a:solidFill>
-                <a:effectLst/>
-                <a:latin typeface="맑은 고딕" pitchFamily="50" charset="-127"/>
-                <a:ea typeface="맑은 고딕" pitchFamily="50" charset="-127"/>
-                <a:cs typeface="Times New Roman" pitchFamily="18" charset="0"/>
-              </a:rPr>
+          </a:p>
+          <a:p>
+            <a:r>
+              <a:rPr lang="en-US" altLang="ko-KR" sz="1000" dirty="0" smtClean="0"/>
               <a:t>    "PASSWORD"   VARCHAR2(50),</a:t>
             </a:r>
-            <a:endParaRPr kumimoji="1" lang="en-US" altLang="ko-KR" sz="900" b="0" i="0" u="none" strike="noStrike" cap="none" normalizeH="0" baseline="0" dirty="0" smtClean="0">
-              <a:ln>
-                <a:noFill/>
-              </a:ln>
-              <a:solidFill>
-                <a:schemeClr val="tx1"/>
-              </a:solidFill>
-              <a:effectLst/>
-              <a:latin typeface="굴림" pitchFamily="50" charset="-127"/>
-              <a:ea typeface="굴림" pitchFamily="50" charset="-127"/>
-              <a:cs typeface="굴림" pitchFamily="50" charset="-127"/>
-            </a:endParaRPr>
-          </a:p>
-          <a:p>
-            <a:pPr marL="0" marR="0" lvl="0" indent="0" algn="l" defTabSz="914400" rtl="0" eaLnBrk="0" fontAlgn="base" latinLnBrk="0" hangingPunct="0">
-              <a:lnSpc>
-                <a:spcPct val="100000"/>
-              </a:lnSpc>
-              <a:spcBef>
-                <a:spcPct val="0"/>
-              </a:spcBef>
-              <a:spcAft>
-                <a:spcPct val="0"/>
-              </a:spcAft>
-              <a:buClrTx/>
-              <a:buSzTx/>
-              <a:buFontTx/>
-              <a:buNone/>
-              <a:tabLst/>
-            </a:pPr>
-            <a:r>
-              <a:rPr kumimoji="1" lang="en-US" altLang="ko-KR" sz="1000" b="0" i="0" u="none" strike="noStrike" cap="none" normalizeH="0" baseline="0" dirty="0" smtClean="0">
-                <a:ln>
-                  <a:noFill/>
-                </a:ln>
-                <a:solidFill>
-                  <a:schemeClr val="tx1"/>
-                </a:solidFill>
-                <a:effectLst/>
-                <a:latin typeface="맑은 고딕" pitchFamily="50" charset="-127"/>
-                <a:ea typeface="맑은 고딕" pitchFamily="50" charset="-127"/>
-                <a:cs typeface="Times New Roman" pitchFamily="18" charset="0"/>
-              </a:rPr>
+          </a:p>
+          <a:p>
+            <a:r>
+              <a:rPr lang="en-US" altLang="ko-KR" sz="1000" dirty="0" smtClean="0"/>
               <a:t>    "NAME"       VARCHAR2(50),</a:t>
             </a:r>
-            <a:endParaRPr kumimoji="1" lang="en-US" altLang="ko-KR" sz="900" b="0" i="0" u="none" strike="noStrike" cap="none" normalizeH="0" baseline="0" dirty="0" smtClean="0">
-              <a:ln>
-                <a:noFill/>
-              </a:ln>
-              <a:solidFill>
-                <a:schemeClr val="tx1"/>
-              </a:solidFill>
-              <a:effectLst/>
-              <a:latin typeface="굴림" pitchFamily="50" charset="-127"/>
-              <a:ea typeface="굴림" pitchFamily="50" charset="-127"/>
-              <a:cs typeface="굴림" pitchFamily="50" charset="-127"/>
-            </a:endParaRPr>
-          </a:p>
-          <a:p>
-            <a:pPr marL="0" marR="0" lvl="0" indent="0" algn="l" defTabSz="914400" rtl="0" eaLnBrk="0" fontAlgn="base" latinLnBrk="0" hangingPunct="0">
-              <a:lnSpc>
-                <a:spcPct val="100000"/>
-              </a:lnSpc>
-              <a:spcBef>
-                <a:spcPct val="0"/>
-              </a:spcBef>
-              <a:spcAft>
-                <a:spcPct val="0"/>
-              </a:spcAft>
-              <a:buClrTx/>
-              <a:buSzTx/>
-              <a:buFontTx/>
-              <a:buNone/>
-              <a:tabLst/>
-            </a:pPr>
-            <a:r>
-              <a:rPr kumimoji="1" lang="en-US" altLang="ko-KR" sz="1000" b="0" i="0" u="none" strike="noStrike" cap="none" normalizeH="0" baseline="0" dirty="0" smtClean="0">
-                <a:ln>
-                  <a:noFill/>
-                </a:ln>
-                <a:solidFill>
-                  <a:schemeClr val="tx1"/>
-                </a:solidFill>
-                <a:effectLst/>
-                <a:latin typeface="맑은 고딕" pitchFamily="50" charset="-127"/>
-                <a:ea typeface="맑은 고딕" pitchFamily="50" charset="-127"/>
-                <a:cs typeface="Times New Roman" pitchFamily="18" charset="0"/>
-              </a:rPr>
+          </a:p>
+          <a:p>
+            <a:r>
+              <a:rPr lang="en-US" altLang="ko-KR" sz="1000" dirty="0" smtClean="0"/>
               <a:t>    "PHOTO"      VARCHAR2(80),</a:t>
             </a:r>
-            <a:endParaRPr kumimoji="1" lang="en-US" altLang="ko-KR" sz="900" b="0" i="0" u="none" strike="noStrike" cap="none" normalizeH="0" baseline="0" dirty="0" smtClean="0">
-              <a:ln>
-                <a:noFill/>
-              </a:ln>
-              <a:solidFill>
-                <a:schemeClr val="tx1"/>
-              </a:solidFill>
-              <a:effectLst/>
-              <a:latin typeface="굴림" pitchFamily="50" charset="-127"/>
-              <a:ea typeface="굴림" pitchFamily="50" charset="-127"/>
-              <a:cs typeface="굴림" pitchFamily="50" charset="-127"/>
-            </a:endParaRPr>
-          </a:p>
-          <a:p>
-            <a:pPr marL="0" marR="0" lvl="0" indent="0" algn="l" defTabSz="914400" rtl="0" eaLnBrk="0" fontAlgn="base" latinLnBrk="0" hangingPunct="0">
-              <a:lnSpc>
-                <a:spcPct val="100000"/>
-              </a:lnSpc>
-              <a:spcBef>
-                <a:spcPct val="0"/>
-              </a:spcBef>
-              <a:spcAft>
-                <a:spcPct val="0"/>
-              </a:spcAft>
-              <a:buClrTx/>
-              <a:buSzTx/>
-              <a:buFontTx/>
-              <a:buNone/>
-              <a:tabLst/>
-            </a:pPr>
-            <a:r>
-              <a:rPr kumimoji="1" lang="en-US" altLang="ko-KR" sz="1000" b="0" i="0" u="none" strike="noStrike" cap="none" normalizeH="0" baseline="0" dirty="0" smtClean="0">
-                <a:ln>
-                  <a:noFill/>
-                </a:ln>
-                <a:solidFill>
-                  <a:schemeClr val="tx1"/>
-                </a:solidFill>
-                <a:effectLst/>
-                <a:latin typeface="맑은 고딕" pitchFamily="50" charset="-127"/>
-                <a:ea typeface="맑은 고딕" pitchFamily="50" charset="-127"/>
-                <a:cs typeface="Times New Roman" pitchFamily="18" charset="0"/>
-              </a:rPr>
-              <a:t>    constraint  "MEMBER_PK" primary key ("NO")</a:t>
-            </a:r>
-            <a:endParaRPr kumimoji="1" lang="en-US" altLang="ko-KR" sz="900" b="0" i="0" u="none" strike="noStrike" cap="none" normalizeH="0" baseline="0" dirty="0" smtClean="0">
-              <a:ln>
-                <a:noFill/>
-              </a:ln>
-              <a:solidFill>
-                <a:schemeClr val="tx1"/>
-              </a:solidFill>
-              <a:effectLst/>
-              <a:latin typeface="굴림" pitchFamily="50" charset="-127"/>
-              <a:ea typeface="굴림" pitchFamily="50" charset="-127"/>
-              <a:cs typeface="굴림" pitchFamily="50" charset="-127"/>
-            </a:endParaRPr>
-          </a:p>
-          <a:p>
-            <a:pPr marL="0" marR="0" lvl="0" indent="0" algn="l" defTabSz="914400" rtl="0" eaLnBrk="0" fontAlgn="base" latinLnBrk="0" hangingPunct="0">
-              <a:lnSpc>
-                <a:spcPct val="100000"/>
-              </a:lnSpc>
-              <a:spcBef>
-                <a:spcPct val="0"/>
-              </a:spcBef>
-              <a:spcAft>
-                <a:spcPct val="0"/>
-              </a:spcAft>
-              <a:buClrTx/>
-              <a:buSzTx/>
-              <a:buFontTx/>
-              <a:buNone/>
-              <a:tabLst/>
-            </a:pPr>
-            <a:r>
-              <a:rPr kumimoji="1" lang="en-US" altLang="ko-KR" sz="1000" b="0" i="0" u="none" strike="noStrike" cap="none" normalizeH="0" baseline="0" dirty="0" smtClean="0">
-                <a:ln>
-                  <a:noFill/>
-                </a:ln>
-                <a:solidFill>
-                  <a:schemeClr val="tx1"/>
-                </a:solidFill>
-                <a:effectLst/>
-                <a:latin typeface="맑은 고딕" pitchFamily="50" charset="-127"/>
-                <a:ea typeface="맑은 고딕" pitchFamily="50" charset="-127"/>
-                <a:cs typeface="Times New Roman" pitchFamily="18" charset="0"/>
-              </a:rPr>
+          </a:p>
+          <a:p>
+            <a:r>
+              <a:rPr lang="en-US" altLang="ko-KR" sz="1000" dirty="0" smtClean="0"/>
+              <a:t>    </a:t>
+            </a:r>
+            <a:r>
+              <a:rPr lang="en-US" altLang="ko-KR" sz="1000" b="1" dirty="0" smtClean="0"/>
+              <a:t>constraint  "MEMBER_PK" primary key ("NO")</a:t>
+            </a:r>
+          </a:p>
+          <a:p>
+            <a:r>
+              <a:rPr lang="en-US" altLang="ko-KR" sz="1000" dirty="0" smtClean="0"/>
               <a:t>);</a:t>
             </a:r>
           </a:p>
           <a:p>
-            <a:pPr marL="0" marR="0" lvl="0" indent="0" algn="l" defTabSz="914400" rtl="0" eaLnBrk="0" fontAlgn="base" latinLnBrk="0" hangingPunct="0">
-              <a:lnSpc>
-                <a:spcPct val="100000"/>
-              </a:lnSpc>
-              <a:spcBef>
-                <a:spcPct val="0"/>
-              </a:spcBef>
-              <a:spcAft>
-                <a:spcPct val="0"/>
-              </a:spcAft>
-              <a:buClrTx/>
-              <a:buSzTx/>
-              <a:buFontTx/>
-              <a:buNone/>
-              <a:tabLst/>
-            </a:pPr>
-            <a:endParaRPr kumimoji="1" lang="en-US" altLang="ko-KR" sz="900" b="0" i="0" u="none" strike="noStrike" cap="none" normalizeH="0" baseline="0" dirty="0" smtClean="0">
-              <a:ln>
-                <a:noFill/>
-              </a:ln>
-              <a:solidFill>
-                <a:schemeClr val="tx1"/>
-              </a:solidFill>
-              <a:effectLst/>
-              <a:latin typeface="굴림" pitchFamily="50" charset="-127"/>
-              <a:ea typeface="굴림" pitchFamily="50" charset="-127"/>
-              <a:cs typeface="굴림" pitchFamily="50" charset="-127"/>
-            </a:endParaRPr>
-          </a:p>
-          <a:p>
-            <a:pPr marL="0" marR="0" lvl="0" indent="0" algn="l" defTabSz="914400" rtl="0" eaLnBrk="0" fontAlgn="base" latinLnBrk="0" hangingPunct="0">
-              <a:lnSpc>
-                <a:spcPct val="100000"/>
-              </a:lnSpc>
-              <a:spcBef>
-                <a:spcPct val="0"/>
-              </a:spcBef>
-              <a:spcAft>
-                <a:spcPct val="0"/>
-              </a:spcAft>
-              <a:buClrTx/>
-              <a:buSzTx/>
-              <a:buFontTx/>
-              <a:buNone/>
-              <a:tabLst/>
-            </a:pPr>
-            <a:r>
-              <a:rPr kumimoji="1" lang="en-US" altLang="ko-KR" sz="1000" b="0" i="0" u="none" strike="noStrike" cap="none" normalizeH="0" baseline="0" dirty="0" smtClean="0">
-                <a:ln>
-                  <a:noFill/>
-                </a:ln>
-                <a:solidFill>
-                  <a:schemeClr val="tx1"/>
-                </a:solidFill>
-                <a:effectLst/>
-                <a:latin typeface="맑은 고딕" pitchFamily="50" charset="-127"/>
-                <a:ea typeface="맑은 고딕" pitchFamily="50" charset="-127"/>
-                <a:cs typeface="Times New Roman" pitchFamily="18" charset="0"/>
-              </a:rPr>
+            <a:r>
+              <a:rPr lang="en-US" altLang="ko-KR" sz="1000" b="1" dirty="0" smtClean="0"/>
               <a:t>CREATE SEQUENCE </a:t>
             </a:r>
             <a:r>
-              <a:rPr kumimoji="1" lang="en-US" altLang="ko-KR" sz="1000" b="0" i="0" u="none" strike="noStrike" cap="none" normalizeH="0" baseline="0" dirty="0" err="1" smtClean="0">
-                <a:ln>
-                  <a:noFill/>
-                </a:ln>
-                <a:solidFill>
-                  <a:schemeClr val="tx1"/>
-                </a:solidFill>
-                <a:effectLst/>
-                <a:latin typeface="맑은 고딕" pitchFamily="50" charset="-127"/>
-                <a:ea typeface="맑은 고딕" pitchFamily="50" charset="-127"/>
-                <a:cs typeface="Times New Roman" pitchFamily="18" charset="0"/>
-              </a:rPr>
+              <a:rPr lang="en-US" altLang="ko-KR" sz="1000" b="1" dirty="0" err="1" smtClean="0"/>
               <a:t>member_no_seq</a:t>
             </a:r>
-            <a:endParaRPr kumimoji="1" lang="en-US" altLang="ko-KR" sz="900" b="0" i="0" u="none" strike="noStrike" cap="none" normalizeH="0" baseline="0" dirty="0" smtClean="0">
-              <a:ln>
-                <a:noFill/>
-              </a:ln>
-              <a:solidFill>
-                <a:schemeClr val="tx1"/>
-              </a:solidFill>
-              <a:effectLst/>
-              <a:latin typeface="굴림" pitchFamily="50" charset="-127"/>
-              <a:ea typeface="굴림" pitchFamily="50" charset="-127"/>
-              <a:cs typeface="굴림" pitchFamily="50" charset="-127"/>
-            </a:endParaRPr>
-          </a:p>
-          <a:p>
-            <a:pPr marL="0" marR="0" lvl="0" indent="0" algn="l" defTabSz="914400" rtl="0" eaLnBrk="0" fontAlgn="base" latinLnBrk="0" hangingPunct="0">
-              <a:lnSpc>
-                <a:spcPct val="100000"/>
-              </a:lnSpc>
-              <a:spcBef>
-                <a:spcPct val="0"/>
-              </a:spcBef>
-              <a:spcAft>
-                <a:spcPct val="0"/>
-              </a:spcAft>
-              <a:buClrTx/>
-              <a:buSzTx/>
-              <a:buFontTx/>
-              <a:buNone/>
-              <a:tabLst/>
-            </a:pPr>
-            <a:r>
-              <a:rPr kumimoji="1" lang="en-US" altLang="ko-KR" sz="1000" b="0" i="0" u="none" strike="noStrike" cap="none" normalizeH="0" baseline="0" dirty="0" smtClean="0">
-                <a:ln>
-                  <a:noFill/>
-                </a:ln>
-                <a:solidFill>
-                  <a:schemeClr val="tx1"/>
-                </a:solidFill>
-                <a:effectLst/>
-                <a:latin typeface="맑은 고딕" pitchFamily="50" charset="-127"/>
-                <a:ea typeface="맑은 고딕" pitchFamily="50" charset="-127"/>
-                <a:cs typeface="Times New Roman" pitchFamily="18" charset="0"/>
-              </a:rPr>
-              <a:t> START WITH     1</a:t>
-            </a:r>
-            <a:endParaRPr kumimoji="1" lang="en-US" altLang="ko-KR" sz="900" b="0" i="0" u="none" strike="noStrike" cap="none" normalizeH="0" baseline="0" dirty="0" smtClean="0">
-              <a:ln>
-                <a:noFill/>
-              </a:ln>
-              <a:solidFill>
-                <a:schemeClr val="tx1"/>
-              </a:solidFill>
-              <a:effectLst/>
-              <a:latin typeface="굴림" pitchFamily="50" charset="-127"/>
-              <a:ea typeface="굴림" pitchFamily="50" charset="-127"/>
-              <a:cs typeface="굴림" pitchFamily="50" charset="-127"/>
-            </a:endParaRPr>
-          </a:p>
-          <a:p>
-            <a:pPr marL="0" marR="0" lvl="0" indent="0" algn="l" defTabSz="914400" rtl="0" eaLnBrk="0" fontAlgn="base" latinLnBrk="0" hangingPunct="0">
-              <a:lnSpc>
-                <a:spcPct val="100000"/>
-              </a:lnSpc>
-              <a:spcBef>
-                <a:spcPct val="0"/>
-              </a:spcBef>
-              <a:spcAft>
-                <a:spcPct val="0"/>
-              </a:spcAft>
-              <a:buClrTx/>
-              <a:buSzTx/>
-              <a:buFontTx/>
-              <a:buNone/>
-              <a:tabLst/>
-            </a:pPr>
-            <a:r>
-              <a:rPr kumimoji="1" lang="en-US" altLang="ko-KR" sz="1000" b="0" i="0" u="none" strike="noStrike" cap="none" normalizeH="0" baseline="0" dirty="0" smtClean="0">
-                <a:ln>
-                  <a:noFill/>
-                </a:ln>
-                <a:solidFill>
-                  <a:schemeClr val="tx1"/>
-                </a:solidFill>
-                <a:effectLst/>
-                <a:latin typeface="맑은 고딕" pitchFamily="50" charset="-127"/>
-                <a:ea typeface="맑은 고딕" pitchFamily="50" charset="-127"/>
-                <a:cs typeface="Times New Roman" pitchFamily="18" charset="0"/>
-              </a:rPr>
-              <a:t> INCREMENT BY   1</a:t>
-            </a:r>
-            <a:endParaRPr kumimoji="1" lang="en-US" altLang="ko-KR" sz="900" b="0" i="0" u="none" strike="noStrike" cap="none" normalizeH="0" baseline="0" dirty="0" smtClean="0">
-              <a:ln>
-                <a:noFill/>
-              </a:ln>
-              <a:solidFill>
-                <a:schemeClr val="tx1"/>
-              </a:solidFill>
-              <a:effectLst/>
-              <a:latin typeface="굴림" pitchFamily="50" charset="-127"/>
-              <a:ea typeface="굴림" pitchFamily="50" charset="-127"/>
-              <a:cs typeface="굴림" pitchFamily="50" charset="-127"/>
-            </a:endParaRPr>
-          </a:p>
-          <a:p>
-            <a:pPr marL="0" marR="0" lvl="0" indent="0" algn="l" defTabSz="914400" rtl="0" eaLnBrk="0" fontAlgn="base" latinLnBrk="0" hangingPunct="0">
-              <a:lnSpc>
-                <a:spcPct val="100000"/>
-              </a:lnSpc>
-              <a:spcBef>
-                <a:spcPct val="0"/>
-              </a:spcBef>
-              <a:spcAft>
-                <a:spcPct val="0"/>
-              </a:spcAft>
-              <a:buClrTx/>
-              <a:buSzTx/>
-              <a:buFontTx/>
-              <a:buNone/>
-              <a:tabLst/>
-            </a:pPr>
-            <a:r>
-              <a:rPr kumimoji="1" lang="en-US" altLang="ko-KR" sz="1000" b="0" i="0" u="none" strike="noStrike" cap="none" normalizeH="0" baseline="0" dirty="0" smtClean="0">
-                <a:ln>
-                  <a:noFill/>
-                </a:ln>
-                <a:solidFill>
-                  <a:schemeClr val="tx1"/>
-                </a:solidFill>
-                <a:effectLst/>
-                <a:latin typeface="맑은 고딕" pitchFamily="50" charset="-127"/>
-                <a:ea typeface="맑은 고딕" pitchFamily="50" charset="-127"/>
-                <a:cs typeface="Times New Roman" pitchFamily="18" charset="0"/>
-              </a:rPr>
+            <a:endParaRPr lang="en-US" altLang="ko-KR" sz="1000" b="1" dirty="0" smtClean="0"/>
+          </a:p>
+          <a:p>
+            <a:r>
+              <a:rPr lang="en-US" altLang="ko-KR" sz="1000" dirty="0" smtClean="0"/>
+              <a:t> START </a:t>
+            </a:r>
+            <a:r>
+              <a:rPr lang="en-US" altLang="ko-KR" sz="1000" b="1" dirty="0" smtClean="0"/>
+              <a:t>WITH     1</a:t>
+            </a:r>
+          </a:p>
+          <a:p>
+            <a:r>
+              <a:rPr lang="en-US" altLang="ko-KR" sz="1000" dirty="0" smtClean="0"/>
+              <a:t> INCREMENT </a:t>
+            </a:r>
+            <a:r>
+              <a:rPr lang="en-US" altLang="ko-KR" sz="1000" b="1" dirty="0" smtClean="0"/>
+              <a:t>BY   1</a:t>
+            </a:r>
+          </a:p>
+          <a:p>
+            <a:r>
+              <a:rPr lang="en-US" altLang="ko-KR" sz="1000" dirty="0" smtClean="0"/>
               <a:t> MAXVALUE       99999999</a:t>
             </a:r>
-            <a:endParaRPr kumimoji="1" lang="en-US" altLang="ko-KR" sz="900" b="0" i="0" u="none" strike="noStrike" cap="none" normalizeH="0" baseline="0" dirty="0" smtClean="0">
-              <a:ln>
-                <a:noFill/>
-              </a:ln>
-              <a:solidFill>
-                <a:schemeClr val="tx1"/>
-              </a:solidFill>
-              <a:effectLst/>
-              <a:latin typeface="굴림" pitchFamily="50" charset="-127"/>
-              <a:ea typeface="굴림" pitchFamily="50" charset="-127"/>
-              <a:cs typeface="굴림" pitchFamily="50" charset="-127"/>
-            </a:endParaRPr>
-          </a:p>
-          <a:p>
-            <a:pPr marL="0" marR="0" lvl="0" indent="0" algn="l" defTabSz="914400" rtl="0" eaLnBrk="0" fontAlgn="base" latinLnBrk="0" hangingPunct="0">
-              <a:lnSpc>
-                <a:spcPct val="100000"/>
-              </a:lnSpc>
-              <a:spcBef>
-                <a:spcPct val="0"/>
-              </a:spcBef>
-              <a:spcAft>
-                <a:spcPct val="0"/>
-              </a:spcAft>
-              <a:buClrTx/>
-              <a:buSzTx/>
-              <a:buFontTx/>
-              <a:buNone/>
-              <a:tabLst/>
-            </a:pPr>
-            <a:r>
-              <a:rPr kumimoji="1" lang="en-US" altLang="ko-KR" sz="1000" b="0" i="0" u="none" strike="noStrike" cap="none" normalizeH="0" baseline="0" dirty="0" smtClean="0">
-                <a:ln>
-                  <a:noFill/>
-                </a:ln>
-                <a:solidFill>
-                  <a:schemeClr val="tx1"/>
-                </a:solidFill>
-                <a:effectLst/>
-                <a:latin typeface="맑은 고딕" pitchFamily="50" charset="-127"/>
-                <a:ea typeface="맑은 고딕" pitchFamily="50" charset="-127"/>
-                <a:cs typeface="Times New Roman" pitchFamily="18" charset="0"/>
-              </a:rPr>
+          </a:p>
+          <a:p>
+            <a:r>
+              <a:rPr lang="en-US" altLang="ko-KR" sz="1000" dirty="0" smtClean="0"/>
               <a:t> NOCACHE</a:t>
             </a:r>
-            <a:endParaRPr kumimoji="1" lang="en-US" altLang="ko-KR" sz="900" b="0" i="0" u="none" strike="noStrike" cap="none" normalizeH="0" baseline="0" dirty="0" smtClean="0">
-              <a:ln>
-                <a:noFill/>
-              </a:ln>
-              <a:solidFill>
-                <a:schemeClr val="tx1"/>
-              </a:solidFill>
-              <a:effectLst/>
-              <a:latin typeface="굴림" pitchFamily="50" charset="-127"/>
-              <a:ea typeface="굴림" pitchFamily="50" charset="-127"/>
-              <a:cs typeface="굴림" pitchFamily="50" charset="-127"/>
-            </a:endParaRPr>
-          </a:p>
-          <a:p>
-            <a:pPr marL="0" marR="0" lvl="0" indent="0" algn="l" defTabSz="914400" rtl="0" eaLnBrk="0" fontAlgn="base" latinLnBrk="0" hangingPunct="0">
-              <a:lnSpc>
-                <a:spcPct val="100000"/>
-              </a:lnSpc>
-              <a:spcBef>
-                <a:spcPct val="0"/>
-              </a:spcBef>
-              <a:spcAft>
-                <a:spcPct val="0"/>
-              </a:spcAft>
-              <a:buClrTx/>
-              <a:buSzTx/>
-              <a:buFontTx/>
-              <a:buNone/>
-              <a:tabLst/>
-            </a:pPr>
-            <a:r>
-              <a:rPr kumimoji="1" lang="en-US" altLang="ko-KR" sz="1000" b="0" i="0" u="none" strike="noStrike" cap="none" normalizeH="0" baseline="0" dirty="0" smtClean="0">
-                <a:ln>
-                  <a:noFill/>
-                </a:ln>
-                <a:solidFill>
-                  <a:schemeClr val="tx1"/>
-                </a:solidFill>
-                <a:effectLst/>
-                <a:latin typeface="맑은 고딕" pitchFamily="50" charset="-127"/>
-                <a:ea typeface="맑은 고딕" pitchFamily="50" charset="-127"/>
-                <a:cs typeface="Times New Roman" pitchFamily="18" charset="0"/>
-              </a:rPr>
+          </a:p>
+          <a:p>
+            <a:r>
+              <a:rPr lang="en-US" altLang="ko-KR" sz="1000" dirty="0" smtClean="0"/>
               <a:t> NOCYCLE;</a:t>
             </a:r>
             <a:endParaRPr kumimoji="1" lang="en-US" altLang="ko-KR" sz="1800" b="0" i="0" u="none" strike="noStrike" cap="none" normalizeH="0" baseline="0" dirty="0" smtClean="0">
@@ -9779,7 +10343,7 @@
         <p:spPr>
           <a:xfrm>
             <a:off x="4860032" y="1700808"/>
-            <a:ext cx="1682768" cy="369332"/>
+            <a:ext cx="1195455" cy="369332"/>
           </a:xfrm>
           <a:prstGeom prst="rect">
             <a:avLst/>
@@ -9794,9 +10358,202 @@
           <a:p>
             <a:r>
               <a:rPr lang="en-US" altLang="ko-KR" dirty="0" smtClean="0"/>
-              <a:t>Member Table</a:t>
+              <a:t>Edit Table</a:t>
             </a:r>
             <a:endParaRPr lang="ko-KR" altLang="en-US" dirty="0"/>
+          </a:p>
+        </p:txBody>
+      </p:sp>
+      <p:sp>
+        <p:nvSpPr>
+          <p:cNvPr id="11" name="Rectangle 1"/>
+          <p:cNvSpPr>
+            <a:spLocks noChangeArrowheads="1"/>
+          </p:cNvSpPr>
+          <p:nvPr/>
+        </p:nvSpPr>
+        <p:spPr bwMode="auto">
+          <a:xfrm>
+            <a:off x="4932040" y="2193245"/>
+            <a:ext cx="3312368" cy="3323987"/>
+          </a:xfrm>
+          <a:prstGeom prst="rect">
+            <a:avLst/>
+          </a:prstGeom>
+          <a:noFill/>
+          <a:ln w="9525">
+            <a:solidFill>
+              <a:schemeClr val="accent1"/>
+            </a:solidFill>
+            <a:miter lim="800000"/>
+            <a:headEnd/>
+            <a:tailEnd/>
+          </a:ln>
+          <a:effectLst/>
+        </p:spPr>
+        <p:txBody>
+          <a:bodyPr vert="horz" wrap="square" lIns="91440" tIns="45720" rIns="91440" bIns="45720" numCol="1" anchor="ctr" anchorCtr="0" compatLnSpc="1">
+            <a:prstTxWarp prst="textNoShape">
+              <a:avLst/>
+            </a:prstTxWarp>
+            <a:spAutoFit/>
+          </a:bodyPr>
+          <a:lstStyle/>
+          <a:p>
+            <a:r>
+              <a:rPr lang="en-US" altLang="ko-KR" sz="1000" b="1" dirty="0" smtClean="0"/>
+              <a:t>CREATE table "EDIT" (</a:t>
+            </a:r>
+          </a:p>
+          <a:p>
+            <a:r>
+              <a:rPr lang="en-US" altLang="ko-KR" sz="1000" dirty="0" smtClean="0"/>
+              <a:t>    "NO"             NUMBER(8,0),</a:t>
+            </a:r>
+          </a:p>
+          <a:p>
+            <a:r>
+              <a:rPr lang="en-US" altLang="ko-KR" sz="1000" dirty="0" smtClean="0"/>
+              <a:t>    "SHARE_BOARD_NO" NUMBER(8,0),</a:t>
+            </a:r>
+          </a:p>
+          <a:p>
+            <a:r>
+              <a:rPr lang="en-US" altLang="ko-KR" sz="1000" dirty="0" smtClean="0"/>
+              <a:t>    "START_INDEX"    NUMBER(8,0),</a:t>
+            </a:r>
+          </a:p>
+          <a:p>
+            <a:r>
+              <a:rPr lang="en-US" altLang="ko-KR" sz="1000" dirty="0" smtClean="0"/>
+              <a:t>    "END_INDEX"      NUMBER(8,0),</a:t>
+            </a:r>
+          </a:p>
+          <a:p>
+            <a:r>
+              <a:rPr lang="en-US" altLang="ko-KR" sz="1000" dirty="0" smtClean="0"/>
+              <a:t>    "BEFORE_CONTENT" VARCHAR2(2000),</a:t>
+            </a:r>
+          </a:p>
+          <a:p>
+            <a:r>
+              <a:rPr lang="en-US" altLang="ko-KR" sz="1000" dirty="0" smtClean="0"/>
+              <a:t>    "BAD"            NUMBER(8,0),</a:t>
+            </a:r>
+          </a:p>
+          <a:p>
+            <a:r>
+              <a:rPr lang="en-US" altLang="ko-KR" sz="1000" dirty="0" smtClean="0"/>
+              <a:t>    "MEMBER_NAME"    VARCHAR2(50),</a:t>
+            </a:r>
+          </a:p>
+          <a:p>
+            <a:r>
+              <a:rPr lang="en-US" altLang="ko-KR" sz="1000" dirty="0" smtClean="0"/>
+              <a:t>    "REG_DATE"       </a:t>
+            </a:r>
+            <a:r>
+              <a:rPr lang="en-US" altLang="ko-KR" sz="1000" b="1" dirty="0" smtClean="0"/>
+              <a:t>DATE,</a:t>
+            </a:r>
+          </a:p>
+          <a:p>
+            <a:r>
+              <a:rPr lang="en-US" altLang="ko-KR" sz="1000" dirty="0" smtClean="0"/>
+              <a:t>    </a:t>
+            </a:r>
+            <a:r>
+              <a:rPr lang="en-US" altLang="ko-KR" sz="1000" b="1" dirty="0" smtClean="0"/>
+              <a:t>constraint  "EDIT_PK" primary key ("NO")</a:t>
+            </a:r>
+          </a:p>
+          <a:p>
+            <a:r>
+              <a:rPr lang="en-US" altLang="ko-KR" sz="1000" dirty="0" smtClean="0"/>
+              <a:t>);</a:t>
+            </a:r>
+          </a:p>
+          <a:p>
+            <a:r>
+              <a:rPr lang="en-US" altLang="ko-KR" sz="1000" b="1" dirty="0" smtClean="0"/>
+              <a:t>ALTER TABLE "EDIT" ADD CONSTRAINT "EDIT_FK" </a:t>
+            </a:r>
+          </a:p>
+          <a:p>
+            <a:r>
+              <a:rPr lang="en-US" altLang="ko-KR" sz="1000" b="1" dirty="0" smtClean="0"/>
+              <a:t>FOREIGN KEY ("SHARE_BOARD_NO")</a:t>
+            </a:r>
+          </a:p>
+          <a:p>
+            <a:r>
+              <a:rPr lang="en-US" altLang="ko-KR" sz="1000" b="1" dirty="0" smtClean="0"/>
+              <a:t>REFERENCES "SHARE_BOARD" ("NO");</a:t>
+            </a:r>
+          </a:p>
+          <a:p>
+            <a:endParaRPr lang="ko-KR" altLang="en-US" sz="1000" dirty="0" smtClean="0"/>
+          </a:p>
+          <a:p>
+            <a:r>
+              <a:rPr lang="en-US" altLang="ko-KR" sz="1000" b="1" dirty="0" smtClean="0"/>
+              <a:t>CREATE SEQUENCE </a:t>
+            </a:r>
+            <a:r>
+              <a:rPr lang="en-US" altLang="ko-KR" sz="1000" b="1" dirty="0" err="1" smtClean="0"/>
+              <a:t>edit_no_seq</a:t>
+            </a:r>
+            <a:endParaRPr lang="en-US" altLang="ko-KR" sz="1000" b="1" dirty="0" smtClean="0"/>
+          </a:p>
+          <a:p>
+            <a:r>
+              <a:rPr lang="en-US" altLang="ko-KR" sz="1000" dirty="0" smtClean="0"/>
+              <a:t> START </a:t>
+            </a:r>
+            <a:r>
+              <a:rPr lang="en-US" altLang="ko-KR" sz="1000" b="1" dirty="0" smtClean="0"/>
+              <a:t>WITH     1</a:t>
+            </a:r>
+          </a:p>
+          <a:p>
+            <a:r>
+              <a:rPr lang="en-US" altLang="ko-KR" sz="1000" dirty="0" smtClean="0"/>
+              <a:t> INCREMENT </a:t>
+            </a:r>
+            <a:r>
+              <a:rPr lang="en-US" altLang="ko-KR" sz="1000" b="1" dirty="0" smtClean="0"/>
+              <a:t>BY   1</a:t>
+            </a:r>
+          </a:p>
+          <a:p>
+            <a:r>
+              <a:rPr lang="en-US" altLang="ko-KR" sz="1000" dirty="0" smtClean="0"/>
+              <a:t> MAXVALUE       99999999</a:t>
+            </a:r>
+          </a:p>
+          <a:p>
+            <a:r>
+              <a:rPr lang="en-US" altLang="ko-KR" sz="1000" dirty="0" smtClean="0"/>
+              <a:t> NOCACHE</a:t>
+            </a:r>
+          </a:p>
+          <a:p>
+            <a:r>
+              <a:rPr lang="en-US" altLang="ko-KR" sz="1000" dirty="0" smtClean="0"/>
+              <a:t> NOCYCLE;</a:t>
+            </a:r>
+            <a:endParaRPr kumimoji="1" lang="en-US" altLang="ko-KR" sz="1800" b="0" i="0" u="none" strike="noStrike" cap="none" normalizeH="0" baseline="0" dirty="0" smtClean="0">
+              <a:ln>
+                <a:noFill/>
+              </a:ln>
+              <a:solidFill>
+                <a:schemeClr val="tx1"/>
+              </a:solidFill>
+              <a:effectLst/>
+              <a:latin typeface="굴림" pitchFamily="50" charset="-127"/>
+              <a:ea typeface="굴림" pitchFamily="50" charset="-127"/>
+              <a:cs typeface="굴림" pitchFamily="50" charset="-127"/>
+            </a:endParaRPr>
           </a:p>
         </p:txBody>
       </p:sp>
@@ -9832,68 +10589,6 @@
           <a:chExt cx="0" cy="0"/>
         </a:xfrm>
       </p:grpSpPr>
-      <p:sp>
-        <p:nvSpPr>
-          <p:cNvPr id="6" name="직사각형 5"/>
-          <p:cNvSpPr/>
-          <p:nvPr/>
-        </p:nvSpPr>
-        <p:spPr>
-          <a:xfrm>
-            <a:off x="2123728" y="908720"/>
-            <a:ext cx="4896544" cy="540000"/>
-          </a:xfrm>
-          <a:prstGeom prst="rect">
-            <a:avLst/>
-          </a:prstGeom>
-          <a:noFill/>
-          <a:ln>
-            <a:noFill/>
-          </a:ln>
-        </p:spPr>
-        <p:style>
-          <a:lnRef idx="2">
-            <a:schemeClr val="accent1">
-              <a:shade val="50000"/>
-            </a:schemeClr>
-          </a:lnRef>
-          <a:fillRef idx="1">
-            <a:schemeClr val="accent1"/>
-          </a:fillRef>
-          <a:effectRef idx="0">
-            <a:schemeClr val="accent1"/>
-          </a:effectRef>
-          <a:fontRef idx="minor">
-            <a:schemeClr val="lt1"/>
-          </a:fontRef>
-        </p:style>
-        <p:txBody>
-          <a:bodyPr rtlCol="0" anchor="ctr"/>
-          <a:lstStyle/>
-          <a:p>
-            <a:pPr algn="ctr"/>
-            <a:r>
-              <a:rPr lang="en-US" altLang="ko-KR" sz="2000" dirty="0" smtClean="0">
-                <a:solidFill>
-                  <a:schemeClr val="tx1"/>
-                </a:solidFill>
-                <a:latin typeface="Arial Unicode MS" pitchFamily="50" charset="-127"/>
-                <a:ea typeface="Arial Unicode MS" pitchFamily="50" charset="-127"/>
-                <a:cs typeface="Arial Unicode MS" pitchFamily="50" charset="-127"/>
-              </a:rPr>
-              <a:t>STUDYER _ Prototype</a:t>
-            </a:r>
-            <a:endParaRPr lang="ko-KR" altLang="en-US" sz="2000" dirty="0">
-              <a:solidFill>
-                <a:schemeClr val="tx1"/>
-              </a:solidFill>
-              <a:latin typeface="Arial Unicode MS" pitchFamily="50" charset="-127"/>
-              <a:ea typeface="Arial Unicode MS" pitchFamily="50" charset="-127"/>
-              <a:cs typeface="Arial Unicode MS" pitchFamily="50" charset="-127"/>
-            </a:endParaRPr>
-          </a:p>
-        </p:txBody>
-      </p:sp>
       <p:cxnSp>
         <p:nvCxnSpPr>
           <p:cNvPr id="8" name="직선 연결선 7"/>
@@ -9932,6 +10627,449 @@
           </a:fontRef>
         </p:style>
       </p:cxnSp>
+      <p:sp>
+        <p:nvSpPr>
+          <p:cNvPr id="4" name="직사각형 3"/>
+          <p:cNvSpPr/>
+          <p:nvPr/>
+        </p:nvSpPr>
+        <p:spPr>
+          <a:xfrm>
+            <a:off x="2123728" y="908720"/>
+            <a:ext cx="4896544" cy="540000"/>
+          </a:xfrm>
+          <a:prstGeom prst="rect">
+            <a:avLst/>
+          </a:prstGeom>
+          <a:noFill/>
+          <a:ln>
+            <a:noFill/>
+          </a:ln>
+        </p:spPr>
+        <p:style>
+          <a:lnRef idx="2">
+            <a:schemeClr val="accent1">
+              <a:shade val="50000"/>
+            </a:schemeClr>
+          </a:lnRef>
+          <a:fillRef idx="1">
+            <a:schemeClr val="accent1"/>
+          </a:fillRef>
+          <a:effectRef idx="0">
+            <a:schemeClr val="accent1"/>
+          </a:effectRef>
+          <a:fontRef idx="minor">
+            <a:schemeClr val="lt1"/>
+          </a:fontRef>
+        </p:style>
+        <p:txBody>
+          <a:bodyPr rtlCol="0" anchor="ctr"/>
+          <a:lstStyle/>
+          <a:p>
+            <a:pPr algn="ctr"/>
+            <a:r>
+              <a:rPr lang="en-US" altLang="ko-KR" sz="2000" dirty="0" smtClean="0">
+                <a:solidFill>
+                  <a:schemeClr val="tx1"/>
+                </a:solidFill>
+                <a:latin typeface="Arial Unicode MS" pitchFamily="50" charset="-127"/>
+                <a:ea typeface="Arial Unicode MS" pitchFamily="50" charset="-127"/>
+                <a:cs typeface="Arial Unicode MS" pitchFamily="50" charset="-127"/>
+              </a:rPr>
+              <a:t>STUDYER _ </a:t>
+            </a:r>
+            <a:r>
+              <a:rPr lang="en-US" altLang="ko-KR" sz="2000" dirty="0" smtClean="0">
+                <a:solidFill>
+                  <a:schemeClr val="tx1"/>
+                </a:solidFill>
+                <a:latin typeface="Arial Unicode MS" pitchFamily="50" charset="-127"/>
+                <a:ea typeface="Arial Unicode MS" pitchFamily="50" charset="-127"/>
+                <a:cs typeface="Arial Unicode MS" pitchFamily="50" charset="-127"/>
+              </a:rPr>
+              <a:t>DB </a:t>
+            </a:r>
+            <a:r>
+              <a:rPr lang="ko-KR" altLang="en-US" sz="2000" dirty="0" smtClean="0">
+                <a:solidFill>
+                  <a:schemeClr val="tx1"/>
+                </a:solidFill>
+                <a:latin typeface="Arial Unicode MS" pitchFamily="50" charset="-127"/>
+                <a:ea typeface="Arial Unicode MS" pitchFamily="50" charset="-127"/>
+                <a:cs typeface="Arial Unicode MS" pitchFamily="50" charset="-127"/>
+              </a:rPr>
+              <a:t>생성 스크립트</a:t>
+            </a:r>
+            <a:endParaRPr lang="ko-KR" altLang="en-US" sz="2000" dirty="0">
+              <a:solidFill>
+                <a:schemeClr val="tx1"/>
+              </a:solidFill>
+              <a:latin typeface="Arial Unicode MS" pitchFamily="50" charset="-127"/>
+              <a:ea typeface="Arial Unicode MS" pitchFamily="50" charset="-127"/>
+              <a:cs typeface="Arial Unicode MS" pitchFamily="50" charset="-127"/>
+            </a:endParaRPr>
+          </a:p>
+        </p:txBody>
+      </p:sp>
+      <p:sp>
+        <p:nvSpPr>
+          <p:cNvPr id="5" name="Rectangle 1"/>
+          <p:cNvSpPr>
+            <a:spLocks noChangeArrowheads="1"/>
+          </p:cNvSpPr>
+          <p:nvPr/>
+        </p:nvSpPr>
+        <p:spPr bwMode="auto">
+          <a:xfrm>
+            <a:off x="971600" y="2204864"/>
+            <a:ext cx="3096344" cy="3323987"/>
+          </a:xfrm>
+          <a:prstGeom prst="rect">
+            <a:avLst/>
+          </a:prstGeom>
+          <a:noFill/>
+          <a:ln w="9525">
+            <a:solidFill>
+              <a:schemeClr val="accent1"/>
+            </a:solidFill>
+            <a:miter lim="800000"/>
+            <a:headEnd/>
+            <a:tailEnd/>
+          </a:ln>
+          <a:effectLst/>
+        </p:spPr>
+        <p:txBody>
+          <a:bodyPr vert="horz" wrap="square" lIns="91440" tIns="45720" rIns="91440" bIns="45720" numCol="1" anchor="ctr" anchorCtr="0" compatLnSpc="1">
+            <a:prstTxWarp prst="textNoShape">
+              <a:avLst/>
+            </a:prstTxWarp>
+            <a:spAutoFit/>
+          </a:bodyPr>
+          <a:lstStyle/>
+          <a:p>
+            <a:r>
+              <a:rPr lang="en-US" altLang="ko-KR" sz="1000" b="1" dirty="0" smtClean="0"/>
+              <a:t>CREATE table "SHARE_BOARD" (</a:t>
+            </a:r>
+          </a:p>
+          <a:p>
+            <a:r>
+              <a:rPr lang="en-US" altLang="ko-KR" sz="1000" dirty="0" smtClean="0"/>
+              <a:t>    "NO"               NUMBER(8,0),</a:t>
+            </a:r>
+          </a:p>
+          <a:p>
+            <a:r>
+              <a:rPr lang="en-US" altLang="ko-KR" sz="1000" dirty="0" smtClean="0"/>
+              <a:t>    "CLASS_SUBJECT_NO" NUMBER(8,0),</a:t>
+            </a:r>
+          </a:p>
+          <a:p>
+            <a:r>
+              <a:rPr lang="en-US" altLang="ko-KR" sz="1000" dirty="0" smtClean="0"/>
+              <a:t>    "CLASS_TEACHER_NO" NUMBER(8,0),</a:t>
+            </a:r>
+          </a:p>
+          <a:p>
+            <a:r>
+              <a:rPr lang="en-US" altLang="ko-KR" sz="1000" dirty="0" smtClean="0"/>
+              <a:t>    "CLASS_PLACE_NO"   NUMBER(8,0),</a:t>
+            </a:r>
+          </a:p>
+          <a:p>
+            <a:r>
+              <a:rPr lang="en-US" altLang="ko-KR" sz="1000" dirty="0" smtClean="0"/>
+              <a:t>    "CLASS_NAME_NO"    NUMBER(8,0),</a:t>
+            </a:r>
+          </a:p>
+          <a:p>
+            <a:r>
+              <a:rPr lang="en-US" altLang="ko-KR" sz="1000" dirty="0" smtClean="0"/>
+              <a:t>    "TITLE"            VARCHAR2(100),</a:t>
+            </a:r>
+          </a:p>
+          <a:p>
+            <a:r>
+              <a:rPr lang="en-US" altLang="ko-KR" sz="1000" dirty="0" smtClean="0"/>
+              <a:t>    "CONTENT"          VARCHAR2(2000),</a:t>
+            </a:r>
+          </a:p>
+          <a:p>
+            <a:r>
+              <a:rPr lang="en-US" altLang="ko-KR" sz="1000" dirty="0" smtClean="0"/>
+              <a:t>    "FILE_URL"         VARCHAR2(80),</a:t>
+            </a:r>
+          </a:p>
+          <a:p>
+            <a:r>
+              <a:rPr lang="en-US" altLang="ko-KR" sz="1000" dirty="0" smtClean="0"/>
+              <a:t>    "GOOD"             NUMBER(8,0),</a:t>
+            </a:r>
+          </a:p>
+          <a:p>
+            <a:r>
+              <a:rPr lang="en-US" altLang="ko-KR" sz="1000" dirty="0" smtClean="0"/>
+              <a:t>    "REG_DATE"         </a:t>
+            </a:r>
+            <a:r>
+              <a:rPr lang="en-US" altLang="ko-KR" sz="1000" b="1" dirty="0" smtClean="0"/>
+              <a:t>DATE,</a:t>
+            </a:r>
+          </a:p>
+          <a:p>
+            <a:r>
+              <a:rPr lang="en-US" altLang="ko-KR" sz="1000" dirty="0" smtClean="0"/>
+              <a:t>    </a:t>
+            </a:r>
+            <a:r>
+              <a:rPr lang="en-US" altLang="ko-KR" sz="1000" b="1" dirty="0" smtClean="0"/>
+              <a:t>constraint  "SHARE_BOARD_PK" primary key ("NO")</a:t>
+            </a:r>
+          </a:p>
+          <a:p>
+            <a:r>
+              <a:rPr lang="en-US" altLang="ko-KR" sz="1000" dirty="0" smtClean="0"/>
+              <a:t>);</a:t>
+            </a:r>
+          </a:p>
+          <a:p>
+            <a:endParaRPr lang="ko-KR" altLang="en-US" sz="1000" dirty="0" smtClean="0"/>
+          </a:p>
+          <a:p>
+            <a:r>
+              <a:rPr lang="en-US" altLang="ko-KR" sz="1000" b="1" dirty="0" smtClean="0"/>
+              <a:t>CREATE SEQUENCE </a:t>
+            </a:r>
+            <a:r>
+              <a:rPr lang="en-US" altLang="ko-KR" sz="1000" b="1" dirty="0" err="1" smtClean="0"/>
+              <a:t>share_board_no_seq</a:t>
+            </a:r>
+            <a:endParaRPr lang="en-US" altLang="ko-KR" sz="1000" b="1" dirty="0" smtClean="0"/>
+          </a:p>
+          <a:p>
+            <a:r>
+              <a:rPr lang="en-US" altLang="ko-KR" sz="1000" dirty="0" smtClean="0"/>
+              <a:t> START </a:t>
+            </a:r>
+            <a:r>
+              <a:rPr lang="en-US" altLang="ko-KR" sz="1000" b="1" dirty="0" smtClean="0"/>
+              <a:t>WITH     1</a:t>
+            </a:r>
+          </a:p>
+          <a:p>
+            <a:r>
+              <a:rPr lang="en-US" altLang="ko-KR" sz="1000" dirty="0" smtClean="0"/>
+              <a:t> INCREMENT </a:t>
+            </a:r>
+            <a:r>
+              <a:rPr lang="en-US" altLang="ko-KR" sz="1000" b="1" dirty="0" smtClean="0"/>
+              <a:t>BY   1</a:t>
+            </a:r>
+          </a:p>
+          <a:p>
+            <a:r>
+              <a:rPr lang="en-US" altLang="ko-KR" sz="1000" dirty="0" smtClean="0"/>
+              <a:t> MAXVALUE       99999999</a:t>
+            </a:r>
+          </a:p>
+          <a:p>
+            <a:r>
+              <a:rPr lang="en-US" altLang="ko-KR" sz="1000" dirty="0" smtClean="0"/>
+              <a:t> NOCACHE</a:t>
+            </a:r>
+          </a:p>
+          <a:p>
+            <a:r>
+              <a:rPr lang="en-US" altLang="ko-KR" sz="1000" dirty="0" smtClean="0"/>
+              <a:t> NOCYCLE;</a:t>
+            </a:r>
+            <a:endParaRPr kumimoji="1" lang="en-US" altLang="ko-KR" sz="1800" b="0" i="0" u="none" strike="noStrike" cap="none" normalizeH="0" baseline="0" dirty="0" smtClean="0">
+              <a:ln>
+                <a:noFill/>
+              </a:ln>
+              <a:solidFill>
+                <a:schemeClr val="tx1"/>
+              </a:solidFill>
+              <a:effectLst/>
+              <a:latin typeface="굴림" pitchFamily="50" charset="-127"/>
+              <a:ea typeface="굴림" pitchFamily="50" charset="-127"/>
+              <a:cs typeface="굴림" pitchFamily="50" charset="-127"/>
+            </a:endParaRPr>
+          </a:p>
+        </p:txBody>
+      </p:sp>
+      <p:sp>
+        <p:nvSpPr>
+          <p:cNvPr id="7" name="TextBox 6"/>
+          <p:cNvSpPr txBox="1"/>
+          <p:nvPr/>
+        </p:nvSpPr>
+        <p:spPr>
+          <a:xfrm>
+            <a:off x="683568" y="1700808"/>
+            <a:ext cx="4471802" cy="369332"/>
+          </a:xfrm>
+          <a:prstGeom prst="rect">
+            <a:avLst/>
+          </a:prstGeom>
+          <a:noFill/>
+        </p:spPr>
+        <p:txBody>
+          <a:bodyPr wrap="none" rtlCol="0">
+            <a:spAutoFit/>
+          </a:bodyPr>
+          <a:lstStyle/>
+          <a:p>
+            <a:r>
+              <a:rPr lang="en-US" altLang="ko-KR" dirty="0" err="1" smtClean="0"/>
+              <a:t>Share_board</a:t>
+            </a:r>
+            <a:r>
+              <a:rPr lang="en-US" altLang="ko-KR" dirty="0" smtClean="0"/>
+              <a:t> Table(</a:t>
+            </a:r>
+            <a:r>
+              <a:rPr lang="ko-KR" altLang="en-US" dirty="0" smtClean="0"/>
+              <a:t>공유 강의노트 게시판</a:t>
+            </a:r>
+            <a:r>
+              <a:rPr lang="en-US" altLang="ko-KR" dirty="0" smtClean="0"/>
+              <a:t>)</a:t>
+            </a:r>
+            <a:endParaRPr lang="ko-KR" altLang="en-US" dirty="0"/>
+          </a:p>
+        </p:txBody>
+      </p:sp>
+      <p:sp>
+        <p:nvSpPr>
+          <p:cNvPr id="10" name="Rectangle 1"/>
+          <p:cNvSpPr>
+            <a:spLocks noChangeArrowheads="1"/>
+          </p:cNvSpPr>
+          <p:nvPr/>
+        </p:nvSpPr>
+        <p:spPr bwMode="auto">
+          <a:xfrm>
+            <a:off x="4860032" y="2223526"/>
+            <a:ext cx="3312368" cy="3016210"/>
+          </a:xfrm>
+          <a:prstGeom prst="rect">
+            <a:avLst/>
+          </a:prstGeom>
+          <a:noFill/>
+          <a:ln w="9525">
+            <a:solidFill>
+              <a:schemeClr val="accent1"/>
+            </a:solidFill>
+            <a:miter lim="800000"/>
+            <a:headEnd/>
+            <a:tailEnd/>
+          </a:ln>
+          <a:effectLst/>
+        </p:spPr>
+        <p:txBody>
+          <a:bodyPr vert="horz" wrap="square" lIns="91440" tIns="45720" rIns="91440" bIns="45720" numCol="1" anchor="ctr" anchorCtr="0" compatLnSpc="1">
+            <a:prstTxWarp prst="textNoShape">
+              <a:avLst/>
+            </a:prstTxWarp>
+            <a:spAutoFit/>
+          </a:bodyPr>
+          <a:lstStyle/>
+          <a:p>
+            <a:r>
+              <a:rPr lang="en-US" altLang="ko-KR" sz="1000" dirty="0" smtClean="0"/>
+              <a:t>ALTER TABLE "SHARE_BOARD" ADD CONSTRAINT "SHARE_BOARD_SUBJECT_FK" </a:t>
+            </a:r>
+          </a:p>
+          <a:p>
+            <a:r>
+              <a:rPr lang="en-US" altLang="ko-KR" sz="1000" dirty="0" smtClean="0"/>
+              <a:t>FOREIGN KEY ("CLASS_SUBJECT_NO")</a:t>
+            </a:r>
+          </a:p>
+          <a:p>
+            <a:r>
+              <a:rPr lang="en-US" altLang="ko-KR" sz="1000" dirty="0" smtClean="0"/>
+              <a:t>REFERENCES "CLASS_SUBJECT" ("NO</a:t>
+            </a:r>
+            <a:r>
+              <a:rPr lang="en-US" altLang="ko-KR" sz="1000" dirty="0" smtClean="0"/>
+              <a:t>");</a:t>
+            </a:r>
+          </a:p>
+          <a:p>
+            <a:endParaRPr lang="en-US" altLang="ko-KR" sz="1000" dirty="0" smtClean="0"/>
+          </a:p>
+          <a:p>
+            <a:r>
+              <a:rPr lang="en-US" altLang="ko-KR" sz="1000" dirty="0" smtClean="0"/>
+              <a:t>ALTER TABLE "SHARE_BOARD" ADD CONSTRAINT "SHARE_BOARD_TEACHER_FK" </a:t>
+            </a:r>
+          </a:p>
+          <a:p>
+            <a:r>
+              <a:rPr lang="en-US" altLang="ko-KR" sz="1000" dirty="0" smtClean="0"/>
+              <a:t>FOREIGN KEY ("CLASS_TEACHER_NO")</a:t>
+            </a:r>
+          </a:p>
+          <a:p>
+            <a:r>
+              <a:rPr lang="en-US" altLang="ko-KR" sz="1000" dirty="0" smtClean="0"/>
+              <a:t>REFERENCES "CLASS_TEACHER" ("NO</a:t>
+            </a:r>
+            <a:r>
+              <a:rPr lang="en-US" altLang="ko-KR" sz="1000" dirty="0" smtClean="0"/>
+              <a:t>");</a:t>
+            </a:r>
+          </a:p>
+          <a:p>
+            <a:endParaRPr lang="en-US" altLang="ko-KR" sz="1000" dirty="0" smtClean="0"/>
+          </a:p>
+          <a:p>
+            <a:r>
+              <a:rPr lang="en-US" altLang="ko-KR" sz="1000" dirty="0" smtClean="0"/>
+              <a:t>ALTER TABLE "SHARE_BOARD" ADD CONSTRAINT "SHARE_BOARD_PLACE_FK" </a:t>
+            </a:r>
+          </a:p>
+          <a:p>
+            <a:r>
+              <a:rPr lang="en-US" altLang="ko-KR" sz="1000" dirty="0" smtClean="0"/>
+              <a:t>FOREIGN KEY ("CLASS_PLACE_NO")</a:t>
+            </a:r>
+          </a:p>
+          <a:p>
+            <a:r>
+              <a:rPr lang="en-US" altLang="ko-KR" sz="1000" dirty="0" smtClean="0"/>
+              <a:t>REFERENCES "CLASS_PLACE" ("NO</a:t>
+            </a:r>
+            <a:r>
+              <a:rPr lang="en-US" altLang="ko-KR" sz="1000" dirty="0" smtClean="0"/>
+              <a:t>");</a:t>
+            </a:r>
+          </a:p>
+          <a:p>
+            <a:endParaRPr lang="en-US" altLang="ko-KR" sz="1000" dirty="0" smtClean="0"/>
+          </a:p>
+          <a:p>
+            <a:r>
+              <a:rPr lang="en-US" altLang="ko-KR" sz="1000" dirty="0" smtClean="0"/>
+              <a:t>ALTER TABLE "SHARE_BOARD" ADD CONSTRAINT "SHARE_BOARD_NAME_FK" </a:t>
+            </a:r>
+          </a:p>
+          <a:p>
+            <a:r>
+              <a:rPr lang="en-US" altLang="ko-KR" sz="1000" dirty="0" smtClean="0"/>
+              <a:t>FOREIGN KEY ("CLASS_NAME_NO")</a:t>
+            </a:r>
+          </a:p>
+          <a:p>
+            <a:r>
+              <a:rPr lang="en-US" altLang="ko-KR" sz="1000" dirty="0" smtClean="0"/>
+              <a:t>REFERENCES "CLASS_NAME" ("NO");</a:t>
+            </a:r>
+          </a:p>
+        </p:txBody>
+      </p:sp>
     </p:spTree>
   </p:cSld>
   <p:clrMapOvr>
@@ -9964,68 +11102,6 @@
           <a:chExt cx="0" cy="0"/>
         </a:xfrm>
       </p:grpSpPr>
-      <p:sp>
-        <p:nvSpPr>
-          <p:cNvPr id="6" name="직사각형 5"/>
-          <p:cNvSpPr/>
-          <p:nvPr/>
-        </p:nvSpPr>
-        <p:spPr>
-          <a:xfrm>
-            <a:off x="2123728" y="908720"/>
-            <a:ext cx="4896544" cy="540000"/>
-          </a:xfrm>
-          <a:prstGeom prst="rect">
-            <a:avLst/>
-          </a:prstGeom>
-          <a:noFill/>
-          <a:ln>
-            <a:noFill/>
-          </a:ln>
-        </p:spPr>
-        <p:style>
-          <a:lnRef idx="2">
-            <a:schemeClr val="accent1">
-              <a:shade val="50000"/>
-            </a:schemeClr>
-          </a:lnRef>
-          <a:fillRef idx="1">
-            <a:schemeClr val="accent1"/>
-          </a:fillRef>
-          <a:effectRef idx="0">
-            <a:schemeClr val="accent1"/>
-          </a:effectRef>
-          <a:fontRef idx="minor">
-            <a:schemeClr val="lt1"/>
-          </a:fontRef>
-        </p:style>
-        <p:txBody>
-          <a:bodyPr rtlCol="0" anchor="ctr"/>
-          <a:lstStyle/>
-          <a:p>
-            <a:pPr algn="ctr"/>
-            <a:r>
-              <a:rPr lang="en-US" altLang="ko-KR" sz="2000" dirty="0" smtClean="0">
-                <a:solidFill>
-                  <a:schemeClr val="tx1"/>
-                </a:solidFill>
-                <a:latin typeface="Arial Unicode MS" pitchFamily="50" charset="-127"/>
-                <a:ea typeface="Arial Unicode MS" pitchFamily="50" charset="-127"/>
-                <a:cs typeface="Arial Unicode MS" pitchFamily="50" charset="-127"/>
-              </a:rPr>
-              <a:t>STUDYER _ Prototype</a:t>
-            </a:r>
-            <a:endParaRPr lang="ko-KR" altLang="en-US" sz="2000" dirty="0">
-              <a:solidFill>
-                <a:schemeClr val="tx1"/>
-              </a:solidFill>
-              <a:latin typeface="Arial Unicode MS" pitchFamily="50" charset="-127"/>
-              <a:ea typeface="Arial Unicode MS" pitchFamily="50" charset="-127"/>
-              <a:cs typeface="Arial Unicode MS" pitchFamily="50" charset="-127"/>
-            </a:endParaRPr>
-          </a:p>
-        </p:txBody>
-      </p:sp>
       <p:cxnSp>
         <p:nvCxnSpPr>
           <p:cNvPr id="8" name="직선 연결선 7"/>
@@ -10064,6 +11140,283 @@
           </a:fontRef>
         </p:style>
       </p:cxnSp>
+      <p:sp>
+        <p:nvSpPr>
+          <p:cNvPr id="4" name="직사각형 3"/>
+          <p:cNvSpPr/>
+          <p:nvPr/>
+        </p:nvSpPr>
+        <p:spPr>
+          <a:xfrm>
+            <a:off x="2123728" y="908720"/>
+            <a:ext cx="4896544" cy="540000"/>
+          </a:xfrm>
+          <a:prstGeom prst="rect">
+            <a:avLst/>
+          </a:prstGeom>
+          <a:noFill/>
+          <a:ln>
+            <a:noFill/>
+          </a:ln>
+        </p:spPr>
+        <p:style>
+          <a:lnRef idx="2">
+            <a:schemeClr val="accent1">
+              <a:shade val="50000"/>
+            </a:schemeClr>
+          </a:lnRef>
+          <a:fillRef idx="1">
+            <a:schemeClr val="accent1"/>
+          </a:fillRef>
+          <a:effectRef idx="0">
+            <a:schemeClr val="accent1"/>
+          </a:effectRef>
+          <a:fontRef idx="minor">
+            <a:schemeClr val="lt1"/>
+          </a:fontRef>
+        </p:style>
+        <p:txBody>
+          <a:bodyPr rtlCol="0" anchor="ctr"/>
+          <a:lstStyle/>
+          <a:p>
+            <a:pPr algn="ctr"/>
+            <a:r>
+              <a:rPr lang="en-US" altLang="ko-KR" sz="2000" dirty="0" smtClean="0">
+                <a:solidFill>
+                  <a:schemeClr val="tx1"/>
+                </a:solidFill>
+                <a:latin typeface="Arial Unicode MS" pitchFamily="50" charset="-127"/>
+                <a:ea typeface="Arial Unicode MS" pitchFamily="50" charset="-127"/>
+                <a:cs typeface="Arial Unicode MS" pitchFamily="50" charset="-127"/>
+              </a:rPr>
+              <a:t>STUDYER _ </a:t>
+            </a:r>
+            <a:r>
+              <a:rPr lang="en-US" altLang="ko-KR" sz="2000" dirty="0" smtClean="0">
+                <a:solidFill>
+                  <a:schemeClr val="tx1"/>
+                </a:solidFill>
+                <a:latin typeface="Arial Unicode MS" pitchFamily="50" charset="-127"/>
+                <a:ea typeface="Arial Unicode MS" pitchFamily="50" charset="-127"/>
+                <a:cs typeface="Arial Unicode MS" pitchFamily="50" charset="-127"/>
+              </a:rPr>
+              <a:t>DB </a:t>
+            </a:r>
+            <a:r>
+              <a:rPr lang="ko-KR" altLang="en-US" sz="2000" dirty="0" smtClean="0">
+                <a:solidFill>
+                  <a:schemeClr val="tx1"/>
+                </a:solidFill>
+                <a:latin typeface="Arial Unicode MS" pitchFamily="50" charset="-127"/>
+                <a:ea typeface="Arial Unicode MS" pitchFamily="50" charset="-127"/>
+                <a:cs typeface="Arial Unicode MS" pitchFamily="50" charset="-127"/>
+              </a:rPr>
+              <a:t>생성 스크립트</a:t>
+            </a:r>
+            <a:endParaRPr lang="ko-KR" altLang="en-US" sz="2000" dirty="0">
+              <a:solidFill>
+                <a:schemeClr val="tx1"/>
+              </a:solidFill>
+              <a:latin typeface="Arial Unicode MS" pitchFamily="50" charset="-127"/>
+              <a:ea typeface="Arial Unicode MS" pitchFamily="50" charset="-127"/>
+              <a:cs typeface="Arial Unicode MS" pitchFamily="50" charset="-127"/>
+            </a:endParaRPr>
+          </a:p>
+        </p:txBody>
+      </p:sp>
+      <p:sp>
+        <p:nvSpPr>
+          <p:cNvPr id="5" name="Rectangle 1"/>
+          <p:cNvSpPr>
+            <a:spLocks noChangeArrowheads="1"/>
+          </p:cNvSpPr>
+          <p:nvPr/>
+        </p:nvSpPr>
+        <p:spPr bwMode="auto">
+          <a:xfrm>
+            <a:off x="1115616" y="2348880"/>
+            <a:ext cx="3096344" cy="2708434"/>
+          </a:xfrm>
+          <a:prstGeom prst="rect">
+            <a:avLst/>
+          </a:prstGeom>
+          <a:noFill/>
+          <a:ln w="9525">
+            <a:solidFill>
+              <a:schemeClr val="accent1"/>
+            </a:solidFill>
+            <a:miter lim="800000"/>
+            <a:headEnd/>
+            <a:tailEnd/>
+          </a:ln>
+          <a:effectLst/>
+        </p:spPr>
+        <p:txBody>
+          <a:bodyPr vert="horz" wrap="square" lIns="91440" tIns="45720" rIns="91440" bIns="45720" numCol="1" anchor="ctr" anchorCtr="0" compatLnSpc="1">
+            <a:prstTxWarp prst="textNoShape">
+              <a:avLst/>
+            </a:prstTxWarp>
+            <a:spAutoFit/>
+          </a:bodyPr>
+          <a:lstStyle/>
+          <a:p>
+            <a:r>
+              <a:rPr lang="en-US" altLang="ko-KR" sz="1000" b="1" dirty="0" smtClean="0"/>
+              <a:t>CREATE table "MY_BOARD" (</a:t>
+            </a:r>
+          </a:p>
+          <a:p>
+            <a:r>
+              <a:rPr lang="en-US" altLang="ko-KR" sz="1000" dirty="0" smtClean="0"/>
+              <a:t>    "NO"         NUMBER(8,0),</a:t>
+            </a:r>
+          </a:p>
+          <a:p>
+            <a:r>
+              <a:rPr lang="en-US" altLang="ko-KR" sz="1000" dirty="0" smtClean="0"/>
+              <a:t>    "CLASS_INFO" VARCHAR2(100),</a:t>
+            </a:r>
+          </a:p>
+          <a:p>
+            <a:r>
+              <a:rPr lang="en-US" altLang="ko-KR" sz="1000" dirty="0" smtClean="0"/>
+              <a:t>    "TITLE"      VARCHAR2(100),</a:t>
+            </a:r>
+          </a:p>
+          <a:p>
+            <a:r>
+              <a:rPr lang="en-US" altLang="ko-KR" sz="1000" dirty="0" smtClean="0"/>
+              <a:t>    "CONTENT"    VARCHAR2(2000),</a:t>
+            </a:r>
+          </a:p>
+          <a:p>
+            <a:r>
+              <a:rPr lang="en-US" altLang="ko-KR" sz="1000" dirty="0" smtClean="0"/>
+              <a:t>    "FILE_URL"   VARCHAR2(80),</a:t>
+            </a:r>
+          </a:p>
+          <a:p>
+            <a:r>
+              <a:rPr lang="en-US" altLang="ko-KR" sz="1000" dirty="0" smtClean="0"/>
+              <a:t>    "REG_DATE"   </a:t>
+            </a:r>
+            <a:r>
+              <a:rPr lang="en-US" altLang="ko-KR" sz="1000" b="1" dirty="0" smtClean="0"/>
+              <a:t>DATE,</a:t>
+            </a:r>
+          </a:p>
+          <a:p>
+            <a:r>
+              <a:rPr lang="en-US" altLang="ko-KR" sz="1000" dirty="0" smtClean="0"/>
+              <a:t>    </a:t>
+            </a:r>
+            <a:r>
+              <a:rPr lang="en-US" altLang="ko-KR" sz="1000" b="1" dirty="0" smtClean="0"/>
+              <a:t>constraint  "MY_BOARD_PK" primary key ("NO")</a:t>
+            </a:r>
+          </a:p>
+          <a:p>
+            <a:r>
+              <a:rPr lang="en-US" altLang="ko-KR" sz="1000" dirty="0" smtClean="0"/>
+              <a:t>);</a:t>
+            </a:r>
+          </a:p>
+          <a:p>
+            <a:endParaRPr lang="ko-KR" altLang="en-US" sz="1000" dirty="0" smtClean="0"/>
+          </a:p>
+          <a:p>
+            <a:r>
+              <a:rPr lang="en-US" altLang="ko-KR" sz="1000" b="1" dirty="0" smtClean="0"/>
+              <a:t>CREATE SEQUENCE </a:t>
+            </a:r>
+            <a:r>
+              <a:rPr lang="en-US" altLang="ko-KR" sz="1000" b="1" dirty="0" err="1" smtClean="0"/>
+              <a:t>my_board_no_seq</a:t>
+            </a:r>
+            <a:endParaRPr lang="en-US" altLang="ko-KR" sz="1000" b="1" dirty="0" smtClean="0"/>
+          </a:p>
+          <a:p>
+            <a:r>
+              <a:rPr lang="en-US" altLang="ko-KR" sz="1000" dirty="0" smtClean="0"/>
+              <a:t> START </a:t>
+            </a:r>
+            <a:r>
+              <a:rPr lang="en-US" altLang="ko-KR" sz="1000" b="1" dirty="0" smtClean="0"/>
+              <a:t>WITH     1</a:t>
+            </a:r>
+          </a:p>
+          <a:p>
+            <a:r>
+              <a:rPr lang="en-US" altLang="ko-KR" sz="1000" dirty="0" smtClean="0"/>
+              <a:t> INCREMENT </a:t>
+            </a:r>
+            <a:r>
+              <a:rPr lang="en-US" altLang="ko-KR" sz="1000" b="1" dirty="0" smtClean="0"/>
+              <a:t>BY   1</a:t>
+            </a:r>
+          </a:p>
+          <a:p>
+            <a:r>
+              <a:rPr lang="en-US" altLang="ko-KR" sz="1000" dirty="0" smtClean="0"/>
+              <a:t> MAXVALUE       99999999</a:t>
+            </a:r>
+          </a:p>
+          <a:p>
+            <a:r>
+              <a:rPr lang="en-US" altLang="ko-KR" sz="1000" dirty="0" smtClean="0"/>
+              <a:t> NOCACHE</a:t>
+            </a:r>
+          </a:p>
+          <a:p>
+            <a:r>
+              <a:rPr lang="en-US" altLang="ko-KR" sz="1000" dirty="0" smtClean="0"/>
+              <a:t> NOCYCLE;</a:t>
+            </a:r>
+          </a:p>
+        </p:txBody>
+      </p:sp>
+      <p:sp>
+        <p:nvSpPr>
+          <p:cNvPr id="7" name="TextBox 6"/>
+          <p:cNvSpPr txBox="1"/>
+          <p:nvPr/>
+        </p:nvSpPr>
+        <p:spPr>
+          <a:xfrm>
+            <a:off x="827584" y="1700808"/>
+            <a:ext cx="4216988" cy="369332"/>
+          </a:xfrm>
+          <a:prstGeom prst="rect">
+            <a:avLst/>
+          </a:prstGeom>
+          <a:noFill/>
+        </p:spPr>
+        <p:txBody>
+          <a:bodyPr wrap="none" rtlCol="0">
+            <a:spAutoFit/>
+          </a:bodyPr>
+          <a:lstStyle/>
+          <a:p>
+            <a:r>
+              <a:rPr lang="en-US" altLang="ko-KR" dirty="0" err="1" smtClean="0"/>
+              <a:t>My_board</a:t>
+            </a:r>
+            <a:r>
+              <a:rPr lang="en-US" altLang="ko-KR" dirty="0" smtClean="0"/>
+              <a:t> Table(</a:t>
+            </a:r>
+            <a:r>
+              <a:rPr lang="ko-KR" altLang="en-US" dirty="0" smtClean="0"/>
+              <a:t>개인 강의노트 게시판</a:t>
+            </a:r>
+            <a:r>
+              <a:rPr lang="en-US" altLang="ko-KR" dirty="0" smtClean="0"/>
+              <a:t>)</a:t>
+            </a:r>
+            <a:endParaRPr lang="ko-KR" altLang="en-US" dirty="0"/>
+          </a:p>
+        </p:txBody>
+      </p:sp>
     </p:spTree>
   </p:cSld>
   <p:clrMapOvr>
@@ -10096,68 +11449,6 @@
           <a:chExt cx="0" cy="0"/>
         </a:xfrm>
       </p:grpSpPr>
-      <p:sp>
-        <p:nvSpPr>
-          <p:cNvPr id="6" name="직사각형 5"/>
-          <p:cNvSpPr/>
-          <p:nvPr/>
-        </p:nvSpPr>
-        <p:spPr>
-          <a:xfrm>
-            <a:off x="2123728" y="908720"/>
-            <a:ext cx="4896544" cy="540000"/>
-          </a:xfrm>
-          <a:prstGeom prst="rect">
-            <a:avLst/>
-          </a:prstGeom>
-          <a:noFill/>
-          <a:ln>
-            <a:noFill/>
-          </a:ln>
-        </p:spPr>
-        <p:style>
-          <a:lnRef idx="2">
-            <a:schemeClr val="accent1">
-              <a:shade val="50000"/>
-            </a:schemeClr>
-          </a:lnRef>
-          <a:fillRef idx="1">
-            <a:schemeClr val="accent1"/>
-          </a:fillRef>
-          <a:effectRef idx="0">
-            <a:schemeClr val="accent1"/>
-          </a:effectRef>
-          <a:fontRef idx="minor">
-            <a:schemeClr val="lt1"/>
-          </a:fontRef>
-        </p:style>
-        <p:txBody>
-          <a:bodyPr rtlCol="0" anchor="ctr"/>
-          <a:lstStyle/>
-          <a:p>
-            <a:pPr algn="ctr"/>
-            <a:r>
-              <a:rPr lang="en-US" altLang="ko-KR" sz="2000" dirty="0" smtClean="0">
-                <a:solidFill>
-                  <a:schemeClr val="tx1"/>
-                </a:solidFill>
-                <a:latin typeface="Arial Unicode MS" pitchFamily="50" charset="-127"/>
-                <a:ea typeface="Arial Unicode MS" pitchFamily="50" charset="-127"/>
-                <a:cs typeface="Arial Unicode MS" pitchFamily="50" charset="-127"/>
-              </a:rPr>
-              <a:t>STUDYER _ Prototype</a:t>
-            </a:r>
-            <a:endParaRPr lang="ko-KR" altLang="en-US" sz="2000" dirty="0">
-              <a:solidFill>
-                <a:schemeClr val="tx1"/>
-              </a:solidFill>
-              <a:latin typeface="Arial Unicode MS" pitchFamily="50" charset="-127"/>
-              <a:ea typeface="Arial Unicode MS" pitchFamily="50" charset="-127"/>
-              <a:cs typeface="Arial Unicode MS" pitchFamily="50" charset="-127"/>
-            </a:endParaRPr>
-          </a:p>
-        </p:txBody>
-      </p:sp>
       <p:cxnSp>
         <p:nvCxnSpPr>
           <p:cNvPr id="8" name="직선 연결선 7"/>
@@ -10196,6 +11487,774 @@
           </a:fontRef>
         </p:style>
       </p:cxnSp>
+      <p:sp>
+        <p:nvSpPr>
+          <p:cNvPr id="3" name="직사각형 2"/>
+          <p:cNvSpPr/>
+          <p:nvPr/>
+        </p:nvSpPr>
+        <p:spPr>
+          <a:xfrm>
+            <a:off x="2123728" y="908720"/>
+            <a:ext cx="4896544" cy="540000"/>
+          </a:xfrm>
+          <a:prstGeom prst="rect">
+            <a:avLst/>
+          </a:prstGeom>
+          <a:noFill/>
+          <a:ln>
+            <a:noFill/>
+          </a:ln>
+        </p:spPr>
+        <p:style>
+          <a:lnRef idx="2">
+            <a:schemeClr val="accent1">
+              <a:shade val="50000"/>
+            </a:schemeClr>
+          </a:lnRef>
+          <a:fillRef idx="1">
+            <a:schemeClr val="accent1"/>
+          </a:fillRef>
+          <a:effectRef idx="0">
+            <a:schemeClr val="accent1"/>
+          </a:effectRef>
+          <a:fontRef idx="minor">
+            <a:schemeClr val="lt1"/>
+          </a:fontRef>
+        </p:style>
+        <p:txBody>
+          <a:bodyPr rtlCol="0" anchor="ctr"/>
+          <a:lstStyle/>
+          <a:p>
+            <a:pPr algn="ctr"/>
+            <a:r>
+              <a:rPr lang="en-US" altLang="ko-KR" sz="2000" dirty="0" smtClean="0">
+                <a:solidFill>
+                  <a:schemeClr val="tx1"/>
+                </a:solidFill>
+                <a:latin typeface="Arial Unicode MS" pitchFamily="50" charset="-127"/>
+                <a:ea typeface="Arial Unicode MS" pitchFamily="50" charset="-127"/>
+                <a:cs typeface="Arial Unicode MS" pitchFamily="50" charset="-127"/>
+              </a:rPr>
+              <a:t>STUDYER _ </a:t>
+            </a:r>
+            <a:r>
+              <a:rPr lang="en-US" altLang="ko-KR" sz="2000" dirty="0" smtClean="0">
+                <a:solidFill>
+                  <a:schemeClr val="tx1"/>
+                </a:solidFill>
+                <a:latin typeface="Arial Unicode MS" pitchFamily="50" charset="-127"/>
+                <a:ea typeface="Arial Unicode MS" pitchFamily="50" charset="-127"/>
+                <a:cs typeface="Arial Unicode MS" pitchFamily="50" charset="-127"/>
+              </a:rPr>
+              <a:t>DB </a:t>
+            </a:r>
+            <a:r>
+              <a:rPr lang="ko-KR" altLang="en-US" sz="2000" dirty="0" smtClean="0">
+                <a:solidFill>
+                  <a:schemeClr val="tx1"/>
+                </a:solidFill>
+                <a:latin typeface="Arial Unicode MS" pitchFamily="50" charset="-127"/>
+                <a:ea typeface="Arial Unicode MS" pitchFamily="50" charset="-127"/>
+                <a:cs typeface="Arial Unicode MS" pitchFamily="50" charset="-127"/>
+              </a:rPr>
+              <a:t>생성 스크립트</a:t>
+            </a:r>
+            <a:endParaRPr lang="en-US" altLang="ko-KR" sz="2000" dirty="0" smtClean="0">
+              <a:solidFill>
+                <a:schemeClr val="tx1"/>
+              </a:solidFill>
+              <a:latin typeface="Arial Unicode MS" pitchFamily="50" charset="-127"/>
+              <a:ea typeface="Arial Unicode MS" pitchFamily="50" charset="-127"/>
+              <a:cs typeface="Arial Unicode MS" pitchFamily="50" charset="-127"/>
+            </a:endParaRPr>
+          </a:p>
+          <a:p>
+            <a:pPr algn="ctr"/>
+            <a:r>
+              <a:rPr lang="en-US" altLang="ko-KR" sz="2000" dirty="0" smtClean="0">
+                <a:solidFill>
+                  <a:schemeClr val="tx1"/>
+                </a:solidFill>
+                <a:latin typeface="Arial Unicode MS" pitchFamily="50" charset="-127"/>
+                <a:ea typeface="Arial Unicode MS" pitchFamily="50" charset="-127"/>
+                <a:cs typeface="Arial Unicode MS" pitchFamily="50" charset="-127"/>
+              </a:rPr>
+              <a:t>(Class Information </a:t>
+            </a:r>
+            <a:r>
+              <a:rPr lang="ko-KR" altLang="en-US" sz="2000" dirty="0" smtClean="0">
+                <a:solidFill>
+                  <a:schemeClr val="tx1"/>
+                </a:solidFill>
+                <a:latin typeface="Arial Unicode MS" pitchFamily="50" charset="-127"/>
+                <a:ea typeface="Arial Unicode MS" pitchFamily="50" charset="-127"/>
+                <a:cs typeface="Arial Unicode MS" pitchFamily="50" charset="-127"/>
+              </a:rPr>
+              <a:t>관련 테이블</a:t>
+            </a:r>
+            <a:r>
+              <a:rPr lang="en-US" altLang="ko-KR" sz="2000" dirty="0" smtClean="0">
+                <a:solidFill>
+                  <a:schemeClr val="tx1"/>
+                </a:solidFill>
+                <a:latin typeface="Arial Unicode MS" pitchFamily="50" charset="-127"/>
+                <a:ea typeface="Arial Unicode MS" pitchFamily="50" charset="-127"/>
+                <a:cs typeface="Arial Unicode MS" pitchFamily="50" charset="-127"/>
+              </a:rPr>
+              <a:t>)</a:t>
+            </a:r>
+            <a:endParaRPr lang="ko-KR" altLang="en-US" sz="2000" dirty="0">
+              <a:solidFill>
+                <a:schemeClr val="tx1"/>
+              </a:solidFill>
+              <a:latin typeface="Arial Unicode MS" pitchFamily="50" charset="-127"/>
+              <a:ea typeface="Arial Unicode MS" pitchFamily="50" charset="-127"/>
+              <a:cs typeface="Arial Unicode MS" pitchFamily="50" charset="-127"/>
+            </a:endParaRPr>
+          </a:p>
+        </p:txBody>
+      </p:sp>
+      <p:sp>
+        <p:nvSpPr>
+          <p:cNvPr id="4" name="Rectangle 1"/>
+          <p:cNvSpPr>
+            <a:spLocks noChangeArrowheads="1"/>
+          </p:cNvSpPr>
+          <p:nvPr/>
+        </p:nvSpPr>
+        <p:spPr bwMode="auto">
+          <a:xfrm>
+            <a:off x="1115616" y="1988840"/>
+            <a:ext cx="3096344" cy="2092881"/>
+          </a:xfrm>
+          <a:prstGeom prst="rect">
+            <a:avLst/>
+          </a:prstGeom>
+          <a:noFill/>
+          <a:ln w="9525">
+            <a:solidFill>
+              <a:schemeClr val="accent1"/>
+            </a:solidFill>
+            <a:miter lim="800000"/>
+            <a:headEnd/>
+            <a:tailEnd/>
+          </a:ln>
+          <a:effectLst/>
+        </p:spPr>
+        <p:txBody>
+          <a:bodyPr vert="horz" wrap="square" lIns="91440" tIns="45720" rIns="91440" bIns="45720" numCol="1" anchor="ctr" anchorCtr="0" compatLnSpc="1">
+            <a:prstTxWarp prst="textNoShape">
+              <a:avLst/>
+            </a:prstTxWarp>
+            <a:spAutoFit/>
+          </a:bodyPr>
+          <a:lstStyle/>
+          <a:p>
+            <a:r>
+              <a:rPr lang="en-US" altLang="ko-KR" sz="1000" b="1" dirty="0" smtClean="0"/>
+              <a:t>CREATE table "CLASS_SUBJECT" (</a:t>
+            </a:r>
+          </a:p>
+          <a:p>
+            <a:r>
+              <a:rPr lang="en-US" altLang="ko-KR" sz="1000" dirty="0" smtClean="0"/>
+              <a:t>    "NO"         NUMBER(8,0),</a:t>
+            </a:r>
+          </a:p>
+          <a:p>
+            <a:r>
+              <a:rPr lang="en-US" altLang="ko-KR" sz="1000" dirty="0" smtClean="0"/>
+              <a:t>    "NAME"       VARCHAR2(100),</a:t>
+            </a:r>
+          </a:p>
+          <a:p>
+            <a:r>
+              <a:rPr lang="en-US" altLang="ko-KR" sz="1000" dirty="0" smtClean="0"/>
+              <a:t>    "COUNT"      NUMBER(8,0),</a:t>
+            </a:r>
+          </a:p>
+          <a:p>
+            <a:r>
+              <a:rPr lang="en-US" altLang="ko-KR" sz="1000" dirty="0" smtClean="0"/>
+              <a:t>    </a:t>
+            </a:r>
+            <a:r>
+              <a:rPr lang="en-US" altLang="ko-KR" sz="1000" b="1" dirty="0" smtClean="0"/>
+              <a:t>constraint  "CLASS_SUBJECT_PK" primary key ("NO")</a:t>
+            </a:r>
+          </a:p>
+          <a:p>
+            <a:r>
+              <a:rPr lang="en-US" altLang="ko-KR" sz="1000" dirty="0" smtClean="0"/>
+              <a:t>);</a:t>
+            </a:r>
+          </a:p>
+          <a:p>
+            <a:r>
+              <a:rPr lang="en-US" altLang="ko-KR" sz="1000" b="1" dirty="0" smtClean="0"/>
+              <a:t>CREATE SEQUENCE </a:t>
+            </a:r>
+            <a:r>
+              <a:rPr lang="en-US" altLang="ko-KR" sz="1000" b="1" dirty="0" err="1" smtClean="0"/>
+              <a:t>class_subject_no_seq</a:t>
+            </a:r>
+            <a:endParaRPr lang="en-US" altLang="ko-KR" sz="1000" b="1" dirty="0" smtClean="0"/>
+          </a:p>
+          <a:p>
+            <a:r>
+              <a:rPr lang="en-US" altLang="ko-KR" sz="1000" dirty="0" smtClean="0"/>
+              <a:t> START </a:t>
+            </a:r>
+            <a:r>
+              <a:rPr lang="en-US" altLang="ko-KR" sz="1000" b="1" dirty="0" smtClean="0"/>
+              <a:t>WITH     1</a:t>
+            </a:r>
+          </a:p>
+          <a:p>
+            <a:r>
+              <a:rPr lang="en-US" altLang="ko-KR" sz="1000" dirty="0" smtClean="0"/>
+              <a:t> INCREMENT </a:t>
+            </a:r>
+            <a:r>
+              <a:rPr lang="en-US" altLang="ko-KR" sz="1000" b="1" dirty="0" smtClean="0"/>
+              <a:t>BY   1</a:t>
+            </a:r>
+          </a:p>
+          <a:p>
+            <a:r>
+              <a:rPr lang="en-US" altLang="ko-KR" sz="1000" dirty="0" smtClean="0"/>
+              <a:t> MAXVALUE       99999999</a:t>
+            </a:r>
+          </a:p>
+          <a:p>
+            <a:r>
+              <a:rPr lang="en-US" altLang="ko-KR" sz="1000" dirty="0" smtClean="0"/>
+              <a:t> NOCACHE</a:t>
+            </a:r>
+          </a:p>
+          <a:p>
+            <a:r>
+              <a:rPr lang="en-US" altLang="ko-KR" sz="1000" dirty="0" smtClean="0"/>
+              <a:t> NOCYCLE;</a:t>
+            </a:r>
+          </a:p>
+        </p:txBody>
+      </p:sp>
+      <p:sp>
+        <p:nvSpPr>
+          <p:cNvPr id="5" name="TextBox 4"/>
+          <p:cNvSpPr txBox="1"/>
+          <p:nvPr/>
+        </p:nvSpPr>
+        <p:spPr>
+          <a:xfrm>
+            <a:off x="1043608" y="1626160"/>
+            <a:ext cx="2184509" cy="369332"/>
+          </a:xfrm>
+          <a:prstGeom prst="rect">
+            <a:avLst/>
+          </a:prstGeom>
+          <a:noFill/>
+        </p:spPr>
+        <p:txBody>
+          <a:bodyPr wrap="none" rtlCol="0">
+            <a:spAutoFit/>
+          </a:bodyPr>
+          <a:lstStyle/>
+          <a:p>
+            <a:r>
+              <a:rPr lang="en-US" altLang="ko-KR" dirty="0" err="1" smtClean="0"/>
+              <a:t>Class_Subject</a:t>
+            </a:r>
+            <a:r>
+              <a:rPr lang="en-US" altLang="ko-KR" dirty="0" smtClean="0"/>
+              <a:t> Table</a:t>
+            </a:r>
+            <a:endParaRPr lang="ko-KR" altLang="en-US" dirty="0"/>
+          </a:p>
+        </p:txBody>
+      </p:sp>
+      <p:sp>
+        <p:nvSpPr>
+          <p:cNvPr id="7" name="Rectangle 1"/>
+          <p:cNvSpPr>
+            <a:spLocks noChangeArrowheads="1"/>
+          </p:cNvSpPr>
+          <p:nvPr/>
+        </p:nvSpPr>
+        <p:spPr bwMode="auto">
+          <a:xfrm>
+            <a:off x="4932040" y="1988838"/>
+            <a:ext cx="3096344" cy="2092881"/>
+          </a:xfrm>
+          <a:prstGeom prst="rect">
+            <a:avLst/>
+          </a:prstGeom>
+          <a:noFill/>
+          <a:ln w="9525">
+            <a:solidFill>
+              <a:schemeClr val="accent1"/>
+            </a:solidFill>
+            <a:miter lim="800000"/>
+            <a:headEnd/>
+            <a:tailEnd/>
+          </a:ln>
+          <a:effectLst/>
+        </p:spPr>
+        <p:txBody>
+          <a:bodyPr vert="horz" wrap="square" lIns="91440" tIns="45720" rIns="91440" bIns="45720" numCol="1" anchor="ctr" anchorCtr="0" compatLnSpc="1">
+            <a:prstTxWarp prst="textNoShape">
+              <a:avLst/>
+            </a:prstTxWarp>
+            <a:spAutoFit/>
+          </a:bodyPr>
+          <a:lstStyle/>
+          <a:p>
+            <a:r>
+              <a:rPr lang="en-US" altLang="ko-KR" sz="1000" b="1" dirty="0" smtClean="0"/>
+              <a:t>CREATE table "CLASS_TEACHER" (</a:t>
+            </a:r>
+          </a:p>
+          <a:p>
+            <a:r>
+              <a:rPr lang="en-US" altLang="ko-KR" sz="1000" dirty="0" smtClean="0"/>
+              <a:t>    "NO"         NUMBER(8,0),</a:t>
+            </a:r>
+          </a:p>
+          <a:p>
+            <a:r>
+              <a:rPr lang="en-US" altLang="ko-KR" sz="1000" dirty="0" smtClean="0"/>
+              <a:t>    "NAME"       VARCHAR2(100),</a:t>
+            </a:r>
+          </a:p>
+          <a:p>
+            <a:r>
+              <a:rPr lang="en-US" altLang="ko-KR" sz="1000" dirty="0" smtClean="0"/>
+              <a:t>    "COUNT"      NUMBER(8,0),</a:t>
+            </a:r>
+          </a:p>
+          <a:p>
+            <a:r>
+              <a:rPr lang="en-US" altLang="ko-KR" sz="1000" dirty="0" smtClean="0"/>
+              <a:t>    </a:t>
+            </a:r>
+            <a:r>
+              <a:rPr lang="en-US" altLang="ko-KR" sz="1000" b="1" dirty="0" smtClean="0"/>
+              <a:t>constraint  "CLASS_TEACHER_PK" primary key ("NO")</a:t>
+            </a:r>
+          </a:p>
+          <a:p>
+            <a:r>
+              <a:rPr lang="en-US" altLang="ko-KR" sz="1000" dirty="0" smtClean="0"/>
+              <a:t>);</a:t>
+            </a:r>
+          </a:p>
+          <a:p>
+            <a:r>
+              <a:rPr lang="en-US" altLang="ko-KR" sz="1000" b="1" dirty="0" smtClean="0"/>
+              <a:t>CREATE SEQUENCE </a:t>
+            </a:r>
+            <a:r>
+              <a:rPr lang="en-US" altLang="ko-KR" sz="1000" b="1" dirty="0" err="1" smtClean="0"/>
+              <a:t>class_teacher_no_seq</a:t>
+            </a:r>
+            <a:endParaRPr lang="en-US" altLang="ko-KR" sz="1000" b="1" dirty="0" smtClean="0"/>
+          </a:p>
+          <a:p>
+            <a:r>
+              <a:rPr lang="en-US" altLang="ko-KR" sz="1000" dirty="0" smtClean="0"/>
+              <a:t> START </a:t>
+            </a:r>
+            <a:r>
+              <a:rPr lang="en-US" altLang="ko-KR" sz="1000" b="1" dirty="0" smtClean="0"/>
+              <a:t>WITH     1</a:t>
+            </a:r>
+          </a:p>
+          <a:p>
+            <a:r>
+              <a:rPr lang="en-US" altLang="ko-KR" sz="1000" dirty="0" smtClean="0"/>
+              <a:t> INCREMENT </a:t>
+            </a:r>
+            <a:r>
+              <a:rPr lang="en-US" altLang="ko-KR" sz="1000" b="1" dirty="0" smtClean="0"/>
+              <a:t>BY   1</a:t>
+            </a:r>
+          </a:p>
+          <a:p>
+            <a:r>
+              <a:rPr lang="en-US" altLang="ko-KR" sz="1000" dirty="0" smtClean="0"/>
+              <a:t> MAXVALUE       99999999</a:t>
+            </a:r>
+          </a:p>
+          <a:p>
+            <a:r>
+              <a:rPr lang="en-US" altLang="ko-KR" sz="1000" dirty="0" smtClean="0"/>
+              <a:t> NOCACHE</a:t>
+            </a:r>
+          </a:p>
+          <a:p>
+            <a:r>
+              <a:rPr lang="en-US" altLang="ko-KR" sz="1000" dirty="0" smtClean="0"/>
+              <a:t> NOCYCLE;</a:t>
+            </a:r>
+          </a:p>
+        </p:txBody>
+      </p:sp>
+      <p:sp>
+        <p:nvSpPr>
+          <p:cNvPr id="9" name="TextBox 8"/>
+          <p:cNvSpPr txBox="1"/>
+          <p:nvPr/>
+        </p:nvSpPr>
+        <p:spPr>
+          <a:xfrm>
+            <a:off x="4860032" y="1626160"/>
+            <a:ext cx="2208490" cy="369332"/>
+          </a:xfrm>
+          <a:prstGeom prst="rect">
+            <a:avLst/>
+          </a:prstGeom>
+          <a:noFill/>
+        </p:spPr>
+        <p:txBody>
+          <a:bodyPr wrap="none" rtlCol="0">
+            <a:spAutoFit/>
+          </a:bodyPr>
+          <a:lstStyle/>
+          <a:p>
+            <a:r>
+              <a:rPr lang="en-US" altLang="ko-KR" dirty="0" err="1" smtClean="0"/>
+              <a:t>Class_Teacher</a:t>
+            </a:r>
+            <a:r>
+              <a:rPr lang="en-US" altLang="ko-KR" dirty="0" smtClean="0"/>
+              <a:t> Table</a:t>
+            </a:r>
+            <a:endParaRPr lang="ko-KR" altLang="en-US" dirty="0"/>
+          </a:p>
+        </p:txBody>
+      </p:sp>
+      <p:sp>
+        <p:nvSpPr>
+          <p:cNvPr id="10" name="Rectangle 1"/>
+          <p:cNvSpPr>
+            <a:spLocks noChangeArrowheads="1"/>
+          </p:cNvSpPr>
+          <p:nvPr/>
+        </p:nvSpPr>
+        <p:spPr bwMode="auto">
+          <a:xfrm>
+            <a:off x="1115616" y="4571795"/>
+            <a:ext cx="3096344" cy="2092881"/>
+          </a:xfrm>
+          <a:prstGeom prst="rect">
+            <a:avLst/>
+          </a:prstGeom>
+          <a:noFill/>
+          <a:ln w="9525">
+            <a:solidFill>
+              <a:schemeClr val="accent1"/>
+            </a:solidFill>
+            <a:miter lim="800000"/>
+            <a:headEnd/>
+            <a:tailEnd/>
+          </a:ln>
+          <a:effectLst/>
+        </p:spPr>
+        <p:txBody>
+          <a:bodyPr vert="horz" wrap="square" lIns="91440" tIns="45720" rIns="91440" bIns="45720" numCol="1" anchor="ctr" anchorCtr="0" compatLnSpc="1">
+            <a:prstTxWarp prst="textNoShape">
+              <a:avLst/>
+            </a:prstTxWarp>
+            <a:spAutoFit/>
+          </a:bodyPr>
+          <a:lstStyle/>
+          <a:p>
+            <a:r>
+              <a:rPr lang="en-US" altLang="ko-KR" sz="1000" b="1" dirty="0" smtClean="0"/>
+              <a:t>CREATE table "CLASS_PLACE" (</a:t>
+            </a:r>
+          </a:p>
+          <a:p>
+            <a:r>
+              <a:rPr lang="en-US" altLang="ko-KR" sz="1000" dirty="0" smtClean="0"/>
+              <a:t>    "NO"         NUMBER(8,0),</a:t>
+            </a:r>
+          </a:p>
+          <a:p>
+            <a:r>
+              <a:rPr lang="en-US" altLang="ko-KR" sz="1000" dirty="0" smtClean="0"/>
+              <a:t>    "NAME"       VARCHAR2(100),</a:t>
+            </a:r>
+          </a:p>
+          <a:p>
+            <a:r>
+              <a:rPr lang="en-US" altLang="ko-KR" sz="1000" dirty="0" smtClean="0"/>
+              <a:t>    "COUNT"      NUMBER(8,0),</a:t>
+            </a:r>
+          </a:p>
+          <a:p>
+            <a:r>
+              <a:rPr lang="en-US" altLang="ko-KR" sz="1000" dirty="0" smtClean="0"/>
+              <a:t>    </a:t>
+            </a:r>
+            <a:r>
+              <a:rPr lang="en-US" altLang="ko-KR" sz="1000" b="1" dirty="0" smtClean="0"/>
+              <a:t>constraint  "CLASS_PLACE_PK" primary key ("NO")</a:t>
+            </a:r>
+          </a:p>
+          <a:p>
+            <a:r>
+              <a:rPr lang="en-US" altLang="ko-KR" sz="1000" dirty="0" smtClean="0"/>
+              <a:t>);</a:t>
+            </a:r>
+          </a:p>
+          <a:p>
+            <a:r>
+              <a:rPr lang="en-US" altLang="ko-KR" sz="1000" b="1" dirty="0" smtClean="0"/>
+              <a:t>CREATE SEQUENCE </a:t>
+            </a:r>
+            <a:r>
+              <a:rPr lang="en-US" altLang="ko-KR" sz="1000" b="1" dirty="0" err="1" smtClean="0"/>
+              <a:t>class_place_no_seq</a:t>
+            </a:r>
+            <a:endParaRPr lang="en-US" altLang="ko-KR" sz="1000" b="1" dirty="0" smtClean="0"/>
+          </a:p>
+          <a:p>
+            <a:r>
+              <a:rPr lang="en-US" altLang="ko-KR" sz="1000" dirty="0" smtClean="0"/>
+              <a:t> START </a:t>
+            </a:r>
+            <a:r>
+              <a:rPr lang="en-US" altLang="ko-KR" sz="1000" b="1" dirty="0" smtClean="0"/>
+              <a:t>WITH     1</a:t>
+            </a:r>
+          </a:p>
+          <a:p>
+            <a:r>
+              <a:rPr lang="en-US" altLang="ko-KR" sz="1000" dirty="0" smtClean="0"/>
+              <a:t> INCREMENT </a:t>
+            </a:r>
+            <a:r>
+              <a:rPr lang="en-US" altLang="ko-KR" sz="1000" b="1" dirty="0" smtClean="0"/>
+              <a:t>BY   1</a:t>
+            </a:r>
+          </a:p>
+          <a:p>
+            <a:r>
+              <a:rPr lang="en-US" altLang="ko-KR" sz="1000" dirty="0" smtClean="0"/>
+              <a:t> MAXVALUE       99999999</a:t>
+            </a:r>
+          </a:p>
+          <a:p>
+            <a:r>
+              <a:rPr lang="en-US" altLang="ko-KR" sz="1000" dirty="0" smtClean="0"/>
+              <a:t> NOCACHE</a:t>
+            </a:r>
+          </a:p>
+          <a:p>
+            <a:r>
+              <a:rPr lang="en-US" altLang="ko-KR" sz="1000" dirty="0" smtClean="0"/>
+              <a:t> NOCYCLE;</a:t>
+            </a:r>
+          </a:p>
+        </p:txBody>
+      </p:sp>
+      <p:sp>
+        <p:nvSpPr>
+          <p:cNvPr id="11" name="TextBox 10"/>
+          <p:cNvSpPr txBox="1"/>
+          <p:nvPr/>
+        </p:nvSpPr>
+        <p:spPr>
+          <a:xfrm>
+            <a:off x="1043608" y="4183764"/>
+            <a:ext cx="1960088" cy="369332"/>
+          </a:xfrm>
+          <a:prstGeom prst="rect">
+            <a:avLst/>
+          </a:prstGeom>
+          <a:noFill/>
+        </p:spPr>
+        <p:txBody>
+          <a:bodyPr wrap="none" rtlCol="0">
+            <a:spAutoFit/>
+          </a:bodyPr>
+          <a:lstStyle/>
+          <a:p>
+            <a:r>
+              <a:rPr lang="en-US" altLang="ko-KR" dirty="0" err="1" smtClean="0"/>
+              <a:t>Class_Place</a:t>
+            </a:r>
+            <a:r>
+              <a:rPr lang="en-US" altLang="ko-KR" dirty="0" smtClean="0"/>
+              <a:t> Table</a:t>
+            </a:r>
+            <a:endParaRPr lang="ko-KR" altLang="en-US" dirty="0"/>
+          </a:p>
+        </p:txBody>
+      </p:sp>
+      <p:sp>
+        <p:nvSpPr>
+          <p:cNvPr id="12" name="Rectangle 1"/>
+          <p:cNvSpPr>
+            <a:spLocks noChangeArrowheads="1"/>
+          </p:cNvSpPr>
+          <p:nvPr/>
+        </p:nvSpPr>
+        <p:spPr bwMode="auto">
+          <a:xfrm>
+            <a:off x="4932040" y="4571795"/>
+            <a:ext cx="3096344" cy="2092881"/>
+          </a:xfrm>
+          <a:prstGeom prst="rect">
+            <a:avLst/>
+          </a:prstGeom>
+          <a:noFill/>
+          <a:ln w="9525">
+            <a:solidFill>
+              <a:schemeClr val="accent1"/>
+            </a:solidFill>
+            <a:miter lim="800000"/>
+            <a:headEnd/>
+            <a:tailEnd/>
+          </a:ln>
+          <a:effectLst/>
+        </p:spPr>
+        <p:txBody>
+          <a:bodyPr vert="horz" wrap="square" lIns="91440" tIns="45720" rIns="91440" bIns="45720" numCol="1" anchor="ctr" anchorCtr="0" compatLnSpc="1">
+            <a:prstTxWarp prst="textNoShape">
+              <a:avLst/>
+            </a:prstTxWarp>
+            <a:spAutoFit/>
+          </a:bodyPr>
+          <a:lstStyle/>
+          <a:p>
+            <a:r>
+              <a:rPr lang="en-US" altLang="ko-KR" sz="1000" b="1" dirty="0" smtClean="0"/>
+              <a:t>CREATE table "CLASS_NAME" (</a:t>
+            </a:r>
+          </a:p>
+          <a:p>
+            <a:r>
+              <a:rPr lang="en-US" altLang="ko-KR" sz="1000" dirty="0" smtClean="0"/>
+              <a:t>    "NO"         NUMBER(8,0),</a:t>
+            </a:r>
+          </a:p>
+          <a:p>
+            <a:r>
+              <a:rPr lang="en-US" altLang="ko-KR" sz="1000" dirty="0" smtClean="0"/>
+              <a:t>    "NAME"       VARCHAR2(100),</a:t>
+            </a:r>
+          </a:p>
+          <a:p>
+            <a:r>
+              <a:rPr lang="en-US" altLang="ko-KR" sz="1000" dirty="0" smtClean="0"/>
+              <a:t>    "COUNT"      NUMBER(8,0),</a:t>
+            </a:r>
+          </a:p>
+          <a:p>
+            <a:r>
+              <a:rPr lang="en-US" altLang="ko-KR" sz="1000" dirty="0" smtClean="0"/>
+              <a:t>    </a:t>
+            </a:r>
+            <a:r>
+              <a:rPr lang="en-US" altLang="ko-KR" sz="1000" b="1" dirty="0" smtClean="0"/>
+              <a:t>constraint  "CLASS_NAME_PK" primary key ("NO")</a:t>
+            </a:r>
+          </a:p>
+          <a:p>
+            <a:r>
+              <a:rPr lang="en-US" altLang="ko-KR" sz="1000" dirty="0" smtClean="0"/>
+              <a:t>);</a:t>
+            </a:r>
+          </a:p>
+          <a:p>
+            <a:r>
+              <a:rPr lang="en-US" altLang="ko-KR" sz="1000" b="1" dirty="0" smtClean="0"/>
+              <a:t>CREATE SEQUENCE </a:t>
+            </a:r>
+            <a:r>
+              <a:rPr lang="en-US" altLang="ko-KR" sz="1000" b="1" dirty="0" err="1" smtClean="0"/>
+              <a:t>class_name_no_seq</a:t>
+            </a:r>
+            <a:endParaRPr lang="en-US" altLang="ko-KR" sz="1000" b="1" dirty="0" smtClean="0"/>
+          </a:p>
+          <a:p>
+            <a:r>
+              <a:rPr lang="en-US" altLang="ko-KR" sz="1000" dirty="0" smtClean="0"/>
+              <a:t> START </a:t>
+            </a:r>
+            <a:r>
+              <a:rPr lang="en-US" altLang="ko-KR" sz="1000" b="1" dirty="0" smtClean="0"/>
+              <a:t>WITH     1</a:t>
+            </a:r>
+          </a:p>
+          <a:p>
+            <a:r>
+              <a:rPr lang="en-US" altLang="ko-KR" sz="1000" dirty="0" smtClean="0"/>
+              <a:t> INCREMENT </a:t>
+            </a:r>
+            <a:r>
+              <a:rPr lang="en-US" altLang="ko-KR" sz="1000" b="1" dirty="0" smtClean="0"/>
+              <a:t>BY   1</a:t>
+            </a:r>
+          </a:p>
+          <a:p>
+            <a:r>
+              <a:rPr lang="en-US" altLang="ko-KR" sz="1000" dirty="0" smtClean="0"/>
+              <a:t> MAXVALUE       99999999</a:t>
+            </a:r>
+          </a:p>
+          <a:p>
+            <a:r>
+              <a:rPr lang="en-US" altLang="ko-KR" sz="1000" dirty="0" smtClean="0"/>
+              <a:t> NOCACHE</a:t>
+            </a:r>
+          </a:p>
+          <a:p>
+            <a:r>
+              <a:rPr lang="en-US" altLang="ko-KR" sz="1000" dirty="0" smtClean="0"/>
+              <a:t> NOCYCLE;</a:t>
+            </a:r>
+          </a:p>
+        </p:txBody>
+      </p:sp>
+      <p:sp>
+        <p:nvSpPr>
+          <p:cNvPr id="13" name="TextBox 12"/>
+          <p:cNvSpPr txBox="1"/>
+          <p:nvPr/>
+        </p:nvSpPr>
+        <p:spPr>
+          <a:xfrm>
+            <a:off x="4860032" y="4183764"/>
+            <a:ext cx="2043445" cy="369332"/>
+          </a:xfrm>
+          <a:prstGeom prst="rect">
+            <a:avLst/>
+          </a:prstGeom>
+          <a:noFill/>
+        </p:spPr>
+        <p:txBody>
+          <a:bodyPr wrap="none" rtlCol="0">
+            <a:spAutoFit/>
+          </a:bodyPr>
+          <a:lstStyle/>
+          <a:p>
+            <a:r>
+              <a:rPr lang="en-US" altLang="ko-KR" dirty="0" err="1" smtClean="0"/>
+              <a:t>Class_Name</a:t>
+            </a:r>
+            <a:r>
+              <a:rPr lang="en-US" altLang="ko-KR" dirty="0" smtClean="0"/>
+              <a:t> Table</a:t>
+            </a:r>
+            <a:endParaRPr lang="ko-KR" altLang="en-US" dirty="0"/>
+          </a:p>
+        </p:txBody>
+      </p:sp>
     </p:spTree>
   </p:cSld>
   <p:clrMapOvr>

--- a/doc/studyer_project.pptx
+++ b/doc/studyer_project.pptx
@@ -15,7 +15,10 @@
     <p:sldId id="267" r:id="rId9"/>
     <p:sldId id="264" r:id="rId10"/>
     <p:sldId id="265" r:id="rId11"/>
-    <p:sldId id="266" r:id="rId12"/>
+    <p:sldId id="268" r:id="rId12"/>
+    <p:sldId id="269" r:id="rId13"/>
+    <p:sldId id="270" r:id="rId14"/>
+    <p:sldId id="271" r:id="rId15"/>
   </p:sldIdLst>
   <p:sldSz cx="9144000" cy="6858000" type="screen4x3"/>
   <p:notesSz cx="6858000" cy="9144000"/>
@@ -4595,6 +4598,1121 @@
           </a:fontRef>
         </p:style>
       </p:cxnSp>
+      <p:sp>
+        <p:nvSpPr>
+          <p:cNvPr id="3" name="직사각형 2"/>
+          <p:cNvSpPr/>
+          <p:nvPr/>
+        </p:nvSpPr>
+        <p:spPr>
+          <a:xfrm>
+            <a:off x="2123728" y="908720"/>
+            <a:ext cx="4896544" cy="540000"/>
+          </a:xfrm>
+          <a:prstGeom prst="rect">
+            <a:avLst/>
+          </a:prstGeom>
+          <a:noFill/>
+          <a:ln>
+            <a:noFill/>
+          </a:ln>
+        </p:spPr>
+        <p:style>
+          <a:lnRef idx="2">
+            <a:schemeClr val="accent1">
+              <a:shade val="50000"/>
+            </a:schemeClr>
+          </a:lnRef>
+          <a:fillRef idx="1">
+            <a:schemeClr val="accent1"/>
+          </a:fillRef>
+          <a:effectRef idx="0">
+            <a:schemeClr val="accent1"/>
+          </a:effectRef>
+          <a:fontRef idx="minor">
+            <a:schemeClr val="lt1"/>
+          </a:fontRef>
+        </p:style>
+        <p:txBody>
+          <a:bodyPr rtlCol="0" anchor="ctr"/>
+          <a:lstStyle/>
+          <a:p>
+            <a:pPr algn="ctr"/>
+            <a:r>
+              <a:rPr lang="en-US" altLang="ko-KR" sz="2000" dirty="0" smtClean="0">
+                <a:solidFill>
+                  <a:schemeClr val="tx1"/>
+                </a:solidFill>
+                <a:latin typeface="Arial Unicode MS" pitchFamily="50" charset="-127"/>
+                <a:ea typeface="Arial Unicode MS" pitchFamily="50" charset="-127"/>
+                <a:cs typeface="Arial Unicode MS" pitchFamily="50" charset="-127"/>
+              </a:rPr>
+              <a:t>STUDYER _ </a:t>
+            </a:r>
+            <a:r>
+              <a:rPr lang="ko-KR" altLang="en-US" sz="2000" dirty="0" smtClean="0">
+                <a:solidFill>
+                  <a:schemeClr val="tx1"/>
+                </a:solidFill>
+                <a:latin typeface="Arial Unicode MS" pitchFamily="50" charset="-127"/>
+                <a:ea typeface="Arial Unicode MS" pitchFamily="50" charset="-127"/>
+                <a:cs typeface="Arial Unicode MS" pitchFamily="50" charset="-127"/>
+              </a:rPr>
+              <a:t>분</a:t>
+            </a:r>
+            <a:r>
+              <a:rPr lang="ko-KR" altLang="en-US" sz="2000" dirty="0" smtClean="0">
+                <a:solidFill>
+                  <a:schemeClr val="tx1"/>
+                </a:solidFill>
+                <a:latin typeface="Arial Unicode MS" pitchFamily="50" charset="-127"/>
+                <a:ea typeface="Arial Unicode MS" pitchFamily="50" charset="-127"/>
+                <a:cs typeface="Arial Unicode MS" pitchFamily="50" charset="-127"/>
+              </a:rPr>
+              <a:t>업</a:t>
+            </a:r>
+            <a:endParaRPr lang="ko-KR" altLang="en-US" sz="2000" dirty="0">
+              <a:solidFill>
+                <a:schemeClr val="tx1"/>
+              </a:solidFill>
+              <a:latin typeface="Arial Unicode MS" pitchFamily="50" charset="-127"/>
+              <a:ea typeface="Arial Unicode MS" pitchFamily="50" charset="-127"/>
+              <a:cs typeface="Arial Unicode MS" pitchFamily="50" charset="-127"/>
+            </a:endParaRPr>
+          </a:p>
+        </p:txBody>
+      </p:sp>
+      <p:sp>
+        <p:nvSpPr>
+          <p:cNvPr id="4" name="직사각형 3"/>
+          <p:cNvSpPr/>
+          <p:nvPr/>
+        </p:nvSpPr>
+        <p:spPr>
+          <a:xfrm>
+            <a:off x="899592" y="1772816"/>
+            <a:ext cx="3528392" cy="2448272"/>
+          </a:xfrm>
+          <a:prstGeom prst="rect">
+            <a:avLst/>
+          </a:prstGeom>
+          <a:noFill/>
+        </p:spPr>
+        <p:style>
+          <a:lnRef idx="2">
+            <a:schemeClr val="accent1">
+              <a:shade val="50000"/>
+            </a:schemeClr>
+          </a:lnRef>
+          <a:fillRef idx="1">
+            <a:schemeClr val="accent1"/>
+          </a:fillRef>
+          <a:effectRef idx="0">
+            <a:schemeClr val="accent1"/>
+          </a:effectRef>
+          <a:fontRef idx="minor">
+            <a:schemeClr val="lt1"/>
+          </a:fontRef>
+        </p:style>
+        <p:txBody>
+          <a:bodyPr rtlCol="0" anchor="t"/>
+          <a:lstStyle/>
+          <a:p>
+            <a:r>
+              <a:rPr lang="ko-KR" altLang="en-US" dirty="0" err="1" smtClean="0">
+                <a:solidFill>
+                  <a:schemeClr val="tx1"/>
+                </a:solidFill>
+              </a:rPr>
+              <a:t>박슬아</a:t>
+            </a:r>
+            <a:endParaRPr lang="en-US" altLang="ko-KR" dirty="0" smtClean="0">
+              <a:solidFill>
+                <a:schemeClr val="tx1"/>
+              </a:solidFill>
+            </a:endParaRPr>
+          </a:p>
+          <a:p>
+            <a:endParaRPr lang="en-US" altLang="ko-KR" dirty="0" smtClean="0">
+              <a:solidFill>
+                <a:schemeClr val="tx1"/>
+              </a:solidFill>
+            </a:endParaRPr>
+          </a:p>
+          <a:p>
+            <a:pPr marL="342900" indent="-342900">
+              <a:buAutoNum type="arabicPeriod"/>
+            </a:pPr>
+            <a:r>
+              <a:rPr lang="ko-KR" altLang="en-US" dirty="0" smtClean="0">
+                <a:solidFill>
+                  <a:schemeClr val="tx1"/>
+                </a:solidFill>
+              </a:rPr>
+              <a:t>회원가입</a:t>
+            </a:r>
+            <a:endParaRPr lang="en-US" altLang="ko-KR" dirty="0" smtClean="0">
+              <a:solidFill>
+                <a:schemeClr val="tx1"/>
+              </a:solidFill>
+            </a:endParaRPr>
+          </a:p>
+          <a:p>
+            <a:pPr marL="342900" indent="-342900">
+              <a:buAutoNum type="arabicPeriod"/>
+            </a:pPr>
+            <a:r>
+              <a:rPr lang="ko-KR" altLang="en-US" dirty="0" smtClean="0">
+                <a:solidFill>
+                  <a:schemeClr val="tx1"/>
+                </a:solidFill>
+              </a:rPr>
+              <a:t>글 쓰기</a:t>
+            </a:r>
+            <a:r>
+              <a:rPr lang="en-US" altLang="ko-KR" dirty="0" smtClean="0">
+                <a:solidFill>
+                  <a:schemeClr val="tx1"/>
+                </a:solidFill>
+              </a:rPr>
+              <a:t>,</a:t>
+            </a:r>
+            <a:r>
+              <a:rPr lang="ko-KR" altLang="en-US" dirty="0" smtClean="0">
+                <a:solidFill>
+                  <a:schemeClr val="tx1"/>
+                </a:solidFill>
+              </a:rPr>
+              <a:t>수정</a:t>
+            </a:r>
+            <a:r>
+              <a:rPr lang="en-US" altLang="ko-KR" dirty="0" smtClean="0">
+                <a:solidFill>
+                  <a:schemeClr val="tx1"/>
+                </a:solidFill>
+              </a:rPr>
+              <a:t>,</a:t>
+            </a:r>
+            <a:r>
+              <a:rPr lang="ko-KR" altLang="en-US" dirty="0" smtClean="0">
+                <a:solidFill>
+                  <a:schemeClr val="tx1"/>
+                </a:solidFill>
+              </a:rPr>
+              <a:t>삭제 기능</a:t>
+            </a:r>
+            <a:endParaRPr lang="en-US" altLang="ko-KR" dirty="0" smtClean="0">
+              <a:solidFill>
+                <a:schemeClr val="tx1"/>
+              </a:solidFill>
+            </a:endParaRPr>
+          </a:p>
+          <a:p>
+            <a:pPr marL="342900" indent="-342900"/>
+            <a:r>
+              <a:rPr lang="en-US" altLang="ko-KR" dirty="0" smtClean="0">
+                <a:solidFill>
+                  <a:schemeClr val="tx1"/>
+                </a:solidFill>
+              </a:rPr>
+              <a:t>(</a:t>
+            </a:r>
+            <a:r>
+              <a:rPr lang="ko-KR" altLang="en-US" dirty="0" smtClean="0">
+                <a:solidFill>
+                  <a:schemeClr val="tx1"/>
+                </a:solidFill>
+              </a:rPr>
+              <a:t>파일 업로드</a:t>
+            </a:r>
+            <a:r>
+              <a:rPr lang="en-US" altLang="ko-KR" dirty="0" smtClean="0">
+                <a:solidFill>
+                  <a:schemeClr val="tx1"/>
+                </a:solidFill>
+              </a:rPr>
+              <a:t>/ </a:t>
+            </a:r>
+            <a:r>
+              <a:rPr lang="ko-KR" altLang="en-US" dirty="0" smtClean="0">
+                <a:solidFill>
+                  <a:schemeClr val="tx1"/>
+                </a:solidFill>
+              </a:rPr>
+              <a:t>업데이트 기능</a:t>
+            </a:r>
+            <a:r>
+              <a:rPr lang="en-US" altLang="ko-KR" dirty="0" smtClean="0">
+                <a:solidFill>
+                  <a:schemeClr val="tx1"/>
+                </a:solidFill>
+              </a:rPr>
+              <a:t>)</a:t>
+            </a:r>
+          </a:p>
+          <a:p>
+            <a:pPr marL="342900" indent="-342900"/>
+            <a:r>
+              <a:rPr lang="en-US" altLang="ko-KR" dirty="0" smtClean="0">
+                <a:solidFill>
+                  <a:schemeClr val="tx1"/>
+                </a:solidFill>
+              </a:rPr>
+              <a:t>3. </a:t>
+            </a:r>
+            <a:r>
+              <a:rPr lang="ko-KR" altLang="en-US" dirty="0" smtClean="0">
+                <a:solidFill>
+                  <a:schemeClr val="tx1"/>
+                </a:solidFill>
+              </a:rPr>
+              <a:t>카테고리 입력 기능</a:t>
+            </a:r>
+            <a:endParaRPr lang="ko-KR" altLang="en-US" dirty="0">
+              <a:solidFill>
+                <a:schemeClr val="tx1"/>
+              </a:solidFill>
+            </a:endParaRPr>
+          </a:p>
+        </p:txBody>
+      </p:sp>
+      <p:sp>
+        <p:nvSpPr>
+          <p:cNvPr id="5" name="직사각형 4"/>
+          <p:cNvSpPr/>
+          <p:nvPr/>
+        </p:nvSpPr>
+        <p:spPr>
+          <a:xfrm>
+            <a:off x="4716016" y="1772816"/>
+            <a:ext cx="3528392" cy="2448272"/>
+          </a:xfrm>
+          <a:prstGeom prst="rect">
+            <a:avLst/>
+          </a:prstGeom>
+          <a:noFill/>
+        </p:spPr>
+        <p:style>
+          <a:lnRef idx="2">
+            <a:schemeClr val="accent1">
+              <a:shade val="50000"/>
+            </a:schemeClr>
+          </a:lnRef>
+          <a:fillRef idx="1">
+            <a:schemeClr val="accent1"/>
+          </a:fillRef>
+          <a:effectRef idx="0">
+            <a:schemeClr val="accent1"/>
+          </a:effectRef>
+          <a:fontRef idx="minor">
+            <a:schemeClr val="lt1"/>
+          </a:fontRef>
+        </p:style>
+        <p:txBody>
+          <a:bodyPr rtlCol="0" anchor="t"/>
+          <a:lstStyle/>
+          <a:p>
+            <a:r>
+              <a:rPr lang="ko-KR" altLang="en-US" dirty="0" smtClean="0">
+                <a:solidFill>
+                  <a:schemeClr val="tx1"/>
+                </a:solidFill>
+              </a:rPr>
+              <a:t>정진원</a:t>
+            </a:r>
+            <a:endParaRPr lang="en-US" altLang="ko-KR" dirty="0" smtClean="0">
+              <a:solidFill>
+                <a:schemeClr val="tx1"/>
+              </a:solidFill>
+            </a:endParaRPr>
+          </a:p>
+          <a:p>
+            <a:endParaRPr lang="en-US" altLang="ko-KR" dirty="0" smtClean="0">
+              <a:solidFill>
+                <a:schemeClr val="tx1"/>
+              </a:solidFill>
+            </a:endParaRPr>
+          </a:p>
+          <a:p>
+            <a:pPr marL="342900" indent="-342900">
+              <a:buAutoNum type="arabicPeriod"/>
+            </a:pPr>
+            <a:r>
+              <a:rPr lang="en-US" altLang="ko-KR" dirty="0" smtClean="0">
+                <a:solidFill>
+                  <a:schemeClr val="tx1"/>
+                </a:solidFill>
+              </a:rPr>
+              <a:t>DB </a:t>
+            </a:r>
+            <a:r>
+              <a:rPr lang="ko-KR" altLang="en-US" dirty="0" smtClean="0">
+                <a:solidFill>
+                  <a:schemeClr val="tx1"/>
+                </a:solidFill>
+              </a:rPr>
+              <a:t>생성</a:t>
+            </a:r>
+            <a:endParaRPr lang="en-US" altLang="ko-KR" dirty="0" smtClean="0">
+              <a:solidFill>
+                <a:schemeClr val="tx1"/>
+              </a:solidFill>
+            </a:endParaRPr>
+          </a:p>
+          <a:p>
+            <a:pPr marL="342900" indent="-342900">
+              <a:buAutoNum type="arabicPeriod"/>
+            </a:pPr>
+            <a:r>
+              <a:rPr lang="ko-KR" altLang="en-US" dirty="0" smtClean="0">
+                <a:solidFill>
+                  <a:schemeClr val="tx1"/>
+                </a:solidFill>
+              </a:rPr>
+              <a:t>화면설계</a:t>
+            </a:r>
+            <a:endParaRPr lang="en-US" altLang="ko-KR" dirty="0" smtClean="0">
+              <a:solidFill>
+                <a:schemeClr val="tx1"/>
+              </a:solidFill>
+            </a:endParaRPr>
+          </a:p>
+          <a:p>
+            <a:pPr marL="342900" indent="-342900">
+              <a:buAutoNum type="arabicPeriod"/>
+            </a:pPr>
+            <a:r>
+              <a:rPr lang="ko-KR" altLang="en-US" dirty="0" smtClean="0">
+                <a:solidFill>
+                  <a:schemeClr val="tx1"/>
+                </a:solidFill>
+              </a:rPr>
+              <a:t>카테고리 검색 기능</a:t>
+            </a:r>
+            <a:endParaRPr lang="en-US" altLang="ko-KR" dirty="0" smtClean="0">
+              <a:solidFill>
+                <a:schemeClr val="tx1"/>
+              </a:solidFill>
+            </a:endParaRPr>
+          </a:p>
+          <a:p>
+            <a:pPr marL="342900" indent="-342900"/>
+            <a:r>
+              <a:rPr lang="en-US" altLang="ko-KR" dirty="0" smtClean="0">
+                <a:solidFill>
+                  <a:schemeClr val="tx1"/>
+                </a:solidFill>
+              </a:rPr>
+              <a:t>(</a:t>
+            </a:r>
+            <a:r>
+              <a:rPr lang="ko-KR" altLang="en-US" dirty="0" smtClean="0">
+                <a:solidFill>
+                  <a:schemeClr val="tx1"/>
+                </a:solidFill>
+              </a:rPr>
+              <a:t>검색 시 자동완성 기능</a:t>
+            </a:r>
+            <a:r>
+              <a:rPr lang="en-US" altLang="ko-KR" dirty="0" smtClean="0">
+                <a:solidFill>
+                  <a:schemeClr val="tx1"/>
+                </a:solidFill>
+              </a:rPr>
+              <a:t>)</a:t>
+            </a:r>
+          </a:p>
+          <a:p>
+            <a:pPr marL="342900" indent="-342900"/>
+            <a:r>
+              <a:rPr lang="en-US" altLang="ko-KR" dirty="0" smtClean="0">
+                <a:solidFill>
+                  <a:schemeClr val="tx1"/>
+                </a:solidFill>
+              </a:rPr>
+              <a:t>4. </a:t>
+            </a:r>
+            <a:r>
+              <a:rPr lang="ko-KR" altLang="en-US" dirty="0" smtClean="0">
+                <a:solidFill>
+                  <a:schemeClr val="tx1"/>
+                </a:solidFill>
+              </a:rPr>
+              <a:t>편집자와 편집부분 </a:t>
+            </a:r>
+            <a:endParaRPr lang="en-US" altLang="ko-KR" dirty="0" smtClean="0">
+              <a:solidFill>
+                <a:schemeClr val="tx1"/>
+              </a:solidFill>
+            </a:endParaRPr>
+          </a:p>
+          <a:p>
+            <a:pPr marL="342900" indent="-342900"/>
+            <a:r>
+              <a:rPr lang="en-US" altLang="ko-KR" dirty="0" smtClean="0">
+                <a:solidFill>
+                  <a:schemeClr val="tx1"/>
+                </a:solidFill>
+              </a:rPr>
+              <a:t>   </a:t>
+            </a:r>
+            <a:r>
+              <a:rPr lang="ko-KR" altLang="en-US" dirty="0" smtClean="0">
+                <a:solidFill>
+                  <a:schemeClr val="tx1"/>
+                </a:solidFill>
+              </a:rPr>
+              <a:t>보여주기 기능</a:t>
+            </a:r>
+            <a:endParaRPr lang="en-US" altLang="ko-KR" dirty="0" smtClean="0">
+              <a:solidFill>
+                <a:schemeClr val="tx1"/>
+              </a:solidFill>
+            </a:endParaRPr>
+          </a:p>
+          <a:p>
+            <a:pPr marL="342900" indent="-342900">
+              <a:buAutoNum type="arabicPeriod"/>
+            </a:pPr>
+            <a:endParaRPr lang="ko-KR" altLang="en-US" dirty="0">
+              <a:solidFill>
+                <a:schemeClr val="tx1"/>
+              </a:solidFill>
+            </a:endParaRPr>
+          </a:p>
+        </p:txBody>
+      </p:sp>
+    </p:spTree>
+  </p:cSld>
+  <p:clrMapOvr>
+    <a:masterClrMapping/>
+  </p:clrMapOvr>
+  <p:timing>
+    <p:tnLst>
+      <p:par>
+        <p:cTn id="1" dur="indefinite" restart="never" nodeType="tmRoot"/>
+      </p:par>
+    </p:tnLst>
+  </p:timing>
+</p:sld>
+</file>
+
+<file path=ppt/slides/slide12.xml><?xml version="1.0" encoding="utf-8"?>
+<p:sld xmlns:a="http://schemas.openxmlformats.org/drawingml/2006/main" xmlns:r="http://schemas.openxmlformats.org/officeDocument/2006/relationships" xmlns:p="http://schemas.openxmlformats.org/presentationml/2006/main">
+  <p:cSld>
+    <p:spTree>
+      <p:nvGrpSpPr>
+        <p:cNvPr id="1" name=""/>
+        <p:cNvGrpSpPr/>
+        <p:nvPr/>
+      </p:nvGrpSpPr>
+      <p:grpSpPr>
+        <a:xfrm>
+          <a:off x="0" y="0"/>
+          <a:ext cx="0" cy="0"/>
+          <a:chOff x="0" y="0"/>
+          <a:chExt cx="0" cy="0"/>
+        </a:xfrm>
+      </p:grpSpPr>
+      <p:cxnSp>
+        <p:nvCxnSpPr>
+          <p:cNvPr id="8" name="직선 연결선 7"/>
+          <p:cNvCxnSpPr/>
+          <p:nvPr/>
+        </p:nvCxnSpPr>
+        <p:spPr>
+          <a:xfrm>
+            <a:off x="791580" y="1556792"/>
+            <a:ext cx="7560840" cy="0"/>
+          </a:xfrm>
+          <a:prstGeom prst="line">
+            <a:avLst/>
+          </a:prstGeom>
+          <a:ln>
+            <a:solidFill>
+              <a:schemeClr val="tx1">
+                <a:lumMod val="65000"/>
+                <a:lumOff val="35000"/>
+              </a:schemeClr>
+            </a:solidFill>
+          </a:ln>
+        </p:spPr>
+        <p:style>
+          <a:lnRef idx="1">
+            <a:schemeClr val="accent1"/>
+          </a:lnRef>
+          <a:fillRef idx="0">
+            <a:schemeClr val="accent1"/>
+          </a:fillRef>
+          <a:effectRef idx="0">
+            <a:schemeClr val="accent1"/>
+          </a:effectRef>
+          <a:fontRef idx="minor">
+            <a:schemeClr val="tx1"/>
+          </a:fontRef>
+        </p:style>
+      </p:cxnSp>
+      <p:sp>
+        <p:nvSpPr>
+          <p:cNvPr id="3" name="직사각형 2"/>
+          <p:cNvSpPr/>
+          <p:nvPr/>
+        </p:nvSpPr>
+        <p:spPr>
+          <a:xfrm>
+            <a:off x="2123728" y="908720"/>
+            <a:ext cx="4896544" cy="540000"/>
+          </a:xfrm>
+          <a:prstGeom prst="rect">
+            <a:avLst/>
+          </a:prstGeom>
+          <a:noFill/>
+          <a:ln>
+            <a:noFill/>
+          </a:ln>
+        </p:spPr>
+        <p:style>
+          <a:lnRef idx="2">
+            <a:schemeClr val="accent1">
+              <a:shade val="50000"/>
+            </a:schemeClr>
+          </a:lnRef>
+          <a:fillRef idx="1">
+            <a:schemeClr val="accent1"/>
+          </a:fillRef>
+          <a:effectRef idx="0">
+            <a:schemeClr val="accent1"/>
+          </a:effectRef>
+          <a:fontRef idx="minor">
+            <a:schemeClr val="lt1"/>
+          </a:fontRef>
+        </p:style>
+        <p:txBody>
+          <a:bodyPr rtlCol="0" anchor="ctr"/>
+          <a:lstStyle/>
+          <a:p>
+            <a:pPr algn="ctr"/>
+            <a:r>
+              <a:rPr lang="en-US" altLang="ko-KR" sz="2000" dirty="0" smtClean="0">
+                <a:solidFill>
+                  <a:schemeClr val="tx1"/>
+                </a:solidFill>
+                <a:latin typeface="Arial Unicode MS" pitchFamily="50" charset="-127"/>
+                <a:ea typeface="Arial Unicode MS" pitchFamily="50" charset="-127"/>
+                <a:cs typeface="Arial Unicode MS" pitchFamily="50" charset="-127"/>
+              </a:rPr>
+              <a:t>STUDYER _ </a:t>
+            </a:r>
+            <a:r>
+              <a:rPr lang="ko-KR" altLang="en-US" sz="2000" dirty="0" smtClean="0">
+                <a:solidFill>
+                  <a:schemeClr val="tx1"/>
+                </a:solidFill>
+                <a:latin typeface="Arial Unicode MS" pitchFamily="50" charset="-127"/>
+                <a:ea typeface="Arial Unicode MS" pitchFamily="50" charset="-127"/>
+                <a:cs typeface="Arial Unicode MS" pitchFamily="50" charset="-127"/>
+              </a:rPr>
+              <a:t>사용기술 정리</a:t>
+            </a:r>
+            <a:endParaRPr lang="ko-KR" altLang="en-US" sz="2000" dirty="0">
+              <a:solidFill>
+                <a:schemeClr val="tx1"/>
+              </a:solidFill>
+              <a:latin typeface="Arial Unicode MS" pitchFamily="50" charset="-127"/>
+              <a:ea typeface="Arial Unicode MS" pitchFamily="50" charset="-127"/>
+              <a:cs typeface="Arial Unicode MS" pitchFamily="50" charset="-127"/>
+            </a:endParaRPr>
+          </a:p>
+        </p:txBody>
+      </p:sp>
+    </p:spTree>
+  </p:cSld>
+  <p:clrMapOvr>
+    <a:masterClrMapping/>
+  </p:clrMapOvr>
+  <p:timing>
+    <p:tnLst>
+      <p:par>
+        <p:cTn id="1" dur="indefinite" restart="never" nodeType="tmRoot"/>
+      </p:par>
+    </p:tnLst>
+  </p:timing>
+</p:sld>
+</file>
+
+<file path=ppt/slides/slide13.xml><?xml version="1.0" encoding="utf-8"?>
+<p:sld xmlns:a="http://schemas.openxmlformats.org/drawingml/2006/main" xmlns:r="http://schemas.openxmlformats.org/officeDocument/2006/relationships" xmlns:p="http://schemas.openxmlformats.org/presentationml/2006/main">
+  <p:cSld>
+    <p:spTree>
+      <p:nvGrpSpPr>
+        <p:cNvPr id="1" name=""/>
+        <p:cNvGrpSpPr/>
+        <p:nvPr/>
+      </p:nvGrpSpPr>
+      <p:grpSpPr>
+        <a:xfrm>
+          <a:off x="0" y="0"/>
+          <a:ext cx="0" cy="0"/>
+          <a:chOff x="0" y="0"/>
+          <a:chExt cx="0" cy="0"/>
+        </a:xfrm>
+      </p:grpSpPr>
+      <p:cxnSp>
+        <p:nvCxnSpPr>
+          <p:cNvPr id="8" name="직선 연결선 7"/>
+          <p:cNvCxnSpPr/>
+          <p:nvPr/>
+        </p:nvCxnSpPr>
+        <p:spPr>
+          <a:xfrm>
+            <a:off x="791580" y="1556792"/>
+            <a:ext cx="7560840" cy="0"/>
+          </a:xfrm>
+          <a:prstGeom prst="line">
+            <a:avLst/>
+          </a:prstGeom>
+          <a:ln>
+            <a:solidFill>
+              <a:schemeClr val="tx1">
+                <a:lumMod val="65000"/>
+                <a:lumOff val="35000"/>
+              </a:schemeClr>
+            </a:solidFill>
+          </a:ln>
+        </p:spPr>
+        <p:style>
+          <a:lnRef idx="1">
+            <a:schemeClr val="accent1"/>
+          </a:lnRef>
+          <a:fillRef idx="0">
+            <a:schemeClr val="accent1"/>
+          </a:fillRef>
+          <a:effectRef idx="0">
+            <a:schemeClr val="accent1"/>
+          </a:effectRef>
+          <a:fontRef idx="minor">
+            <a:schemeClr val="tx1"/>
+          </a:fontRef>
+        </p:style>
+      </p:cxnSp>
+      <p:sp>
+        <p:nvSpPr>
+          <p:cNvPr id="3" name="직사각형 2"/>
+          <p:cNvSpPr/>
+          <p:nvPr/>
+        </p:nvSpPr>
+        <p:spPr>
+          <a:xfrm>
+            <a:off x="1835696" y="908720"/>
+            <a:ext cx="5472608" cy="540000"/>
+          </a:xfrm>
+          <a:prstGeom prst="rect">
+            <a:avLst/>
+          </a:prstGeom>
+          <a:noFill/>
+          <a:ln>
+            <a:noFill/>
+          </a:ln>
+        </p:spPr>
+        <p:style>
+          <a:lnRef idx="2">
+            <a:schemeClr val="accent1">
+              <a:shade val="50000"/>
+            </a:schemeClr>
+          </a:lnRef>
+          <a:fillRef idx="1">
+            <a:schemeClr val="accent1"/>
+          </a:fillRef>
+          <a:effectRef idx="0">
+            <a:schemeClr val="accent1"/>
+          </a:effectRef>
+          <a:fontRef idx="minor">
+            <a:schemeClr val="lt1"/>
+          </a:fontRef>
+        </p:style>
+        <p:txBody>
+          <a:bodyPr rtlCol="0" anchor="ctr"/>
+          <a:lstStyle/>
+          <a:p>
+            <a:pPr algn="ctr"/>
+            <a:r>
+              <a:rPr lang="en-US" altLang="ko-KR" sz="2000" dirty="0" smtClean="0">
+                <a:solidFill>
+                  <a:schemeClr val="tx1"/>
+                </a:solidFill>
+                <a:latin typeface="Arial Unicode MS" pitchFamily="50" charset="-127"/>
+                <a:ea typeface="Arial Unicode MS" pitchFamily="50" charset="-127"/>
+                <a:cs typeface="Arial Unicode MS" pitchFamily="50" charset="-127"/>
+              </a:rPr>
+              <a:t>STUDYER _ </a:t>
+            </a:r>
+            <a:r>
+              <a:rPr lang="ko-KR" altLang="en-US" sz="2000" dirty="0" smtClean="0">
+                <a:solidFill>
+                  <a:schemeClr val="tx1"/>
+                </a:solidFill>
+                <a:latin typeface="Arial Unicode MS" pitchFamily="50" charset="-127"/>
+                <a:ea typeface="Arial Unicode MS" pitchFamily="50" charset="-127"/>
+                <a:cs typeface="Arial Unicode MS" pitchFamily="50" charset="-127"/>
+              </a:rPr>
+              <a:t>참고 라이브러리 및 </a:t>
+            </a:r>
+            <a:r>
+              <a:rPr lang="ko-KR" altLang="en-US" sz="2000" dirty="0" err="1" smtClean="0">
+                <a:solidFill>
+                  <a:schemeClr val="tx1"/>
+                </a:solidFill>
+                <a:latin typeface="Arial Unicode MS" pitchFamily="50" charset="-127"/>
+                <a:ea typeface="Arial Unicode MS" pitchFamily="50" charset="-127"/>
+                <a:cs typeface="Arial Unicode MS" pitchFamily="50" charset="-127"/>
+              </a:rPr>
+              <a:t>테크니컬</a:t>
+            </a:r>
+            <a:r>
+              <a:rPr lang="ko-KR" altLang="en-US" sz="2000" dirty="0" smtClean="0">
+                <a:solidFill>
+                  <a:schemeClr val="tx1"/>
+                </a:solidFill>
+                <a:latin typeface="Arial Unicode MS" pitchFamily="50" charset="-127"/>
+                <a:ea typeface="Arial Unicode MS" pitchFamily="50" charset="-127"/>
+                <a:cs typeface="Arial Unicode MS" pitchFamily="50" charset="-127"/>
+              </a:rPr>
+              <a:t> 팁</a:t>
+            </a:r>
+            <a:endParaRPr lang="ko-KR" altLang="en-US" sz="2000" dirty="0">
+              <a:solidFill>
+                <a:schemeClr val="tx1"/>
+              </a:solidFill>
+              <a:latin typeface="Arial Unicode MS" pitchFamily="50" charset="-127"/>
+              <a:ea typeface="Arial Unicode MS" pitchFamily="50" charset="-127"/>
+              <a:cs typeface="Arial Unicode MS" pitchFamily="50" charset="-127"/>
+            </a:endParaRPr>
+          </a:p>
+        </p:txBody>
+      </p:sp>
+    </p:spTree>
+  </p:cSld>
+  <p:clrMapOvr>
+    <a:masterClrMapping/>
+  </p:clrMapOvr>
+  <p:timing>
+    <p:tnLst>
+      <p:par>
+        <p:cTn id="1" dur="indefinite" restart="never" nodeType="tmRoot"/>
+      </p:par>
+    </p:tnLst>
+  </p:timing>
+</p:sld>
+</file>
+
+<file path=ppt/slides/slide14.xml><?xml version="1.0" encoding="utf-8"?>
+<p:sld xmlns:a="http://schemas.openxmlformats.org/drawingml/2006/main" xmlns:r="http://schemas.openxmlformats.org/officeDocument/2006/relationships" xmlns:p="http://schemas.openxmlformats.org/presentationml/2006/main">
+  <p:cSld>
+    <p:spTree>
+      <p:nvGrpSpPr>
+        <p:cNvPr id="1" name=""/>
+        <p:cNvGrpSpPr/>
+        <p:nvPr/>
+      </p:nvGrpSpPr>
+      <p:grpSpPr>
+        <a:xfrm>
+          <a:off x="0" y="0"/>
+          <a:ext cx="0" cy="0"/>
+          <a:chOff x="0" y="0"/>
+          <a:chExt cx="0" cy="0"/>
+        </a:xfrm>
+      </p:grpSpPr>
+      <p:cxnSp>
+        <p:nvCxnSpPr>
+          <p:cNvPr id="8" name="직선 연결선 7"/>
+          <p:cNvCxnSpPr/>
+          <p:nvPr/>
+        </p:nvCxnSpPr>
+        <p:spPr>
+          <a:xfrm>
+            <a:off x="791580" y="1556792"/>
+            <a:ext cx="7560840" cy="0"/>
+          </a:xfrm>
+          <a:prstGeom prst="line">
+            <a:avLst/>
+          </a:prstGeom>
+          <a:ln>
+            <a:solidFill>
+              <a:schemeClr val="tx1">
+                <a:lumMod val="65000"/>
+                <a:lumOff val="35000"/>
+              </a:schemeClr>
+            </a:solidFill>
+          </a:ln>
+        </p:spPr>
+        <p:style>
+          <a:lnRef idx="1">
+            <a:schemeClr val="accent1"/>
+          </a:lnRef>
+          <a:fillRef idx="0">
+            <a:schemeClr val="accent1"/>
+          </a:fillRef>
+          <a:effectRef idx="0">
+            <a:schemeClr val="accent1"/>
+          </a:effectRef>
+          <a:fontRef idx="minor">
+            <a:schemeClr val="tx1"/>
+          </a:fontRef>
+        </p:style>
+      </p:cxnSp>
+      <p:sp>
+        <p:nvSpPr>
+          <p:cNvPr id="3" name="직사각형 2"/>
+          <p:cNvSpPr/>
+          <p:nvPr/>
+        </p:nvSpPr>
+        <p:spPr>
+          <a:xfrm>
+            <a:off x="2123728" y="908720"/>
+            <a:ext cx="4896544" cy="540000"/>
+          </a:xfrm>
+          <a:prstGeom prst="rect">
+            <a:avLst/>
+          </a:prstGeom>
+          <a:noFill/>
+          <a:ln>
+            <a:noFill/>
+          </a:ln>
+        </p:spPr>
+        <p:style>
+          <a:lnRef idx="2">
+            <a:schemeClr val="accent1">
+              <a:shade val="50000"/>
+            </a:schemeClr>
+          </a:lnRef>
+          <a:fillRef idx="1">
+            <a:schemeClr val="accent1"/>
+          </a:fillRef>
+          <a:effectRef idx="0">
+            <a:schemeClr val="accent1"/>
+          </a:effectRef>
+          <a:fontRef idx="minor">
+            <a:schemeClr val="lt1"/>
+          </a:fontRef>
+        </p:style>
+        <p:txBody>
+          <a:bodyPr rtlCol="0" anchor="ctr"/>
+          <a:lstStyle/>
+          <a:p>
+            <a:pPr algn="ctr"/>
+            <a:r>
+              <a:rPr lang="en-US" altLang="ko-KR" sz="2000" dirty="0" smtClean="0">
+                <a:solidFill>
+                  <a:schemeClr val="tx1"/>
+                </a:solidFill>
+                <a:latin typeface="Arial Unicode MS" pitchFamily="50" charset="-127"/>
+                <a:ea typeface="Arial Unicode MS" pitchFamily="50" charset="-127"/>
+                <a:cs typeface="Arial Unicode MS" pitchFamily="50" charset="-127"/>
+              </a:rPr>
+              <a:t>STUDYER _ </a:t>
+            </a:r>
+            <a:r>
+              <a:rPr lang="ko-KR" altLang="en-US" sz="2000" dirty="0" smtClean="0">
+                <a:solidFill>
+                  <a:schemeClr val="tx1"/>
+                </a:solidFill>
+                <a:latin typeface="Arial Unicode MS" pitchFamily="50" charset="-127"/>
+                <a:ea typeface="Arial Unicode MS" pitchFamily="50" charset="-127"/>
+                <a:cs typeface="Arial Unicode MS" pitchFamily="50" charset="-127"/>
+              </a:rPr>
+              <a:t>회고</a:t>
+            </a:r>
+            <a:endParaRPr lang="ko-KR" altLang="en-US" sz="2000" dirty="0">
+              <a:solidFill>
+                <a:schemeClr val="tx1"/>
+              </a:solidFill>
+              <a:latin typeface="Arial Unicode MS" pitchFamily="50" charset="-127"/>
+              <a:ea typeface="Arial Unicode MS" pitchFamily="50" charset="-127"/>
+              <a:cs typeface="Arial Unicode MS" pitchFamily="50" charset="-127"/>
+            </a:endParaRPr>
+          </a:p>
+        </p:txBody>
+      </p:sp>
+      <p:sp>
+        <p:nvSpPr>
+          <p:cNvPr id="4" name="직사각형 3"/>
+          <p:cNvSpPr/>
+          <p:nvPr/>
+        </p:nvSpPr>
+        <p:spPr>
+          <a:xfrm>
+            <a:off x="755576" y="1700808"/>
+            <a:ext cx="7941598" cy="3693319"/>
+          </a:xfrm>
+          <a:prstGeom prst="rect">
+            <a:avLst/>
+          </a:prstGeom>
+        </p:spPr>
+        <p:txBody>
+          <a:bodyPr wrap="none">
+            <a:spAutoFit/>
+          </a:bodyPr>
+          <a:lstStyle/>
+          <a:p>
+            <a:pPr>
+              <a:buFontTx/>
+              <a:buChar char="-"/>
+            </a:pPr>
+            <a:r>
+              <a:rPr lang="en-US" altLang="ko-KR" dirty="0" smtClean="0"/>
+              <a:t> </a:t>
+            </a:r>
+            <a:r>
+              <a:rPr lang="ko-KR" altLang="en-US" dirty="0" smtClean="0"/>
+              <a:t>미완료 기능</a:t>
+            </a:r>
+            <a:endParaRPr lang="en-US" altLang="ko-KR" dirty="0" smtClean="0"/>
+          </a:p>
+          <a:p>
+            <a:r>
+              <a:rPr lang="en-US" altLang="ko-KR" dirty="0" smtClean="0"/>
+              <a:t>	</a:t>
+            </a:r>
+            <a:r>
+              <a:rPr lang="en-US" altLang="ko-KR" dirty="0" smtClean="0"/>
+              <a:t>1. </a:t>
+            </a:r>
+            <a:r>
+              <a:rPr lang="ko-KR" altLang="en-US" dirty="0" smtClean="0"/>
+              <a:t>작성시 키워드를 추출하여 </a:t>
+            </a:r>
+            <a:r>
+              <a:rPr lang="ko-KR" altLang="en-US" dirty="0" err="1" smtClean="0"/>
+              <a:t>구글</a:t>
+            </a:r>
+            <a:r>
+              <a:rPr lang="ko-KR" altLang="en-US" dirty="0" smtClean="0"/>
+              <a:t> 검색하여 결과를 보여주는 기능</a:t>
+            </a:r>
+            <a:endParaRPr lang="en-US" altLang="ko-KR" dirty="0" smtClean="0"/>
+          </a:p>
+          <a:p>
+            <a:r>
+              <a:rPr lang="en-US" altLang="ko-KR" dirty="0" smtClean="0"/>
+              <a:t>	2. </a:t>
+            </a:r>
+            <a:r>
+              <a:rPr lang="ko-KR" altLang="en-US" dirty="0" smtClean="0"/>
+              <a:t>개인 강의노트 게시판</a:t>
+            </a:r>
+            <a:endParaRPr lang="en-US" altLang="ko-KR" dirty="0" smtClean="0"/>
+          </a:p>
+          <a:p>
+            <a:endParaRPr lang="en-US" altLang="ko-KR" dirty="0" smtClean="0">
+              <a:latin typeface="Arial Unicode MS" pitchFamily="50" charset="-127"/>
+              <a:ea typeface="Arial Unicode MS" pitchFamily="50" charset="-127"/>
+              <a:cs typeface="Arial Unicode MS" pitchFamily="50" charset="-127"/>
+            </a:endParaRPr>
+          </a:p>
+          <a:p>
+            <a:pPr>
+              <a:buFontTx/>
+              <a:buChar char="-"/>
+            </a:pPr>
+            <a:r>
+              <a:rPr lang="ko-KR" altLang="en-US" dirty="0" smtClean="0"/>
+              <a:t>향후 </a:t>
+            </a:r>
+            <a:r>
+              <a:rPr lang="ko-KR" altLang="en-US" dirty="0" smtClean="0"/>
+              <a:t>업데이트 기능 </a:t>
+            </a:r>
+            <a:r>
+              <a:rPr lang="ko-KR" altLang="en-US" dirty="0" smtClean="0"/>
+              <a:t>계획</a:t>
+            </a:r>
+            <a:endParaRPr lang="en-US" altLang="ko-KR" dirty="0" smtClean="0"/>
+          </a:p>
+          <a:p>
+            <a:r>
+              <a:rPr lang="en-US" altLang="ko-KR" dirty="0" smtClean="0"/>
+              <a:t>	</a:t>
+            </a:r>
+            <a:r>
+              <a:rPr lang="en-US" altLang="ko-KR" dirty="0" smtClean="0"/>
+              <a:t>1. </a:t>
+            </a:r>
+            <a:r>
+              <a:rPr lang="ko-KR" altLang="en-US" dirty="0" smtClean="0"/>
+              <a:t>미완료 기능에 대한 보완 필요</a:t>
+            </a:r>
+            <a:endParaRPr lang="en-US" altLang="ko-KR" dirty="0" smtClean="0"/>
+          </a:p>
+          <a:p>
+            <a:endParaRPr lang="en-US" altLang="ko-KR" dirty="0" smtClean="0"/>
+          </a:p>
+          <a:p>
+            <a:pPr>
+              <a:buFontTx/>
+              <a:buChar char="-"/>
+            </a:pPr>
+            <a:r>
+              <a:rPr lang="ko-KR" altLang="en-US" dirty="0" smtClean="0"/>
+              <a:t>느낀 점 및 프로젝트를 통해 알게 된 점</a:t>
+            </a:r>
+            <a:endParaRPr lang="en-US" altLang="ko-KR" dirty="0" smtClean="0"/>
+          </a:p>
+          <a:p>
+            <a:r>
+              <a:rPr lang="en-US" altLang="ko-KR" dirty="0" smtClean="0"/>
+              <a:t>	</a:t>
+            </a:r>
+            <a:r>
+              <a:rPr lang="en-US" altLang="ko-KR" dirty="0" smtClean="0"/>
+              <a:t>1. </a:t>
+            </a:r>
+            <a:r>
+              <a:rPr lang="ko-KR" altLang="en-US" dirty="0" smtClean="0"/>
+              <a:t>화면설계에 상당한 시간이 소요됨</a:t>
+            </a:r>
+            <a:endParaRPr lang="en-US" altLang="ko-KR" dirty="0" smtClean="0"/>
+          </a:p>
+          <a:p>
+            <a:r>
+              <a:rPr lang="en-US" altLang="ko-KR" dirty="0" smtClean="0"/>
+              <a:t>	</a:t>
+            </a:r>
+            <a:r>
+              <a:rPr lang="en-US" altLang="ko-KR" dirty="0" smtClean="0"/>
+              <a:t>2. </a:t>
+            </a:r>
+            <a:r>
+              <a:rPr lang="ko-KR" altLang="en-US" dirty="0" smtClean="0"/>
+              <a:t>테이블을 잘못 설계할 경우 기능 구현이 복잡해 짐</a:t>
+            </a:r>
+            <a:endParaRPr lang="en-US" altLang="ko-KR" dirty="0" smtClean="0"/>
+          </a:p>
+          <a:p>
+            <a:r>
+              <a:rPr lang="en-US" altLang="ko-KR" dirty="0" smtClean="0"/>
+              <a:t>	</a:t>
+            </a:r>
+            <a:endParaRPr lang="en-US" altLang="ko-KR" dirty="0" smtClean="0"/>
+          </a:p>
+          <a:p>
+            <a:r>
+              <a:rPr lang="en-US" altLang="ko-KR" dirty="0" smtClean="0"/>
+              <a:t>	</a:t>
+            </a:r>
+            <a:r>
+              <a:rPr lang="en-US" altLang="ko-KR" dirty="0" smtClean="0"/>
+              <a:t> </a:t>
+            </a:r>
+          </a:p>
+          <a:p>
+            <a:r>
+              <a:rPr lang="en-US" altLang="ko-KR" dirty="0" smtClean="0"/>
+              <a:t>	</a:t>
+            </a:r>
+            <a:endParaRPr lang="ko-KR" altLang="en-US" dirty="0" smtClean="0"/>
+          </a:p>
+        </p:txBody>
+      </p:sp>
     </p:spTree>
   </p:cSld>
   <p:clrMapOvr>
@@ -10081,18 +11199,7 @@
                 <a:ea typeface="Arial Unicode MS" pitchFamily="50" charset="-127"/>
                 <a:cs typeface="Arial Unicode MS" pitchFamily="50" charset="-127"/>
               </a:rPr>
-              <a:t>STUDYER _ </a:t>
-            </a:r>
-            <a:r>
-              <a:rPr lang="en-US" altLang="ko-KR" sz="2000" dirty="0" smtClean="0">
-                <a:solidFill>
-                  <a:schemeClr val="tx1"/>
-                </a:solidFill>
-                <a:latin typeface="Arial Unicode MS" pitchFamily="50" charset="-127"/>
-                <a:ea typeface="Arial Unicode MS" pitchFamily="50" charset="-127"/>
-                <a:cs typeface="Arial Unicode MS" pitchFamily="50" charset="-127"/>
-              </a:rPr>
-              <a:t>DB </a:t>
+              <a:t>STUDYER _ DB </a:t>
             </a:r>
             <a:r>
               <a:rPr lang="ko-KR" altLang="en-US" sz="2000" dirty="0" smtClean="0">
@@ -10676,18 +11783,7 @@
                 <a:ea typeface="Arial Unicode MS" pitchFamily="50" charset="-127"/>
                 <a:cs typeface="Arial Unicode MS" pitchFamily="50" charset="-127"/>
               </a:rPr>
-              <a:t>STUDYER _ </a:t>
-            </a:r>
-            <a:r>
-              <a:rPr lang="en-US" altLang="ko-KR" sz="2000" dirty="0" smtClean="0">
-                <a:solidFill>
-                  <a:schemeClr val="tx1"/>
-                </a:solidFill>
-                <a:latin typeface="Arial Unicode MS" pitchFamily="50" charset="-127"/>
-                <a:ea typeface="Arial Unicode MS" pitchFamily="50" charset="-127"/>
-                <a:cs typeface="Arial Unicode MS" pitchFamily="50" charset="-127"/>
-              </a:rPr>
-              <a:t>DB </a:t>
+              <a:t>STUDYER _ DB </a:t>
             </a:r>
             <a:r>
               <a:rPr lang="ko-KR" altLang="en-US" sz="2000" dirty="0" smtClean="0">
@@ -10990,11 +12086,7 @@
           <a:p>
             <a:r>
               <a:rPr lang="en-US" altLang="ko-KR" sz="1000" dirty="0" smtClean="0"/>
-              <a:t>REFERENCES "CLASS_SUBJECT" ("NO</a:t>
-            </a:r>
-            <a:r>
-              <a:rPr lang="en-US" altLang="ko-KR" sz="1000" dirty="0" smtClean="0"/>
-              <a:t>");</a:t>
+              <a:t>REFERENCES "CLASS_SUBJECT" ("NO");</a:t>
             </a:r>
           </a:p>
           <a:p>
@@ -11015,11 +12107,7 @@
           <a:p>
             <a:r>
               <a:rPr lang="en-US" altLang="ko-KR" sz="1000" dirty="0" smtClean="0"/>
-              <a:t>REFERENCES "CLASS_TEACHER" ("NO</a:t>
-            </a:r>
-            <a:r>
-              <a:rPr lang="en-US" altLang="ko-KR" sz="1000" dirty="0" smtClean="0"/>
-              <a:t>");</a:t>
+              <a:t>REFERENCES "CLASS_TEACHER" ("NO");</a:t>
             </a:r>
           </a:p>
           <a:p>
@@ -11040,11 +12128,7 @@
           <a:p>
             <a:r>
               <a:rPr lang="en-US" altLang="ko-KR" sz="1000" dirty="0" smtClean="0"/>
-              <a:t>REFERENCES "CLASS_PLACE" ("NO</a:t>
-            </a:r>
-            <a:r>
-              <a:rPr lang="en-US" altLang="ko-KR" sz="1000" dirty="0" smtClean="0"/>
-              <a:t>");</a:t>
+              <a:t>REFERENCES "CLASS_PLACE" ("NO");</a:t>
             </a:r>
           </a:p>
           <a:p>
@@ -11189,18 +12273,7 @@
                 <a:ea typeface="Arial Unicode MS" pitchFamily="50" charset="-127"/>
                 <a:cs typeface="Arial Unicode MS" pitchFamily="50" charset="-127"/>
               </a:rPr>
-              <a:t>STUDYER _ </a:t>
-            </a:r>
-            <a:r>
-              <a:rPr lang="en-US" altLang="ko-KR" sz="2000" dirty="0" smtClean="0">
-                <a:solidFill>
-                  <a:schemeClr val="tx1"/>
-                </a:solidFill>
-                <a:latin typeface="Arial Unicode MS" pitchFamily="50" charset="-127"/>
-                <a:ea typeface="Arial Unicode MS" pitchFamily="50" charset="-127"/>
-                <a:cs typeface="Arial Unicode MS" pitchFamily="50" charset="-127"/>
-              </a:rPr>
-              <a:t>DB </a:t>
+              <a:t>STUDYER _ DB </a:t>
             </a:r>
             <a:r>
               <a:rPr lang="ko-KR" altLang="en-US" sz="2000" dirty="0" smtClean="0">
@@ -11536,18 +12609,7 @@
                 <a:ea typeface="Arial Unicode MS" pitchFamily="50" charset="-127"/>
                 <a:cs typeface="Arial Unicode MS" pitchFamily="50" charset="-127"/>
               </a:rPr>
-              <a:t>STUDYER _ </a:t>
-            </a:r>
-            <a:r>
-              <a:rPr lang="en-US" altLang="ko-KR" sz="2000" dirty="0" smtClean="0">
-                <a:solidFill>
-                  <a:schemeClr val="tx1"/>
-                </a:solidFill>
-                <a:latin typeface="Arial Unicode MS" pitchFamily="50" charset="-127"/>
-                <a:ea typeface="Arial Unicode MS" pitchFamily="50" charset="-127"/>
-                <a:cs typeface="Arial Unicode MS" pitchFamily="50" charset="-127"/>
-              </a:rPr>
-              <a:t>DB </a:t>
+              <a:t>STUDYER _ DB </a:t>
             </a:r>
             <a:r>
               <a:rPr lang="ko-KR" altLang="en-US" sz="2000" dirty="0" smtClean="0">

--- a/doc/studyer_project.pptx
+++ b/doc/studyer_project.pptx
@@ -19,6 +19,11 @@
     <p:sldId id="269" r:id="rId13"/>
     <p:sldId id="270" r:id="rId14"/>
     <p:sldId id="271" r:id="rId15"/>
+    <p:sldId id="272" r:id="rId16"/>
+    <p:sldId id="273" r:id="rId17"/>
+    <p:sldId id="274" r:id="rId18"/>
+    <p:sldId id="275" r:id="rId19"/>
+    <p:sldId id="276" r:id="rId20"/>
   </p:sldIdLst>
   <p:sldSz cx="9144000" cy="6858000" type="screen4x3"/>
   <p:notesSz cx="6858000" cy="9144000"/>
@@ -5728,6 +5733,503 @@
 </p:sld>
 </file>
 
+<file path=ppt/slides/slide15.xml><?xml version="1.0" encoding="utf-8"?>
+<p:sld xmlns:a="http://schemas.openxmlformats.org/drawingml/2006/main" xmlns:r="http://schemas.openxmlformats.org/officeDocument/2006/relationships" xmlns:p="http://schemas.openxmlformats.org/presentationml/2006/main">
+  <p:cSld>
+    <p:spTree>
+      <p:nvGrpSpPr>
+        <p:cNvPr id="1" name=""/>
+        <p:cNvGrpSpPr/>
+        <p:nvPr/>
+      </p:nvGrpSpPr>
+      <p:grpSpPr>
+        <a:xfrm>
+          <a:off x="0" y="0"/>
+          <a:ext cx="0" cy="0"/>
+          <a:chOff x="0" y="0"/>
+          <a:chExt cx="0" cy="0"/>
+        </a:xfrm>
+      </p:grpSpPr>
+      <p:pic>
+        <p:nvPicPr>
+          <p:cNvPr id="1026" name="Picture 2"/>
+          <p:cNvPicPr>
+            <a:picLocks noChangeAspect="1" noChangeArrowheads="1"/>
+          </p:cNvPicPr>
+          <p:nvPr/>
+        </p:nvPicPr>
+        <p:blipFill>
+          <a:blip r:embed="rId2" cstate="print"/>
+          <a:srcRect/>
+          <a:stretch>
+            <a:fillRect/>
+          </a:stretch>
+        </p:blipFill>
+        <p:spPr bwMode="auto">
+          <a:xfrm>
+            <a:off x="395536" y="676900"/>
+            <a:ext cx="8391515" cy="6181100"/>
+          </a:xfrm>
+          <a:prstGeom prst="rect">
+            <a:avLst/>
+          </a:prstGeom>
+          <a:noFill/>
+          <a:ln w="9525">
+            <a:solidFill>
+              <a:schemeClr val="tx1">
+                <a:lumMod val="50000"/>
+                <a:lumOff val="50000"/>
+              </a:schemeClr>
+            </a:solidFill>
+            <a:miter lim="800000"/>
+            <a:headEnd/>
+            <a:tailEnd/>
+          </a:ln>
+        </p:spPr>
+      </p:pic>
+      <p:sp>
+        <p:nvSpPr>
+          <p:cNvPr id="6" name="TextBox 5"/>
+          <p:cNvSpPr txBox="1"/>
+          <p:nvPr/>
+        </p:nvSpPr>
+        <p:spPr>
+          <a:xfrm>
+            <a:off x="3318148" y="184448"/>
+            <a:ext cx="2335896" cy="369332"/>
+          </a:xfrm>
+          <a:prstGeom prst="rect">
+            <a:avLst/>
+          </a:prstGeom>
+          <a:noFill/>
+        </p:spPr>
+        <p:txBody>
+          <a:bodyPr wrap="none" rtlCol="0">
+            <a:spAutoFit/>
+          </a:bodyPr>
+          <a:lstStyle/>
+          <a:p>
+            <a:r>
+              <a:rPr lang="ko-KR" altLang="en-US" dirty="0" smtClean="0"/>
+              <a:t>메인 화면</a:t>
+            </a:r>
+            <a:r>
+              <a:rPr lang="en-US" altLang="ko-KR" dirty="0" smtClean="0"/>
+              <a:t>(</a:t>
+            </a:r>
+            <a:r>
+              <a:rPr lang="ko-KR" altLang="en-US" dirty="0" smtClean="0"/>
+              <a:t>검색 화면</a:t>
+            </a:r>
+            <a:r>
+              <a:rPr lang="en-US" altLang="ko-KR" dirty="0" smtClean="0"/>
+              <a:t>)</a:t>
+            </a:r>
+            <a:endParaRPr lang="ko-KR" altLang="en-US" dirty="0"/>
+          </a:p>
+        </p:txBody>
+      </p:sp>
+    </p:spTree>
+  </p:cSld>
+  <p:clrMapOvr>
+    <a:masterClrMapping/>
+  </p:clrMapOvr>
+  <p:timing>
+    <p:tnLst>
+      <p:par>
+        <p:cTn id="1" dur="indefinite" restart="never" nodeType="tmRoot"/>
+      </p:par>
+    </p:tnLst>
+  </p:timing>
+</p:sld>
+</file>
+
+<file path=ppt/slides/slide16.xml><?xml version="1.0" encoding="utf-8"?>
+<p:sld xmlns:a="http://schemas.openxmlformats.org/drawingml/2006/main" xmlns:r="http://schemas.openxmlformats.org/officeDocument/2006/relationships" xmlns:p="http://schemas.openxmlformats.org/presentationml/2006/main">
+  <p:cSld>
+    <p:spTree>
+      <p:nvGrpSpPr>
+        <p:cNvPr id="1" name=""/>
+        <p:cNvGrpSpPr/>
+        <p:nvPr/>
+      </p:nvGrpSpPr>
+      <p:grpSpPr>
+        <a:xfrm>
+          <a:off x="0" y="0"/>
+          <a:ext cx="0" cy="0"/>
+          <a:chOff x="0" y="0"/>
+          <a:chExt cx="0" cy="0"/>
+        </a:xfrm>
+      </p:grpSpPr>
+      <p:pic>
+        <p:nvPicPr>
+          <p:cNvPr id="2050" name="Picture 2"/>
+          <p:cNvPicPr>
+            <a:picLocks noChangeAspect="1" noChangeArrowheads="1"/>
+          </p:cNvPicPr>
+          <p:nvPr/>
+        </p:nvPicPr>
+        <p:blipFill>
+          <a:blip r:embed="rId2" cstate="print"/>
+          <a:srcRect/>
+          <a:stretch>
+            <a:fillRect/>
+          </a:stretch>
+        </p:blipFill>
+        <p:spPr bwMode="auto">
+          <a:xfrm>
+            <a:off x="323528" y="760487"/>
+            <a:ext cx="8418158" cy="6097513"/>
+          </a:xfrm>
+          <a:prstGeom prst="rect">
+            <a:avLst/>
+          </a:prstGeom>
+          <a:noFill/>
+          <a:ln w="9525">
+            <a:solidFill>
+              <a:schemeClr val="tx1">
+                <a:lumMod val="50000"/>
+                <a:lumOff val="50000"/>
+              </a:schemeClr>
+            </a:solidFill>
+            <a:miter lim="800000"/>
+            <a:headEnd/>
+            <a:tailEnd/>
+          </a:ln>
+        </p:spPr>
+      </p:pic>
+      <p:sp>
+        <p:nvSpPr>
+          <p:cNvPr id="3" name="TextBox 2"/>
+          <p:cNvSpPr txBox="1"/>
+          <p:nvPr/>
+        </p:nvSpPr>
+        <p:spPr>
+          <a:xfrm>
+            <a:off x="3298464" y="251356"/>
+            <a:ext cx="2425664" cy="369332"/>
+          </a:xfrm>
+          <a:prstGeom prst="rect">
+            <a:avLst/>
+          </a:prstGeom>
+          <a:noFill/>
+        </p:spPr>
+        <p:txBody>
+          <a:bodyPr wrap="none" rtlCol="0">
+            <a:spAutoFit/>
+          </a:bodyPr>
+          <a:lstStyle/>
+          <a:p>
+            <a:r>
+              <a:rPr lang="ko-KR" altLang="en-US" dirty="0" smtClean="0"/>
+              <a:t>공유 강의노트 게시판</a:t>
+            </a:r>
+            <a:endParaRPr lang="ko-KR" altLang="en-US" dirty="0"/>
+          </a:p>
+        </p:txBody>
+      </p:sp>
+    </p:spTree>
+  </p:cSld>
+  <p:clrMapOvr>
+    <a:masterClrMapping/>
+  </p:clrMapOvr>
+  <p:timing>
+    <p:tnLst>
+      <p:par>
+        <p:cTn id="1" dur="indefinite" restart="never" nodeType="tmRoot"/>
+      </p:par>
+    </p:tnLst>
+  </p:timing>
+</p:sld>
+</file>
+
+<file path=ppt/slides/slide17.xml><?xml version="1.0" encoding="utf-8"?>
+<p:sld xmlns:a="http://schemas.openxmlformats.org/drawingml/2006/main" xmlns:r="http://schemas.openxmlformats.org/officeDocument/2006/relationships" xmlns:p="http://schemas.openxmlformats.org/presentationml/2006/main">
+  <p:cSld>
+    <p:spTree>
+      <p:nvGrpSpPr>
+        <p:cNvPr id="1" name=""/>
+        <p:cNvGrpSpPr/>
+        <p:nvPr/>
+      </p:nvGrpSpPr>
+      <p:grpSpPr>
+        <a:xfrm>
+          <a:off x="0" y="0"/>
+          <a:ext cx="0" cy="0"/>
+          <a:chOff x="0" y="0"/>
+          <a:chExt cx="0" cy="0"/>
+        </a:xfrm>
+      </p:grpSpPr>
+      <p:pic>
+        <p:nvPicPr>
+          <p:cNvPr id="3074" name="Picture 2"/>
+          <p:cNvPicPr>
+            <a:picLocks noChangeAspect="1" noChangeArrowheads="1"/>
+          </p:cNvPicPr>
+          <p:nvPr/>
+        </p:nvPicPr>
+        <p:blipFill>
+          <a:blip r:embed="rId2" cstate="print"/>
+          <a:srcRect/>
+          <a:stretch>
+            <a:fillRect/>
+          </a:stretch>
+        </p:blipFill>
+        <p:spPr bwMode="auto">
+          <a:xfrm>
+            <a:off x="438969" y="836713"/>
+            <a:ext cx="8248967" cy="6021288"/>
+          </a:xfrm>
+          <a:prstGeom prst="rect">
+            <a:avLst/>
+          </a:prstGeom>
+          <a:noFill/>
+          <a:ln w="9525">
+            <a:noFill/>
+            <a:miter lim="800000"/>
+            <a:headEnd/>
+            <a:tailEnd/>
+          </a:ln>
+        </p:spPr>
+      </p:pic>
+      <p:sp>
+        <p:nvSpPr>
+          <p:cNvPr id="3" name="TextBox 2"/>
+          <p:cNvSpPr txBox="1"/>
+          <p:nvPr/>
+        </p:nvSpPr>
+        <p:spPr>
+          <a:xfrm>
+            <a:off x="3779912" y="260648"/>
+            <a:ext cx="1420582" cy="369332"/>
+          </a:xfrm>
+          <a:prstGeom prst="rect">
+            <a:avLst/>
+          </a:prstGeom>
+          <a:noFill/>
+        </p:spPr>
+        <p:txBody>
+          <a:bodyPr wrap="none" rtlCol="0">
+            <a:spAutoFit/>
+          </a:bodyPr>
+          <a:lstStyle/>
+          <a:p>
+            <a:r>
+              <a:rPr lang="ko-KR" altLang="en-US" smtClean="0"/>
+              <a:t>로그인 화면</a:t>
+            </a:r>
+            <a:endParaRPr lang="ko-KR" altLang="en-US" dirty="0"/>
+          </a:p>
+        </p:txBody>
+      </p:sp>
+    </p:spTree>
+  </p:cSld>
+  <p:clrMapOvr>
+    <a:masterClrMapping/>
+  </p:clrMapOvr>
+  <p:timing>
+    <p:tnLst>
+      <p:par>
+        <p:cTn id="1" dur="indefinite" restart="never" nodeType="tmRoot"/>
+      </p:par>
+    </p:tnLst>
+  </p:timing>
+</p:sld>
+</file>
+
+<file path=ppt/slides/slide18.xml><?xml version="1.0" encoding="utf-8"?>
+<p:sld xmlns:a="http://schemas.openxmlformats.org/drawingml/2006/main" xmlns:r="http://schemas.openxmlformats.org/officeDocument/2006/relationships" xmlns:p="http://schemas.openxmlformats.org/presentationml/2006/main">
+  <p:cSld>
+    <p:spTree>
+      <p:nvGrpSpPr>
+        <p:cNvPr id="1" name=""/>
+        <p:cNvGrpSpPr/>
+        <p:nvPr/>
+      </p:nvGrpSpPr>
+      <p:grpSpPr>
+        <a:xfrm>
+          <a:off x="0" y="0"/>
+          <a:ext cx="0" cy="0"/>
+          <a:chOff x="0" y="0"/>
+          <a:chExt cx="0" cy="0"/>
+        </a:xfrm>
+      </p:grpSpPr>
+      <p:pic>
+        <p:nvPicPr>
+          <p:cNvPr id="4098" name="Picture 2"/>
+          <p:cNvPicPr>
+            <a:picLocks noChangeAspect="1" noChangeArrowheads="1"/>
+          </p:cNvPicPr>
+          <p:nvPr/>
+        </p:nvPicPr>
+        <p:blipFill>
+          <a:blip r:embed="rId2" cstate="print"/>
+          <a:srcRect/>
+          <a:stretch>
+            <a:fillRect/>
+          </a:stretch>
+        </p:blipFill>
+        <p:spPr bwMode="auto">
+          <a:xfrm>
+            <a:off x="323528" y="707529"/>
+            <a:ext cx="8442613" cy="6150471"/>
+          </a:xfrm>
+          <a:prstGeom prst="rect">
+            <a:avLst/>
+          </a:prstGeom>
+          <a:noFill/>
+          <a:ln w="9525">
+            <a:noFill/>
+            <a:miter lim="800000"/>
+            <a:headEnd/>
+            <a:tailEnd/>
+          </a:ln>
+        </p:spPr>
+      </p:pic>
+      <p:sp>
+        <p:nvSpPr>
+          <p:cNvPr id="3" name="TextBox 2"/>
+          <p:cNvSpPr txBox="1"/>
+          <p:nvPr/>
+        </p:nvSpPr>
+        <p:spPr>
+          <a:xfrm>
+            <a:off x="3779912" y="260648"/>
+            <a:ext cx="1651414" cy="369332"/>
+          </a:xfrm>
+          <a:prstGeom prst="rect">
+            <a:avLst/>
+          </a:prstGeom>
+          <a:noFill/>
+        </p:spPr>
+        <p:txBody>
+          <a:bodyPr wrap="none" rtlCol="0">
+            <a:spAutoFit/>
+          </a:bodyPr>
+          <a:lstStyle/>
+          <a:p>
+            <a:r>
+              <a:rPr lang="ko-KR" altLang="en-US" dirty="0" smtClean="0"/>
+              <a:t>회원가입 화면</a:t>
+            </a:r>
+            <a:endParaRPr lang="ko-KR" altLang="en-US" dirty="0"/>
+          </a:p>
+        </p:txBody>
+      </p:sp>
+    </p:spTree>
+  </p:cSld>
+  <p:clrMapOvr>
+    <a:masterClrMapping/>
+  </p:clrMapOvr>
+  <p:timing>
+    <p:tnLst>
+      <p:par>
+        <p:cTn id="1" dur="indefinite" restart="never" nodeType="tmRoot"/>
+      </p:par>
+    </p:tnLst>
+  </p:timing>
+</p:sld>
+</file>
+
+<file path=ppt/slides/slide19.xml><?xml version="1.0" encoding="utf-8"?>
+<p:sld xmlns:a="http://schemas.openxmlformats.org/drawingml/2006/main" xmlns:r="http://schemas.openxmlformats.org/officeDocument/2006/relationships" xmlns:p="http://schemas.openxmlformats.org/presentationml/2006/main">
+  <p:cSld>
+    <p:spTree>
+      <p:nvGrpSpPr>
+        <p:cNvPr id="1" name=""/>
+        <p:cNvGrpSpPr/>
+        <p:nvPr/>
+      </p:nvGrpSpPr>
+      <p:grpSpPr>
+        <a:xfrm>
+          <a:off x="0" y="0"/>
+          <a:ext cx="0" cy="0"/>
+          <a:chOff x="0" y="0"/>
+          <a:chExt cx="0" cy="0"/>
+        </a:xfrm>
+      </p:grpSpPr>
+      <p:sp>
+        <p:nvSpPr>
+          <p:cNvPr id="3" name="TextBox 2"/>
+          <p:cNvSpPr txBox="1"/>
+          <p:nvPr/>
+        </p:nvSpPr>
+        <p:spPr>
+          <a:xfrm>
+            <a:off x="3298464" y="251356"/>
+            <a:ext cx="2194832" cy="369332"/>
+          </a:xfrm>
+          <a:prstGeom prst="rect">
+            <a:avLst/>
+          </a:prstGeom>
+          <a:noFill/>
+        </p:spPr>
+        <p:txBody>
+          <a:bodyPr wrap="none" rtlCol="0">
+            <a:spAutoFit/>
+          </a:bodyPr>
+          <a:lstStyle/>
+          <a:p>
+            <a:r>
+              <a:rPr lang="ko-KR" altLang="en-US" dirty="0" smtClean="0"/>
+              <a:t>강의노트 작성 화면</a:t>
+            </a:r>
+            <a:endParaRPr lang="ko-KR" altLang="en-US" dirty="0"/>
+          </a:p>
+        </p:txBody>
+      </p:sp>
+      <p:pic>
+        <p:nvPicPr>
+          <p:cNvPr id="5122" name="Picture 2"/>
+          <p:cNvPicPr>
+            <a:picLocks noChangeAspect="1" noChangeArrowheads="1"/>
+          </p:cNvPicPr>
+          <p:nvPr/>
+        </p:nvPicPr>
+        <p:blipFill>
+          <a:blip r:embed="rId2" cstate="print"/>
+          <a:srcRect/>
+          <a:stretch>
+            <a:fillRect/>
+          </a:stretch>
+        </p:blipFill>
+        <p:spPr bwMode="auto">
+          <a:xfrm>
+            <a:off x="444302" y="789062"/>
+            <a:ext cx="8253490" cy="6068938"/>
+          </a:xfrm>
+          <a:prstGeom prst="rect">
+            <a:avLst/>
+          </a:prstGeom>
+          <a:noFill/>
+          <a:ln w="9525">
+            <a:solidFill>
+              <a:schemeClr val="tx1">
+                <a:lumMod val="50000"/>
+                <a:lumOff val="50000"/>
+              </a:schemeClr>
+            </a:solidFill>
+            <a:miter lim="800000"/>
+            <a:headEnd/>
+            <a:tailEnd/>
+          </a:ln>
+        </p:spPr>
+      </p:pic>
+    </p:spTree>
+  </p:cSld>
+  <p:clrMapOvr>
+    <a:masterClrMapping/>
+  </p:clrMapOvr>
+  <p:timing>
+    <p:tnLst>
+      <p:par>
+        <p:cTn id="1" dur="indefinite" restart="never" nodeType="tmRoot"/>
+      </p:par>
+    </p:tnLst>
+  </p:timing>
+</p:sld>
+</file>
+
 <file path=ppt/slides/slide2.xml><?xml version="1.0" encoding="utf-8"?>
 <p:sld xmlns:a="http://schemas.openxmlformats.org/drawingml/2006/main" xmlns:r="http://schemas.openxmlformats.org/officeDocument/2006/relationships" xmlns:p="http://schemas.openxmlformats.org/presentationml/2006/main">
   <p:cSld>

--- a/doc/studyer_project.pptx
+++ b/doc/studyer_project.pptx
@@ -14,7 +14,7 @@
     <p:sldId id="263" r:id="rId8"/>
     <p:sldId id="267" r:id="rId9"/>
     <p:sldId id="264" r:id="rId10"/>
-    <p:sldId id="265" r:id="rId11"/>
+    <p:sldId id="277" r:id="rId11"/>
     <p:sldId id="268" r:id="rId12"/>
     <p:sldId id="269" r:id="rId13"/>
     <p:sldId id="270" r:id="rId14"/>
@@ -3704,59 +3704,6 @@
       </p:sp>
       <p:sp>
         <p:nvSpPr>
-          <p:cNvPr id="13" name="직사각형 12"/>
-          <p:cNvSpPr/>
-          <p:nvPr/>
-        </p:nvSpPr>
-        <p:spPr>
-          <a:xfrm>
-            <a:off x="4760031" y="2132856"/>
-            <a:ext cx="1656184" cy="504056"/>
-          </a:xfrm>
-          <a:prstGeom prst="rect">
-            <a:avLst/>
-          </a:prstGeom>
-          <a:noFill/>
-          <a:ln>
-            <a:solidFill>
-              <a:schemeClr val="tx1">
-                <a:lumMod val="50000"/>
-                <a:lumOff val="50000"/>
-              </a:schemeClr>
-            </a:solidFill>
-          </a:ln>
-        </p:spPr>
-        <p:style>
-          <a:lnRef idx="2">
-            <a:schemeClr val="accent1">
-              <a:shade val="50000"/>
-            </a:schemeClr>
-          </a:lnRef>
-          <a:fillRef idx="1">
-            <a:schemeClr val="accent1"/>
-          </a:fillRef>
-          <a:effectRef idx="0">
-            <a:schemeClr val="accent1"/>
-          </a:effectRef>
-          <a:fontRef idx="minor">
-            <a:schemeClr val="lt1"/>
-          </a:fontRef>
-        </p:style>
-        <p:txBody>
-          <a:bodyPr rtlCol="0" anchor="ctr"/>
-          <a:lstStyle/>
-          <a:p>
-            <a:pPr algn="ctr"/>
-            <a:endParaRPr lang="ko-KR" altLang="en-US" dirty="0">
-              <a:solidFill>
-                <a:schemeClr val="tx1"/>
-              </a:solidFill>
-            </a:endParaRPr>
-          </a:p>
-        </p:txBody>
-      </p:sp>
-      <p:sp>
-        <p:nvSpPr>
           <p:cNvPr id="14" name="직사각형 13"/>
           <p:cNvSpPr/>
           <p:nvPr/>
@@ -3940,55 +3887,6 @@
       </p:sp>
       <p:sp>
         <p:nvSpPr>
-          <p:cNvPr id="17" name="직사각형 16"/>
-          <p:cNvSpPr/>
-          <p:nvPr/>
-        </p:nvSpPr>
-        <p:spPr>
-          <a:xfrm>
-            <a:off x="6876256" y="2132856"/>
-            <a:ext cx="1656184" cy="504056"/>
-          </a:xfrm>
-          <a:prstGeom prst="rect">
-            <a:avLst/>
-          </a:prstGeom>
-          <a:noFill/>
-          <a:ln>
-            <a:solidFill>
-              <a:schemeClr val="tx1">
-                <a:lumMod val="50000"/>
-                <a:lumOff val="50000"/>
-              </a:schemeClr>
-            </a:solidFill>
-          </a:ln>
-        </p:spPr>
-        <p:style>
-          <a:lnRef idx="2">
-            <a:schemeClr val="accent1">
-              <a:shade val="50000"/>
-            </a:schemeClr>
-          </a:lnRef>
-          <a:fillRef idx="1">
-            <a:schemeClr val="accent1"/>
-          </a:fillRef>
-          <a:effectRef idx="0">
-            <a:schemeClr val="accent1"/>
-          </a:effectRef>
-          <a:fontRef idx="minor">
-            <a:schemeClr val="lt1"/>
-          </a:fontRef>
-        </p:style>
-        <p:txBody>
-          <a:bodyPr rtlCol="0" anchor="ctr"/>
-          <a:lstStyle/>
-          <a:p>
-            <a:pPr algn="ctr"/>
-            <a:endParaRPr lang="ko-KR" altLang="en-US"/>
-          </a:p>
-        </p:txBody>
-      </p:sp>
-      <p:sp>
-        <p:nvSpPr>
           <p:cNvPr id="18" name="직사각형 17"/>
           <p:cNvSpPr/>
           <p:nvPr/>
@@ -4533,6 +4431,669 @@
           </a:fontRef>
         </p:style>
       </p:cxnSp>
+      <p:sp>
+        <p:nvSpPr>
+          <p:cNvPr id="31" name="직사각형 30"/>
+          <p:cNvSpPr/>
+          <p:nvPr/>
+        </p:nvSpPr>
+        <p:spPr>
+          <a:xfrm>
+            <a:off x="539552" y="2238772"/>
+            <a:ext cx="1224136" cy="288032"/>
+          </a:xfrm>
+          <a:prstGeom prst="rect">
+            <a:avLst/>
+          </a:prstGeom>
+          <a:noFill/>
+          <a:ln>
+            <a:solidFill>
+              <a:schemeClr val="tx1">
+                <a:lumMod val="50000"/>
+                <a:lumOff val="50000"/>
+              </a:schemeClr>
+            </a:solidFill>
+          </a:ln>
+        </p:spPr>
+        <p:style>
+          <a:lnRef idx="2">
+            <a:schemeClr val="accent1">
+              <a:shade val="50000"/>
+            </a:schemeClr>
+          </a:lnRef>
+          <a:fillRef idx="1">
+            <a:schemeClr val="accent1"/>
+          </a:fillRef>
+          <a:effectRef idx="0">
+            <a:schemeClr val="accent1"/>
+          </a:effectRef>
+          <a:fontRef idx="minor">
+            <a:schemeClr val="lt1"/>
+          </a:fontRef>
+        </p:style>
+        <p:txBody>
+          <a:bodyPr rtlCol="0" anchor="ctr"/>
+          <a:lstStyle/>
+          <a:p>
+            <a:pPr algn="ctr"/>
+            <a:r>
+              <a:rPr lang="en-US" altLang="ko-KR" sz="1600" dirty="0" smtClean="0">
+                <a:solidFill>
+                  <a:schemeClr val="tx1"/>
+                </a:solidFill>
+              </a:rPr>
+              <a:t>index</a:t>
+            </a:r>
+            <a:endParaRPr lang="ko-KR" altLang="en-US" sz="1600" dirty="0">
+              <a:solidFill>
+                <a:schemeClr val="tx1"/>
+              </a:solidFill>
+            </a:endParaRPr>
+          </a:p>
+        </p:txBody>
+      </p:sp>
+      <p:sp>
+        <p:nvSpPr>
+          <p:cNvPr id="32" name="직사각형 31"/>
+          <p:cNvSpPr/>
+          <p:nvPr/>
+        </p:nvSpPr>
+        <p:spPr>
+          <a:xfrm>
+            <a:off x="539552" y="3068960"/>
+            <a:ext cx="1224136" cy="288032"/>
+          </a:xfrm>
+          <a:prstGeom prst="rect">
+            <a:avLst/>
+          </a:prstGeom>
+          <a:noFill/>
+          <a:ln>
+            <a:solidFill>
+              <a:schemeClr val="tx1">
+                <a:lumMod val="50000"/>
+                <a:lumOff val="50000"/>
+              </a:schemeClr>
+            </a:solidFill>
+          </a:ln>
+        </p:spPr>
+        <p:style>
+          <a:lnRef idx="2">
+            <a:schemeClr val="accent1">
+              <a:shade val="50000"/>
+            </a:schemeClr>
+          </a:lnRef>
+          <a:fillRef idx="1">
+            <a:schemeClr val="accent1"/>
+          </a:fillRef>
+          <a:effectRef idx="0">
+            <a:schemeClr val="accent1"/>
+          </a:effectRef>
+          <a:fontRef idx="minor">
+            <a:schemeClr val="lt1"/>
+          </a:fontRef>
+        </p:style>
+        <p:txBody>
+          <a:bodyPr rtlCol="0" anchor="ctr"/>
+          <a:lstStyle/>
+          <a:p>
+            <a:pPr algn="ctr"/>
+            <a:r>
+              <a:rPr lang="en-US" altLang="ko-KR" sz="1600" dirty="0" err="1" smtClean="0">
+                <a:solidFill>
+                  <a:schemeClr val="tx1"/>
+                </a:solidFill>
+              </a:rPr>
+              <a:t>signInForm</a:t>
+            </a:r>
+            <a:endParaRPr lang="ko-KR" altLang="en-US" sz="1600" dirty="0">
+              <a:solidFill>
+                <a:schemeClr val="tx1"/>
+              </a:solidFill>
+            </a:endParaRPr>
+          </a:p>
+        </p:txBody>
+      </p:sp>
+      <p:sp>
+        <p:nvSpPr>
+          <p:cNvPr id="33" name="직사각형 32"/>
+          <p:cNvSpPr/>
+          <p:nvPr/>
+        </p:nvSpPr>
+        <p:spPr>
+          <a:xfrm>
+            <a:off x="467544" y="3429000"/>
+            <a:ext cx="1440160" cy="288032"/>
+          </a:xfrm>
+          <a:prstGeom prst="rect">
+            <a:avLst/>
+          </a:prstGeom>
+          <a:noFill/>
+          <a:ln>
+            <a:solidFill>
+              <a:schemeClr val="tx1">
+                <a:lumMod val="50000"/>
+                <a:lumOff val="50000"/>
+              </a:schemeClr>
+            </a:solidFill>
+          </a:ln>
+        </p:spPr>
+        <p:style>
+          <a:lnRef idx="2">
+            <a:schemeClr val="accent1">
+              <a:shade val="50000"/>
+            </a:schemeClr>
+          </a:lnRef>
+          <a:fillRef idx="1">
+            <a:schemeClr val="accent1"/>
+          </a:fillRef>
+          <a:effectRef idx="0">
+            <a:schemeClr val="accent1"/>
+          </a:effectRef>
+          <a:fontRef idx="minor">
+            <a:schemeClr val="lt1"/>
+          </a:fontRef>
+        </p:style>
+        <p:txBody>
+          <a:bodyPr rtlCol="0" anchor="ctr"/>
+          <a:lstStyle/>
+          <a:p>
+            <a:pPr algn="ctr"/>
+            <a:r>
+              <a:rPr lang="en-US" altLang="ko-KR" sz="1600" dirty="0" err="1" smtClean="0">
+                <a:solidFill>
+                  <a:schemeClr val="tx1"/>
+                </a:solidFill>
+              </a:rPr>
+              <a:t>signUpForm</a:t>
+            </a:r>
+            <a:endParaRPr lang="ko-KR" altLang="en-US" sz="1600" dirty="0">
+              <a:solidFill>
+                <a:schemeClr val="tx1"/>
+              </a:solidFill>
+            </a:endParaRPr>
+          </a:p>
+        </p:txBody>
+      </p:sp>
+      <p:sp>
+        <p:nvSpPr>
+          <p:cNvPr id="34" name="직사각형 33"/>
+          <p:cNvSpPr/>
+          <p:nvPr/>
+        </p:nvSpPr>
+        <p:spPr>
+          <a:xfrm>
+            <a:off x="179512" y="4149080"/>
+            <a:ext cx="864096" cy="288032"/>
+          </a:xfrm>
+          <a:prstGeom prst="rect">
+            <a:avLst/>
+          </a:prstGeom>
+          <a:noFill/>
+          <a:ln>
+            <a:solidFill>
+              <a:schemeClr val="tx1">
+                <a:lumMod val="50000"/>
+                <a:lumOff val="50000"/>
+              </a:schemeClr>
+            </a:solidFill>
+          </a:ln>
+        </p:spPr>
+        <p:style>
+          <a:lnRef idx="2">
+            <a:schemeClr val="accent1">
+              <a:shade val="50000"/>
+            </a:schemeClr>
+          </a:lnRef>
+          <a:fillRef idx="1">
+            <a:schemeClr val="accent1"/>
+          </a:fillRef>
+          <a:effectRef idx="0">
+            <a:schemeClr val="accent1"/>
+          </a:effectRef>
+          <a:fontRef idx="minor">
+            <a:schemeClr val="lt1"/>
+          </a:fontRef>
+        </p:style>
+        <p:txBody>
+          <a:bodyPr rtlCol="0" anchor="ctr"/>
+          <a:lstStyle/>
+          <a:p>
+            <a:pPr algn="ctr"/>
+            <a:r>
+              <a:rPr lang="en-US" altLang="ko-KR" sz="1600" dirty="0" smtClean="0">
+                <a:solidFill>
+                  <a:schemeClr val="tx1"/>
+                </a:solidFill>
+              </a:rPr>
+              <a:t>list</a:t>
+            </a:r>
+            <a:endParaRPr lang="ko-KR" altLang="en-US" sz="1600" dirty="0">
+              <a:solidFill>
+                <a:schemeClr val="tx1"/>
+              </a:solidFill>
+            </a:endParaRPr>
+          </a:p>
+        </p:txBody>
+      </p:sp>
+      <p:sp>
+        <p:nvSpPr>
+          <p:cNvPr id="35" name="직사각형 34"/>
+          <p:cNvSpPr/>
+          <p:nvPr/>
+        </p:nvSpPr>
+        <p:spPr>
+          <a:xfrm>
+            <a:off x="1259632" y="4581128"/>
+            <a:ext cx="792088" cy="288032"/>
+          </a:xfrm>
+          <a:prstGeom prst="rect">
+            <a:avLst/>
+          </a:prstGeom>
+          <a:noFill/>
+          <a:ln>
+            <a:solidFill>
+              <a:schemeClr val="tx1">
+                <a:lumMod val="50000"/>
+                <a:lumOff val="50000"/>
+              </a:schemeClr>
+            </a:solidFill>
+          </a:ln>
+        </p:spPr>
+        <p:style>
+          <a:lnRef idx="2">
+            <a:schemeClr val="accent1">
+              <a:shade val="50000"/>
+            </a:schemeClr>
+          </a:lnRef>
+          <a:fillRef idx="1">
+            <a:schemeClr val="accent1"/>
+          </a:fillRef>
+          <a:effectRef idx="0">
+            <a:schemeClr val="accent1"/>
+          </a:effectRef>
+          <a:fontRef idx="minor">
+            <a:schemeClr val="lt1"/>
+          </a:fontRef>
+        </p:style>
+        <p:txBody>
+          <a:bodyPr rtlCol="0" anchor="ctr"/>
+          <a:lstStyle/>
+          <a:p>
+            <a:pPr algn="ctr"/>
+            <a:r>
+              <a:rPr lang="en-US" altLang="ko-KR" sz="1600" dirty="0" smtClean="0">
+                <a:solidFill>
+                  <a:schemeClr val="tx1"/>
+                </a:solidFill>
+              </a:rPr>
+              <a:t>write</a:t>
+            </a:r>
+            <a:endParaRPr lang="ko-KR" altLang="en-US" sz="1600" dirty="0">
+              <a:solidFill>
+                <a:schemeClr val="tx1"/>
+              </a:solidFill>
+            </a:endParaRPr>
+          </a:p>
+        </p:txBody>
+      </p:sp>
+      <p:sp>
+        <p:nvSpPr>
+          <p:cNvPr id="36" name="직사각형 35"/>
+          <p:cNvSpPr/>
+          <p:nvPr/>
+        </p:nvSpPr>
+        <p:spPr>
+          <a:xfrm>
+            <a:off x="179512" y="4581128"/>
+            <a:ext cx="1008112" cy="288032"/>
+          </a:xfrm>
+          <a:prstGeom prst="rect">
+            <a:avLst/>
+          </a:prstGeom>
+          <a:noFill/>
+          <a:ln>
+            <a:solidFill>
+              <a:schemeClr val="tx1">
+                <a:lumMod val="50000"/>
+                <a:lumOff val="50000"/>
+              </a:schemeClr>
+            </a:solidFill>
+          </a:ln>
+        </p:spPr>
+        <p:style>
+          <a:lnRef idx="2">
+            <a:schemeClr val="accent1">
+              <a:shade val="50000"/>
+            </a:schemeClr>
+          </a:lnRef>
+          <a:fillRef idx="1">
+            <a:schemeClr val="accent1"/>
+          </a:fillRef>
+          <a:effectRef idx="0">
+            <a:schemeClr val="accent1"/>
+          </a:effectRef>
+          <a:fontRef idx="minor">
+            <a:schemeClr val="lt1"/>
+          </a:fontRef>
+        </p:style>
+        <p:txBody>
+          <a:bodyPr rtlCol="0" anchor="ctr"/>
+          <a:lstStyle/>
+          <a:p>
+            <a:pPr algn="ctr"/>
+            <a:r>
+              <a:rPr lang="en-US" altLang="ko-KR" sz="1600" dirty="0" smtClean="0">
+                <a:solidFill>
+                  <a:schemeClr val="tx1"/>
+                </a:solidFill>
+              </a:rPr>
+              <a:t>update</a:t>
+            </a:r>
+            <a:endParaRPr lang="ko-KR" altLang="en-US" sz="1600" dirty="0">
+              <a:solidFill>
+                <a:schemeClr val="tx1"/>
+              </a:solidFill>
+            </a:endParaRPr>
+          </a:p>
+        </p:txBody>
+      </p:sp>
+      <p:sp>
+        <p:nvSpPr>
+          <p:cNvPr id="37" name="직사각형 36"/>
+          <p:cNvSpPr/>
+          <p:nvPr/>
+        </p:nvSpPr>
+        <p:spPr>
+          <a:xfrm>
+            <a:off x="1115616" y="4149080"/>
+            <a:ext cx="936104" cy="288032"/>
+          </a:xfrm>
+          <a:prstGeom prst="rect">
+            <a:avLst/>
+          </a:prstGeom>
+          <a:noFill/>
+          <a:ln>
+            <a:solidFill>
+              <a:schemeClr val="tx1">
+                <a:lumMod val="50000"/>
+                <a:lumOff val="50000"/>
+              </a:schemeClr>
+            </a:solidFill>
+          </a:ln>
+        </p:spPr>
+        <p:style>
+          <a:lnRef idx="2">
+            <a:schemeClr val="accent1">
+              <a:shade val="50000"/>
+            </a:schemeClr>
+          </a:lnRef>
+          <a:fillRef idx="1">
+            <a:schemeClr val="accent1"/>
+          </a:fillRef>
+          <a:effectRef idx="0">
+            <a:schemeClr val="accent1"/>
+          </a:effectRef>
+          <a:fontRef idx="minor">
+            <a:schemeClr val="lt1"/>
+          </a:fontRef>
+        </p:style>
+        <p:txBody>
+          <a:bodyPr rtlCol="0" anchor="ctr"/>
+          <a:lstStyle/>
+          <a:p>
+            <a:pPr algn="ctr"/>
+            <a:r>
+              <a:rPr lang="en-US" altLang="ko-KR" sz="1600" dirty="0" smtClean="0">
+                <a:solidFill>
+                  <a:schemeClr val="tx1"/>
+                </a:solidFill>
+              </a:rPr>
+              <a:t>detail</a:t>
+            </a:r>
+            <a:endParaRPr lang="ko-KR" altLang="en-US" sz="1600" dirty="0">
+              <a:solidFill>
+                <a:schemeClr val="tx1"/>
+              </a:solidFill>
+            </a:endParaRPr>
+          </a:p>
+        </p:txBody>
+      </p:sp>
+      <p:cxnSp>
+        <p:nvCxnSpPr>
+          <p:cNvPr id="38" name="직선 화살표 연결선 37"/>
+          <p:cNvCxnSpPr>
+            <a:stCxn id="31" idx="3"/>
+            <a:endCxn id="9" idx="1"/>
+          </p:cNvCxnSpPr>
+          <p:nvPr/>
+        </p:nvCxnSpPr>
+        <p:spPr>
+          <a:xfrm>
+            <a:off x="1763688" y="2382788"/>
+            <a:ext cx="792088" cy="2096"/>
+          </a:xfrm>
+          <a:prstGeom prst="straightConnector1">
+            <a:avLst/>
+          </a:prstGeom>
+          <a:ln w="28575">
+            <a:solidFill>
+              <a:srgbClr val="FF0000"/>
+            </a:solidFill>
+            <a:tailEnd type="arrow"/>
+          </a:ln>
+        </p:spPr>
+        <p:style>
+          <a:lnRef idx="1">
+            <a:schemeClr val="accent1"/>
+          </a:lnRef>
+          <a:fillRef idx="0">
+            <a:schemeClr val="accent1"/>
+          </a:fillRef>
+          <a:effectRef idx="0">
+            <a:schemeClr val="accent1"/>
+          </a:effectRef>
+          <a:fontRef idx="minor">
+            <a:schemeClr val="tx1"/>
+          </a:fontRef>
+        </p:style>
+      </p:cxnSp>
+      <p:cxnSp>
+        <p:nvCxnSpPr>
+          <p:cNvPr id="39" name="직선 화살표 연결선 38"/>
+          <p:cNvCxnSpPr>
+            <a:stCxn id="32" idx="3"/>
+            <a:endCxn id="10" idx="1"/>
+          </p:cNvCxnSpPr>
+          <p:nvPr/>
+        </p:nvCxnSpPr>
+        <p:spPr>
+          <a:xfrm>
+            <a:off x="1763688" y="3212976"/>
+            <a:ext cx="648072" cy="180020"/>
+          </a:xfrm>
+          <a:prstGeom prst="straightConnector1">
+            <a:avLst/>
+          </a:prstGeom>
+          <a:ln w="28575">
+            <a:solidFill>
+              <a:srgbClr val="FF0000"/>
+            </a:solidFill>
+            <a:tailEnd type="arrow"/>
+          </a:ln>
+        </p:spPr>
+        <p:style>
+          <a:lnRef idx="1">
+            <a:schemeClr val="accent1"/>
+          </a:lnRef>
+          <a:fillRef idx="0">
+            <a:schemeClr val="accent1"/>
+          </a:fillRef>
+          <a:effectRef idx="0">
+            <a:schemeClr val="accent1"/>
+          </a:effectRef>
+          <a:fontRef idx="minor">
+            <a:schemeClr val="tx1"/>
+          </a:fontRef>
+        </p:style>
+      </p:cxnSp>
+      <p:cxnSp>
+        <p:nvCxnSpPr>
+          <p:cNvPr id="40" name="직선 화살표 연결선 39"/>
+          <p:cNvCxnSpPr>
+            <a:stCxn id="33" idx="3"/>
+            <a:endCxn id="10" idx="1"/>
+          </p:cNvCxnSpPr>
+          <p:nvPr/>
+        </p:nvCxnSpPr>
+        <p:spPr>
+          <a:xfrm flipV="1">
+            <a:off x="1907704" y="3392996"/>
+            <a:ext cx="504056" cy="180020"/>
+          </a:xfrm>
+          <a:prstGeom prst="straightConnector1">
+            <a:avLst/>
+          </a:prstGeom>
+          <a:ln w="28575">
+            <a:solidFill>
+              <a:srgbClr val="FF0000"/>
+            </a:solidFill>
+            <a:tailEnd type="arrow"/>
+          </a:ln>
+        </p:spPr>
+        <p:style>
+          <a:lnRef idx="1">
+            <a:schemeClr val="accent1"/>
+          </a:lnRef>
+          <a:fillRef idx="0">
+            <a:schemeClr val="accent1"/>
+          </a:fillRef>
+          <a:effectRef idx="0">
+            <a:schemeClr val="accent1"/>
+          </a:effectRef>
+          <a:fontRef idx="minor">
+            <a:schemeClr val="tx1"/>
+          </a:fontRef>
+        </p:style>
+      </p:cxnSp>
+      <p:cxnSp>
+        <p:nvCxnSpPr>
+          <p:cNvPr id="41" name="직선 화살표 연결선 40"/>
+          <p:cNvCxnSpPr>
+            <a:stCxn id="50" idx="3"/>
+            <a:endCxn id="11" idx="1"/>
+          </p:cNvCxnSpPr>
+          <p:nvPr/>
+        </p:nvCxnSpPr>
+        <p:spPr>
+          <a:xfrm flipV="1">
+            <a:off x="2195736" y="4401108"/>
+            <a:ext cx="360040" cy="108012"/>
+          </a:xfrm>
+          <a:prstGeom prst="straightConnector1">
+            <a:avLst/>
+          </a:prstGeom>
+          <a:ln w="28575">
+            <a:solidFill>
+              <a:srgbClr val="FF0000"/>
+            </a:solidFill>
+            <a:tailEnd type="arrow"/>
+          </a:ln>
+        </p:spPr>
+        <p:style>
+          <a:lnRef idx="1">
+            <a:schemeClr val="accent1"/>
+          </a:lnRef>
+          <a:fillRef idx="0">
+            <a:schemeClr val="accent1"/>
+          </a:fillRef>
+          <a:effectRef idx="0">
+            <a:schemeClr val="accent1"/>
+          </a:effectRef>
+          <a:fontRef idx="minor">
+            <a:schemeClr val="tx1"/>
+          </a:fontRef>
+        </p:style>
+      </p:cxnSp>
+      <p:sp>
+        <p:nvSpPr>
+          <p:cNvPr id="50" name="직사각형 49"/>
+          <p:cNvSpPr/>
+          <p:nvPr/>
+        </p:nvSpPr>
+        <p:spPr>
+          <a:xfrm>
+            <a:off x="107504" y="4005064"/>
+            <a:ext cx="2088232" cy="1008112"/>
+          </a:xfrm>
+          <a:prstGeom prst="rect">
+            <a:avLst/>
+          </a:prstGeom>
+          <a:noFill/>
+          <a:ln>
+            <a:solidFill>
+              <a:schemeClr val="tx1">
+                <a:lumMod val="50000"/>
+                <a:lumOff val="50000"/>
+              </a:schemeClr>
+            </a:solidFill>
+            <a:prstDash val="dash"/>
+          </a:ln>
+        </p:spPr>
+        <p:style>
+          <a:lnRef idx="2">
+            <a:schemeClr val="accent1">
+              <a:shade val="50000"/>
+            </a:schemeClr>
+          </a:lnRef>
+          <a:fillRef idx="1">
+            <a:schemeClr val="accent1"/>
+          </a:fillRef>
+          <a:effectRef idx="0">
+            <a:schemeClr val="accent1"/>
+          </a:effectRef>
+          <a:fontRef idx="minor">
+            <a:schemeClr val="lt1"/>
+          </a:fontRef>
+        </p:style>
+        <p:txBody>
+          <a:bodyPr rtlCol="0" anchor="ctr"/>
+          <a:lstStyle/>
+          <a:p>
+            <a:pPr algn="ctr"/>
+            <a:endParaRPr lang="ko-KR" altLang="en-US"/>
+          </a:p>
+        </p:txBody>
+      </p:sp>
+      <p:sp>
+        <p:nvSpPr>
+          <p:cNvPr id="53" name="TextBox 52"/>
+          <p:cNvSpPr txBox="1"/>
+          <p:nvPr/>
+        </p:nvSpPr>
+        <p:spPr>
+          <a:xfrm>
+            <a:off x="827584" y="1628800"/>
+            <a:ext cx="524503" cy="369332"/>
+          </a:xfrm>
+          <a:prstGeom prst="rect">
+            <a:avLst/>
+          </a:prstGeom>
+          <a:noFill/>
+        </p:spPr>
+        <p:txBody>
+          <a:bodyPr wrap="none" rtlCol="0">
+            <a:spAutoFit/>
+          </a:bodyPr>
+          <a:lstStyle/>
+          <a:p>
+            <a:r>
+              <a:rPr lang="en-US" altLang="ko-KR" dirty="0" smtClean="0"/>
+              <a:t>JSP</a:t>
+            </a:r>
+            <a:endParaRPr lang="ko-KR" altLang="en-US" dirty="0"/>
+          </a:p>
+        </p:txBody>
+      </p:sp>
     </p:spTree>
   </p:cSld>
   <p:clrMapOvr>
@@ -4663,18 +5224,7 @@
                 <a:ea typeface="Arial Unicode MS" pitchFamily="50" charset="-127"/>
                 <a:cs typeface="Arial Unicode MS" pitchFamily="50" charset="-127"/>
               </a:rPr>
-              <a:t>분</a:t>
-            </a:r>
-            <a:r>
-              <a:rPr lang="ko-KR" altLang="en-US" sz="2000" dirty="0" smtClean="0">
-                <a:solidFill>
-                  <a:schemeClr val="tx1"/>
-                </a:solidFill>
-                <a:latin typeface="Arial Unicode MS" pitchFamily="50" charset="-127"/>
-                <a:ea typeface="Arial Unicode MS" pitchFamily="50" charset="-127"/>
-                <a:cs typeface="Arial Unicode MS" pitchFamily="50" charset="-127"/>
-              </a:rPr>
-              <a:t>업</a:t>
+              <a:t>분업</a:t>
             </a:r>
             <a:endParaRPr lang="ko-KR" altLang="en-US" sz="2000" dirty="0">
               <a:solidFill>
@@ -5230,6 +5780,377 @@
           </a:p>
         </p:txBody>
       </p:sp>
+      <p:sp>
+        <p:nvSpPr>
+          <p:cNvPr id="4" name="직사각형 3"/>
+          <p:cNvSpPr/>
+          <p:nvPr/>
+        </p:nvSpPr>
+        <p:spPr>
+          <a:xfrm>
+            <a:off x="2172684" y="1700808"/>
+            <a:ext cx="2111284" cy="2446824"/>
+          </a:xfrm>
+          <a:prstGeom prst="rect">
+            <a:avLst/>
+          </a:prstGeom>
+          <a:ln>
+            <a:noFill/>
+          </a:ln>
+        </p:spPr>
+        <p:txBody>
+          <a:bodyPr wrap="none">
+            <a:spAutoFit/>
+          </a:bodyPr>
+          <a:lstStyle/>
+          <a:p>
+            <a:pPr>
+              <a:lnSpc>
+                <a:spcPct val="150000"/>
+              </a:lnSpc>
+            </a:pPr>
+            <a:r>
+              <a:rPr lang="en-US" altLang="ko-KR" dirty="0" smtClean="0"/>
+              <a:t>Project </a:t>
+            </a:r>
+            <a:r>
+              <a:rPr lang="ko-KR" altLang="en-US" dirty="0" smtClean="0"/>
+              <a:t>특이사항</a:t>
+            </a:r>
+            <a:endParaRPr lang="en-US" altLang="ko-KR" dirty="0" smtClean="0"/>
+          </a:p>
+          <a:p>
+            <a:pPr>
+              <a:lnSpc>
+                <a:spcPct val="150000"/>
+              </a:lnSpc>
+            </a:pPr>
+            <a:endParaRPr lang="en-US" altLang="ko-KR" sz="1400" dirty="0" smtClean="0"/>
+          </a:p>
+          <a:p>
+            <a:pPr>
+              <a:lnSpc>
+                <a:spcPct val="150000"/>
+              </a:lnSpc>
+            </a:pPr>
+            <a:r>
+              <a:rPr lang="en-US" altLang="ko-KR" sz="1400" dirty="0" smtClean="0"/>
+              <a:t>Bootstrap </a:t>
+            </a:r>
+            <a:r>
+              <a:rPr lang="en-US" altLang="ko-KR" sz="1400" dirty="0" err="1" smtClean="0"/>
+              <a:t>css</a:t>
+            </a:r>
+            <a:r>
+              <a:rPr lang="en-US" altLang="ko-KR" sz="1400" dirty="0" smtClean="0"/>
+              <a:t> </a:t>
+            </a:r>
+            <a:r>
+              <a:rPr lang="ko-KR" altLang="en-US" sz="1400" dirty="0" smtClean="0"/>
+              <a:t>적용</a:t>
+            </a:r>
+            <a:endParaRPr lang="en-US" altLang="ko-KR" sz="1400" dirty="0" smtClean="0"/>
+          </a:p>
+          <a:p>
+            <a:pPr>
+              <a:lnSpc>
+                <a:spcPct val="150000"/>
+              </a:lnSpc>
+            </a:pPr>
+            <a:r>
+              <a:rPr lang="en-US" altLang="ko-KR" sz="1400" dirty="0" err="1" smtClean="0"/>
+              <a:t>jQuery</a:t>
+            </a:r>
+            <a:r>
+              <a:rPr lang="en-US" altLang="ko-KR" sz="1400" dirty="0" smtClean="0"/>
+              <a:t> </a:t>
+            </a:r>
+            <a:r>
+              <a:rPr lang="ko-KR" altLang="en-US" sz="1400" dirty="0" smtClean="0"/>
+              <a:t>라이브러리 적용</a:t>
+            </a:r>
+            <a:endParaRPr lang="en-US" altLang="ko-KR" sz="1400" dirty="0" smtClean="0"/>
+          </a:p>
+          <a:p>
+            <a:pPr>
+              <a:lnSpc>
+                <a:spcPct val="150000"/>
+              </a:lnSpc>
+            </a:pPr>
+            <a:r>
+              <a:rPr lang="en-US" altLang="ko-KR" sz="1400" dirty="0" err="1" smtClean="0"/>
+              <a:t>jQuery</a:t>
+            </a:r>
+            <a:r>
+              <a:rPr lang="en-US" altLang="ko-KR" sz="1400" dirty="0" smtClean="0"/>
+              <a:t> UI </a:t>
+            </a:r>
+            <a:r>
+              <a:rPr lang="ko-KR" altLang="en-US" sz="1400" dirty="0" smtClean="0"/>
+              <a:t>적용</a:t>
+            </a:r>
+            <a:endParaRPr lang="en-US" altLang="ko-KR" sz="1400" dirty="0" smtClean="0"/>
+          </a:p>
+          <a:p>
+            <a:pPr>
+              <a:lnSpc>
+                <a:spcPct val="150000"/>
+              </a:lnSpc>
+            </a:pPr>
+            <a:r>
+              <a:rPr lang="en-US" altLang="ko-KR" sz="1400" dirty="0" smtClean="0"/>
+              <a:t>Bootstrap UI </a:t>
+            </a:r>
+            <a:r>
+              <a:rPr lang="ko-KR" altLang="en-US" sz="1400" dirty="0" smtClean="0"/>
+              <a:t>적용</a:t>
+            </a:r>
+            <a:endParaRPr lang="en-US" altLang="ko-KR" sz="1400" dirty="0" smtClean="0"/>
+          </a:p>
+          <a:p>
+            <a:pPr>
+              <a:lnSpc>
+                <a:spcPct val="150000"/>
+              </a:lnSpc>
+            </a:pPr>
+            <a:r>
+              <a:rPr lang="en-US" altLang="ko-KR" sz="1400" dirty="0" err="1" smtClean="0"/>
+              <a:t>ajax</a:t>
+            </a:r>
+            <a:r>
+              <a:rPr lang="en-US" altLang="ko-KR" sz="1400" dirty="0" smtClean="0"/>
+              <a:t> / </a:t>
+            </a:r>
+            <a:r>
+              <a:rPr lang="en-US" altLang="ko-KR" sz="1400" dirty="0" err="1" smtClean="0"/>
+              <a:t>json</a:t>
+            </a:r>
+            <a:r>
+              <a:rPr lang="en-US" altLang="ko-KR" sz="1400" dirty="0" smtClean="0"/>
+              <a:t> </a:t>
+            </a:r>
+            <a:r>
+              <a:rPr lang="ko-KR" altLang="en-US" sz="1400" dirty="0" smtClean="0"/>
+              <a:t>적용</a:t>
+            </a:r>
+            <a:endParaRPr lang="ko-KR" altLang="en-US" dirty="0"/>
+          </a:p>
+        </p:txBody>
+      </p:sp>
+      <p:sp>
+        <p:nvSpPr>
+          <p:cNvPr id="5" name="직사각형 4"/>
+          <p:cNvSpPr/>
+          <p:nvPr/>
+        </p:nvSpPr>
+        <p:spPr>
+          <a:xfrm>
+            <a:off x="5099108" y="1700808"/>
+            <a:ext cx="1935786" cy="4708981"/>
+          </a:xfrm>
+          <a:prstGeom prst="rect">
+            <a:avLst/>
+          </a:prstGeom>
+          <a:ln>
+            <a:noFill/>
+          </a:ln>
+        </p:spPr>
+        <p:txBody>
+          <a:bodyPr wrap="none">
+            <a:spAutoFit/>
+          </a:bodyPr>
+          <a:lstStyle/>
+          <a:p>
+            <a:pPr>
+              <a:lnSpc>
+                <a:spcPct val="150000"/>
+              </a:lnSpc>
+            </a:pPr>
+            <a:r>
+              <a:rPr lang="en-US" altLang="ko-KR" dirty="0" smtClean="0"/>
+              <a:t>Project </a:t>
+            </a:r>
+            <a:r>
+              <a:rPr lang="ko-KR" altLang="en-US" dirty="0" smtClean="0"/>
+              <a:t>환경</a:t>
+            </a:r>
+            <a:endParaRPr lang="en-US" altLang="ko-KR" dirty="0" smtClean="0"/>
+          </a:p>
+          <a:p>
+            <a:pPr>
+              <a:lnSpc>
+                <a:spcPct val="150000"/>
+              </a:lnSpc>
+            </a:pPr>
+            <a:endParaRPr lang="en-US" altLang="ko-KR" sz="1400" dirty="0" smtClean="0"/>
+          </a:p>
+          <a:p>
+            <a:pPr>
+              <a:lnSpc>
+                <a:spcPct val="150000"/>
+              </a:lnSpc>
+            </a:pPr>
+            <a:r>
+              <a:rPr lang="en-US" altLang="ko-KR" sz="1400" dirty="0" err="1" smtClean="0"/>
+              <a:t>jdk</a:t>
+            </a:r>
+            <a:r>
+              <a:rPr lang="en-US" altLang="ko-KR" sz="1400" dirty="0" smtClean="0"/>
+              <a:t> 1.7</a:t>
+            </a:r>
+          </a:p>
+          <a:p>
+            <a:pPr>
+              <a:lnSpc>
+                <a:spcPct val="150000"/>
+              </a:lnSpc>
+            </a:pPr>
+            <a:r>
+              <a:rPr lang="en-US" altLang="ko-KR" sz="1400" dirty="0" smtClean="0"/>
+              <a:t>Eclipse J2EE(Luna)</a:t>
+            </a:r>
+          </a:p>
+          <a:p>
+            <a:pPr>
+              <a:lnSpc>
+                <a:spcPct val="150000"/>
+              </a:lnSpc>
+            </a:pPr>
+            <a:r>
+              <a:rPr lang="en-US" altLang="ko-KR" sz="1400" dirty="0" smtClean="0"/>
+              <a:t>Oracle 10g</a:t>
+            </a:r>
+          </a:p>
+          <a:p>
+            <a:pPr>
+              <a:lnSpc>
+                <a:spcPct val="150000"/>
+              </a:lnSpc>
+            </a:pPr>
+            <a:r>
+              <a:rPr lang="en-US" altLang="ko-KR" sz="1400" dirty="0" smtClean="0"/>
+              <a:t>Eclipse Plug-in (Toad)</a:t>
+            </a:r>
+          </a:p>
+          <a:p>
+            <a:pPr>
+              <a:lnSpc>
+                <a:spcPct val="150000"/>
+              </a:lnSpc>
+            </a:pPr>
+            <a:r>
+              <a:rPr lang="en-US" altLang="ko-KR" sz="1400" dirty="0" smtClean="0"/>
+              <a:t>Library</a:t>
+            </a:r>
+          </a:p>
+          <a:p>
+            <a:pPr>
+              <a:lnSpc>
+                <a:spcPct val="150000"/>
+              </a:lnSpc>
+              <a:buFontTx/>
+              <a:buChar char="-"/>
+            </a:pPr>
+            <a:r>
+              <a:rPr lang="en-US" altLang="ko-KR" sz="1400" dirty="0" smtClean="0"/>
+              <a:t>ojdb14</a:t>
+            </a:r>
+          </a:p>
+          <a:p>
+            <a:pPr>
+              <a:lnSpc>
+                <a:spcPct val="150000"/>
+              </a:lnSpc>
+              <a:buFontTx/>
+              <a:buChar char="-"/>
+            </a:pPr>
+            <a:r>
+              <a:rPr lang="en-US" altLang="ko-KR" sz="1400" dirty="0" err="1" smtClean="0"/>
+              <a:t>jstl</a:t>
+            </a:r>
+            <a:r>
+              <a:rPr lang="en-US" altLang="ko-KR" sz="1400" dirty="0" smtClean="0"/>
+              <a:t> 1.2</a:t>
+            </a:r>
+          </a:p>
+          <a:p>
+            <a:pPr>
+              <a:lnSpc>
+                <a:spcPct val="150000"/>
+              </a:lnSpc>
+              <a:buFontTx/>
+              <a:buChar char="-"/>
+            </a:pPr>
+            <a:r>
+              <a:rPr lang="en-US" altLang="ko-KR" sz="1400" dirty="0" err="1" smtClean="0"/>
+              <a:t>iBatis</a:t>
+            </a:r>
+            <a:endParaRPr lang="en-US" altLang="ko-KR" sz="1400" dirty="0" smtClean="0"/>
+          </a:p>
+          <a:p>
+            <a:pPr>
+              <a:lnSpc>
+                <a:spcPct val="150000"/>
+              </a:lnSpc>
+              <a:buFontTx/>
+              <a:buChar char="-"/>
+            </a:pPr>
+            <a:r>
+              <a:rPr lang="en-US" altLang="ko-KR" sz="1400" dirty="0" smtClean="0"/>
+              <a:t>spring framework</a:t>
+            </a:r>
+          </a:p>
+          <a:p>
+            <a:pPr>
+              <a:lnSpc>
+                <a:spcPct val="150000"/>
+              </a:lnSpc>
+              <a:buFontTx/>
+              <a:buChar char="-"/>
+            </a:pPr>
+            <a:r>
+              <a:rPr lang="en-US" altLang="ko-KR" sz="1400" dirty="0" smtClean="0"/>
+              <a:t>slf4j</a:t>
+            </a:r>
+          </a:p>
+          <a:p>
+            <a:pPr>
+              <a:lnSpc>
+                <a:spcPct val="150000"/>
+              </a:lnSpc>
+              <a:buFontTx/>
+              <a:buChar char="-"/>
+            </a:pPr>
+            <a:r>
+              <a:rPr lang="en-US" altLang="ko-KR" sz="1400" dirty="0" smtClean="0"/>
+              <a:t>commons-</a:t>
+            </a:r>
+            <a:r>
+              <a:rPr lang="en-US" altLang="ko-KR" sz="1400" dirty="0" err="1" smtClean="0"/>
+              <a:t>fileupload</a:t>
+            </a:r>
+            <a:endParaRPr lang="en-US" altLang="ko-KR" sz="1400" dirty="0" smtClean="0"/>
+          </a:p>
+          <a:p>
+            <a:pPr>
+              <a:lnSpc>
+                <a:spcPct val="150000"/>
+              </a:lnSpc>
+              <a:buFontTx/>
+              <a:buChar char="-"/>
+            </a:pPr>
+            <a:r>
+              <a:rPr lang="en-US" altLang="ko-KR" sz="1400" dirty="0" smtClean="0"/>
+              <a:t>commons-</a:t>
+            </a:r>
+            <a:r>
+              <a:rPr lang="en-US" altLang="ko-KR" sz="1400" dirty="0" err="1" smtClean="0"/>
+              <a:t>io</a:t>
+            </a:r>
+            <a:endParaRPr lang="ko-KR" altLang="en-US" sz="1400" dirty="0"/>
+          </a:p>
+        </p:txBody>
+      </p:sp>
     </p:spTree>
   </p:cSld>
   <p:clrMapOvr>
@@ -5392,6 +6313,214 @@
               <a:ea typeface="Arial Unicode MS" pitchFamily="50" charset="-127"/>
               <a:cs typeface="Arial Unicode MS" pitchFamily="50" charset="-127"/>
             </a:endParaRPr>
+          </a:p>
+        </p:txBody>
+      </p:sp>
+      <p:pic>
+        <p:nvPicPr>
+          <p:cNvPr id="1026" name="Picture 2"/>
+          <p:cNvPicPr>
+            <a:picLocks noChangeAspect="1" noChangeArrowheads="1"/>
+          </p:cNvPicPr>
+          <p:nvPr/>
+        </p:nvPicPr>
+        <p:blipFill>
+          <a:blip r:embed="rId2" cstate="print"/>
+          <a:srcRect/>
+          <a:stretch>
+            <a:fillRect/>
+          </a:stretch>
+        </p:blipFill>
+        <p:spPr bwMode="auto">
+          <a:xfrm>
+            <a:off x="1907704" y="2300041"/>
+            <a:ext cx="1800200" cy="617029"/>
+          </a:xfrm>
+          <a:prstGeom prst="rect">
+            <a:avLst/>
+          </a:prstGeom>
+          <a:noFill/>
+          <a:ln w="9525">
+            <a:noFill/>
+            <a:miter lim="800000"/>
+            <a:headEnd/>
+            <a:tailEnd/>
+          </a:ln>
+        </p:spPr>
+      </p:pic>
+      <p:pic>
+        <p:nvPicPr>
+          <p:cNvPr id="1027" name="Picture 3"/>
+          <p:cNvPicPr>
+            <a:picLocks noChangeAspect="1" noChangeArrowheads="1"/>
+          </p:cNvPicPr>
+          <p:nvPr/>
+        </p:nvPicPr>
+        <p:blipFill>
+          <a:blip r:embed="rId3" cstate="print"/>
+          <a:srcRect/>
+          <a:stretch>
+            <a:fillRect/>
+          </a:stretch>
+        </p:blipFill>
+        <p:spPr bwMode="auto">
+          <a:xfrm>
+            <a:off x="3656428" y="4481859"/>
+            <a:ext cx="4227939" cy="1971477"/>
+          </a:xfrm>
+          <a:prstGeom prst="rect">
+            <a:avLst/>
+          </a:prstGeom>
+          <a:noFill/>
+          <a:ln w="9525">
+            <a:noFill/>
+            <a:miter lim="800000"/>
+            <a:headEnd/>
+            <a:tailEnd/>
+          </a:ln>
+        </p:spPr>
+      </p:pic>
+      <p:pic>
+        <p:nvPicPr>
+          <p:cNvPr id="1028" name="Picture 4"/>
+          <p:cNvPicPr>
+            <a:picLocks noChangeAspect="1" noChangeArrowheads="1"/>
+          </p:cNvPicPr>
+          <p:nvPr/>
+        </p:nvPicPr>
+        <p:blipFill>
+          <a:blip r:embed="rId4" cstate="print"/>
+          <a:srcRect/>
+          <a:stretch>
+            <a:fillRect/>
+          </a:stretch>
+        </p:blipFill>
+        <p:spPr bwMode="auto">
+          <a:xfrm>
+            <a:off x="3826615" y="2260591"/>
+            <a:ext cx="3913737" cy="1462901"/>
+          </a:xfrm>
+          <a:prstGeom prst="rect">
+            <a:avLst/>
+          </a:prstGeom>
+          <a:noFill/>
+          <a:ln w="9525">
+            <a:noFill/>
+            <a:miter lim="800000"/>
+            <a:headEnd/>
+            <a:tailEnd/>
+          </a:ln>
+        </p:spPr>
+      </p:pic>
+      <p:pic>
+        <p:nvPicPr>
+          <p:cNvPr id="1029" name="Picture 5"/>
+          <p:cNvPicPr>
+            <a:picLocks noChangeAspect="1" noChangeArrowheads="1"/>
+          </p:cNvPicPr>
+          <p:nvPr/>
+        </p:nvPicPr>
+        <p:blipFill>
+          <a:blip r:embed="rId5" cstate="print"/>
+          <a:srcRect/>
+          <a:stretch>
+            <a:fillRect/>
+          </a:stretch>
+        </p:blipFill>
+        <p:spPr bwMode="auto">
+          <a:xfrm>
+            <a:off x="2655278" y="4548562"/>
+            <a:ext cx="829186" cy="752646"/>
+          </a:xfrm>
+          <a:prstGeom prst="rect">
+            <a:avLst/>
+          </a:prstGeom>
+          <a:noFill/>
+          <a:ln w="9525">
+            <a:noFill/>
+            <a:miter lim="800000"/>
+            <a:headEnd/>
+            <a:tailEnd/>
+          </a:ln>
+        </p:spPr>
+      </p:pic>
+      <p:sp>
+        <p:nvSpPr>
+          <p:cNvPr id="9" name="직사각형 8"/>
+          <p:cNvSpPr/>
+          <p:nvPr/>
+        </p:nvSpPr>
+        <p:spPr>
+          <a:xfrm>
+            <a:off x="3667907" y="3923764"/>
+            <a:ext cx="1808187" cy="369332"/>
+          </a:xfrm>
+          <a:prstGeom prst="rect">
+            <a:avLst/>
+          </a:prstGeom>
+          <a:ln>
+            <a:solidFill>
+              <a:schemeClr val="tx1"/>
+            </a:solidFill>
+          </a:ln>
+        </p:spPr>
+        <p:txBody>
+          <a:bodyPr wrap="none">
+            <a:spAutoFit/>
+          </a:bodyPr>
+          <a:lstStyle/>
+          <a:p>
+            <a:r>
+              <a:rPr lang="en-US" altLang="ko-KR" dirty="0" err="1" smtClean="0"/>
+              <a:t>Boostrap</a:t>
+            </a:r>
+            <a:r>
+              <a:rPr lang="en-US" altLang="ko-KR" dirty="0" smtClean="0"/>
+              <a:t> Editor</a:t>
+            </a:r>
+            <a:endParaRPr lang="ko-KR" altLang="en-US" dirty="0"/>
+          </a:p>
+        </p:txBody>
+      </p:sp>
+      <p:sp>
+        <p:nvSpPr>
+          <p:cNvPr id="10" name="직사각형 9"/>
+          <p:cNvSpPr/>
+          <p:nvPr/>
+        </p:nvSpPr>
+        <p:spPr>
+          <a:xfrm>
+            <a:off x="3202202" y="1700808"/>
+            <a:ext cx="2739596" cy="369332"/>
+          </a:xfrm>
+          <a:prstGeom prst="rect">
+            <a:avLst/>
+          </a:prstGeom>
+          <a:ln>
+            <a:solidFill>
+              <a:schemeClr val="tx1"/>
+            </a:solidFill>
+          </a:ln>
+        </p:spPr>
+        <p:txBody>
+          <a:bodyPr wrap="none">
+            <a:spAutoFit/>
+          </a:bodyPr>
+          <a:lstStyle/>
+          <a:p>
+            <a:r>
+              <a:rPr lang="en-US" altLang="ko-KR" dirty="0" err="1" smtClean="0"/>
+              <a:t>jQuery</a:t>
+            </a:r>
+            <a:r>
+              <a:rPr lang="en-US" altLang="ko-KR" dirty="0" smtClean="0"/>
+              <a:t> UI </a:t>
+            </a:r>
+            <a:r>
+              <a:rPr lang="en-US" altLang="ko-KR" dirty="0" err="1" smtClean="0"/>
+              <a:t>Autocomplete</a:t>
+            </a:r>
+            <a:endParaRPr lang="ko-KR" altLang="en-US" dirty="0"/>
           </a:p>
         </p:txBody>
       </p:sp>
@@ -5547,7 +6676,7 @@
         <p:spPr>
           <a:xfrm>
             <a:off x="755576" y="1700808"/>
-            <a:ext cx="7941598" cy="3693319"/>
+            <a:ext cx="7941598" cy="4524315"/>
           </a:xfrm>
           <a:prstGeom prst="rect">
             <a:avLst/>
@@ -5576,11 +6705,7 @@
           <a:p>
             <a:r>
               <a:rPr lang="en-US" altLang="ko-KR" dirty="0" smtClean="0"/>
-              <a:t>	</a:t>
-            </a:r>
-            <a:r>
-              <a:rPr lang="en-US" altLang="ko-KR" dirty="0" smtClean="0"/>
-              <a:t>1. </a:t>
+              <a:t>	1. </a:t>
             </a:r>
             <a:r>
               <a:rPr lang="ko-KR" altLang="en-US" dirty="0" smtClean="0"/>
@@ -5621,26 +6746,14 @@
             </a:pPr>
             <a:r>
               <a:rPr lang="ko-KR" altLang="en-US" dirty="0" smtClean="0"/>
-              <a:t>향후 </a:t>
-            </a:r>
-            <a:r>
-              <a:rPr lang="ko-KR" altLang="en-US" dirty="0" smtClean="0"/>
-              <a:t>업데이트 기능 </a:t>
-            </a:r>
-            <a:r>
-              <a:rPr lang="ko-KR" altLang="en-US" dirty="0" smtClean="0"/>
-              <a:t>계획</a:t>
+              <a:t>향후 업데이트 기능 계획</a:t>
             </a:r>
             <a:endParaRPr lang="en-US" altLang="ko-KR" dirty="0" smtClean="0"/>
           </a:p>
           <a:p>
             <a:r>
               <a:rPr lang="en-US" altLang="ko-KR" dirty="0" smtClean="0"/>
-              <a:t>	</a:t>
-            </a:r>
-            <a:r>
-              <a:rPr lang="en-US" altLang="ko-KR" dirty="0" smtClean="0"/>
-              <a:t>1. </a:t>
+              <a:t>	1. </a:t>
             </a:r>
             <a:r>
               <a:rPr lang="ko-KR" altLang="en-US" dirty="0" smtClean="0"/>
@@ -5665,11 +6778,7 @@
           <a:p>
             <a:r>
               <a:rPr lang="en-US" altLang="ko-KR" dirty="0" smtClean="0"/>
-              <a:t>	</a:t>
-            </a:r>
-            <a:r>
-              <a:rPr lang="en-US" altLang="ko-KR" dirty="0" smtClean="0"/>
-              <a:t>1. </a:t>
+              <a:t>	1. </a:t>
             </a:r>
             <a:r>
               <a:rPr lang="ko-KR" altLang="en-US" dirty="0" smtClean="0"/>
@@ -5680,11 +6789,7 @@
           <a:p>
             <a:r>
               <a:rPr lang="en-US" altLang="ko-KR" dirty="0" smtClean="0"/>
-              <a:t>	</a:t>
-            </a:r>
-            <a:r>
-              <a:rPr lang="en-US" altLang="ko-KR" dirty="0" smtClean="0"/>
-              <a:t>2. </a:t>
+              <a:t>	2. </a:t>
             </a:r>
             <a:r>
               <a:rPr lang="ko-KR" altLang="en-US" dirty="0" smtClean="0"/>
@@ -5695,7 +6800,33 @@
           <a:p>
             <a:r>
               <a:rPr lang="en-US" altLang="ko-KR" dirty="0" smtClean="0"/>
-              <a:t>	</a:t>
+              <a:t>	3. </a:t>
+            </a:r>
+            <a:r>
+              <a:rPr lang="ko-KR" altLang="en-US" dirty="0" smtClean="0"/>
+              <a:t>프로젝트 관리 툴에 대한 숙지가 필요함</a:t>
+            </a:r>
+            <a:endParaRPr lang="en-US" altLang="ko-KR" dirty="0" smtClean="0"/>
+          </a:p>
+          <a:p>
+            <a:r>
+              <a:rPr lang="en-US" altLang="ko-KR" dirty="0" smtClean="0"/>
+              <a:t>	4. </a:t>
+            </a:r>
+            <a:r>
+              <a:rPr lang="ko-KR" altLang="en-US" dirty="0" smtClean="0"/>
+              <a:t>프로젝트 스케줄링이 필요함</a:t>
+            </a:r>
+            <a:endParaRPr lang="en-US" altLang="ko-KR" dirty="0" smtClean="0"/>
+          </a:p>
+          <a:p>
+            <a:r>
+              <a:rPr lang="en-US" altLang="ko-KR" dirty="0" smtClean="0"/>
+              <a:t>	5. </a:t>
+            </a:r>
+            <a:r>
+              <a:rPr lang="ko-KR" altLang="en-US" dirty="0" smtClean="0"/>
+              <a:t>팀원간 회의 시간을 별도로 마련할 필요가 있음</a:t>
             </a:r>
             <a:endParaRPr lang="en-US" altLang="ko-KR" dirty="0" smtClean="0"/>
           </a:p>
@@ -5704,9 +6835,11 @@
               <a:rPr lang="en-US" altLang="ko-KR" dirty="0" smtClean="0"/>
               <a:t>	</a:t>
             </a:r>
+          </a:p>
+          <a:p>
             <a:r>
               <a:rPr lang="en-US" altLang="ko-KR" dirty="0" smtClean="0"/>
-              <a:t> </a:t>
+              <a:t>	 </a:t>
             </a:r>
           </a:p>
           <a:p>
@@ -11270,106 +12403,6 @@
               <a:latin typeface="Arial Unicode MS" pitchFamily="50" charset="-127"/>
               <a:ea typeface="Arial Unicode MS" pitchFamily="50" charset="-127"/>
               <a:cs typeface="Arial Unicode MS" pitchFamily="50" charset="-127"/>
-            </a:endParaRPr>
-          </a:p>
-        </p:txBody>
-      </p:sp>
-      <p:sp>
-        <p:nvSpPr>
-          <p:cNvPr id="19" name="직사각형 18"/>
-          <p:cNvSpPr/>
-          <p:nvPr/>
-        </p:nvSpPr>
-        <p:spPr>
-          <a:xfrm>
-            <a:off x="5580112" y="162798"/>
-            <a:ext cx="3384376" cy="738664"/>
-          </a:xfrm>
-          <a:prstGeom prst="rect">
-            <a:avLst/>
-          </a:prstGeom>
-          <a:noFill/>
-          <a:ln>
-            <a:solidFill>
-              <a:srgbClr val="C00000"/>
-            </a:solidFill>
-          </a:ln>
-        </p:spPr>
-        <p:style>
-          <a:lnRef idx="2">
-            <a:schemeClr val="accent1">
-              <a:shade val="50000"/>
-            </a:schemeClr>
-          </a:lnRef>
-          <a:fillRef idx="1">
-            <a:schemeClr val="accent1"/>
-          </a:fillRef>
-          <a:effectRef idx="0">
-            <a:schemeClr val="accent1"/>
-          </a:effectRef>
-          <a:fontRef idx="minor">
-            <a:schemeClr val="lt1"/>
-          </a:fontRef>
-        </p:style>
-        <p:txBody>
-          <a:bodyPr wrap="square" rtlCol="0" anchor="ctr">
-            <a:spAutoFit/>
-          </a:bodyPr>
-          <a:lstStyle/>
-          <a:p>
-            <a:pPr>
-              <a:buFont typeface="Arial" charset="0"/>
-              <a:buChar char="•"/>
-            </a:pPr>
-            <a:r>
-              <a:rPr lang="ko-KR" altLang="en-US" sz="1050" b="1" dirty="0" smtClean="0">
-                <a:solidFill>
-                  <a:srgbClr val="C00000"/>
-                </a:solidFill>
-              </a:rPr>
-              <a:t> 주의</a:t>
-            </a:r>
-            <a:endParaRPr lang="en-US" altLang="ko-KR" sz="1050" b="1" dirty="0" smtClean="0">
-              <a:solidFill>
-                <a:srgbClr val="C00000"/>
-              </a:solidFill>
-            </a:endParaRPr>
-          </a:p>
-          <a:p>
-            <a:endParaRPr lang="en-US" altLang="ko-KR" sz="1050" b="1" dirty="0" smtClean="0">
-              <a:solidFill>
-                <a:srgbClr val="C00000"/>
-              </a:solidFill>
-            </a:endParaRPr>
-          </a:p>
-          <a:p>
-            <a:r>
-              <a:rPr lang="ko-KR" altLang="en-US" sz="1050" b="1" dirty="0" smtClean="0">
-                <a:solidFill>
-                  <a:srgbClr val="C00000"/>
-                </a:solidFill>
-              </a:rPr>
-              <a:t>동시편집문제</a:t>
-            </a:r>
-            <a:endParaRPr lang="en-US" altLang="ko-KR" sz="1050" b="1" dirty="0" smtClean="0">
-              <a:solidFill>
-                <a:srgbClr val="C00000"/>
-              </a:solidFill>
-            </a:endParaRPr>
-          </a:p>
-          <a:p>
-            <a:r>
-              <a:rPr lang="ko-KR" altLang="en-US" sz="1050" b="1" dirty="0" smtClean="0">
-                <a:solidFill>
-                  <a:srgbClr val="C00000"/>
-                </a:solidFill>
-              </a:rPr>
-              <a:t>카테고리에 포함되는 글이 없으면 카테고리를 삭제함</a:t>
-            </a:r>
-            <a:endParaRPr lang="ko-KR" altLang="en-US" sz="1050" dirty="0">
-              <a:solidFill>
-                <a:srgbClr val="C00000"/>
-              </a:solidFill>
             </a:endParaRPr>
           </a:p>
         </p:txBody>
